--- a/phase0/phase0crcModel.pptx
+++ b/phase0/phase0crcModel.pptx
@@ -1,35 +1,35 @@
 
 <file path=ppt/presentation.xml><?xml version="1.0" encoding="utf-8"?>
-<p:presentation xmlns:a="http://schemas.openxmlformats.org/drawingml/2006/main" xmlns:r="http://schemas.openxmlformats.org/officeDocument/2006/relationships" xmlns:mc="http://schemas.openxmlformats.org/markup-compatibility/2006" xmlns:mv="urn:schemas-microsoft-com:mac:vml" xmlns:p="http://schemas.openxmlformats.org/presentationml/2006/main" xmlns:c="http://schemas.openxmlformats.org/drawingml/2006/chart" xmlns:dgm="http://schemas.openxmlformats.org/drawingml/2006/diagram" xmlns:o="urn:schemas-microsoft-com:office:office" xmlns:v="urn:schemas-microsoft-com:vml" xmlns:pvml="urn:schemas-microsoft-com:office:powerpoint" xmlns:com="http://schemas.openxmlformats.org/drawingml/2006/compatibility" xmlns:p14="http://schemas.microsoft.com/office/powerpoint/2010/main" xmlns:p15="http://schemas.microsoft.com/office/powerpoint/2012/main" xmlns:ahyp="http://schemas.microsoft.com/office/drawing/2018/hyperlinkcolor" autoCompressPictures="0" strictFirstAndLastChars="0" saveSubsetFonts="1">
+<p:presentation xmlns:a="http://schemas.openxmlformats.org/drawingml/2006/main" xmlns:r="http://schemas.openxmlformats.org/officeDocument/2006/relationships" xmlns:p="http://schemas.openxmlformats.org/presentationml/2006/main" strictFirstAndLastChars="0" saveSubsetFonts="1" autoCompressPictures="0">
   <p:sldMasterIdLst>
-    <p:sldMasterId id="2147483659" r:id="rId4"/>
+    <p:sldMasterId id="2147483659" r:id="rId1"/>
   </p:sldMasterIdLst>
   <p:notesMasterIdLst>
-    <p:notesMasterId r:id="rId5"/>
+    <p:notesMasterId r:id="rId19"/>
   </p:notesMasterIdLst>
   <p:sldIdLst>
-    <p:sldId id="256" r:id="rId6"/>
-    <p:sldId id="257" r:id="rId7"/>
-    <p:sldId id="258" r:id="rId8"/>
-    <p:sldId id="259" r:id="rId9"/>
-    <p:sldId id="260" r:id="rId10"/>
-    <p:sldId id="261" r:id="rId11"/>
-    <p:sldId id="262" r:id="rId12"/>
-    <p:sldId id="263" r:id="rId13"/>
-    <p:sldId id="264" r:id="rId14"/>
-    <p:sldId id="265" r:id="rId15"/>
-    <p:sldId id="266" r:id="rId16"/>
-    <p:sldId id="267" r:id="rId17"/>
-    <p:sldId id="268" r:id="rId18"/>
-    <p:sldId id="269" r:id="rId19"/>
-    <p:sldId id="270" r:id="rId20"/>
-    <p:sldId id="271" r:id="rId21"/>
-    <p:sldId id="272" r:id="rId22"/>
+    <p:sldId id="256" r:id="rId2"/>
+    <p:sldId id="257" r:id="rId3"/>
+    <p:sldId id="258" r:id="rId4"/>
+    <p:sldId id="259" r:id="rId5"/>
+    <p:sldId id="260" r:id="rId6"/>
+    <p:sldId id="261" r:id="rId7"/>
+    <p:sldId id="262" r:id="rId8"/>
+    <p:sldId id="263" r:id="rId9"/>
+    <p:sldId id="264" r:id="rId10"/>
+    <p:sldId id="265" r:id="rId11"/>
+    <p:sldId id="266" r:id="rId12"/>
+    <p:sldId id="267" r:id="rId13"/>
+    <p:sldId id="268" r:id="rId14"/>
+    <p:sldId id="269" r:id="rId15"/>
+    <p:sldId id="270" r:id="rId16"/>
+    <p:sldId id="271" r:id="rId17"/>
+    <p:sldId id="272" r:id="rId18"/>
   </p:sldIdLst>
-  <p:sldSz cy="5143500" cx="9144000"/>
+  <p:sldSz cx="9144000" cy="5143500" type="screen16x9"/>
   <p:notesSz cx="6858000" cy="9144000"/>
   <p:defaultTextStyle>
-    <a:defPPr lvl="0" marR="0" rtl="0" algn="l">
+    <a:defPPr marR="0" lvl="0" algn="l" rtl="0">
       <a:lnSpc>
         <a:spcPct val="100000"/>
       </a:lnSpc>
@@ -40,7 +40,7 @@
         <a:spcPts val="0"/>
       </a:spcAft>
     </a:defPPr>
-    <a:lvl1pPr lvl="0" marR="0" rtl="0" algn="l">
+    <a:lvl1pPr marR="0" lvl="0" algn="l" rtl="0">
       <a:lnSpc>
         <a:spcPct val="100000"/>
       </a:lnSpc>
@@ -54,7 +54,7 @@
         <a:srgbClr val="000000"/>
       </a:buClr>
       <a:buFont typeface="Arial"/>
-      <a:defRPr b="0" i="0" sz="1400" u="none" cap="none" strike="noStrike">
+      <a:defRPr sz="1400" b="0" i="0" u="none" strike="noStrike" cap="none">
         <a:solidFill>
           <a:srgbClr val="000000"/>
         </a:solidFill>
@@ -64,7 +64,7 @@
         <a:sym typeface="Arial"/>
       </a:defRPr>
     </a:lvl1pPr>
-    <a:lvl2pPr lvl="1" marR="0" rtl="0" algn="l">
+    <a:lvl2pPr marR="0" lvl="1" algn="l" rtl="0">
       <a:lnSpc>
         <a:spcPct val="100000"/>
       </a:lnSpc>
@@ -78,7 +78,7 @@
         <a:srgbClr val="000000"/>
       </a:buClr>
       <a:buFont typeface="Arial"/>
-      <a:defRPr b="0" i="0" sz="1400" u="none" cap="none" strike="noStrike">
+      <a:defRPr sz="1400" b="0" i="0" u="none" strike="noStrike" cap="none">
         <a:solidFill>
           <a:srgbClr val="000000"/>
         </a:solidFill>
@@ -88,7 +88,7 @@
         <a:sym typeface="Arial"/>
       </a:defRPr>
     </a:lvl2pPr>
-    <a:lvl3pPr lvl="2" marR="0" rtl="0" algn="l">
+    <a:lvl3pPr marR="0" lvl="2" algn="l" rtl="0">
       <a:lnSpc>
         <a:spcPct val="100000"/>
       </a:lnSpc>
@@ -102,7 +102,7 @@
         <a:srgbClr val="000000"/>
       </a:buClr>
       <a:buFont typeface="Arial"/>
-      <a:defRPr b="0" i="0" sz="1400" u="none" cap="none" strike="noStrike">
+      <a:defRPr sz="1400" b="0" i="0" u="none" strike="noStrike" cap="none">
         <a:solidFill>
           <a:srgbClr val="000000"/>
         </a:solidFill>
@@ -112,7 +112,7 @@
         <a:sym typeface="Arial"/>
       </a:defRPr>
     </a:lvl3pPr>
-    <a:lvl4pPr lvl="3" marR="0" rtl="0" algn="l">
+    <a:lvl4pPr marR="0" lvl="3" algn="l" rtl="0">
       <a:lnSpc>
         <a:spcPct val="100000"/>
       </a:lnSpc>
@@ -126,7 +126,7 @@
         <a:srgbClr val="000000"/>
       </a:buClr>
       <a:buFont typeface="Arial"/>
-      <a:defRPr b="0" i="0" sz="1400" u="none" cap="none" strike="noStrike">
+      <a:defRPr sz="1400" b="0" i="0" u="none" strike="noStrike" cap="none">
         <a:solidFill>
           <a:srgbClr val="000000"/>
         </a:solidFill>
@@ -136,7 +136,7 @@
         <a:sym typeface="Arial"/>
       </a:defRPr>
     </a:lvl4pPr>
-    <a:lvl5pPr lvl="4" marR="0" rtl="0" algn="l">
+    <a:lvl5pPr marR="0" lvl="4" algn="l" rtl="0">
       <a:lnSpc>
         <a:spcPct val="100000"/>
       </a:lnSpc>
@@ -150,7 +150,7 @@
         <a:srgbClr val="000000"/>
       </a:buClr>
       <a:buFont typeface="Arial"/>
-      <a:defRPr b="0" i="0" sz="1400" u="none" cap="none" strike="noStrike">
+      <a:defRPr sz="1400" b="0" i="0" u="none" strike="noStrike" cap="none">
         <a:solidFill>
           <a:srgbClr val="000000"/>
         </a:solidFill>
@@ -160,7 +160,7 @@
         <a:sym typeface="Arial"/>
       </a:defRPr>
     </a:lvl5pPr>
-    <a:lvl6pPr lvl="5" marR="0" rtl="0" algn="l">
+    <a:lvl6pPr marR="0" lvl="5" algn="l" rtl="0">
       <a:lnSpc>
         <a:spcPct val="100000"/>
       </a:lnSpc>
@@ -174,7 +174,7 @@
         <a:srgbClr val="000000"/>
       </a:buClr>
       <a:buFont typeface="Arial"/>
-      <a:defRPr b="0" i="0" sz="1400" u="none" cap="none" strike="noStrike">
+      <a:defRPr sz="1400" b="0" i="0" u="none" strike="noStrike" cap="none">
         <a:solidFill>
           <a:srgbClr val="000000"/>
         </a:solidFill>
@@ -184,7 +184,7 @@
         <a:sym typeface="Arial"/>
       </a:defRPr>
     </a:lvl6pPr>
-    <a:lvl7pPr lvl="6" marR="0" rtl="0" algn="l">
+    <a:lvl7pPr marR="0" lvl="6" algn="l" rtl="0">
       <a:lnSpc>
         <a:spcPct val="100000"/>
       </a:lnSpc>
@@ -198,7 +198,7 @@
         <a:srgbClr val="000000"/>
       </a:buClr>
       <a:buFont typeface="Arial"/>
-      <a:defRPr b="0" i="0" sz="1400" u="none" cap="none" strike="noStrike">
+      <a:defRPr sz="1400" b="0" i="0" u="none" strike="noStrike" cap="none">
         <a:solidFill>
           <a:srgbClr val="000000"/>
         </a:solidFill>
@@ -208,7 +208,7 @@
         <a:sym typeface="Arial"/>
       </a:defRPr>
     </a:lvl7pPr>
-    <a:lvl8pPr lvl="7" marR="0" rtl="0" algn="l">
+    <a:lvl8pPr marR="0" lvl="7" algn="l" rtl="0">
       <a:lnSpc>
         <a:spcPct val="100000"/>
       </a:lnSpc>
@@ -222,7 +222,7 @@
         <a:srgbClr val="000000"/>
       </a:buClr>
       <a:buFont typeface="Arial"/>
-      <a:defRPr b="0" i="0" sz="1400" u="none" cap="none" strike="noStrike">
+      <a:defRPr sz="1400" b="0" i="0" u="none" strike="noStrike" cap="none">
         <a:solidFill>
           <a:srgbClr val="000000"/>
         </a:solidFill>
@@ -232,7 +232,7 @@
         <a:sym typeface="Arial"/>
       </a:defRPr>
     </a:lvl8pPr>
-    <a:lvl9pPr lvl="8" marR="0" rtl="0" algn="l">
+    <a:lvl9pPr marR="0" lvl="8" algn="l" rtl="0">
       <a:lnSpc>
         <a:spcPct val="100000"/>
       </a:lnSpc>
@@ -246,7 +246,7 @@
         <a:srgbClr val="000000"/>
       </a:buClr>
       <a:buFont typeface="Arial"/>
-      <a:defRPr b="0" i="0" sz="1400" u="none" cap="none" strike="noStrike">
+      <a:defRPr sz="1400" b="0" i="0" u="none" strike="noStrike" cap="none">
         <a:solidFill>
           <a:srgbClr val="000000"/>
         </a:solidFill>
@@ -259,7 +259,7 @@
   </p:defaultTextStyle>
   <p:extLst>
     <p:ext uri="{EFAFB233-063F-42B5-8137-9DF3F51BA10A}">
-      <p15:sldGuideLst>
+      <p15:sldGuideLst xmlns:p15="http://schemas.microsoft.com/office/powerpoint/2012/main">
         <p15:guide id="1" orient="horz" pos="1620">
           <p15:clr>
             <a:srgbClr val="A4A3A4"/>
@@ -277,11 +277,16 @@
 </file>
 
 <file path=ppt/notesMasters/notesMaster1.xml><?xml version="1.0" encoding="utf-8"?>
-<p:notesMaster xmlns:a="http://schemas.openxmlformats.org/drawingml/2006/main" xmlns:r="http://schemas.openxmlformats.org/officeDocument/2006/relationships" xmlns:mc="http://schemas.openxmlformats.org/markup-compatibility/2006" xmlns:mv="urn:schemas-microsoft-com:mac:vml" xmlns:p="http://schemas.openxmlformats.org/presentationml/2006/main" xmlns:c="http://schemas.openxmlformats.org/drawingml/2006/chart" xmlns:dgm="http://schemas.openxmlformats.org/drawingml/2006/diagram" xmlns:o="urn:schemas-microsoft-com:office:office" xmlns:v="urn:schemas-microsoft-com:vml" xmlns:pvml="urn:schemas-microsoft-com:office:powerpoint" xmlns:com="http://schemas.openxmlformats.org/drawingml/2006/compatibility" xmlns:p14="http://schemas.microsoft.com/office/powerpoint/2010/main" xmlns:p15="http://schemas.microsoft.com/office/powerpoint/2012/main" xmlns:ahyp="http://schemas.microsoft.com/office/drawing/2018/hyperlinkcolor">
+<p:notesMaster xmlns:a="http://schemas.openxmlformats.org/drawingml/2006/main" xmlns:r="http://schemas.openxmlformats.org/officeDocument/2006/relationships" xmlns:p="http://schemas.openxmlformats.org/presentationml/2006/main">
   <p:cSld>
+    <p:bg>
+      <p:bgRef idx="1001">
+        <a:schemeClr val="bg1"/>
+      </p:bgRef>
+    </p:bg>
     <p:spTree>
       <p:nvGrpSpPr>
-        <p:cNvPr id="2" name="Shape 2"/>
+        <p:cNvPr id="1" name="Shape 2"/>
         <p:cNvGrpSpPr/>
         <p:nvPr/>
       </p:nvGrpSpPr>
@@ -296,9 +301,11 @@
       <p:sp>
         <p:nvSpPr>
           <p:cNvPr id="3" name="Google Shape;3;n"/>
-          <p:cNvSpPr/>
+          <p:cNvSpPr>
+            <a:spLocks noGrp="1" noRot="1" noChangeAspect="1"/>
+          </p:cNvSpPr>
           <p:nvPr>
-            <p:ph idx="2" type="sldImg"/>
+            <p:ph type="sldImg" idx="2"/>
           </p:nvPr>
         </p:nvSpPr>
         <p:spPr>
@@ -307,9 +314,13 @@
             <a:ext cx="6096075" cy="3429000"/>
           </a:xfrm>
           <a:custGeom>
-            <a:rect b="b" l="l" r="r" t="t"/>
+            <a:avLst/>
+            <a:gdLst/>
+            <a:ahLst/>
+            <a:cxnLst/>
+            <a:rect l="l" t="t" r="r" b="b"/>
             <a:pathLst>
-              <a:path extrusionOk="0" h="120000" w="120000">
+              <a:path w="120000" h="120000" extrusionOk="0">
                 <a:moveTo>
                   <a:pt x="0" y="0"/>
                 </a:moveTo>
@@ -327,23 +338,25 @@
             </a:pathLst>
           </a:custGeom>
           <a:noFill/>
-          <a:ln cap="flat" cmpd="sng" w="9525">
+          <a:ln w="9525" cap="flat" cmpd="sng">
             <a:solidFill>
               <a:srgbClr val="000000"/>
             </a:solidFill>
             <a:prstDash val="solid"/>
             <a:round/>
-            <a:headEnd len="sm" w="sm" type="none"/>
-            <a:tailEnd len="sm" w="sm" type="none"/>
+            <a:headEnd type="none" w="sm" len="sm"/>
+            <a:tailEnd type="none" w="sm" len="sm"/>
           </a:ln>
         </p:spPr>
       </p:sp>
       <p:sp>
         <p:nvSpPr>
           <p:cNvPr id="4" name="Google Shape;4;n"/>
-          <p:cNvSpPr txBox="1"/>
+          <p:cNvSpPr txBox="1">
+            <a:spLocks noGrp="1"/>
+          </p:cNvSpPr>
           <p:nvPr>
-            <p:ph idx="1" type="body"/>
+            <p:ph type="body" idx="1"/>
           </p:nvPr>
         </p:nvSpPr>
         <p:spPr>
@@ -360,11 +373,11 @@
           </a:ln>
         </p:spPr>
         <p:txBody>
-          <a:bodyPr anchorCtr="0" anchor="t" bIns="91425" lIns="91425" spcFirstLastPara="1" rIns="91425" wrap="square" tIns="91425">
+          <a:bodyPr spcFirstLastPara="1" wrap="square" lIns="91425" tIns="91425" rIns="91425" bIns="91425" anchor="t" anchorCtr="0">
             <a:noAutofit/>
           </a:bodyPr>
           <a:lstStyle>
-            <a:lvl1pPr indent="-298450" lvl="0" marL="457200">
+            <a:lvl1pPr marL="457200" lvl="0" indent="-298450">
               <a:spcBef>
                 <a:spcPts val="0"/>
               </a:spcBef>
@@ -375,7 +388,7 @@
               <a:buChar char="●"/>
               <a:defRPr sz="1100"/>
             </a:lvl1pPr>
-            <a:lvl2pPr indent="-298450" lvl="1" marL="914400">
+            <a:lvl2pPr marL="914400" lvl="1" indent="-298450">
               <a:spcBef>
                 <a:spcPts val="0"/>
               </a:spcBef>
@@ -386,7 +399,7 @@
               <a:buChar char="○"/>
               <a:defRPr sz="1100"/>
             </a:lvl2pPr>
-            <a:lvl3pPr indent="-298450" lvl="2" marL="1371600">
+            <a:lvl3pPr marL="1371600" lvl="2" indent="-298450">
               <a:spcBef>
                 <a:spcPts val="0"/>
               </a:spcBef>
@@ -397,7 +410,7 @@
               <a:buChar char="■"/>
               <a:defRPr sz="1100"/>
             </a:lvl3pPr>
-            <a:lvl4pPr indent="-298450" lvl="3" marL="1828800">
+            <a:lvl4pPr marL="1828800" lvl="3" indent="-298450">
               <a:spcBef>
                 <a:spcPts val="0"/>
               </a:spcBef>
@@ -408,7 +421,7 @@
               <a:buChar char="●"/>
               <a:defRPr sz="1100"/>
             </a:lvl4pPr>
-            <a:lvl5pPr indent="-298450" lvl="4" marL="2286000">
+            <a:lvl5pPr marL="2286000" lvl="4" indent="-298450">
               <a:spcBef>
                 <a:spcPts val="0"/>
               </a:spcBef>
@@ -419,7 +432,7 @@
               <a:buChar char="○"/>
               <a:defRPr sz="1100"/>
             </a:lvl5pPr>
-            <a:lvl6pPr indent="-298450" lvl="5" marL="2743200">
+            <a:lvl6pPr marL="2743200" lvl="5" indent="-298450">
               <a:spcBef>
                 <a:spcPts val="0"/>
               </a:spcBef>
@@ -430,7 +443,7 @@
               <a:buChar char="■"/>
               <a:defRPr sz="1100"/>
             </a:lvl6pPr>
-            <a:lvl7pPr indent="-298450" lvl="6" marL="3200400">
+            <a:lvl7pPr marL="3200400" lvl="6" indent="-298450">
               <a:spcBef>
                 <a:spcPts val="0"/>
               </a:spcBef>
@@ -441,7 +454,7 @@
               <a:buChar char="●"/>
               <a:defRPr sz="1100"/>
             </a:lvl7pPr>
-            <a:lvl8pPr indent="-298450" lvl="7" marL="3657600">
+            <a:lvl8pPr marL="3657600" lvl="7" indent="-298450">
               <a:spcBef>
                 <a:spcPts val="0"/>
               </a:spcBef>
@@ -452,7 +465,7 @@
               <a:buChar char="○"/>
               <a:defRPr sz="1100"/>
             </a:lvl8pPr>
-            <a:lvl9pPr indent="-298450" lvl="8" marL="4114800">
+            <a:lvl9pPr marL="4114800" lvl="8" indent="-298450">
               <a:spcBef>
                 <a:spcPts val="0"/>
               </a:spcBef>
@@ -464,14 +477,16 @@
               <a:defRPr sz="1100"/>
             </a:lvl9pPr>
           </a:lstStyle>
-          <a:p/>
+          <a:p>
+            <a:endParaRPr/>
+          </a:p>
         </p:txBody>
       </p:sp>
     </p:spTree>
   </p:cSld>
-  <p:clrMap accent1="accent1" accent2="accent2" accent3="accent3" accent4="accent4" accent5="accent5" accent6="accent6" bg1="lt1" bg2="dk2" tx1="dk1" tx2="lt2" folHlink="folHlink" hlink="hlink"/>
+  <p:clrMap bg1="lt1" tx1="dk1" bg2="dk2" tx2="lt2" accent1="accent1" accent2="accent2" accent3="accent3" accent4="accent4" accent5="accent5" accent6="accent6" hlink="hlink" folHlink="folHlink"/>
   <p:notesStyle>
-    <a:defPPr lvl="0" marR="0" rtl="0" algn="l">
+    <a:defPPr marR="0" lvl="0" algn="l" rtl="0">
       <a:lnSpc>
         <a:spcPct val="100000"/>
       </a:lnSpc>
@@ -482,7 +497,7 @@
         <a:spcPts val="0"/>
       </a:spcAft>
     </a:defPPr>
-    <a:lvl1pPr lvl="0" marR="0" rtl="0" algn="l">
+    <a:lvl1pPr marR="0" lvl="0" algn="l" rtl="0">
       <a:lnSpc>
         <a:spcPct val="100000"/>
       </a:lnSpc>
@@ -496,7 +511,7 @@
         <a:srgbClr val="000000"/>
       </a:buClr>
       <a:buFont typeface="Arial"/>
-      <a:defRPr b="0" i="0" sz="1400" u="none" cap="none" strike="noStrike">
+      <a:defRPr sz="1400" b="0" i="0" u="none" strike="noStrike" cap="none">
         <a:solidFill>
           <a:srgbClr val="000000"/>
         </a:solidFill>
@@ -506,7 +521,7 @@
         <a:sym typeface="Arial"/>
       </a:defRPr>
     </a:lvl1pPr>
-    <a:lvl2pPr lvl="1" marR="0" rtl="0" algn="l">
+    <a:lvl2pPr marR="0" lvl="1" algn="l" rtl="0">
       <a:lnSpc>
         <a:spcPct val="100000"/>
       </a:lnSpc>
@@ -520,7 +535,7 @@
         <a:srgbClr val="000000"/>
       </a:buClr>
       <a:buFont typeface="Arial"/>
-      <a:defRPr b="0" i="0" sz="1400" u="none" cap="none" strike="noStrike">
+      <a:defRPr sz="1400" b="0" i="0" u="none" strike="noStrike" cap="none">
         <a:solidFill>
           <a:srgbClr val="000000"/>
         </a:solidFill>
@@ -530,7 +545,7 @@
         <a:sym typeface="Arial"/>
       </a:defRPr>
     </a:lvl2pPr>
-    <a:lvl3pPr lvl="2" marR="0" rtl="0" algn="l">
+    <a:lvl3pPr marR="0" lvl="2" algn="l" rtl="0">
       <a:lnSpc>
         <a:spcPct val="100000"/>
       </a:lnSpc>
@@ -544,7 +559,7 @@
         <a:srgbClr val="000000"/>
       </a:buClr>
       <a:buFont typeface="Arial"/>
-      <a:defRPr b="0" i="0" sz="1400" u="none" cap="none" strike="noStrike">
+      <a:defRPr sz="1400" b="0" i="0" u="none" strike="noStrike" cap="none">
         <a:solidFill>
           <a:srgbClr val="000000"/>
         </a:solidFill>
@@ -554,7 +569,7 @@
         <a:sym typeface="Arial"/>
       </a:defRPr>
     </a:lvl3pPr>
-    <a:lvl4pPr lvl="3" marR="0" rtl="0" algn="l">
+    <a:lvl4pPr marR="0" lvl="3" algn="l" rtl="0">
       <a:lnSpc>
         <a:spcPct val="100000"/>
       </a:lnSpc>
@@ -568,7 +583,7 @@
         <a:srgbClr val="000000"/>
       </a:buClr>
       <a:buFont typeface="Arial"/>
-      <a:defRPr b="0" i="0" sz="1400" u="none" cap="none" strike="noStrike">
+      <a:defRPr sz="1400" b="0" i="0" u="none" strike="noStrike" cap="none">
         <a:solidFill>
           <a:srgbClr val="000000"/>
         </a:solidFill>
@@ -578,7 +593,7 @@
         <a:sym typeface="Arial"/>
       </a:defRPr>
     </a:lvl4pPr>
-    <a:lvl5pPr lvl="4" marR="0" rtl="0" algn="l">
+    <a:lvl5pPr marR="0" lvl="4" algn="l" rtl="0">
       <a:lnSpc>
         <a:spcPct val="100000"/>
       </a:lnSpc>
@@ -592,7 +607,7 @@
         <a:srgbClr val="000000"/>
       </a:buClr>
       <a:buFont typeface="Arial"/>
-      <a:defRPr b="0" i="0" sz="1400" u="none" cap="none" strike="noStrike">
+      <a:defRPr sz="1400" b="0" i="0" u="none" strike="noStrike" cap="none">
         <a:solidFill>
           <a:srgbClr val="000000"/>
         </a:solidFill>
@@ -602,7 +617,7 @@
         <a:sym typeface="Arial"/>
       </a:defRPr>
     </a:lvl5pPr>
-    <a:lvl6pPr lvl="5" marR="0" rtl="0" algn="l">
+    <a:lvl6pPr marR="0" lvl="5" algn="l" rtl="0">
       <a:lnSpc>
         <a:spcPct val="100000"/>
       </a:lnSpc>
@@ -616,7 +631,7 @@
         <a:srgbClr val="000000"/>
       </a:buClr>
       <a:buFont typeface="Arial"/>
-      <a:defRPr b="0" i="0" sz="1400" u="none" cap="none" strike="noStrike">
+      <a:defRPr sz="1400" b="0" i="0" u="none" strike="noStrike" cap="none">
         <a:solidFill>
           <a:srgbClr val="000000"/>
         </a:solidFill>
@@ -626,7 +641,7 @@
         <a:sym typeface="Arial"/>
       </a:defRPr>
     </a:lvl6pPr>
-    <a:lvl7pPr lvl="6" marR="0" rtl="0" algn="l">
+    <a:lvl7pPr marR="0" lvl="6" algn="l" rtl="0">
       <a:lnSpc>
         <a:spcPct val="100000"/>
       </a:lnSpc>
@@ -640,7 +655,7 @@
         <a:srgbClr val="000000"/>
       </a:buClr>
       <a:buFont typeface="Arial"/>
-      <a:defRPr b="0" i="0" sz="1400" u="none" cap="none" strike="noStrike">
+      <a:defRPr sz="1400" b="0" i="0" u="none" strike="noStrike" cap="none">
         <a:solidFill>
           <a:srgbClr val="000000"/>
         </a:solidFill>
@@ -650,7 +665,7 @@
         <a:sym typeface="Arial"/>
       </a:defRPr>
     </a:lvl7pPr>
-    <a:lvl8pPr lvl="7" marR="0" rtl="0" algn="l">
+    <a:lvl8pPr marR="0" lvl="7" algn="l" rtl="0">
       <a:lnSpc>
         <a:spcPct val="100000"/>
       </a:lnSpc>
@@ -664,7 +679,7 @@
         <a:srgbClr val="000000"/>
       </a:buClr>
       <a:buFont typeface="Arial"/>
-      <a:defRPr b="0" i="0" sz="1400" u="none" cap="none" strike="noStrike">
+      <a:defRPr sz="1400" b="0" i="0" u="none" strike="noStrike" cap="none">
         <a:solidFill>
           <a:srgbClr val="000000"/>
         </a:solidFill>
@@ -674,7 +689,7 @@
         <a:sym typeface="Arial"/>
       </a:defRPr>
     </a:lvl8pPr>
-    <a:lvl9pPr lvl="8" marR="0" rtl="0" algn="l">
+    <a:lvl9pPr marR="0" lvl="8" algn="l" rtl="0">
       <a:lnSpc>
         <a:spcPct val="100000"/>
       </a:lnSpc>
@@ -688,7 +703,7 @@
         <a:srgbClr val="000000"/>
       </a:buClr>
       <a:buFont typeface="Arial"/>
-      <a:defRPr b="0" i="0" sz="1400" u="none" cap="none" strike="noStrike">
+      <a:defRPr sz="1400" b="0" i="0" u="none" strike="noStrike" cap="none">
         <a:solidFill>
           <a:srgbClr val="000000"/>
         </a:solidFill>
@@ -703,11 +718,11 @@
 </file>
 
 <file path=ppt/notesSlides/notesSlide1.xml><?xml version="1.0" encoding="utf-8"?>
-<p:notes xmlns:a="http://schemas.openxmlformats.org/drawingml/2006/main" xmlns:r="http://schemas.openxmlformats.org/officeDocument/2006/relationships" xmlns:mc="http://schemas.openxmlformats.org/markup-compatibility/2006" xmlns:mv="urn:schemas-microsoft-com:mac:vml" xmlns:p="http://schemas.openxmlformats.org/presentationml/2006/main" xmlns:c="http://schemas.openxmlformats.org/drawingml/2006/chart" xmlns:dgm="http://schemas.openxmlformats.org/drawingml/2006/diagram" xmlns:o="urn:schemas-microsoft-com:office:office" xmlns:v="urn:schemas-microsoft-com:vml" xmlns:pvml="urn:schemas-microsoft-com:office:powerpoint" xmlns:com="http://schemas.openxmlformats.org/drawingml/2006/compatibility" xmlns:p14="http://schemas.microsoft.com/office/powerpoint/2010/main" xmlns:p15="http://schemas.microsoft.com/office/powerpoint/2012/main" xmlns:ahyp="http://schemas.microsoft.com/office/drawing/2018/hyperlinkcolor" showMasterPhAnim="0" showMasterSp="0">
+<p:notes xmlns:a="http://schemas.openxmlformats.org/drawingml/2006/main" xmlns:r="http://schemas.openxmlformats.org/officeDocument/2006/relationships" xmlns:p="http://schemas.openxmlformats.org/presentationml/2006/main" showMasterSp="0" showMasterPhAnim="0">
   <p:cSld>
     <p:spTree>
       <p:nvGrpSpPr>
-        <p:cNvPr id="50" name="Shape 50"/>
+        <p:cNvPr id="1" name="Shape 50"/>
         <p:cNvGrpSpPr/>
         <p:nvPr/>
       </p:nvGrpSpPr>
@@ -722,20 +737,26 @@
       <p:sp>
         <p:nvSpPr>
           <p:cNvPr id="51" name="Google Shape;51;p:notes"/>
-          <p:cNvSpPr/>
+          <p:cNvSpPr>
+            <a:spLocks noGrp="1" noRot="1" noChangeAspect="1"/>
+          </p:cNvSpPr>
           <p:nvPr>
-            <p:ph idx="2" type="sldImg"/>
+            <p:ph type="sldImg" idx="2"/>
           </p:nvPr>
         </p:nvSpPr>
         <p:spPr>
           <a:xfrm>
-            <a:off x="381300" y="685800"/>
-            <a:ext cx="6096075" cy="3429000"/>
+            <a:off x="381000" y="685800"/>
+            <a:ext cx="6096000" cy="3429000"/>
           </a:xfrm>
           <a:custGeom>
-            <a:rect b="b" l="l" r="r" t="t"/>
+            <a:avLst/>
+            <a:gdLst/>
+            <a:ahLst/>
+            <a:cxnLst/>
+            <a:rect l="l" t="t" r="r" b="b"/>
             <a:pathLst>
-              <a:path extrusionOk="0" h="120000" w="120000">
+              <a:path w="120000" h="120000" extrusionOk="0">
                 <a:moveTo>
                   <a:pt x="0" y="0"/>
                 </a:moveTo>
@@ -757,9 +778,11 @@
       <p:sp>
         <p:nvSpPr>
           <p:cNvPr id="52" name="Google Shape;52;p:notes"/>
-          <p:cNvSpPr txBox="1"/>
+          <p:cNvSpPr txBox="1">
+            <a:spLocks noGrp="1"/>
+          </p:cNvSpPr>
           <p:nvPr>
-            <p:ph idx="1" type="body"/>
+            <p:ph type="body" idx="1"/>
           </p:nvPr>
         </p:nvSpPr>
         <p:spPr>
@@ -772,23 +795,20 @@
           </a:prstGeom>
         </p:spPr>
         <p:txBody>
-          <a:bodyPr anchorCtr="0" anchor="t" bIns="91425" lIns="91425" spcFirstLastPara="1" rIns="91425" wrap="square" tIns="91425">
+          <a:bodyPr spcFirstLastPara="1" wrap="square" lIns="91425" tIns="91425" rIns="91425" bIns="91425" anchor="t" anchorCtr="0">
             <a:noAutofit/>
           </a:bodyPr>
           <a:lstStyle/>
           <a:p>
-            <a:pPr indent="0" lvl="0" marL="0" rtl="0" algn="l">
-              <a:spcBef>
-                <a:spcPts val="0"/>
-              </a:spcBef>
-              <a:spcAft>
-                <a:spcPts val="0"/>
-              </a:spcAft>
-              <a:buNone/>
-            </a:pPr>
-            <a:r>
-              <a:t/>
-            </a:r>
+            <a:pPr marL="0" lvl="0" indent="0" algn="l" rtl="0">
+              <a:spcBef>
+                <a:spcPts val="0"/>
+              </a:spcBef>
+              <a:spcAft>
+                <a:spcPts val="0"/>
+              </a:spcAft>
+              <a:buNone/>
+            </a:pPr>
             <a:endParaRPr/>
           </a:p>
         </p:txBody>
@@ -802,11 +822,11 @@
 </file>
 
 <file path=ppt/notesSlides/notesSlide10.xml><?xml version="1.0" encoding="utf-8"?>
-<p:notes xmlns:a="http://schemas.openxmlformats.org/drawingml/2006/main" xmlns:r="http://schemas.openxmlformats.org/officeDocument/2006/relationships" xmlns:mc="http://schemas.openxmlformats.org/markup-compatibility/2006" xmlns:mv="urn:schemas-microsoft-com:mac:vml" xmlns:p="http://schemas.openxmlformats.org/presentationml/2006/main" xmlns:c="http://schemas.openxmlformats.org/drawingml/2006/chart" xmlns:dgm="http://schemas.openxmlformats.org/drawingml/2006/diagram" xmlns:o="urn:schemas-microsoft-com:office:office" xmlns:v="urn:schemas-microsoft-com:vml" xmlns:pvml="urn:schemas-microsoft-com:office:powerpoint" xmlns:com="http://schemas.openxmlformats.org/drawingml/2006/compatibility" xmlns:p14="http://schemas.microsoft.com/office/powerpoint/2010/main" xmlns:p15="http://schemas.microsoft.com/office/powerpoint/2012/main" xmlns:ahyp="http://schemas.microsoft.com/office/drawing/2018/hyperlinkcolor" showMasterPhAnim="0" showMasterSp="0">
+<p:notes xmlns:a="http://schemas.openxmlformats.org/drawingml/2006/main" xmlns:r="http://schemas.openxmlformats.org/officeDocument/2006/relationships" xmlns:p="http://schemas.openxmlformats.org/presentationml/2006/main" showMasterSp="0" showMasterPhAnim="0">
   <p:cSld>
     <p:spTree>
       <p:nvGrpSpPr>
-        <p:cNvPr id="121" name="Shape 121"/>
+        <p:cNvPr id="1" name="Shape 121"/>
         <p:cNvGrpSpPr/>
         <p:nvPr/>
       </p:nvGrpSpPr>
@@ -821,9 +841,11 @@
       <p:sp>
         <p:nvSpPr>
           <p:cNvPr id="122" name="Google Shape;122;g133d56bacee_0_1:notes"/>
-          <p:cNvSpPr/>
+          <p:cNvSpPr>
+            <a:spLocks noGrp="1" noRot="1" noChangeAspect="1"/>
+          </p:cNvSpPr>
           <p:nvPr>
-            <p:ph idx="2" type="sldImg"/>
+            <p:ph type="sldImg" idx="2"/>
           </p:nvPr>
         </p:nvSpPr>
         <p:spPr>
@@ -832,9 +854,13 @@
             <a:ext cx="6096000" cy="3429000"/>
           </a:xfrm>
           <a:custGeom>
-            <a:rect b="b" l="l" r="r" t="t"/>
+            <a:avLst/>
+            <a:gdLst/>
+            <a:ahLst/>
+            <a:cxnLst/>
+            <a:rect l="l" t="t" r="r" b="b"/>
             <a:pathLst>
-              <a:path extrusionOk="0" h="120000" w="120000">
+              <a:path w="120000" h="120000" extrusionOk="0">
                 <a:moveTo>
                   <a:pt x="0" y="0"/>
                 </a:moveTo>
@@ -856,9 +882,11 @@
       <p:sp>
         <p:nvSpPr>
           <p:cNvPr id="123" name="Google Shape;123;g133d56bacee_0_1:notes"/>
-          <p:cNvSpPr txBox="1"/>
+          <p:cNvSpPr txBox="1">
+            <a:spLocks noGrp="1"/>
+          </p:cNvSpPr>
           <p:nvPr>
-            <p:ph idx="1" type="body"/>
+            <p:ph type="body" idx="1"/>
           </p:nvPr>
         </p:nvSpPr>
         <p:spPr>
@@ -871,23 +899,20 @@
           </a:prstGeom>
         </p:spPr>
         <p:txBody>
-          <a:bodyPr anchorCtr="0" anchor="t" bIns="91425" lIns="91425" spcFirstLastPara="1" rIns="91425" wrap="square" tIns="91425">
+          <a:bodyPr spcFirstLastPara="1" wrap="square" lIns="91425" tIns="91425" rIns="91425" bIns="91425" anchor="t" anchorCtr="0">
             <a:noAutofit/>
           </a:bodyPr>
           <a:lstStyle/>
           <a:p>
-            <a:pPr indent="0" lvl="0" marL="0" rtl="0" algn="l">
-              <a:spcBef>
-                <a:spcPts val="0"/>
-              </a:spcBef>
-              <a:spcAft>
-                <a:spcPts val="0"/>
-              </a:spcAft>
-              <a:buNone/>
-            </a:pPr>
-            <a:r>
-              <a:t/>
-            </a:r>
+            <a:pPr marL="0" lvl="0" indent="0" algn="l" rtl="0">
+              <a:spcBef>
+                <a:spcPts val="0"/>
+              </a:spcBef>
+              <a:spcAft>
+                <a:spcPts val="0"/>
+              </a:spcAft>
+              <a:buNone/>
+            </a:pPr>
             <a:endParaRPr/>
           </a:p>
         </p:txBody>
@@ -901,11 +926,11 @@
 </file>
 
 <file path=ppt/notesSlides/notesSlide11.xml><?xml version="1.0" encoding="utf-8"?>
-<p:notes xmlns:a="http://schemas.openxmlformats.org/drawingml/2006/main" xmlns:r="http://schemas.openxmlformats.org/officeDocument/2006/relationships" xmlns:mc="http://schemas.openxmlformats.org/markup-compatibility/2006" xmlns:mv="urn:schemas-microsoft-com:mac:vml" xmlns:p="http://schemas.openxmlformats.org/presentationml/2006/main" xmlns:c="http://schemas.openxmlformats.org/drawingml/2006/chart" xmlns:dgm="http://schemas.openxmlformats.org/drawingml/2006/diagram" xmlns:o="urn:schemas-microsoft-com:office:office" xmlns:v="urn:schemas-microsoft-com:vml" xmlns:pvml="urn:schemas-microsoft-com:office:powerpoint" xmlns:com="http://schemas.openxmlformats.org/drawingml/2006/compatibility" xmlns:p14="http://schemas.microsoft.com/office/powerpoint/2010/main" xmlns:p15="http://schemas.microsoft.com/office/powerpoint/2012/main" xmlns:ahyp="http://schemas.microsoft.com/office/drawing/2018/hyperlinkcolor" showMasterPhAnim="0" showMasterSp="0">
+<p:notes xmlns:a="http://schemas.openxmlformats.org/drawingml/2006/main" xmlns:r="http://schemas.openxmlformats.org/officeDocument/2006/relationships" xmlns:p="http://schemas.openxmlformats.org/presentationml/2006/main" showMasterSp="0" showMasterPhAnim="0">
   <p:cSld>
     <p:spTree>
       <p:nvGrpSpPr>
-        <p:cNvPr id="129" name="Shape 129"/>
+        <p:cNvPr id="1" name="Shape 129"/>
         <p:cNvGrpSpPr/>
         <p:nvPr/>
       </p:nvGrpSpPr>
@@ -920,9 +945,11 @@
       <p:sp>
         <p:nvSpPr>
           <p:cNvPr id="130" name="Google Shape;130;g133d56bacee_0_7:notes"/>
-          <p:cNvSpPr/>
+          <p:cNvSpPr>
+            <a:spLocks noGrp="1" noRot="1" noChangeAspect="1"/>
+          </p:cNvSpPr>
           <p:nvPr>
-            <p:ph idx="2" type="sldImg"/>
+            <p:ph type="sldImg" idx="2"/>
           </p:nvPr>
         </p:nvSpPr>
         <p:spPr>
@@ -931,9 +958,13 @@
             <a:ext cx="6096000" cy="3429000"/>
           </a:xfrm>
           <a:custGeom>
-            <a:rect b="b" l="l" r="r" t="t"/>
+            <a:avLst/>
+            <a:gdLst/>
+            <a:ahLst/>
+            <a:cxnLst/>
+            <a:rect l="l" t="t" r="r" b="b"/>
             <a:pathLst>
-              <a:path extrusionOk="0" h="120000" w="120000">
+              <a:path w="120000" h="120000" extrusionOk="0">
                 <a:moveTo>
                   <a:pt x="0" y="0"/>
                 </a:moveTo>
@@ -955,9 +986,11 @@
       <p:sp>
         <p:nvSpPr>
           <p:cNvPr id="131" name="Google Shape;131;g133d56bacee_0_7:notes"/>
-          <p:cNvSpPr txBox="1"/>
+          <p:cNvSpPr txBox="1">
+            <a:spLocks noGrp="1"/>
+          </p:cNvSpPr>
           <p:nvPr>
-            <p:ph idx="1" type="body"/>
+            <p:ph type="body" idx="1"/>
           </p:nvPr>
         </p:nvSpPr>
         <p:spPr>
@@ -970,23 +1003,20 @@
           </a:prstGeom>
         </p:spPr>
         <p:txBody>
-          <a:bodyPr anchorCtr="0" anchor="t" bIns="91425" lIns="91425" spcFirstLastPara="1" rIns="91425" wrap="square" tIns="91425">
+          <a:bodyPr spcFirstLastPara="1" wrap="square" lIns="91425" tIns="91425" rIns="91425" bIns="91425" anchor="t" anchorCtr="0">
             <a:noAutofit/>
           </a:bodyPr>
           <a:lstStyle/>
           <a:p>
-            <a:pPr indent="0" lvl="0" marL="0" rtl="0" algn="l">
-              <a:spcBef>
-                <a:spcPts val="0"/>
-              </a:spcBef>
-              <a:spcAft>
-                <a:spcPts val="0"/>
-              </a:spcAft>
-              <a:buNone/>
-            </a:pPr>
-            <a:r>
-              <a:t/>
-            </a:r>
+            <a:pPr marL="0" lvl="0" indent="0" algn="l" rtl="0">
+              <a:spcBef>
+                <a:spcPts val="0"/>
+              </a:spcBef>
+              <a:spcAft>
+                <a:spcPts val="0"/>
+              </a:spcAft>
+              <a:buNone/>
+            </a:pPr>
             <a:endParaRPr/>
           </a:p>
         </p:txBody>
@@ -1000,11 +1030,11 @@
 </file>
 
 <file path=ppt/notesSlides/notesSlide12.xml><?xml version="1.0" encoding="utf-8"?>
-<p:notes xmlns:a="http://schemas.openxmlformats.org/drawingml/2006/main" xmlns:r="http://schemas.openxmlformats.org/officeDocument/2006/relationships" xmlns:mc="http://schemas.openxmlformats.org/markup-compatibility/2006" xmlns:mv="urn:schemas-microsoft-com:mac:vml" xmlns:p="http://schemas.openxmlformats.org/presentationml/2006/main" xmlns:c="http://schemas.openxmlformats.org/drawingml/2006/chart" xmlns:dgm="http://schemas.openxmlformats.org/drawingml/2006/diagram" xmlns:o="urn:schemas-microsoft-com:office:office" xmlns:v="urn:schemas-microsoft-com:vml" xmlns:pvml="urn:schemas-microsoft-com:office:powerpoint" xmlns:com="http://schemas.openxmlformats.org/drawingml/2006/compatibility" xmlns:p14="http://schemas.microsoft.com/office/powerpoint/2010/main" xmlns:p15="http://schemas.microsoft.com/office/powerpoint/2012/main" xmlns:ahyp="http://schemas.microsoft.com/office/drawing/2018/hyperlinkcolor" showMasterPhAnim="0" showMasterSp="0">
+<p:notes xmlns:a="http://schemas.openxmlformats.org/drawingml/2006/main" xmlns:r="http://schemas.openxmlformats.org/officeDocument/2006/relationships" xmlns:p="http://schemas.openxmlformats.org/presentationml/2006/main" showMasterSp="0" showMasterPhAnim="0">
   <p:cSld>
     <p:spTree>
       <p:nvGrpSpPr>
-        <p:cNvPr id="137" name="Shape 137"/>
+        <p:cNvPr id="1" name="Shape 137"/>
         <p:cNvGrpSpPr/>
         <p:nvPr/>
       </p:nvGrpSpPr>
@@ -1019,9 +1049,11 @@
       <p:sp>
         <p:nvSpPr>
           <p:cNvPr id="138" name="Google Shape;138;g133d56bacee_0_13:notes"/>
-          <p:cNvSpPr/>
+          <p:cNvSpPr>
+            <a:spLocks noGrp="1" noRot="1" noChangeAspect="1"/>
+          </p:cNvSpPr>
           <p:nvPr>
-            <p:ph idx="2" type="sldImg"/>
+            <p:ph type="sldImg" idx="2"/>
           </p:nvPr>
         </p:nvSpPr>
         <p:spPr>
@@ -1030,9 +1062,13 @@
             <a:ext cx="6096000" cy="3429000"/>
           </a:xfrm>
           <a:custGeom>
-            <a:rect b="b" l="l" r="r" t="t"/>
+            <a:avLst/>
+            <a:gdLst/>
+            <a:ahLst/>
+            <a:cxnLst/>
+            <a:rect l="l" t="t" r="r" b="b"/>
             <a:pathLst>
-              <a:path extrusionOk="0" h="120000" w="120000">
+              <a:path w="120000" h="120000" extrusionOk="0">
                 <a:moveTo>
                   <a:pt x="0" y="0"/>
                 </a:moveTo>
@@ -1054,9 +1090,11 @@
       <p:sp>
         <p:nvSpPr>
           <p:cNvPr id="139" name="Google Shape;139;g133d56bacee_0_13:notes"/>
-          <p:cNvSpPr txBox="1"/>
+          <p:cNvSpPr txBox="1">
+            <a:spLocks noGrp="1"/>
+          </p:cNvSpPr>
           <p:nvPr>
-            <p:ph idx="1" type="body"/>
+            <p:ph type="body" idx="1"/>
           </p:nvPr>
         </p:nvSpPr>
         <p:spPr>
@@ -1069,23 +1107,20 @@
           </a:prstGeom>
         </p:spPr>
         <p:txBody>
-          <a:bodyPr anchorCtr="0" anchor="t" bIns="91425" lIns="91425" spcFirstLastPara="1" rIns="91425" wrap="square" tIns="91425">
+          <a:bodyPr spcFirstLastPara="1" wrap="square" lIns="91425" tIns="91425" rIns="91425" bIns="91425" anchor="t" anchorCtr="0">
             <a:noAutofit/>
           </a:bodyPr>
           <a:lstStyle/>
           <a:p>
-            <a:pPr indent="0" lvl="0" marL="0" rtl="0" algn="l">
-              <a:spcBef>
-                <a:spcPts val="0"/>
-              </a:spcBef>
-              <a:spcAft>
-                <a:spcPts val="0"/>
-              </a:spcAft>
-              <a:buNone/>
-            </a:pPr>
-            <a:r>
-              <a:t/>
-            </a:r>
+            <a:pPr marL="0" lvl="0" indent="0" algn="l" rtl="0">
+              <a:spcBef>
+                <a:spcPts val="0"/>
+              </a:spcBef>
+              <a:spcAft>
+                <a:spcPts val="0"/>
+              </a:spcAft>
+              <a:buNone/>
+            </a:pPr>
             <a:endParaRPr/>
           </a:p>
         </p:txBody>
@@ -1099,11 +1134,11 @@
 </file>
 
 <file path=ppt/notesSlides/notesSlide13.xml><?xml version="1.0" encoding="utf-8"?>
-<p:notes xmlns:a="http://schemas.openxmlformats.org/drawingml/2006/main" xmlns:r="http://schemas.openxmlformats.org/officeDocument/2006/relationships" xmlns:mc="http://schemas.openxmlformats.org/markup-compatibility/2006" xmlns:mv="urn:schemas-microsoft-com:mac:vml" xmlns:p="http://schemas.openxmlformats.org/presentationml/2006/main" xmlns:c="http://schemas.openxmlformats.org/drawingml/2006/chart" xmlns:dgm="http://schemas.openxmlformats.org/drawingml/2006/diagram" xmlns:o="urn:schemas-microsoft-com:office:office" xmlns:v="urn:schemas-microsoft-com:vml" xmlns:pvml="urn:schemas-microsoft-com:office:powerpoint" xmlns:com="http://schemas.openxmlformats.org/drawingml/2006/compatibility" xmlns:p14="http://schemas.microsoft.com/office/powerpoint/2010/main" xmlns:p15="http://schemas.microsoft.com/office/powerpoint/2012/main" xmlns:ahyp="http://schemas.microsoft.com/office/drawing/2018/hyperlinkcolor" showMasterPhAnim="0" showMasterSp="0">
+<p:notes xmlns:a="http://schemas.openxmlformats.org/drawingml/2006/main" xmlns:r="http://schemas.openxmlformats.org/officeDocument/2006/relationships" xmlns:p="http://schemas.openxmlformats.org/presentationml/2006/main" showMasterSp="0" showMasterPhAnim="0">
   <p:cSld>
     <p:spTree>
       <p:nvGrpSpPr>
-        <p:cNvPr id="145" name="Shape 145"/>
+        <p:cNvPr id="1" name="Shape 145"/>
         <p:cNvGrpSpPr/>
         <p:nvPr/>
       </p:nvGrpSpPr>
@@ -1118,9 +1153,11 @@
       <p:sp>
         <p:nvSpPr>
           <p:cNvPr id="146" name="Google Shape;146;g13587aa4f9a_2_0:notes"/>
-          <p:cNvSpPr/>
+          <p:cNvSpPr>
+            <a:spLocks noGrp="1" noRot="1" noChangeAspect="1"/>
+          </p:cNvSpPr>
           <p:nvPr>
-            <p:ph idx="2" type="sldImg"/>
+            <p:ph type="sldImg" idx="2"/>
           </p:nvPr>
         </p:nvSpPr>
         <p:spPr>
@@ -1129,9 +1166,13 @@
             <a:ext cx="6096000" cy="3429000"/>
           </a:xfrm>
           <a:custGeom>
-            <a:rect b="b" l="l" r="r" t="t"/>
+            <a:avLst/>
+            <a:gdLst/>
+            <a:ahLst/>
+            <a:cxnLst/>
+            <a:rect l="l" t="t" r="r" b="b"/>
             <a:pathLst>
-              <a:path extrusionOk="0" h="120000" w="120000">
+              <a:path w="120000" h="120000" extrusionOk="0">
                 <a:moveTo>
                   <a:pt x="0" y="0"/>
                 </a:moveTo>
@@ -1153,9 +1194,11 @@
       <p:sp>
         <p:nvSpPr>
           <p:cNvPr id="147" name="Google Shape;147;g13587aa4f9a_2_0:notes"/>
-          <p:cNvSpPr txBox="1"/>
+          <p:cNvSpPr txBox="1">
+            <a:spLocks noGrp="1"/>
+          </p:cNvSpPr>
           <p:nvPr>
-            <p:ph idx="1" type="body"/>
+            <p:ph type="body" idx="1"/>
           </p:nvPr>
         </p:nvSpPr>
         <p:spPr>
@@ -1168,23 +1211,20 @@
           </a:prstGeom>
         </p:spPr>
         <p:txBody>
-          <a:bodyPr anchorCtr="0" anchor="t" bIns="91425" lIns="91425" spcFirstLastPara="1" rIns="91425" wrap="square" tIns="91425">
+          <a:bodyPr spcFirstLastPara="1" wrap="square" lIns="91425" tIns="91425" rIns="91425" bIns="91425" anchor="t" anchorCtr="0">
             <a:noAutofit/>
           </a:bodyPr>
           <a:lstStyle/>
           <a:p>
-            <a:pPr indent="0" lvl="0" marL="0" rtl="0" algn="l">
-              <a:spcBef>
-                <a:spcPts val="0"/>
-              </a:spcBef>
-              <a:spcAft>
-                <a:spcPts val="0"/>
-              </a:spcAft>
-              <a:buNone/>
-            </a:pPr>
-            <a:r>
-              <a:t/>
-            </a:r>
+            <a:pPr marL="0" lvl="0" indent="0" algn="l" rtl="0">
+              <a:spcBef>
+                <a:spcPts val="0"/>
+              </a:spcBef>
+              <a:spcAft>
+                <a:spcPts val="0"/>
+              </a:spcAft>
+              <a:buNone/>
+            </a:pPr>
             <a:endParaRPr/>
           </a:p>
         </p:txBody>
@@ -1198,11 +1238,11 @@
 </file>
 
 <file path=ppt/notesSlides/notesSlide14.xml><?xml version="1.0" encoding="utf-8"?>
-<p:notes xmlns:a="http://schemas.openxmlformats.org/drawingml/2006/main" xmlns:r="http://schemas.openxmlformats.org/officeDocument/2006/relationships" xmlns:mc="http://schemas.openxmlformats.org/markup-compatibility/2006" xmlns:mv="urn:schemas-microsoft-com:mac:vml" xmlns:p="http://schemas.openxmlformats.org/presentationml/2006/main" xmlns:c="http://schemas.openxmlformats.org/drawingml/2006/chart" xmlns:dgm="http://schemas.openxmlformats.org/drawingml/2006/diagram" xmlns:o="urn:schemas-microsoft-com:office:office" xmlns:v="urn:schemas-microsoft-com:vml" xmlns:pvml="urn:schemas-microsoft-com:office:powerpoint" xmlns:com="http://schemas.openxmlformats.org/drawingml/2006/compatibility" xmlns:p14="http://schemas.microsoft.com/office/powerpoint/2010/main" xmlns:p15="http://schemas.microsoft.com/office/powerpoint/2012/main" xmlns:ahyp="http://schemas.microsoft.com/office/drawing/2018/hyperlinkcolor" showMasterPhAnim="0" showMasterSp="0">
+<p:notes xmlns:a="http://schemas.openxmlformats.org/drawingml/2006/main" xmlns:r="http://schemas.openxmlformats.org/officeDocument/2006/relationships" xmlns:p="http://schemas.openxmlformats.org/presentationml/2006/main" showMasterSp="0" showMasterPhAnim="0">
   <p:cSld>
     <p:spTree>
       <p:nvGrpSpPr>
-        <p:cNvPr id="154" name="Shape 154"/>
+        <p:cNvPr id="1" name="Shape 154"/>
         <p:cNvGrpSpPr/>
         <p:nvPr/>
       </p:nvGrpSpPr>
@@ -1217,9 +1257,11 @@
       <p:sp>
         <p:nvSpPr>
           <p:cNvPr id="155" name="Google Shape;155;g132a6e26e9e_0_92:notes"/>
-          <p:cNvSpPr/>
+          <p:cNvSpPr>
+            <a:spLocks noGrp="1" noRot="1" noChangeAspect="1"/>
+          </p:cNvSpPr>
           <p:nvPr>
-            <p:ph idx="2" type="sldImg"/>
+            <p:ph type="sldImg" idx="2"/>
           </p:nvPr>
         </p:nvSpPr>
         <p:spPr>
@@ -1228,9 +1270,13 @@
             <a:ext cx="6096000" cy="3429000"/>
           </a:xfrm>
           <a:custGeom>
-            <a:rect b="b" l="l" r="r" t="t"/>
+            <a:avLst/>
+            <a:gdLst/>
+            <a:ahLst/>
+            <a:cxnLst/>
+            <a:rect l="l" t="t" r="r" b="b"/>
             <a:pathLst>
-              <a:path extrusionOk="0" h="120000" w="120000">
+              <a:path w="120000" h="120000" extrusionOk="0">
                 <a:moveTo>
                   <a:pt x="0" y="0"/>
                 </a:moveTo>
@@ -1252,9 +1298,11 @@
       <p:sp>
         <p:nvSpPr>
           <p:cNvPr id="156" name="Google Shape;156;g132a6e26e9e_0_92:notes"/>
-          <p:cNvSpPr txBox="1"/>
+          <p:cNvSpPr txBox="1">
+            <a:spLocks noGrp="1"/>
+          </p:cNvSpPr>
           <p:nvPr>
-            <p:ph idx="1" type="body"/>
+            <p:ph type="body" idx="1"/>
           </p:nvPr>
         </p:nvSpPr>
         <p:spPr>
@@ -1267,23 +1315,20 @@
           </a:prstGeom>
         </p:spPr>
         <p:txBody>
-          <a:bodyPr anchorCtr="0" anchor="t" bIns="91425" lIns="91425" spcFirstLastPara="1" rIns="91425" wrap="square" tIns="91425">
+          <a:bodyPr spcFirstLastPara="1" wrap="square" lIns="91425" tIns="91425" rIns="91425" bIns="91425" anchor="t" anchorCtr="0">
             <a:noAutofit/>
           </a:bodyPr>
           <a:lstStyle/>
           <a:p>
-            <a:pPr indent="0" lvl="0" marL="0" rtl="0" algn="l">
-              <a:spcBef>
-                <a:spcPts val="0"/>
-              </a:spcBef>
-              <a:spcAft>
-                <a:spcPts val="0"/>
-              </a:spcAft>
-              <a:buNone/>
-            </a:pPr>
-            <a:r>
-              <a:t/>
-            </a:r>
+            <a:pPr marL="0" lvl="0" indent="0" algn="l" rtl="0">
+              <a:spcBef>
+                <a:spcPts val="0"/>
+              </a:spcBef>
+              <a:spcAft>
+                <a:spcPts val="0"/>
+              </a:spcAft>
+              <a:buNone/>
+            </a:pPr>
             <a:endParaRPr/>
           </a:p>
         </p:txBody>
@@ -1297,11 +1342,11 @@
 </file>
 
 <file path=ppt/notesSlides/notesSlide15.xml><?xml version="1.0" encoding="utf-8"?>
-<p:notes xmlns:a="http://schemas.openxmlformats.org/drawingml/2006/main" xmlns:r="http://schemas.openxmlformats.org/officeDocument/2006/relationships" xmlns:mc="http://schemas.openxmlformats.org/markup-compatibility/2006" xmlns:mv="urn:schemas-microsoft-com:mac:vml" xmlns:p="http://schemas.openxmlformats.org/presentationml/2006/main" xmlns:c="http://schemas.openxmlformats.org/drawingml/2006/chart" xmlns:dgm="http://schemas.openxmlformats.org/drawingml/2006/diagram" xmlns:o="urn:schemas-microsoft-com:office:office" xmlns:v="urn:schemas-microsoft-com:vml" xmlns:pvml="urn:schemas-microsoft-com:office:powerpoint" xmlns:com="http://schemas.openxmlformats.org/drawingml/2006/compatibility" xmlns:p14="http://schemas.microsoft.com/office/powerpoint/2010/main" xmlns:p15="http://schemas.microsoft.com/office/powerpoint/2012/main" xmlns:ahyp="http://schemas.microsoft.com/office/drawing/2018/hyperlinkcolor" showMasterPhAnim="0" showMasterSp="0">
+<p:notes xmlns:a="http://schemas.openxmlformats.org/drawingml/2006/main" xmlns:r="http://schemas.openxmlformats.org/officeDocument/2006/relationships" xmlns:p="http://schemas.openxmlformats.org/presentationml/2006/main" showMasterSp="0" showMasterPhAnim="0">
   <p:cSld>
     <p:spTree>
       <p:nvGrpSpPr>
-        <p:cNvPr id="162" name="Shape 162"/>
+        <p:cNvPr id="1" name="Shape 162"/>
         <p:cNvGrpSpPr/>
         <p:nvPr/>
       </p:nvGrpSpPr>
@@ -1316,9 +1361,11 @@
       <p:sp>
         <p:nvSpPr>
           <p:cNvPr id="163" name="Google Shape;163;g132a6e26e9e_0_103:notes"/>
-          <p:cNvSpPr/>
+          <p:cNvSpPr>
+            <a:spLocks noGrp="1" noRot="1" noChangeAspect="1"/>
+          </p:cNvSpPr>
           <p:nvPr>
-            <p:ph idx="2" type="sldImg"/>
+            <p:ph type="sldImg" idx="2"/>
           </p:nvPr>
         </p:nvSpPr>
         <p:spPr>
@@ -1327,9 +1374,13 @@
             <a:ext cx="6096000" cy="3429000"/>
           </a:xfrm>
           <a:custGeom>
-            <a:rect b="b" l="l" r="r" t="t"/>
+            <a:avLst/>
+            <a:gdLst/>
+            <a:ahLst/>
+            <a:cxnLst/>
+            <a:rect l="l" t="t" r="r" b="b"/>
             <a:pathLst>
-              <a:path extrusionOk="0" h="120000" w="120000">
+              <a:path w="120000" h="120000" extrusionOk="0">
                 <a:moveTo>
                   <a:pt x="0" y="0"/>
                 </a:moveTo>
@@ -1351,9 +1402,11 @@
       <p:sp>
         <p:nvSpPr>
           <p:cNvPr id="164" name="Google Shape;164;g132a6e26e9e_0_103:notes"/>
-          <p:cNvSpPr txBox="1"/>
+          <p:cNvSpPr txBox="1">
+            <a:spLocks noGrp="1"/>
+          </p:cNvSpPr>
           <p:nvPr>
-            <p:ph idx="1" type="body"/>
+            <p:ph type="body" idx="1"/>
           </p:nvPr>
         </p:nvSpPr>
         <p:spPr>
@@ -1366,23 +1419,20 @@
           </a:prstGeom>
         </p:spPr>
         <p:txBody>
-          <a:bodyPr anchorCtr="0" anchor="t" bIns="91425" lIns="91425" spcFirstLastPara="1" rIns="91425" wrap="square" tIns="91425">
+          <a:bodyPr spcFirstLastPara="1" wrap="square" lIns="91425" tIns="91425" rIns="91425" bIns="91425" anchor="t" anchorCtr="0">
             <a:noAutofit/>
           </a:bodyPr>
           <a:lstStyle/>
           <a:p>
-            <a:pPr indent="0" lvl="0" marL="0" rtl="0" algn="l">
-              <a:spcBef>
-                <a:spcPts val="0"/>
-              </a:spcBef>
-              <a:spcAft>
-                <a:spcPts val="0"/>
-              </a:spcAft>
-              <a:buNone/>
-            </a:pPr>
-            <a:r>
-              <a:t/>
-            </a:r>
+            <a:pPr marL="0" lvl="0" indent="0" algn="l" rtl="0">
+              <a:spcBef>
+                <a:spcPts val="0"/>
+              </a:spcBef>
+              <a:spcAft>
+                <a:spcPts val="0"/>
+              </a:spcAft>
+              <a:buNone/>
+            </a:pPr>
             <a:endParaRPr/>
           </a:p>
         </p:txBody>
@@ -1396,11 +1446,11 @@
 </file>
 
 <file path=ppt/notesSlides/notesSlide16.xml><?xml version="1.0" encoding="utf-8"?>
-<p:notes xmlns:a="http://schemas.openxmlformats.org/drawingml/2006/main" xmlns:r="http://schemas.openxmlformats.org/officeDocument/2006/relationships" xmlns:mc="http://schemas.openxmlformats.org/markup-compatibility/2006" xmlns:mv="urn:schemas-microsoft-com:mac:vml" xmlns:p="http://schemas.openxmlformats.org/presentationml/2006/main" xmlns:c="http://schemas.openxmlformats.org/drawingml/2006/chart" xmlns:dgm="http://schemas.openxmlformats.org/drawingml/2006/diagram" xmlns:o="urn:schemas-microsoft-com:office:office" xmlns:v="urn:schemas-microsoft-com:vml" xmlns:pvml="urn:schemas-microsoft-com:office:powerpoint" xmlns:com="http://schemas.openxmlformats.org/drawingml/2006/compatibility" xmlns:p14="http://schemas.microsoft.com/office/powerpoint/2010/main" xmlns:p15="http://schemas.microsoft.com/office/powerpoint/2012/main" xmlns:ahyp="http://schemas.microsoft.com/office/drawing/2018/hyperlinkcolor" showMasterPhAnim="0" showMasterSp="0">
+<p:notes xmlns:a="http://schemas.openxmlformats.org/drawingml/2006/main" xmlns:r="http://schemas.openxmlformats.org/officeDocument/2006/relationships" xmlns:p="http://schemas.openxmlformats.org/presentationml/2006/main" showMasterSp="0" showMasterPhAnim="0">
   <p:cSld>
     <p:spTree>
       <p:nvGrpSpPr>
-        <p:cNvPr id="171" name="Shape 171"/>
+        <p:cNvPr id="1" name="Shape 171"/>
         <p:cNvGrpSpPr/>
         <p:nvPr/>
       </p:nvGrpSpPr>
@@ -1415,9 +1465,11 @@
       <p:sp>
         <p:nvSpPr>
           <p:cNvPr id="172" name="Google Shape;172;g132a6e26e9e_0_118:notes"/>
-          <p:cNvSpPr/>
+          <p:cNvSpPr>
+            <a:spLocks noGrp="1" noRot="1" noChangeAspect="1"/>
+          </p:cNvSpPr>
           <p:nvPr>
-            <p:ph idx="2" type="sldImg"/>
+            <p:ph type="sldImg" idx="2"/>
           </p:nvPr>
         </p:nvSpPr>
         <p:spPr>
@@ -1426,9 +1478,13 @@
             <a:ext cx="6096000" cy="3429000"/>
           </a:xfrm>
           <a:custGeom>
-            <a:rect b="b" l="l" r="r" t="t"/>
+            <a:avLst/>
+            <a:gdLst/>
+            <a:ahLst/>
+            <a:cxnLst/>
+            <a:rect l="l" t="t" r="r" b="b"/>
             <a:pathLst>
-              <a:path extrusionOk="0" h="120000" w="120000">
+              <a:path w="120000" h="120000" extrusionOk="0">
                 <a:moveTo>
                   <a:pt x="0" y="0"/>
                 </a:moveTo>
@@ -1450,9 +1506,11 @@
       <p:sp>
         <p:nvSpPr>
           <p:cNvPr id="173" name="Google Shape;173;g132a6e26e9e_0_118:notes"/>
-          <p:cNvSpPr txBox="1"/>
+          <p:cNvSpPr txBox="1">
+            <a:spLocks noGrp="1"/>
+          </p:cNvSpPr>
           <p:nvPr>
-            <p:ph idx="1" type="body"/>
+            <p:ph type="body" idx="1"/>
           </p:nvPr>
         </p:nvSpPr>
         <p:spPr>
@@ -1465,23 +1523,20 @@
           </a:prstGeom>
         </p:spPr>
         <p:txBody>
-          <a:bodyPr anchorCtr="0" anchor="t" bIns="91425" lIns="91425" spcFirstLastPara="1" rIns="91425" wrap="square" tIns="91425">
+          <a:bodyPr spcFirstLastPara="1" wrap="square" lIns="91425" tIns="91425" rIns="91425" bIns="91425" anchor="t" anchorCtr="0">
             <a:noAutofit/>
           </a:bodyPr>
           <a:lstStyle/>
           <a:p>
-            <a:pPr indent="0" lvl="0" marL="0" rtl="0" algn="l">
-              <a:spcBef>
-                <a:spcPts val="0"/>
-              </a:spcBef>
-              <a:spcAft>
-                <a:spcPts val="0"/>
-              </a:spcAft>
-              <a:buNone/>
-            </a:pPr>
-            <a:r>
-              <a:t/>
-            </a:r>
+            <a:pPr marL="0" lvl="0" indent="0" algn="l" rtl="0">
+              <a:spcBef>
+                <a:spcPts val="0"/>
+              </a:spcBef>
+              <a:spcAft>
+                <a:spcPts val="0"/>
+              </a:spcAft>
+              <a:buNone/>
+            </a:pPr>
             <a:endParaRPr/>
           </a:p>
         </p:txBody>
@@ -1495,11 +1550,11 @@
 </file>
 
 <file path=ppt/notesSlides/notesSlide17.xml><?xml version="1.0" encoding="utf-8"?>
-<p:notes xmlns:a="http://schemas.openxmlformats.org/drawingml/2006/main" xmlns:r="http://schemas.openxmlformats.org/officeDocument/2006/relationships" xmlns:mc="http://schemas.openxmlformats.org/markup-compatibility/2006" xmlns:mv="urn:schemas-microsoft-com:mac:vml" xmlns:p="http://schemas.openxmlformats.org/presentationml/2006/main" xmlns:c="http://schemas.openxmlformats.org/drawingml/2006/chart" xmlns:dgm="http://schemas.openxmlformats.org/drawingml/2006/diagram" xmlns:o="urn:schemas-microsoft-com:office:office" xmlns:v="urn:schemas-microsoft-com:vml" xmlns:pvml="urn:schemas-microsoft-com:office:powerpoint" xmlns:com="http://schemas.openxmlformats.org/drawingml/2006/compatibility" xmlns:p14="http://schemas.microsoft.com/office/powerpoint/2010/main" xmlns:p15="http://schemas.microsoft.com/office/powerpoint/2012/main" xmlns:ahyp="http://schemas.microsoft.com/office/drawing/2018/hyperlinkcolor" showMasterPhAnim="0" showMasterSp="0">
+<p:notes xmlns:a="http://schemas.openxmlformats.org/drawingml/2006/main" xmlns:r="http://schemas.openxmlformats.org/officeDocument/2006/relationships" xmlns:p="http://schemas.openxmlformats.org/presentationml/2006/main" showMasterSp="0" showMasterPhAnim="0">
   <p:cSld>
     <p:spTree>
       <p:nvGrpSpPr>
-        <p:cNvPr id="180" name="Shape 180"/>
+        <p:cNvPr id="1" name="Shape 180"/>
         <p:cNvGrpSpPr/>
         <p:nvPr/>
       </p:nvGrpSpPr>
@@ -1514,9 +1569,11 @@
       <p:sp>
         <p:nvSpPr>
           <p:cNvPr id="181" name="Google Shape;181;g132a6e26e9e_0_110:notes"/>
-          <p:cNvSpPr/>
+          <p:cNvSpPr>
+            <a:spLocks noGrp="1" noRot="1" noChangeAspect="1"/>
+          </p:cNvSpPr>
           <p:nvPr>
-            <p:ph idx="2" type="sldImg"/>
+            <p:ph type="sldImg" idx="2"/>
           </p:nvPr>
         </p:nvSpPr>
         <p:spPr>
@@ -1525,9 +1582,13 @@
             <a:ext cx="6096000" cy="3429000"/>
           </a:xfrm>
           <a:custGeom>
-            <a:rect b="b" l="l" r="r" t="t"/>
+            <a:avLst/>
+            <a:gdLst/>
+            <a:ahLst/>
+            <a:cxnLst/>
+            <a:rect l="l" t="t" r="r" b="b"/>
             <a:pathLst>
-              <a:path extrusionOk="0" h="120000" w="120000">
+              <a:path w="120000" h="120000" extrusionOk="0">
                 <a:moveTo>
                   <a:pt x="0" y="0"/>
                 </a:moveTo>
@@ -1549,9 +1610,11 @@
       <p:sp>
         <p:nvSpPr>
           <p:cNvPr id="182" name="Google Shape;182;g132a6e26e9e_0_110:notes"/>
-          <p:cNvSpPr txBox="1"/>
+          <p:cNvSpPr txBox="1">
+            <a:spLocks noGrp="1"/>
+          </p:cNvSpPr>
           <p:nvPr>
-            <p:ph idx="1" type="body"/>
+            <p:ph type="body" idx="1"/>
           </p:nvPr>
         </p:nvSpPr>
         <p:spPr>
@@ -1564,23 +1627,20 @@
           </a:prstGeom>
         </p:spPr>
         <p:txBody>
-          <a:bodyPr anchorCtr="0" anchor="t" bIns="91425" lIns="91425" spcFirstLastPara="1" rIns="91425" wrap="square" tIns="91425">
+          <a:bodyPr spcFirstLastPara="1" wrap="square" lIns="91425" tIns="91425" rIns="91425" bIns="91425" anchor="t" anchorCtr="0">
             <a:noAutofit/>
           </a:bodyPr>
           <a:lstStyle/>
           <a:p>
-            <a:pPr indent="0" lvl="0" marL="0" rtl="0" algn="l">
-              <a:spcBef>
-                <a:spcPts val="0"/>
-              </a:spcBef>
-              <a:spcAft>
-                <a:spcPts val="0"/>
-              </a:spcAft>
-              <a:buNone/>
-            </a:pPr>
-            <a:r>
-              <a:t/>
-            </a:r>
+            <a:pPr marL="0" lvl="0" indent="0" algn="l" rtl="0">
+              <a:spcBef>
+                <a:spcPts val="0"/>
+              </a:spcBef>
+              <a:spcAft>
+                <a:spcPts val="0"/>
+              </a:spcAft>
+              <a:buNone/>
+            </a:pPr>
             <a:endParaRPr/>
           </a:p>
         </p:txBody>
@@ -1594,11 +1654,11 @@
 </file>
 
 <file path=ppt/notesSlides/notesSlide2.xml><?xml version="1.0" encoding="utf-8"?>
-<p:notes xmlns:a="http://schemas.openxmlformats.org/drawingml/2006/main" xmlns:r="http://schemas.openxmlformats.org/officeDocument/2006/relationships" xmlns:mc="http://schemas.openxmlformats.org/markup-compatibility/2006" xmlns:mv="urn:schemas-microsoft-com:mac:vml" xmlns:p="http://schemas.openxmlformats.org/presentationml/2006/main" xmlns:c="http://schemas.openxmlformats.org/drawingml/2006/chart" xmlns:dgm="http://schemas.openxmlformats.org/drawingml/2006/diagram" xmlns:o="urn:schemas-microsoft-com:office:office" xmlns:v="urn:schemas-microsoft-com:vml" xmlns:pvml="urn:schemas-microsoft-com:office:powerpoint" xmlns:com="http://schemas.openxmlformats.org/drawingml/2006/compatibility" xmlns:p14="http://schemas.microsoft.com/office/powerpoint/2010/main" xmlns:p15="http://schemas.microsoft.com/office/powerpoint/2012/main" xmlns:ahyp="http://schemas.microsoft.com/office/drawing/2018/hyperlinkcolor" showMasterPhAnim="0" showMasterSp="0">
+<p:notes xmlns:a="http://schemas.openxmlformats.org/drawingml/2006/main" xmlns:r="http://schemas.openxmlformats.org/officeDocument/2006/relationships" xmlns:p="http://schemas.openxmlformats.org/presentationml/2006/main" showMasterSp="0" showMasterPhAnim="0">
   <p:cSld>
     <p:spTree>
       <p:nvGrpSpPr>
-        <p:cNvPr id="56" name="Shape 56"/>
+        <p:cNvPr id="1" name="Shape 56"/>
         <p:cNvGrpSpPr/>
         <p:nvPr/>
       </p:nvGrpSpPr>
@@ -1613,9 +1673,11 @@
       <p:sp>
         <p:nvSpPr>
           <p:cNvPr id="57" name="Google Shape;57;g132a6e26e9e_2_0:notes"/>
-          <p:cNvSpPr/>
+          <p:cNvSpPr>
+            <a:spLocks noGrp="1" noRot="1" noChangeAspect="1"/>
+          </p:cNvSpPr>
           <p:nvPr>
-            <p:ph idx="2" type="sldImg"/>
+            <p:ph type="sldImg" idx="2"/>
           </p:nvPr>
         </p:nvSpPr>
         <p:spPr>
@@ -1624,9 +1686,13 @@
             <a:ext cx="6096000" cy="3429000"/>
           </a:xfrm>
           <a:custGeom>
-            <a:rect b="b" l="l" r="r" t="t"/>
+            <a:avLst/>
+            <a:gdLst/>
+            <a:ahLst/>
+            <a:cxnLst/>
+            <a:rect l="l" t="t" r="r" b="b"/>
             <a:pathLst>
-              <a:path extrusionOk="0" h="120000" w="120000">
+              <a:path w="120000" h="120000" extrusionOk="0">
                 <a:moveTo>
                   <a:pt x="0" y="0"/>
                 </a:moveTo>
@@ -1648,9 +1714,11 @@
       <p:sp>
         <p:nvSpPr>
           <p:cNvPr id="58" name="Google Shape;58;g132a6e26e9e_2_0:notes"/>
-          <p:cNvSpPr txBox="1"/>
+          <p:cNvSpPr txBox="1">
+            <a:spLocks noGrp="1"/>
+          </p:cNvSpPr>
           <p:nvPr>
-            <p:ph idx="1" type="body"/>
+            <p:ph type="body" idx="1"/>
           </p:nvPr>
         </p:nvSpPr>
         <p:spPr>
@@ -1663,23 +1731,20 @@
           </a:prstGeom>
         </p:spPr>
         <p:txBody>
-          <a:bodyPr anchorCtr="0" anchor="t" bIns="91425" lIns="91425" spcFirstLastPara="1" rIns="91425" wrap="square" tIns="91425">
+          <a:bodyPr spcFirstLastPara="1" wrap="square" lIns="91425" tIns="91425" rIns="91425" bIns="91425" anchor="t" anchorCtr="0">
             <a:noAutofit/>
           </a:bodyPr>
           <a:lstStyle/>
           <a:p>
-            <a:pPr indent="0" lvl="0" marL="0" rtl="0" algn="l">
-              <a:spcBef>
-                <a:spcPts val="0"/>
-              </a:spcBef>
-              <a:spcAft>
-                <a:spcPts val="0"/>
-              </a:spcAft>
-              <a:buNone/>
-            </a:pPr>
-            <a:r>
-              <a:t/>
-            </a:r>
+            <a:pPr marL="0" lvl="0" indent="0" algn="l" rtl="0">
+              <a:spcBef>
+                <a:spcPts val="0"/>
+              </a:spcBef>
+              <a:spcAft>
+                <a:spcPts val="0"/>
+              </a:spcAft>
+              <a:buNone/>
+            </a:pPr>
             <a:endParaRPr/>
           </a:p>
         </p:txBody>
@@ -1693,11 +1758,11 @@
 </file>
 
 <file path=ppt/notesSlides/notesSlide3.xml><?xml version="1.0" encoding="utf-8"?>
-<p:notes xmlns:a="http://schemas.openxmlformats.org/drawingml/2006/main" xmlns:r="http://schemas.openxmlformats.org/officeDocument/2006/relationships" xmlns:mc="http://schemas.openxmlformats.org/markup-compatibility/2006" xmlns:mv="urn:schemas-microsoft-com:mac:vml" xmlns:p="http://schemas.openxmlformats.org/presentationml/2006/main" xmlns:c="http://schemas.openxmlformats.org/drawingml/2006/chart" xmlns:dgm="http://schemas.openxmlformats.org/drawingml/2006/diagram" xmlns:o="urn:schemas-microsoft-com:office:office" xmlns:v="urn:schemas-microsoft-com:vml" xmlns:pvml="urn:schemas-microsoft-com:office:powerpoint" xmlns:com="http://schemas.openxmlformats.org/drawingml/2006/compatibility" xmlns:p14="http://schemas.microsoft.com/office/powerpoint/2010/main" xmlns:p15="http://schemas.microsoft.com/office/powerpoint/2012/main" xmlns:ahyp="http://schemas.microsoft.com/office/drawing/2018/hyperlinkcolor" showMasterPhAnim="0" showMasterSp="0">
+<p:notes xmlns:a="http://schemas.openxmlformats.org/drawingml/2006/main" xmlns:r="http://schemas.openxmlformats.org/officeDocument/2006/relationships" xmlns:p="http://schemas.openxmlformats.org/presentationml/2006/main" showMasterSp="0" showMasterPhAnim="0">
   <p:cSld>
     <p:spTree>
       <p:nvGrpSpPr>
-        <p:cNvPr id="64" name="Shape 64"/>
+        <p:cNvPr id="1" name="Shape 64"/>
         <p:cNvGrpSpPr/>
         <p:nvPr/>
       </p:nvGrpSpPr>
@@ -1712,9 +1777,11 @@
       <p:sp>
         <p:nvSpPr>
           <p:cNvPr id="65" name="Google Shape;65;g11ffb1422e6_0_0:notes"/>
-          <p:cNvSpPr/>
+          <p:cNvSpPr>
+            <a:spLocks noGrp="1" noRot="1" noChangeAspect="1"/>
+          </p:cNvSpPr>
           <p:nvPr>
-            <p:ph idx="2" type="sldImg"/>
+            <p:ph type="sldImg" idx="2"/>
           </p:nvPr>
         </p:nvSpPr>
         <p:spPr>
@@ -1723,9 +1790,13 @@
             <a:ext cx="6096000" cy="3429000"/>
           </a:xfrm>
           <a:custGeom>
-            <a:rect b="b" l="l" r="r" t="t"/>
+            <a:avLst/>
+            <a:gdLst/>
+            <a:ahLst/>
+            <a:cxnLst/>
+            <a:rect l="l" t="t" r="r" b="b"/>
             <a:pathLst>
-              <a:path extrusionOk="0" h="120000" w="120000">
+              <a:path w="120000" h="120000" extrusionOk="0">
                 <a:moveTo>
                   <a:pt x="0" y="0"/>
                 </a:moveTo>
@@ -1747,9 +1818,11 @@
       <p:sp>
         <p:nvSpPr>
           <p:cNvPr id="66" name="Google Shape;66;g11ffb1422e6_0_0:notes"/>
-          <p:cNvSpPr txBox="1"/>
+          <p:cNvSpPr txBox="1">
+            <a:spLocks noGrp="1"/>
+          </p:cNvSpPr>
           <p:nvPr>
-            <p:ph idx="1" type="body"/>
+            <p:ph type="body" idx="1"/>
           </p:nvPr>
         </p:nvSpPr>
         <p:spPr>
@@ -1762,23 +1835,20 @@
           </a:prstGeom>
         </p:spPr>
         <p:txBody>
-          <a:bodyPr anchorCtr="0" anchor="t" bIns="91425" lIns="91425" spcFirstLastPara="1" rIns="91425" wrap="square" tIns="91425">
+          <a:bodyPr spcFirstLastPara="1" wrap="square" lIns="91425" tIns="91425" rIns="91425" bIns="91425" anchor="t" anchorCtr="0">
             <a:noAutofit/>
           </a:bodyPr>
           <a:lstStyle/>
           <a:p>
-            <a:pPr indent="0" lvl="0" marL="0" rtl="0" algn="l">
-              <a:spcBef>
-                <a:spcPts val="0"/>
-              </a:spcBef>
-              <a:spcAft>
-                <a:spcPts val="0"/>
-              </a:spcAft>
-              <a:buNone/>
-            </a:pPr>
-            <a:r>
-              <a:t/>
-            </a:r>
+            <a:pPr marL="0" lvl="0" indent="0" algn="l" rtl="0">
+              <a:spcBef>
+                <a:spcPts val="0"/>
+              </a:spcBef>
+              <a:spcAft>
+                <a:spcPts val="0"/>
+              </a:spcAft>
+              <a:buNone/>
+            </a:pPr>
             <a:endParaRPr/>
           </a:p>
         </p:txBody>
@@ -1792,11 +1862,11 @@
 </file>
 
 <file path=ppt/notesSlides/notesSlide4.xml><?xml version="1.0" encoding="utf-8"?>
-<p:notes xmlns:a="http://schemas.openxmlformats.org/drawingml/2006/main" xmlns:r="http://schemas.openxmlformats.org/officeDocument/2006/relationships" xmlns:mc="http://schemas.openxmlformats.org/markup-compatibility/2006" xmlns:mv="urn:schemas-microsoft-com:mac:vml" xmlns:p="http://schemas.openxmlformats.org/presentationml/2006/main" xmlns:c="http://schemas.openxmlformats.org/drawingml/2006/chart" xmlns:dgm="http://schemas.openxmlformats.org/drawingml/2006/diagram" xmlns:o="urn:schemas-microsoft-com:office:office" xmlns:v="urn:schemas-microsoft-com:vml" xmlns:pvml="urn:schemas-microsoft-com:office:powerpoint" xmlns:com="http://schemas.openxmlformats.org/drawingml/2006/compatibility" xmlns:p14="http://schemas.microsoft.com/office/powerpoint/2010/main" xmlns:p15="http://schemas.microsoft.com/office/powerpoint/2012/main" xmlns:ahyp="http://schemas.microsoft.com/office/drawing/2018/hyperlinkcolor" showMasterPhAnim="0" showMasterSp="0">
+<p:notes xmlns:a="http://schemas.openxmlformats.org/drawingml/2006/main" xmlns:r="http://schemas.openxmlformats.org/officeDocument/2006/relationships" xmlns:p="http://schemas.openxmlformats.org/presentationml/2006/main" showMasterSp="0" showMasterPhAnim="0">
   <p:cSld>
     <p:spTree>
       <p:nvGrpSpPr>
-        <p:cNvPr id="72" name="Shape 72"/>
+        <p:cNvPr id="1" name="Shape 72"/>
         <p:cNvGrpSpPr/>
         <p:nvPr/>
       </p:nvGrpSpPr>
@@ -1811,9 +1881,11 @@
       <p:sp>
         <p:nvSpPr>
           <p:cNvPr id="73" name="Google Shape;73;g11ffb1422e6_0_7:notes"/>
-          <p:cNvSpPr/>
+          <p:cNvSpPr>
+            <a:spLocks noGrp="1" noRot="1" noChangeAspect="1"/>
+          </p:cNvSpPr>
           <p:nvPr>
-            <p:ph idx="2" type="sldImg"/>
+            <p:ph type="sldImg" idx="2"/>
           </p:nvPr>
         </p:nvSpPr>
         <p:spPr>
@@ -1822,9 +1894,13 @@
             <a:ext cx="6096000" cy="3429000"/>
           </a:xfrm>
           <a:custGeom>
-            <a:rect b="b" l="l" r="r" t="t"/>
+            <a:avLst/>
+            <a:gdLst/>
+            <a:ahLst/>
+            <a:cxnLst/>
+            <a:rect l="l" t="t" r="r" b="b"/>
             <a:pathLst>
-              <a:path extrusionOk="0" h="120000" w="120000">
+              <a:path w="120000" h="120000" extrusionOk="0">
                 <a:moveTo>
                   <a:pt x="0" y="0"/>
                 </a:moveTo>
@@ -1846,9 +1922,11 @@
       <p:sp>
         <p:nvSpPr>
           <p:cNvPr id="74" name="Google Shape;74;g11ffb1422e6_0_7:notes"/>
-          <p:cNvSpPr txBox="1"/>
+          <p:cNvSpPr txBox="1">
+            <a:spLocks noGrp="1"/>
+          </p:cNvSpPr>
           <p:nvPr>
-            <p:ph idx="1" type="body"/>
+            <p:ph type="body" idx="1"/>
           </p:nvPr>
         </p:nvSpPr>
         <p:spPr>
@@ -1861,23 +1939,20 @@
           </a:prstGeom>
         </p:spPr>
         <p:txBody>
-          <a:bodyPr anchorCtr="0" anchor="t" bIns="91425" lIns="91425" spcFirstLastPara="1" rIns="91425" wrap="square" tIns="91425">
+          <a:bodyPr spcFirstLastPara="1" wrap="square" lIns="91425" tIns="91425" rIns="91425" bIns="91425" anchor="t" anchorCtr="0">
             <a:noAutofit/>
           </a:bodyPr>
           <a:lstStyle/>
           <a:p>
-            <a:pPr indent="0" lvl="0" marL="0" rtl="0" algn="l">
-              <a:spcBef>
-                <a:spcPts val="0"/>
-              </a:spcBef>
-              <a:spcAft>
-                <a:spcPts val="0"/>
-              </a:spcAft>
-              <a:buNone/>
-            </a:pPr>
-            <a:r>
-              <a:t/>
-            </a:r>
+            <a:pPr marL="0" lvl="0" indent="0" algn="l" rtl="0">
+              <a:spcBef>
+                <a:spcPts val="0"/>
+              </a:spcBef>
+              <a:spcAft>
+                <a:spcPts val="0"/>
+              </a:spcAft>
+              <a:buNone/>
+            </a:pPr>
             <a:endParaRPr/>
           </a:p>
         </p:txBody>
@@ -1891,11 +1966,11 @@
 </file>
 
 <file path=ppt/notesSlides/notesSlide5.xml><?xml version="1.0" encoding="utf-8"?>
-<p:notes xmlns:a="http://schemas.openxmlformats.org/drawingml/2006/main" xmlns:r="http://schemas.openxmlformats.org/officeDocument/2006/relationships" xmlns:mc="http://schemas.openxmlformats.org/markup-compatibility/2006" xmlns:mv="urn:schemas-microsoft-com:mac:vml" xmlns:p="http://schemas.openxmlformats.org/presentationml/2006/main" xmlns:c="http://schemas.openxmlformats.org/drawingml/2006/chart" xmlns:dgm="http://schemas.openxmlformats.org/drawingml/2006/diagram" xmlns:o="urn:schemas-microsoft-com:office:office" xmlns:v="urn:schemas-microsoft-com:vml" xmlns:pvml="urn:schemas-microsoft-com:office:powerpoint" xmlns:com="http://schemas.openxmlformats.org/drawingml/2006/compatibility" xmlns:p14="http://schemas.microsoft.com/office/powerpoint/2010/main" xmlns:p15="http://schemas.microsoft.com/office/powerpoint/2012/main" xmlns:ahyp="http://schemas.microsoft.com/office/drawing/2018/hyperlinkcolor" showMasterPhAnim="0" showMasterSp="0">
+<p:notes xmlns:a="http://schemas.openxmlformats.org/drawingml/2006/main" xmlns:r="http://schemas.openxmlformats.org/officeDocument/2006/relationships" xmlns:p="http://schemas.openxmlformats.org/presentationml/2006/main" showMasterSp="0" showMasterPhAnim="0">
   <p:cSld>
     <p:spTree>
       <p:nvGrpSpPr>
-        <p:cNvPr id="80" name="Shape 80"/>
+        <p:cNvPr id="1" name="Shape 80"/>
         <p:cNvGrpSpPr/>
         <p:nvPr/>
       </p:nvGrpSpPr>
@@ -1910,9 +1985,11 @@
       <p:sp>
         <p:nvSpPr>
           <p:cNvPr id="81" name="Google Shape;81;g133d56bacee_0_25:notes"/>
-          <p:cNvSpPr/>
+          <p:cNvSpPr>
+            <a:spLocks noGrp="1" noRot="1" noChangeAspect="1"/>
+          </p:cNvSpPr>
           <p:nvPr>
-            <p:ph idx="2" type="sldImg"/>
+            <p:ph type="sldImg" idx="2"/>
           </p:nvPr>
         </p:nvSpPr>
         <p:spPr>
@@ -1921,9 +1998,13 @@
             <a:ext cx="6096000" cy="3429000"/>
           </a:xfrm>
           <a:custGeom>
-            <a:rect b="b" l="l" r="r" t="t"/>
+            <a:avLst/>
+            <a:gdLst/>
+            <a:ahLst/>
+            <a:cxnLst/>
+            <a:rect l="l" t="t" r="r" b="b"/>
             <a:pathLst>
-              <a:path extrusionOk="0" h="120000" w="120000">
+              <a:path w="120000" h="120000" extrusionOk="0">
                 <a:moveTo>
                   <a:pt x="0" y="0"/>
                 </a:moveTo>
@@ -1945,9 +2026,11 @@
       <p:sp>
         <p:nvSpPr>
           <p:cNvPr id="82" name="Google Shape;82;g133d56bacee_0_25:notes"/>
-          <p:cNvSpPr txBox="1"/>
+          <p:cNvSpPr txBox="1">
+            <a:spLocks noGrp="1"/>
+          </p:cNvSpPr>
           <p:nvPr>
-            <p:ph idx="1" type="body"/>
+            <p:ph type="body" idx="1"/>
           </p:nvPr>
         </p:nvSpPr>
         <p:spPr>
@@ -1960,23 +2043,20 @@
           </a:prstGeom>
         </p:spPr>
         <p:txBody>
-          <a:bodyPr anchorCtr="0" anchor="t" bIns="91425" lIns="91425" spcFirstLastPara="1" rIns="91425" wrap="square" tIns="91425">
+          <a:bodyPr spcFirstLastPara="1" wrap="square" lIns="91425" tIns="91425" rIns="91425" bIns="91425" anchor="t" anchorCtr="0">
             <a:noAutofit/>
           </a:bodyPr>
           <a:lstStyle/>
           <a:p>
-            <a:pPr indent="0" lvl="0" marL="0" rtl="0" algn="l">
-              <a:spcBef>
-                <a:spcPts val="0"/>
-              </a:spcBef>
-              <a:spcAft>
-                <a:spcPts val="0"/>
-              </a:spcAft>
-              <a:buNone/>
-            </a:pPr>
-            <a:r>
-              <a:t/>
-            </a:r>
+            <a:pPr marL="0" lvl="0" indent="0" algn="l" rtl="0">
+              <a:spcBef>
+                <a:spcPts val="0"/>
+              </a:spcBef>
+              <a:spcAft>
+                <a:spcPts val="0"/>
+              </a:spcAft>
+              <a:buNone/>
+            </a:pPr>
             <a:endParaRPr/>
           </a:p>
         </p:txBody>
@@ -1990,11 +2070,11 @@
 </file>
 
 <file path=ppt/notesSlides/notesSlide6.xml><?xml version="1.0" encoding="utf-8"?>
-<p:notes xmlns:a="http://schemas.openxmlformats.org/drawingml/2006/main" xmlns:r="http://schemas.openxmlformats.org/officeDocument/2006/relationships" xmlns:mc="http://schemas.openxmlformats.org/markup-compatibility/2006" xmlns:mv="urn:schemas-microsoft-com:mac:vml" xmlns:p="http://schemas.openxmlformats.org/presentationml/2006/main" xmlns:c="http://schemas.openxmlformats.org/drawingml/2006/chart" xmlns:dgm="http://schemas.openxmlformats.org/drawingml/2006/diagram" xmlns:o="urn:schemas-microsoft-com:office:office" xmlns:v="urn:schemas-microsoft-com:vml" xmlns:pvml="urn:schemas-microsoft-com:office:powerpoint" xmlns:com="http://schemas.openxmlformats.org/drawingml/2006/compatibility" xmlns:p14="http://schemas.microsoft.com/office/powerpoint/2010/main" xmlns:p15="http://schemas.microsoft.com/office/powerpoint/2012/main" xmlns:ahyp="http://schemas.microsoft.com/office/drawing/2018/hyperlinkcolor" showMasterPhAnim="0" showMasterSp="0">
+<p:notes xmlns:a="http://schemas.openxmlformats.org/drawingml/2006/main" xmlns:r="http://schemas.openxmlformats.org/officeDocument/2006/relationships" xmlns:p="http://schemas.openxmlformats.org/presentationml/2006/main" showMasterSp="0" showMasterPhAnim="0">
   <p:cSld>
     <p:spTree>
       <p:nvGrpSpPr>
-        <p:cNvPr id="88" name="Shape 88"/>
+        <p:cNvPr id="1" name="Shape 88"/>
         <p:cNvGrpSpPr/>
         <p:nvPr/>
       </p:nvGrpSpPr>
@@ -2009,9 +2089,11 @@
       <p:sp>
         <p:nvSpPr>
           <p:cNvPr id="89" name="Google Shape;89;g132a6e26e9e_2_6:notes"/>
-          <p:cNvSpPr/>
+          <p:cNvSpPr>
+            <a:spLocks noGrp="1" noRot="1" noChangeAspect="1"/>
+          </p:cNvSpPr>
           <p:nvPr>
-            <p:ph idx="2" type="sldImg"/>
+            <p:ph type="sldImg" idx="2"/>
           </p:nvPr>
         </p:nvSpPr>
         <p:spPr>
@@ -2020,9 +2102,13 @@
             <a:ext cx="6096000" cy="3429000"/>
           </a:xfrm>
           <a:custGeom>
-            <a:rect b="b" l="l" r="r" t="t"/>
+            <a:avLst/>
+            <a:gdLst/>
+            <a:ahLst/>
+            <a:cxnLst/>
+            <a:rect l="l" t="t" r="r" b="b"/>
             <a:pathLst>
-              <a:path extrusionOk="0" h="120000" w="120000">
+              <a:path w="120000" h="120000" extrusionOk="0">
                 <a:moveTo>
                   <a:pt x="0" y="0"/>
                 </a:moveTo>
@@ -2044,9 +2130,11 @@
       <p:sp>
         <p:nvSpPr>
           <p:cNvPr id="90" name="Google Shape;90;g132a6e26e9e_2_6:notes"/>
-          <p:cNvSpPr txBox="1"/>
+          <p:cNvSpPr txBox="1">
+            <a:spLocks noGrp="1"/>
+          </p:cNvSpPr>
           <p:nvPr>
-            <p:ph idx="1" type="body"/>
+            <p:ph type="body" idx="1"/>
           </p:nvPr>
         </p:nvSpPr>
         <p:spPr>
@@ -2059,23 +2147,20 @@
           </a:prstGeom>
         </p:spPr>
         <p:txBody>
-          <a:bodyPr anchorCtr="0" anchor="t" bIns="91425" lIns="91425" spcFirstLastPara="1" rIns="91425" wrap="square" tIns="91425">
+          <a:bodyPr spcFirstLastPara="1" wrap="square" lIns="91425" tIns="91425" rIns="91425" bIns="91425" anchor="t" anchorCtr="0">
             <a:noAutofit/>
           </a:bodyPr>
           <a:lstStyle/>
           <a:p>
-            <a:pPr indent="0" lvl="0" marL="0" rtl="0" algn="l">
-              <a:spcBef>
-                <a:spcPts val="0"/>
-              </a:spcBef>
-              <a:spcAft>
-                <a:spcPts val="0"/>
-              </a:spcAft>
-              <a:buNone/>
-            </a:pPr>
-            <a:r>
-              <a:t/>
-            </a:r>
+            <a:pPr marL="0" lvl="0" indent="0" algn="l" rtl="0">
+              <a:spcBef>
+                <a:spcPts val="0"/>
+              </a:spcBef>
+              <a:spcAft>
+                <a:spcPts val="0"/>
+              </a:spcAft>
+              <a:buNone/>
+            </a:pPr>
             <a:endParaRPr/>
           </a:p>
         </p:txBody>
@@ -2089,11 +2174,11 @@
 </file>
 
 <file path=ppt/notesSlides/notesSlide7.xml><?xml version="1.0" encoding="utf-8"?>
-<p:notes xmlns:a="http://schemas.openxmlformats.org/drawingml/2006/main" xmlns:r="http://schemas.openxmlformats.org/officeDocument/2006/relationships" xmlns:mc="http://schemas.openxmlformats.org/markup-compatibility/2006" xmlns:mv="urn:schemas-microsoft-com:mac:vml" xmlns:p="http://schemas.openxmlformats.org/presentationml/2006/main" xmlns:c="http://schemas.openxmlformats.org/drawingml/2006/chart" xmlns:dgm="http://schemas.openxmlformats.org/drawingml/2006/diagram" xmlns:o="urn:schemas-microsoft-com:office:office" xmlns:v="urn:schemas-microsoft-com:vml" xmlns:pvml="urn:schemas-microsoft-com:office:powerpoint" xmlns:com="http://schemas.openxmlformats.org/drawingml/2006/compatibility" xmlns:p14="http://schemas.microsoft.com/office/powerpoint/2010/main" xmlns:p15="http://schemas.microsoft.com/office/powerpoint/2012/main" xmlns:ahyp="http://schemas.microsoft.com/office/drawing/2018/hyperlinkcolor" showMasterPhAnim="0" showMasterSp="0">
+<p:notes xmlns:a="http://schemas.openxmlformats.org/drawingml/2006/main" xmlns:r="http://schemas.openxmlformats.org/officeDocument/2006/relationships" xmlns:p="http://schemas.openxmlformats.org/presentationml/2006/main" showMasterSp="0" showMasterPhAnim="0">
   <p:cSld>
     <p:spTree>
       <p:nvGrpSpPr>
-        <p:cNvPr id="96" name="Shape 96"/>
+        <p:cNvPr id="1" name="Shape 96"/>
         <p:cNvGrpSpPr/>
         <p:nvPr/>
       </p:nvGrpSpPr>
@@ -2108,9 +2193,11 @@
       <p:sp>
         <p:nvSpPr>
           <p:cNvPr id="97" name="Google Shape;97;g134f2e122ce_0_6:notes"/>
-          <p:cNvSpPr/>
+          <p:cNvSpPr>
+            <a:spLocks noGrp="1" noRot="1" noChangeAspect="1"/>
+          </p:cNvSpPr>
           <p:nvPr>
-            <p:ph idx="2" type="sldImg"/>
+            <p:ph type="sldImg" idx="2"/>
           </p:nvPr>
         </p:nvSpPr>
         <p:spPr>
@@ -2119,9 +2206,13 @@
             <a:ext cx="6096000" cy="3429000"/>
           </a:xfrm>
           <a:custGeom>
-            <a:rect b="b" l="l" r="r" t="t"/>
+            <a:avLst/>
+            <a:gdLst/>
+            <a:ahLst/>
+            <a:cxnLst/>
+            <a:rect l="l" t="t" r="r" b="b"/>
             <a:pathLst>
-              <a:path extrusionOk="0" h="120000" w="120000">
+              <a:path w="120000" h="120000" extrusionOk="0">
                 <a:moveTo>
                   <a:pt x="0" y="0"/>
                 </a:moveTo>
@@ -2143,9 +2234,11 @@
       <p:sp>
         <p:nvSpPr>
           <p:cNvPr id="98" name="Google Shape;98;g134f2e122ce_0_6:notes"/>
-          <p:cNvSpPr txBox="1"/>
+          <p:cNvSpPr txBox="1">
+            <a:spLocks noGrp="1"/>
+          </p:cNvSpPr>
           <p:nvPr>
-            <p:ph idx="1" type="body"/>
+            <p:ph type="body" idx="1"/>
           </p:nvPr>
         </p:nvSpPr>
         <p:spPr>
@@ -2158,23 +2251,20 @@
           </a:prstGeom>
         </p:spPr>
         <p:txBody>
-          <a:bodyPr anchorCtr="0" anchor="t" bIns="91425" lIns="91425" spcFirstLastPara="1" rIns="91425" wrap="square" tIns="91425">
+          <a:bodyPr spcFirstLastPara="1" wrap="square" lIns="91425" tIns="91425" rIns="91425" bIns="91425" anchor="t" anchorCtr="0">
             <a:noAutofit/>
           </a:bodyPr>
           <a:lstStyle/>
           <a:p>
-            <a:pPr indent="0" lvl="0" marL="0" rtl="0" algn="l">
-              <a:spcBef>
-                <a:spcPts val="0"/>
-              </a:spcBef>
-              <a:spcAft>
-                <a:spcPts val="0"/>
-              </a:spcAft>
-              <a:buNone/>
-            </a:pPr>
-            <a:r>
-              <a:t/>
-            </a:r>
+            <a:pPr marL="0" lvl="0" indent="0" algn="l" rtl="0">
+              <a:spcBef>
+                <a:spcPts val="0"/>
+              </a:spcBef>
+              <a:spcAft>
+                <a:spcPts val="0"/>
+              </a:spcAft>
+              <a:buNone/>
+            </a:pPr>
             <a:endParaRPr/>
           </a:p>
         </p:txBody>
@@ -2188,11 +2278,11 @@
 </file>
 
 <file path=ppt/notesSlides/notesSlide8.xml><?xml version="1.0" encoding="utf-8"?>
-<p:notes xmlns:a="http://schemas.openxmlformats.org/drawingml/2006/main" xmlns:r="http://schemas.openxmlformats.org/officeDocument/2006/relationships" xmlns:mc="http://schemas.openxmlformats.org/markup-compatibility/2006" xmlns:mv="urn:schemas-microsoft-com:mac:vml" xmlns:p="http://schemas.openxmlformats.org/presentationml/2006/main" xmlns:c="http://schemas.openxmlformats.org/drawingml/2006/chart" xmlns:dgm="http://schemas.openxmlformats.org/drawingml/2006/diagram" xmlns:o="urn:schemas-microsoft-com:office:office" xmlns:v="urn:schemas-microsoft-com:vml" xmlns:pvml="urn:schemas-microsoft-com:office:powerpoint" xmlns:com="http://schemas.openxmlformats.org/drawingml/2006/compatibility" xmlns:p14="http://schemas.microsoft.com/office/powerpoint/2010/main" xmlns:p15="http://schemas.microsoft.com/office/powerpoint/2012/main" xmlns:ahyp="http://schemas.microsoft.com/office/drawing/2018/hyperlinkcolor" showMasterPhAnim="0" showMasterSp="0">
+<p:notes xmlns:a="http://schemas.openxmlformats.org/drawingml/2006/main" xmlns:r="http://schemas.openxmlformats.org/officeDocument/2006/relationships" xmlns:p="http://schemas.openxmlformats.org/presentationml/2006/main" showMasterSp="0" showMasterPhAnim="0">
   <p:cSld>
     <p:spTree>
       <p:nvGrpSpPr>
-        <p:cNvPr id="104" name="Shape 104"/>
+        <p:cNvPr id="1" name="Shape 104"/>
         <p:cNvGrpSpPr/>
         <p:nvPr/>
       </p:nvGrpSpPr>
@@ -2207,9 +2297,11 @@
       <p:sp>
         <p:nvSpPr>
           <p:cNvPr id="105" name="Google Shape;105;g134f2e122ce_0_14:notes"/>
-          <p:cNvSpPr/>
+          <p:cNvSpPr>
+            <a:spLocks noGrp="1" noRot="1" noChangeAspect="1"/>
+          </p:cNvSpPr>
           <p:nvPr>
-            <p:ph idx="2" type="sldImg"/>
+            <p:ph type="sldImg" idx="2"/>
           </p:nvPr>
         </p:nvSpPr>
         <p:spPr>
@@ -2218,9 +2310,13 @@
             <a:ext cx="6096000" cy="3429000"/>
           </a:xfrm>
           <a:custGeom>
-            <a:rect b="b" l="l" r="r" t="t"/>
+            <a:avLst/>
+            <a:gdLst/>
+            <a:ahLst/>
+            <a:cxnLst/>
+            <a:rect l="l" t="t" r="r" b="b"/>
             <a:pathLst>
-              <a:path extrusionOk="0" h="120000" w="120000">
+              <a:path w="120000" h="120000" extrusionOk="0">
                 <a:moveTo>
                   <a:pt x="0" y="0"/>
                 </a:moveTo>
@@ -2242,9 +2338,11 @@
       <p:sp>
         <p:nvSpPr>
           <p:cNvPr id="106" name="Google Shape;106;g134f2e122ce_0_14:notes"/>
-          <p:cNvSpPr txBox="1"/>
+          <p:cNvSpPr txBox="1">
+            <a:spLocks noGrp="1"/>
+          </p:cNvSpPr>
           <p:nvPr>
-            <p:ph idx="1" type="body"/>
+            <p:ph type="body" idx="1"/>
           </p:nvPr>
         </p:nvSpPr>
         <p:spPr>
@@ -2257,23 +2355,20 @@
           </a:prstGeom>
         </p:spPr>
         <p:txBody>
-          <a:bodyPr anchorCtr="0" anchor="t" bIns="91425" lIns="91425" spcFirstLastPara="1" rIns="91425" wrap="square" tIns="91425">
+          <a:bodyPr spcFirstLastPara="1" wrap="square" lIns="91425" tIns="91425" rIns="91425" bIns="91425" anchor="t" anchorCtr="0">
             <a:noAutofit/>
           </a:bodyPr>
           <a:lstStyle/>
           <a:p>
-            <a:pPr indent="0" lvl="0" marL="0" rtl="0" algn="l">
-              <a:spcBef>
-                <a:spcPts val="0"/>
-              </a:spcBef>
-              <a:spcAft>
-                <a:spcPts val="0"/>
-              </a:spcAft>
-              <a:buNone/>
-            </a:pPr>
-            <a:r>
-              <a:t/>
-            </a:r>
+            <a:pPr marL="0" lvl="0" indent="0" algn="l" rtl="0">
+              <a:spcBef>
+                <a:spcPts val="0"/>
+              </a:spcBef>
+              <a:spcAft>
+                <a:spcPts val="0"/>
+              </a:spcAft>
+              <a:buNone/>
+            </a:pPr>
             <a:endParaRPr/>
           </a:p>
         </p:txBody>
@@ -2287,11 +2382,11 @@
 </file>
 
 <file path=ppt/notesSlides/notesSlide9.xml><?xml version="1.0" encoding="utf-8"?>
-<p:notes xmlns:a="http://schemas.openxmlformats.org/drawingml/2006/main" xmlns:r="http://schemas.openxmlformats.org/officeDocument/2006/relationships" xmlns:mc="http://schemas.openxmlformats.org/markup-compatibility/2006" xmlns:mv="urn:schemas-microsoft-com:mac:vml" xmlns:p="http://schemas.openxmlformats.org/presentationml/2006/main" xmlns:c="http://schemas.openxmlformats.org/drawingml/2006/chart" xmlns:dgm="http://schemas.openxmlformats.org/drawingml/2006/diagram" xmlns:o="urn:schemas-microsoft-com:office:office" xmlns:v="urn:schemas-microsoft-com:vml" xmlns:pvml="urn:schemas-microsoft-com:office:powerpoint" xmlns:com="http://schemas.openxmlformats.org/drawingml/2006/compatibility" xmlns:p14="http://schemas.microsoft.com/office/powerpoint/2010/main" xmlns:p15="http://schemas.microsoft.com/office/powerpoint/2012/main" xmlns:ahyp="http://schemas.microsoft.com/office/drawing/2018/hyperlinkcolor" showMasterPhAnim="0" showMasterSp="0">
+<p:notes xmlns:a="http://schemas.openxmlformats.org/drawingml/2006/main" xmlns:r="http://schemas.openxmlformats.org/officeDocument/2006/relationships" xmlns:p="http://schemas.openxmlformats.org/presentationml/2006/main" showMasterSp="0" showMasterPhAnim="0">
   <p:cSld>
     <p:spTree>
       <p:nvGrpSpPr>
-        <p:cNvPr id="113" name="Shape 113"/>
+        <p:cNvPr id="1" name="Shape 113"/>
         <p:cNvGrpSpPr/>
         <p:nvPr/>
       </p:nvGrpSpPr>
@@ -2306,20 +2401,26 @@
       <p:sp>
         <p:nvSpPr>
           <p:cNvPr id="114" name="Google Shape;114;g132a6e26e9e_2_12:notes"/>
-          <p:cNvSpPr/>
+          <p:cNvSpPr>
+            <a:spLocks noGrp="1" noRot="1" noChangeAspect="1"/>
+          </p:cNvSpPr>
           <p:nvPr>
-            <p:ph idx="2" type="sldImg"/>
+            <p:ph type="sldImg" idx="2"/>
           </p:nvPr>
         </p:nvSpPr>
         <p:spPr>
           <a:xfrm>
-            <a:off x="381300" y="685800"/>
+            <a:off x="381000" y="685800"/>
             <a:ext cx="6096000" cy="3429000"/>
           </a:xfrm>
           <a:custGeom>
-            <a:rect b="b" l="l" r="r" t="t"/>
+            <a:avLst/>
+            <a:gdLst/>
+            <a:ahLst/>
+            <a:cxnLst/>
+            <a:rect l="l" t="t" r="r" b="b"/>
             <a:pathLst>
-              <a:path extrusionOk="0" h="120000" w="120000">
+              <a:path w="120000" h="120000" extrusionOk="0">
                 <a:moveTo>
                   <a:pt x="0" y="0"/>
                 </a:moveTo>
@@ -2341,9 +2442,11 @@
       <p:sp>
         <p:nvSpPr>
           <p:cNvPr id="115" name="Google Shape;115;g132a6e26e9e_2_12:notes"/>
-          <p:cNvSpPr txBox="1"/>
+          <p:cNvSpPr txBox="1">
+            <a:spLocks noGrp="1"/>
+          </p:cNvSpPr>
           <p:nvPr>
-            <p:ph idx="1" type="body"/>
+            <p:ph type="body" idx="1"/>
           </p:nvPr>
         </p:nvSpPr>
         <p:spPr>
@@ -2356,23 +2459,20 @@
           </a:prstGeom>
         </p:spPr>
         <p:txBody>
-          <a:bodyPr anchorCtr="0" anchor="t" bIns="91425" lIns="91425" spcFirstLastPara="1" rIns="91425" wrap="square" tIns="91425">
+          <a:bodyPr spcFirstLastPara="1" wrap="square" lIns="91425" tIns="91425" rIns="91425" bIns="91425" anchor="t" anchorCtr="0">
             <a:noAutofit/>
           </a:bodyPr>
           <a:lstStyle/>
           <a:p>
-            <a:pPr indent="0" lvl="0" marL="0" rtl="0" algn="l">
-              <a:spcBef>
-                <a:spcPts val="0"/>
-              </a:spcBef>
-              <a:spcAft>
-                <a:spcPts val="0"/>
-              </a:spcAft>
-              <a:buNone/>
-            </a:pPr>
-            <a:r>
-              <a:t/>
-            </a:r>
+            <a:pPr marL="0" lvl="0" indent="0" algn="l" rtl="0">
+              <a:spcBef>
+                <a:spcPts val="0"/>
+              </a:spcBef>
+              <a:spcAft>
+                <a:spcPts val="0"/>
+              </a:spcAft>
+              <a:buNone/>
+            </a:pPr>
             <a:endParaRPr/>
           </a:p>
         </p:txBody>
@@ -2386,11 +2486,11 @@
 </file>
 
 <file path=ppt/slideLayouts/slideLayout1.xml><?xml version="1.0" encoding="utf-8"?>
-<p:sldLayout xmlns:a="http://schemas.openxmlformats.org/drawingml/2006/main" xmlns:r="http://schemas.openxmlformats.org/officeDocument/2006/relationships" xmlns:mc="http://schemas.openxmlformats.org/markup-compatibility/2006" xmlns:mv="urn:schemas-microsoft-com:mac:vml" xmlns:p="http://schemas.openxmlformats.org/presentationml/2006/main" xmlns:c="http://schemas.openxmlformats.org/drawingml/2006/chart" xmlns:dgm="http://schemas.openxmlformats.org/drawingml/2006/diagram" xmlns:o="urn:schemas-microsoft-com:office:office" xmlns:v="urn:schemas-microsoft-com:vml" xmlns:pvml="urn:schemas-microsoft-com:office:powerpoint" xmlns:com="http://schemas.openxmlformats.org/drawingml/2006/compatibility" xmlns:p14="http://schemas.microsoft.com/office/powerpoint/2010/main" xmlns:p15="http://schemas.microsoft.com/office/powerpoint/2012/main" xmlns:ahyp="http://schemas.microsoft.com/office/drawing/2018/hyperlinkcolor" matchingName="Title slide" type="title">
+<p:sldLayout xmlns:a="http://schemas.openxmlformats.org/drawingml/2006/main" xmlns:r="http://schemas.openxmlformats.org/officeDocument/2006/relationships" xmlns:p="http://schemas.openxmlformats.org/presentationml/2006/main" matchingName="Title slide" type="title">
   <p:cSld name="TITLE">
     <p:spTree>
       <p:nvGrpSpPr>
-        <p:cNvPr id="9" name="Shape 9"/>
+        <p:cNvPr id="1" name="Shape 9"/>
         <p:cNvGrpSpPr/>
         <p:nvPr/>
       </p:nvGrpSpPr>
@@ -2405,7 +2505,9 @@
       <p:sp>
         <p:nvSpPr>
           <p:cNvPr id="10" name="Google Shape;10;p2"/>
-          <p:cNvSpPr txBox="1"/>
+          <p:cNvSpPr txBox="1">
+            <a:spLocks noGrp="1"/>
+          </p:cNvSpPr>
           <p:nvPr>
             <p:ph type="ctrTitle"/>
           </p:nvPr>
@@ -2420,7 +2522,7 @@
           </a:prstGeom>
         </p:spPr>
         <p:txBody>
-          <a:bodyPr anchorCtr="0" anchor="b" bIns="91425" lIns="91425" spcFirstLastPara="1" rIns="91425" wrap="square" tIns="91425">
+          <a:bodyPr spcFirstLastPara="1" wrap="square" lIns="91425" tIns="91425" rIns="91425" bIns="91425" anchor="b" anchorCtr="0">
             <a:normAutofit/>
           </a:bodyPr>
           <a:lstStyle>
@@ -2524,15 +2626,19 @@
               <a:defRPr sz="5200"/>
             </a:lvl9pPr>
           </a:lstStyle>
-          <a:p/>
+          <a:p>
+            <a:endParaRPr/>
+          </a:p>
         </p:txBody>
       </p:sp>
       <p:sp>
         <p:nvSpPr>
           <p:cNvPr id="11" name="Google Shape;11;p2"/>
-          <p:cNvSpPr txBox="1"/>
+          <p:cNvSpPr txBox="1">
+            <a:spLocks noGrp="1"/>
+          </p:cNvSpPr>
           <p:nvPr>
-            <p:ph idx="1" type="subTitle"/>
+            <p:ph type="subTitle" idx="1"/>
           </p:nvPr>
         </p:nvSpPr>
         <p:spPr>
@@ -2545,7 +2651,7 @@
           </a:prstGeom>
         </p:spPr>
         <p:txBody>
-          <a:bodyPr anchorCtr="0" anchor="t" bIns="91425" lIns="91425" spcFirstLastPara="1" rIns="91425" wrap="square" tIns="91425">
+          <a:bodyPr spcFirstLastPara="1" wrap="square" lIns="91425" tIns="91425" rIns="91425" bIns="91425" anchor="t" anchorCtr="0">
             <a:normAutofit/>
           </a:bodyPr>
           <a:lstStyle>
@@ -2676,15 +2782,19 @@
               <a:defRPr sz="2800"/>
             </a:lvl9pPr>
           </a:lstStyle>
-          <a:p/>
+          <a:p>
+            <a:endParaRPr/>
+          </a:p>
         </p:txBody>
       </p:sp>
       <p:sp>
         <p:nvSpPr>
           <p:cNvPr id="12" name="Google Shape;12;p2"/>
-          <p:cNvSpPr txBox="1"/>
+          <p:cNvSpPr txBox="1">
+            <a:spLocks noGrp="1"/>
+          </p:cNvSpPr>
           <p:nvPr>
-            <p:ph idx="12" type="sldNum"/>
+            <p:ph type="sldNum" idx="12"/>
           </p:nvPr>
         </p:nvSpPr>
         <p:spPr>
@@ -2697,7 +2807,7 @@
           </a:prstGeom>
         </p:spPr>
         <p:txBody>
-          <a:bodyPr anchorCtr="0" anchor="ctr" bIns="91425" lIns="91425" spcFirstLastPara="1" rIns="91425" wrap="square" tIns="91425">
+          <a:bodyPr spcFirstLastPara="1" wrap="square" lIns="91425" tIns="91425" rIns="91425" bIns="91425" anchor="ctr" anchorCtr="0">
             <a:normAutofit/>
           </a:bodyPr>
           <a:lstStyle>
@@ -2739,7 +2849,7 @@
             </a:lvl9pPr>
           </a:lstStyle>
           <a:p>
-            <a:pPr indent="0" lvl="0" marL="0" rtl="0" algn="r">
+            <a:pPr marL="0" lvl="0" indent="0" algn="r" rtl="0">
               <a:spcBef>
                 <a:spcPts val="0"/>
               </a:spcBef>
@@ -2765,11 +2875,11 @@
 </file>
 
 <file path=ppt/slideLayouts/slideLayout10.xml><?xml version="1.0" encoding="utf-8"?>
-<p:sldLayout xmlns:a="http://schemas.openxmlformats.org/drawingml/2006/main" xmlns:r="http://schemas.openxmlformats.org/officeDocument/2006/relationships" xmlns:mc="http://schemas.openxmlformats.org/markup-compatibility/2006" xmlns:mv="urn:schemas-microsoft-com:mac:vml" xmlns:p="http://schemas.openxmlformats.org/presentationml/2006/main" xmlns:c="http://schemas.openxmlformats.org/drawingml/2006/chart" xmlns:dgm="http://schemas.openxmlformats.org/drawingml/2006/diagram" xmlns:o="urn:schemas-microsoft-com:office:office" xmlns:v="urn:schemas-microsoft-com:vml" xmlns:pvml="urn:schemas-microsoft-com:office:powerpoint" xmlns:com="http://schemas.openxmlformats.org/drawingml/2006/compatibility" xmlns:p14="http://schemas.microsoft.com/office/powerpoint/2010/main" xmlns:p15="http://schemas.microsoft.com/office/powerpoint/2012/main" xmlns:ahyp="http://schemas.microsoft.com/office/drawing/2018/hyperlinkcolor" matchingName="Big number">
+<p:sldLayout xmlns:a="http://schemas.openxmlformats.org/drawingml/2006/main" xmlns:r="http://schemas.openxmlformats.org/officeDocument/2006/relationships" xmlns:p="http://schemas.openxmlformats.org/presentationml/2006/main" matchingName="Big number">
   <p:cSld name="BIG_NUMBER">
     <p:spTree>
       <p:nvGrpSpPr>
-        <p:cNvPr id="44" name="Shape 44"/>
+        <p:cNvPr id="1" name="Shape 44"/>
         <p:cNvGrpSpPr/>
         <p:nvPr/>
       </p:nvGrpSpPr>
@@ -2784,9 +2894,11 @@
       <p:sp>
         <p:nvSpPr>
           <p:cNvPr id="45" name="Google Shape;45;p11"/>
-          <p:cNvSpPr txBox="1"/>
+          <p:cNvSpPr txBox="1">
+            <a:spLocks noGrp="1"/>
+          </p:cNvSpPr>
           <p:nvPr>
-            <p:ph hasCustomPrompt="1" type="title"/>
+            <p:ph type="title" hasCustomPrompt="1"/>
           </p:nvPr>
         </p:nvSpPr>
         <p:spPr>
@@ -2799,7 +2911,7 @@
           </a:prstGeom>
         </p:spPr>
         <p:txBody>
-          <a:bodyPr anchorCtr="0" anchor="b" bIns="91425" lIns="91425" spcFirstLastPara="1" rIns="91425" wrap="square" tIns="91425">
+          <a:bodyPr spcFirstLastPara="1" wrap="square" lIns="91425" tIns="91425" rIns="91425" bIns="91425" anchor="b" anchorCtr="0">
             <a:normAutofit/>
           </a:bodyPr>
           <a:lstStyle>
@@ -2913,9 +3025,11 @@
       <p:sp>
         <p:nvSpPr>
           <p:cNvPr id="46" name="Google Shape;46;p11"/>
-          <p:cNvSpPr txBox="1"/>
+          <p:cNvSpPr txBox="1">
+            <a:spLocks noGrp="1"/>
+          </p:cNvSpPr>
           <p:nvPr>
-            <p:ph idx="1" type="body"/>
+            <p:ph type="body" idx="1"/>
           </p:nvPr>
         </p:nvSpPr>
         <p:spPr>
@@ -2928,11 +3042,11 @@
           </a:prstGeom>
         </p:spPr>
         <p:txBody>
-          <a:bodyPr anchorCtr="0" anchor="t" bIns="91425" lIns="91425" spcFirstLastPara="1" rIns="91425" wrap="square" tIns="91425">
+          <a:bodyPr spcFirstLastPara="1" wrap="square" lIns="91425" tIns="91425" rIns="91425" bIns="91425" anchor="t" anchorCtr="0">
             <a:normAutofit/>
           </a:bodyPr>
           <a:lstStyle>
-            <a:lvl1pPr indent="-342900" lvl="0" marL="457200" algn="ctr">
+            <a:lvl1pPr marL="457200" lvl="0" indent="-342900" algn="ctr">
               <a:spcBef>
                 <a:spcPts val="0"/>
               </a:spcBef>
@@ -2943,7 +3057,7 @@
               <a:buChar char="●"/>
               <a:defRPr/>
             </a:lvl1pPr>
-            <a:lvl2pPr indent="-317500" lvl="1" marL="914400" algn="ctr">
+            <a:lvl2pPr marL="914400" lvl="1" indent="-317500" algn="ctr">
               <a:spcBef>
                 <a:spcPts val="0"/>
               </a:spcBef>
@@ -2954,7 +3068,7 @@
               <a:buChar char="○"/>
               <a:defRPr/>
             </a:lvl2pPr>
-            <a:lvl3pPr indent="-317500" lvl="2" marL="1371600" algn="ctr">
+            <a:lvl3pPr marL="1371600" lvl="2" indent="-317500" algn="ctr">
               <a:spcBef>
                 <a:spcPts val="0"/>
               </a:spcBef>
@@ -2965,7 +3079,7 @@
               <a:buChar char="■"/>
               <a:defRPr/>
             </a:lvl3pPr>
-            <a:lvl4pPr indent="-317500" lvl="3" marL="1828800" algn="ctr">
+            <a:lvl4pPr marL="1828800" lvl="3" indent="-317500" algn="ctr">
               <a:spcBef>
                 <a:spcPts val="0"/>
               </a:spcBef>
@@ -2976,7 +3090,7 @@
               <a:buChar char="●"/>
               <a:defRPr/>
             </a:lvl4pPr>
-            <a:lvl5pPr indent="-317500" lvl="4" marL="2286000" algn="ctr">
+            <a:lvl5pPr marL="2286000" lvl="4" indent="-317500" algn="ctr">
               <a:spcBef>
                 <a:spcPts val="0"/>
               </a:spcBef>
@@ -2987,7 +3101,7 @@
               <a:buChar char="○"/>
               <a:defRPr/>
             </a:lvl5pPr>
-            <a:lvl6pPr indent="-317500" lvl="5" marL="2743200" algn="ctr">
+            <a:lvl6pPr marL="2743200" lvl="5" indent="-317500" algn="ctr">
               <a:spcBef>
                 <a:spcPts val="0"/>
               </a:spcBef>
@@ -2998,7 +3112,7 @@
               <a:buChar char="■"/>
               <a:defRPr/>
             </a:lvl6pPr>
-            <a:lvl7pPr indent="-317500" lvl="6" marL="3200400" algn="ctr">
+            <a:lvl7pPr marL="3200400" lvl="6" indent="-317500" algn="ctr">
               <a:spcBef>
                 <a:spcPts val="0"/>
               </a:spcBef>
@@ -3009,7 +3123,7 @@
               <a:buChar char="●"/>
               <a:defRPr/>
             </a:lvl7pPr>
-            <a:lvl8pPr indent="-317500" lvl="7" marL="3657600" algn="ctr">
+            <a:lvl8pPr marL="3657600" lvl="7" indent="-317500" algn="ctr">
               <a:spcBef>
                 <a:spcPts val="0"/>
               </a:spcBef>
@@ -3020,7 +3134,7 @@
               <a:buChar char="○"/>
               <a:defRPr/>
             </a:lvl8pPr>
-            <a:lvl9pPr indent="-317500" lvl="8" marL="4114800" algn="ctr">
+            <a:lvl9pPr marL="4114800" lvl="8" indent="-317500" algn="ctr">
               <a:spcBef>
                 <a:spcPts val="0"/>
               </a:spcBef>
@@ -3032,15 +3146,19 @@
               <a:defRPr/>
             </a:lvl9pPr>
           </a:lstStyle>
-          <a:p/>
+          <a:p>
+            <a:endParaRPr/>
+          </a:p>
         </p:txBody>
       </p:sp>
       <p:sp>
         <p:nvSpPr>
           <p:cNvPr id="47" name="Google Shape;47;p11"/>
-          <p:cNvSpPr txBox="1"/>
+          <p:cNvSpPr txBox="1">
+            <a:spLocks noGrp="1"/>
+          </p:cNvSpPr>
           <p:nvPr>
-            <p:ph idx="12" type="sldNum"/>
+            <p:ph type="sldNum" idx="12"/>
           </p:nvPr>
         </p:nvSpPr>
         <p:spPr>
@@ -3053,7 +3171,7 @@
           </a:prstGeom>
         </p:spPr>
         <p:txBody>
-          <a:bodyPr anchorCtr="0" anchor="ctr" bIns="91425" lIns="91425" spcFirstLastPara="1" rIns="91425" wrap="square" tIns="91425">
+          <a:bodyPr spcFirstLastPara="1" wrap="square" lIns="91425" tIns="91425" rIns="91425" bIns="91425" anchor="ctr" anchorCtr="0">
             <a:normAutofit/>
           </a:bodyPr>
           <a:lstStyle>
@@ -3095,7 +3213,7 @@
             </a:lvl9pPr>
           </a:lstStyle>
           <a:p>
-            <a:pPr indent="0" lvl="0" marL="0" rtl="0" algn="r">
+            <a:pPr marL="0" lvl="0" indent="0" algn="r" rtl="0">
               <a:spcBef>
                 <a:spcPts val="0"/>
               </a:spcBef>
@@ -3121,11 +3239,11 @@
 </file>
 
 <file path=ppt/slideLayouts/slideLayout11.xml><?xml version="1.0" encoding="utf-8"?>
-<p:sldLayout xmlns:a="http://schemas.openxmlformats.org/drawingml/2006/main" xmlns:r="http://schemas.openxmlformats.org/officeDocument/2006/relationships" xmlns:mc="http://schemas.openxmlformats.org/markup-compatibility/2006" xmlns:mv="urn:schemas-microsoft-com:mac:vml" xmlns:p="http://schemas.openxmlformats.org/presentationml/2006/main" xmlns:c="http://schemas.openxmlformats.org/drawingml/2006/chart" xmlns:dgm="http://schemas.openxmlformats.org/drawingml/2006/diagram" xmlns:o="urn:schemas-microsoft-com:office:office" xmlns:v="urn:schemas-microsoft-com:vml" xmlns:pvml="urn:schemas-microsoft-com:office:powerpoint" xmlns:com="http://schemas.openxmlformats.org/drawingml/2006/compatibility" xmlns:p14="http://schemas.microsoft.com/office/powerpoint/2010/main" xmlns:p15="http://schemas.microsoft.com/office/powerpoint/2012/main" xmlns:ahyp="http://schemas.microsoft.com/office/drawing/2018/hyperlinkcolor" matchingName="Blank" type="blank">
+<p:sldLayout xmlns:a="http://schemas.openxmlformats.org/drawingml/2006/main" xmlns:r="http://schemas.openxmlformats.org/officeDocument/2006/relationships" xmlns:p="http://schemas.openxmlformats.org/presentationml/2006/main" matchingName="Blank" type="blank">
   <p:cSld name="BLANK">
     <p:spTree>
       <p:nvGrpSpPr>
-        <p:cNvPr id="48" name="Shape 48"/>
+        <p:cNvPr id="1" name="Shape 48"/>
         <p:cNvGrpSpPr/>
         <p:nvPr/>
       </p:nvGrpSpPr>
@@ -3140,9 +3258,11 @@
       <p:sp>
         <p:nvSpPr>
           <p:cNvPr id="49" name="Google Shape;49;p12"/>
-          <p:cNvSpPr txBox="1"/>
+          <p:cNvSpPr txBox="1">
+            <a:spLocks noGrp="1"/>
+          </p:cNvSpPr>
           <p:nvPr>
-            <p:ph idx="12" type="sldNum"/>
+            <p:ph type="sldNum" idx="12"/>
           </p:nvPr>
         </p:nvSpPr>
         <p:spPr>
@@ -3155,7 +3275,7 @@
           </a:prstGeom>
         </p:spPr>
         <p:txBody>
-          <a:bodyPr anchorCtr="0" anchor="ctr" bIns="91425" lIns="91425" spcFirstLastPara="1" rIns="91425" wrap="square" tIns="91425">
+          <a:bodyPr spcFirstLastPara="1" wrap="square" lIns="91425" tIns="91425" rIns="91425" bIns="91425" anchor="ctr" anchorCtr="0">
             <a:normAutofit/>
           </a:bodyPr>
           <a:lstStyle>
@@ -3197,7 +3317,7 @@
             </a:lvl9pPr>
           </a:lstStyle>
           <a:p>
-            <a:pPr indent="0" lvl="0" marL="0" rtl="0" algn="r">
+            <a:pPr marL="0" lvl="0" indent="0" algn="r" rtl="0">
               <a:spcBef>
                 <a:spcPts val="0"/>
               </a:spcBef>
@@ -3223,11 +3343,11 @@
 </file>
 
 <file path=ppt/slideLayouts/slideLayout2.xml><?xml version="1.0" encoding="utf-8"?>
-<p:sldLayout xmlns:a="http://schemas.openxmlformats.org/drawingml/2006/main" xmlns:r="http://schemas.openxmlformats.org/officeDocument/2006/relationships" xmlns:mc="http://schemas.openxmlformats.org/markup-compatibility/2006" xmlns:mv="urn:schemas-microsoft-com:mac:vml" xmlns:p="http://schemas.openxmlformats.org/presentationml/2006/main" xmlns:c="http://schemas.openxmlformats.org/drawingml/2006/chart" xmlns:dgm="http://schemas.openxmlformats.org/drawingml/2006/diagram" xmlns:o="urn:schemas-microsoft-com:office:office" xmlns:v="urn:schemas-microsoft-com:vml" xmlns:pvml="urn:schemas-microsoft-com:office:powerpoint" xmlns:com="http://schemas.openxmlformats.org/drawingml/2006/compatibility" xmlns:p14="http://schemas.microsoft.com/office/powerpoint/2010/main" xmlns:p15="http://schemas.microsoft.com/office/powerpoint/2012/main" xmlns:ahyp="http://schemas.microsoft.com/office/drawing/2018/hyperlinkcolor" matchingName="Section header" type="secHead">
+<p:sldLayout xmlns:a="http://schemas.openxmlformats.org/drawingml/2006/main" xmlns:r="http://schemas.openxmlformats.org/officeDocument/2006/relationships" xmlns:p="http://schemas.openxmlformats.org/presentationml/2006/main" matchingName="Section header" type="secHead">
   <p:cSld name="SECTION_HEADER">
     <p:spTree>
       <p:nvGrpSpPr>
-        <p:cNvPr id="13" name="Shape 13"/>
+        <p:cNvPr id="1" name="Shape 13"/>
         <p:cNvGrpSpPr/>
         <p:nvPr/>
       </p:nvGrpSpPr>
@@ -3242,7 +3362,9 @@
       <p:sp>
         <p:nvSpPr>
           <p:cNvPr id="14" name="Google Shape;14;p3"/>
-          <p:cNvSpPr txBox="1"/>
+          <p:cNvSpPr txBox="1">
+            <a:spLocks noGrp="1"/>
+          </p:cNvSpPr>
           <p:nvPr>
             <p:ph type="title"/>
           </p:nvPr>
@@ -3257,7 +3379,7 @@
           </a:prstGeom>
         </p:spPr>
         <p:txBody>
-          <a:bodyPr anchorCtr="0" anchor="ctr" bIns="91425" lIns="91425" spcFirstLastPara="1" rIns="91425" wrap="square" tIns="91425">
+          <a:bodyPr spcFirstLastPara="1" wrap="square" lIns="91425" tIns="91425" rIns="91425" bIns="91425" anchor="ctr" anchorCtr="0">
             <a:normAutofit/>
           </a:bodyPr>
           <a:lstStyle>
@@ -3361,15 +3483,19 @@
               <a:defRPr sz="3600"/>
             </a:lvl9pPr>
           </a:lstStyle>
-          <a:p/>
+          <a:p>
+            <a:endParaRPr/>
+          </a:p>
         </p:txBody>
       </p:sp>
       <p:sp>
         <p:nvSpPr>
           <p:cNvPr id="15" name="Google Shape;15;p3"/>
-          <p:cNvSpPr txBox="1"/>
+          <p:cNvSpPr txBox="1">
+            <a:spLocks noGrp="1"/>
+          </p:cNvSpPr>
           <p:nvPr>
-            <p:ph idx="12" type="sldNum"/>
+            <p:ph type="sldNum" idx="12"/>
           </p:nvPr>
         </p:nvSpPr>
         <p:spPr>
@@ -3382,7 +3508,7 @@
           </a:prstGeom>
         </p:spPr>
         <p:txBody>
-          <a:bodyPr anchorCtr="0" anchor="ctr" bIns="91425" lIns="91425" spcFirstLastPara="1" rIns="91425" wrap="square" tIns="91425">
+          <a:bodyPr spcFirstLastPara="1" wrap="square" lIns="91425" tIns="91425" rIns="91425" bIns="91425" anchor="ctr" anchorCtr="0">
             <a:normAutofit/>
           </a:bodyPr>
           <a:lstStyle>
@@ -3424,7 +3550,7 @@
             </a:lvl9pPr>
           </a:lstStyle>
           <a:p>
-            <a:pPr indent="0" lvl="0" marL="0" rtl="0" algn="r">
+            <a:pPr marL="0" lvl="0" indent="0" algn="r" rtl="0">
               <a:spcBef>
                 <a:spcPts val="0"/>
               </a:spcBef>
@@ -3450,11 +3576,11 @@
 </file>
 
 <file path=ppt/slideLayouts/slideLayout3.xml><?xml version="1.0" encoding="utf-8"?>
-<p:sldLayout xmlns:a="http://schemas.openxmlformats.org/drawingml/2006/main" xmlns:r="http://schemas.openxmlformats.org/officeDocument/2006/relationships" xmlns:mc="http://schemas.openxmlformats.org/markup-compatibility/2006" xmlns:mv="urn:schemas-microsoft-com:mac:vml" xmlns:p="http://schemas.openxmlformats.org/presentationml/2006/main" xmlns:c="http://schemas.openxmlformats.org/drawingml/2006/chart" xmlns:dgm="http://schemas.openxmlformats.org/drawingml/2006/diagram" xmlns:o="urn:schemas-microsoft-com:office:office" xmlns:v="urn:schemas-microsoft-com:vml" xmlns:pvml="urn:schemas-microsoft-com:office:powerpoint" xmlns:com="http://schemas.openxmlformats.org/drawingml/2006/compatibility" xmlns:p14="http://schemas.microsoft.com/office/powerpoint/2010/main" xmlns:p15="http://schemas.microsoft.com/office/powerpoint/2012/main" xmlns:ahyp="http://schemas.microsoft.com/office/drawing/2018/hyperlinkcolor" matchingName="Title and body" type="tx">
+<p:sldLayout xmlns:a="http://schemas.openxmlformats.org/drawingml/2006/main" xmlns:r="http://schemas.openxmlformats.org/officeDocument/2006/relationships" xmlns:p="http://schemas.openxmlformats.org/presentationml/2006/main" matchingName="Title and body" type="tx">
   <p:cSld name="TITLE_AND_BODY">
     <p:spTree>
       <p:nvGrpSpPr>
-        <p:cNvPr id="16" name="Shape 16"/>
+        <p:cNvPr id="1" name="Shape 16"/>
         <p:cNvGrpSpPr/>
         <p:nvPr/>
       </p:nvGrpSpPr>
@@ -3469,7 +3595,9 @@
       <p:sp>
         <p:nvSpPr>
           <p:cNvPr id="17" name="Google Shape;17;p4"/>
-          <p:cNvSpPr txBox="1"/>
+          <p:cNvSpPr txBox="1">
+            <a:spLocks noGrp="1"/>
+          </p:cNvSpPr>
           <p:nvPr>
             <p:ph type="title"/>
           </p:nvPr>
@@ -3484,7 +3612,7 @@
           </a:prstGeom>
         </p:spPr>
         <p:txBody>
-          <a:bodyPr anchorCtr="0" anchor="t" bIns="91425" lIns="91425" spcFirstLastPara="1" rIns="91425" wrap="square" tIns="91425">
+          <a:bodyPr spcFirstLastPara="1" wrap="square" lIns="91425" tIns="91425" rIns="91425" bIns="91425" anchor="t" anchorCtr="0">
             <a:normAutofit/>
           </a:bodyPr>
           <a:lstStyle>
@@ -3588,15 +3716,19 @@
               <a:defRPr/>
             </a:lvl9pPr>
           </a:lstStyle>
-          <a:p/>
+          <a:p>
+            <a:endParaRPr/>
+          </a:p>
         </p:txBody>
       </p:sp>
       <p:sp>
         <p:nvSpPr>
           <p:cNvPr id="18" name="Google Shape;18;p4"/>
-          <p:cNvSpPr txBox="1"/>
+          <p:cNvSpPr txBox="1">
+            <a:spLocks noGrp="1"/>
+          </p:cNvSpPr>
           <p:nvPr>
-            <p:ph idx="1" type="body"/>
+            <p:ph type="body" idx="1"/>
           </p:nvPr>
         </p:nvSpPr>
         <p:spPr>
@@ -3609,11 +3741,11 @@
           </a:prstGeom>
         </p:spPr>
         <p:txBody>
-          <a:bodyPr anchorCtr="0" anchor="t" bIns="91425" lIns="91425" spcFirstLastPara="1" rIns="91425" wrap="square" tIns="91425">
+          <a:bodyPr spcFirstLastPara="1" wrap="square" lIns="91425" tIns="91425" rIns="91425" bIns="91425" anchor="t" anchorCtr="0">
             <a:normAutofit/>
           </a:bodyPr>
           <a:lstStyle>
-            <a:lvl1pPr indent="-342900" lvl="0" marL="457200">
+            <a:lvl1pPr marL="457200" lvl="0" indent="-342900">
               <a:spcBef>
                 <a:spcPts val="0"/>
               </a:spcBef>
@@ -3624,7 +3756,7 @@
               <a:buChar char="●"/>
               <a:defRPr/>
             </a:lvl1pPr>
-            <a:lvl2pPr indent="-317500" lvl="1" marL="914400">
+            <a:lvl2pPr marL="914400" lvl="1" indent="-317500">
               <a:spcBef>
                 <a:spcPts val="0"/>
               </a:spcBef>
@@ -3635,7 +3767,7 @@
               <a:buChar char="○"/>
               <a:defRPr/>
             </a:lvl2pPr>
-            <a:lvl3pPr indent="-317500" lvl="2" marL="1371600">
+            <a:lvl3pPr marL="1371600" lvl="2" indent="-317500">
               <a:spcBef>
                 <a:spcPts val="0"/>
               </a:spcBef>
@@ -3646,7 +3778,7 @@
               <a:buChar char="■"/>
               <a:defRPr/>
             </a:lvl3pPr>
-            <a:lvl4pPr indent="-317500" lvl="3" marL="1828800">
+            <a:lvl4pPr marL="1828800" lvl="3" indent="-317500">
               <a:spcBef>
                 <a:spcPts val="0"/>
               </a:spcBef>
@@ -3657,7 +3789,7 @@
               <a:buChar char="●"/>
               <a:defRPr/>
             </a:lvl4pPr>
-            <a:lvl5pPr indent="-317500" lvl="4" marL="2286000">
+            <a:lvl5pPr marL="2286000" lvl="4" indent="-317500">
               <a:spcBef>
                 <a:spcPts val="0"/>
               </a:spcBef>
@@ -3668,7 +3800,7 @@
               <a:buChar char="○"/>
               <a:defRPr/>
             </a:lvl5pPr>
-            <a:lvl6pPr indent="-317500" lvl="5" marL="2743200">
+            <a:lvl6pPr marL="2743200" lvl="5" indent="-317500">
               <a:spcBef>
                 <a:spcPts val="0"/>
               </a:spcBef>
@@ -3679,7 +3811,7 @@
               <a:buChar char="■"/>
               <a:defRPr/>
             </a:lvl6pPr>
-            <a:lvl7pPr indent="-317500" lvl="6" marL="3200400">
+            <a:lvl7pPr marL="3200400" lvl="6" indent="-317500">
               <a:spcBef>
                 <a:spcPts val="0"/>
               </a:spcBef>
@@ -3690,7 +3822,7 @@
               <a:buChar char="●"/>
               <a:defRPr/>
             </a:lvl7pPr>
-            <a:lvl8pPr indent="-317500" lvl="7" marL="3657600">
+            <a:lvl8pPr marL="3657600" lvl="7" indent="-317500">
               <a:spcBef>
                 <a:spcPts val="0"/>
               </a:spcBef>
@@ -3701,7 +3833,7 @@
               <a:buChar char="○"/>
               <a:defRPr/>
             </a:lvl8pPr>
-            <a:lvl9pPr indent="-317500" lvl="8" marL="4114800">
+            <a:lvl9pPr marL="4114800" lvl="8" indent="-317500">
               <a:spcBef>
                 <a:spcPts val="0"/>
               </a:spcBef>
@@ -3713,15 +3845,19 @@
               <a:defRPr/>
             </a:lvl9pPr>
           </a:lstStyle>
-          <a:p/>
+          <a:p>
+            <a:endParaRPr/>
+          </a:p>
         </p:txBody>
       </p:sp>
       <p:sp>
         <p:nvSpPr>
           <p:cNvPr id="19" name="Google Shape;19;p4"/>
-          <p:cNvSpPr txBox="1"/>
+          <p:cNvSpPr txBox="1">
+            <a:spLocks noGrp="1"/>
+          </p:cNvSpPr>
           <p:nvPr>
-            <p:ph idx="12" type="sldNum"/>
+            <p:ph type="sldNum" idx="12"/>
           </p:nvPr>
         </p:nvSpPr>
         <p:spPr>
@@ -3734,7 +3870,7 @@
           </a:prstGeom>
         </p:spPr>
         <p:txBody>
-          <a:bodyPr anchorCtr="0" anchor="ctr" bIns="91425" lIns="91425" spcFirstLastPara="1" rIns="91425" wrap="square" tIns="91425">
+          <a:bodyPr spcFirstLastPara="1" wrap="square" lIns="91425" tIns="91425" rIns="91425" bIns="91425" anchor="ctr" anchorCtr="0">
             <a:normAutofit/>
           </a:bodyPr>
           <a:lstStyle>
@@ -3776,7 +3912,7 @@
             </a:lvl9pPr>
           </a:lstStyle>
           <a:p>
-            <a:pPr indent="0" lvl="0" marL="0" rtl="0" algn="r">
+            <a:pPr marL="0" lvl="0" indent="0" algn="r" rtl="0">
               <a:spcBef>
                 <a:spcPts val="0"/>
               </a:spcBef>
@@ -3802,11 +3938,11 @@
 </file>
 
 <file path=ppt/slideLayouts/slideLayout4.xml><?xml version="1.0" encoding="utf-8"?>
-<p:sldLayout xmlns:a="http://schemas.openxmlformats.org/drawingml/2006/main" xmlns:r="http://schemas.openxmlformats.org/officeDocument/2006/relationships" xmlns:mc="http://schemas.openxmlformats.org/markup-compatibility/2006" xmlns:mv="urn:schemas-microsoft-com:mac:vml" xmlns:p="http://schemas.openxmlformats.org/presentationml/2006/main" xmlns:c="http://schemas.openxmlformats.org/drawingml/2006/chart" xmlns:dgm="http://schemas.openxmlformats.org/drawingml/2006/diagram" xmlns:o="urn:schemas-microsoft-com:office:office" xmlns:v="urn:schemas-microsoft-com:vml" xmlns:pvml="urn:schemas-microsoft-com:office:powerpoint" xmlns:com="http://schemas.openxmlformats.org/drawingml/2006/compatibility" xmlns:p14="http://schemas.microsoft.com/office/powerpoint/2010/main" xmlns:p15="http://schemas.microsoft.com/office/powerpoint/2012/main" xmlns:ahyp="http://schemas.microsoft.com/office/drawing/2018/hyperlinkcolor" matchingName="Title and two columns" type="twoColTx">
+<p:sldLayout xmlns:a="http://schemas.openxmlformats.org/drawingml/2006/main" xmlns:r="http://schemas.openxmlformats.org/officeDocument/2006/relationships" xmlns:p="http://schemas.openxmlformats.org/presentationml/2006/main" matchingName="Title and two columns" type="twoColTx">
   <p:cSld name="TITLE_AND_TWO_COLUMNS">
     <p:spTree>
       <p:nvGrpSpPr>
-        <p:cNvPr id="20" name="Shape 20"/>
+        <p:cNvPr id="1" name="Shape 20"/>
         <p:cNvGrpSpPr/>
         <p:nvPr/>
       </p:nvGrpSpPr>
@@ -3821,7 +3957,9 @@
       <p:sp>
         <p:nvSpPr>
           <p:cNvPr id="21" name="Google Shape;21;p5"/>
-          <p:cNvSpPr txBox="1"/>
+          <p:cNvSpPr txBox="1">
+            <a:spLocks noGrp="1"/>
+          </p:cNvSpPr>
           <p:nvPr>
             <p:ph type="title"/>
           </p:nvPr>
@@ -3836,7 +3974,7 @@
           </a:prstGeom>
         </p:spPr>
         <p:txBody>
-          <a:bodyPr anchorCtr="0" anchor="t" bIns="91425" lIns="91425" spcFirstLastPara="1" rIns="91425" wrap="square" tIns="91425">
+          <a:bodyPr spcFirstLastPara="1" wrap="square" lIns="91425" tIns="91425" rIns="91425" bIns="91425" anchor="t" anchorCtr="0">
             <a:normAutofit/>
           </a:bodyPr>
           <a:lstStyle>
@@ -3940,15 +4078,19 @@
               <a:defRPr/>
             </a:lvl9pPr>
           </a:lstStyle>
-          <a:p/>
+          <a:p>
+            <a:endParaRPr/>
+          </a:p>
         </p:txBody>
       </p:sp>
       <p:sp>
         <p:nvSpPr>
           <p:cNvPr id="22" name="Google Shape;22;p5"/>
-          <p:cNvSpPr txBox="1"/>
+          <p:cNvSpPr txBox="1">
+            <a:spLocks noGrp="1"/>
+          </p:cNvSpPr>
           <p:nvPr>
-            <p:ph idx="1" type="body"/>
+            <p:ph type="body" idx="1"/>
           </p:nvPr>
         </p:nvSpPr>
         <p:spPr>
@@ -3961,11 +4103,11 @@
           </a:prstGeom>
         </p:spPr>
         <p:txBody>
-          <a:bodyPr anchorCtr="0" anchor="t" bIns="91425" lIns="91425" spcFirstLastPara="1" rIns="91425" wrap="square" tIns="91425">
+          <a:bodyPr spcFirstLastPara="1" wrap="square" lIns="91425" tIns="91425" rIns="91425" bIns="91425" anchor="t" anchorCtr="0">
             <a:normAutofit/>
           </a:bodyPr>
           <a:lstStyle>
-            <a:lvl1pPr indent="-317500" lvl="0" marL="457200">
+            <a:lvl1pPr marL="457200" lvl="0" indent="-317500">
               <a:spcBef>
                 <a:spcPts val="0"/>
               </a:spcBef>
@@ -3976,7 +4118,7 @@
               <a:buChar char="●"/>
               <a:defRPr sz="1400"/>
             </a:lvl1pPr>
-            <a:lvl2pPr indent="-304800" lvl="1" marL="914400">
+            <a:lvl2pPr marL="914400" lvl="1" indent="-304800">
               <a:spcBef>
                 <a:spcPts val="0"/>
               </a:spcBef>
@@ -3987,7 +4129,7 @@
               <a:buChar char="○"/>
               <a:defRPr sz="1200"/>
             </a:lvl2pPr>
-            <a:lvl3pPr indent="-304800" lvl="2" marL="1371600">
+            <a:lvl3pPr marL="1371600" lvl="2" indent="-304800">
               <a:spcBef>
                 <a:spcPts val="0"/>
               </a:spcBef>
@@ -3998,7 +4140,7 @@
               <a:buChar char="■"/>
               <a:defRPr sz="1200"/>
             </a:lvl3pPr>
-            <a:lvl4pPr indent="-304800" lvl="3" marL="1828800">
+            <a:lvl4pPr marL="1828800" lvl="3" indent="-304800">
               <a:spcBef>
                 <a:spcPts val="0"/>
               </a:spcBef>
@@ -4009,7 +4151,7 @@
               <a:buChar char="●"/>
               <a:defRPr sz="1200"/>
             </a:lvl4pPr>
-            <a:lvl5pPr indent="-304800" lvl="4" marL="2286000">
+            <a:lvl5pPr marL="2286000" lvl="4" indent="-304800">
               <a:spcBef>
                 <a:spcPts val="0"/>
               </a:spcBef>
@@ -4020,7 +4162,7 @@
               <a:buChar char="○"/>
               <a:defRPr sz="1200"/>
             </a:lvl5pPr>
-            <a:lvl6pPr indent="-304800" lvl="5" marL="2743200">
+            <a:lvl6pPr marL="2743200" lvl="5" indent="-304800">
               <a:spcBef>
                 <a:spcPts val="0"/>
               </a:spcBef>
@@ -4031,7 +4173,7 @@
               <a:buChar char="■"/>
               <a:defRPr sz="1200"/>
             </a:lvl6pPr>
-            <a:lvl7pPr indent="-304800" lvl="6" marL="3200400">
+            <a:lvl7pPr marL="3200400" lvl="6" indent="-304800">
               <a:spcBef>
                 <a:spcPts val="0"/>
               </a:spcBef>
@@ -4042,7 +4184,7 @@
               <a:buChar char="●"/>
               <a:defRPr sz="1200"/>
             </a:lvl7pPr>
-            <a:lvl8pPr indent="-304800" lvl="7" marL="3657600">
+            <a:lvl8pPr marL="3657600" lvl="7" indent="-304800">
               <a:spcBef>
                 <a:spcPts val="0"/>
               </a:spcBef>
@@ -4053,7 +4195,7 @@
               <a:buChar char="○"/>
               <a:defRPr sz="1200"/>
             </a:lvl8pPr>
-            <a:lvl9pPr indent="-304800" lvl="8" marL="4114800">
+            <a:lvl9pPr marL="4114800" lvl="8" indent="-304800">
               <a:spcBef>
                 <a:spcPts val="0"/>
               </a:spcBef>
@@ -4065,15 +4207,19 @@
               <a:defRPr sz="1200"/>
             </a:lvl9pPr>
           </a:lstStyle>
-          <a:p/>
+          <a:p>
+            <a:endParaRPr/>
+          </a:p>
         </p:txBody>
       </p:sp>
       <p:sp>
         <p:nvSpPr>
           <p:cNvPr id="23" name="Google Shape;23;p5"/>
-          <p:cNvSpPr txBox="1"/>
+          <p:cNvSpPr txBox="1">
+            <a:spLocks noGrp="1"/>
+          </p:cNvSpPr>
           <p:nvPr>
-            <p:ph idx="2" type="body"/>
+            <p:ph type="body" idx="2"/>
           </p:nvPr>
         </p:nvSpPr>
         <p:spPr>
@@ -4086,11 +4232,11 @@
           </a:prstGeom>
         </p:spPr>
         <p:txBody>
-          <a:bodyPr anchorCtr="0" anchor="t" bIns="91425" lIns="91425" spcFirstLastPara="1" rIns="91425" wrap="square" tIns="91425">
+          <a:bodyPr spcFirstLastPara="1" wrap="square" lIns="91425" tIns="91425" rIns="91425" bIns="91425" anchor="t" anchorCtr="0">
             <a:normAutofit/>
           </a:bodyPr>
           <a:lstStyle>
-            <a:lvl1pPr indent="-317500" lvl="0" marL="457200">
+            <a:lvl1pPr marL="457200" lvl="0" indent="-317500">
               <a:spcBef>
                 <a:spcPts val="0"/>
               </a:spcBef>
@@ -4101,7 +4247,7 @@
               <a:buChar char="●"/>
               <a:defRPr sz="1400"/>
             </a:lvl1pPr>
-            <a:lvl2pPr indent="-304800" lvl="1" marL="914400">
+            <a:lvl2pPr marL="914400" lvl="1" indent="-304800">
               <a:spcBef>
                 <a:spcPts val="0"/>
               </a:spcBef>
@@ -4112,7 +4258,7 @@
               <a:buChar char="○"/>
               <a:defRPr sz="1200"/>
             </a:lvl2pPr>
-            <a:lvl3pPr indent="-304800" lvl="2" marL="1371600">
+            <a:lvl3pPr marL="1371600" lvl="2" indent="-304800">
               <a:spcBef>
                 <a:spcPts val="0"/>
               </a:spcBef>
@@ -4123,7 +4269,7 @@
               <a:buChar char="■"/>
               <a:defRPr sz="1200"/>
             </a:lvl3pPr>
-            <a:lvl4pPr indent="-304800" lvl="3" marL="1828800">
+            <a:lvl4pPr marL="1828800" lvl="3" indent="-304800">
               <a:spcBef>
                 <a:spcPts val="0"/>
               </a:spcBef>
@@ -4134,7 +4280,7 @@
               <a:buChar char="●"/>
               <a:defRPr sz="1200"/>
             </a:lvl4pPr>
-            <a:lvl5pPr indent="-304800" lvl="4" marL="2286000">
+            <a:lvl5pPr marL="2286000" lvl="4" indent="-304800">
               <a:spcBef>
                 <a:spcPts val="0"/>
               </a:spcBef>
@@ -4145,7 +4291,7 @@
               <a:buChar char="○"/>
               <a:defRPr sz="1200"/>
             </a:lvl5pPr>
-            <a:lvl6pPr indent="-304800" lvl="5" marL="2743200">
+            <a:lvl6pPr marL="2743200" lvl="5" indent="-304800">
               <a:spcBef>
                 <a:spcPts val="0"/>
               </a:spcBef>
@@ -4156,7 +4302,7 @@
               <a:buChar char="■"/>
               <a:defRPr sz="1200"/>
             </a:lvl6pPr>
-            <a:lvl7pPr indent="-304800" lvl="6" marL="3200400">
+            <a:lvl7pPr marL="3200400" lvl="6" indent="-304800">
               <a:spcBef>
                 <a:spcPts val="0"/>
               </a:spcBef>
@@ -4167,7 +4313,7 @@
               <a:buChar char="●"/>
               <a:defRPr sz="1200"/>
             </a:lvl7pPr>
-            <a:lvl8pPr indent="-304800" lvl="7" marL="3657600">
+            <a:lvl8pPr marL="3657600" lvl="7" indent="-304800">
               <a:spcBef>
                 <a:spcPts val="0"/>
               </a:spcBef>
@@ -4178,7 +4324,7 @@
               <a:buChar char="○"/>
               <a:defRPr sz="1200"/>
             </a:lvl8pPr>
-            <a:lvl9pPr indent="-304800" lvl="8" marL="4114800">
+            <a:lvl9pPr marL="4114800" lvl="8" indent="-304800">
               <a:spcBef>
                 <a:spcPts val="0"/>
               </a:spcBef>
@@ -4190,15 +4336,19 @@
               <a:defRPr sz="1200"/>
             </a:lvl9pPr>
           </a:lstStyle>
-          <a:p/>
+          <a:p>
+            <a:endParaRPr/>
+          </a:p>
         </p:txBody>
       </p:sp>
       <p:sp>
         <p:nvSpPr>
           <p:cNvPr id="24" name="Google Shape;24;p5"/>
-          <p:cNvSpPr txBox="1"/>
+          <p:cNvSpPr txBox="1">
+            <a:spLocks noGrp="1"/>
+          </p:cNvSpPr>
           <p:nvPr>
-            <p:ph idx="12" type="sldNum"/>
+            <p:ph type="sldNum" idx="12"/>
           </p:nvPr>
         </p:nvSpPr>
         <p:spPr>
@@ -4211,7 +4361,7 @@
           </a:prstGeom>
         </p:spPr>
         <p:txBody>
-          <a:bodyPr anchorCtr="0" anchor="ctr" bIns="91425" lIns="91425" spcFirstLastPara="1" rIns="91425" wrap="square" tIns="91425">
+          <a:bodyPr spcFirstLastPara="1" wrap="square" lIns="91425" tIns="91425" rIns="91425" bIns="91425" anchor="ctr" anchorCtr="0">
             <a:normAutofit/>
           </a:bodyPr>
           <a:lstStyle>
@@ -4253,7 +4403,7 @@
             </a:lvl9pPr>
           </a:lstStyle>
           <a:p>
-            <a:pPr indent="0" lvl="0" marL="0" rtl="0" algn="r">
+            <a:pPr marL="0" lvl="0" indent="0" algn="r" rtl="0">
               <a:spcBef>
                 <a:spcPts val="0"/>
               </a:spcBef>
@@ -4279,11 +4429,11 @@
 </file>
 
 <file path=ppt/slideLayouts/slideLayout5.xml><?xml version="1.0" encoding="utf-8"?>
-<p:sldLayout xmlns:a="http://schemas.openxmlformats.org/drawingml/2006/main" xmlns:r="http://schemas.openxmlformats.org/officeDocument/2006/relationships" xmlns:mc="http://schemas.openxmlformats.org/markup-compatibility/2006" xmlns:mv="urn:schemas-microsoft-com:mac:vml" xmlns:p="http://schemas.openxmlformats.org/presentationml/2006/main" xmlns:c="http://schemas.openxmlformats.org/drawingml/2006/chart" xmlns:dgm="http://schemas.openxmlformats.org/drawingml/2006/diagram" xmlns:o="urn:schemas-microsoft-com:office:office" xmlns:v="urn:schemas-microsoft-com:vml" xmlns:pvml="urn:schemas-microsoft-com:office:powerpoint" xmlns:com="http://schemas.openxmlformats.org/drawingml/2006/compatibility" xmlns:p14="http://schemas.microsoft.com/office/powerpoint/2010/main" xmlns:p15="http://schemas.microsoft.com/office/powerpoint/2012/main" xmlns:ahyp="http://schemas.microsoft.com/office/drawing/2018/hyperlinkcolor" matchingName="Title only" type="titleOnly">
+<p:sldLayout xmlns:a="http://schemas.openxmlformats.org/drawingml/2006/main" xmlns:r="http://schemas.openxmlformats.org/officeDocument/2006/relationships" xmlns:p="http://schemas.openxmlformats.org/presentationml/2006/main" matchingName="Title only" type="titleOnly">
   <p:cSld name="TITLE_ONLY">
     <p:spTree>
       <p:nvGrpSpPr>
-        <p:cNvPr id="25" name="Shape 25"/>
+        <p:cNvPr id="1" name="Shape 25"/>
         <p:cNvGrpSpPr/>
         <p:nvPr/>
       </p:nvGrpSpPr>
@@ -4298,7 +4448,9 @@
       <p:sp>
         <p:nvSpPr>
           <p:cNvPr id="26" name="Google Shape;26;p6"/>
-          <p:cNvSpPr txBox="1"/>
+          <p:cNvSpPr txBox="1">
+            <a:spLocks noGrp="1"/>
+          </p:cNvSpPr>
           <p:nvPr>
             <p:ph type="title"/>
           </p:nvPr>
@@ -4313,7 +4465,7 @@
           </a:prstGeom>
         </p:spPr>
         <p:txBody>
-          <a:bodyPr anchorCtr="0" anchor="t" bIns="91425" lIns="91425" spcFirstLastPara="1" rIns="91425" wrap="square" tIns="91425">
+          <a:bodyPr spcFirstLastPara="1" wrap="square" lIns="91425" tIns="91425" rIns="91425" bIns="91425" anchor="t" anchorCtr="0">
             <a:normAutofit/>
           </a:bodyPr>
           <a:lstStyle>
@@ -4417,15 +4569,19 @@
               <a:defRPr/>
             </a:lvl9pPr>
           </a:lstStyle>
-          <a:p/>
+          <a:p>
+            <a:endParaRPr/>
+          </a:p>
         </p:txBody>
       </p:sp>
       <p:sp>
         <p:nvSpPr>
           <p:cNvPr id="27" name="Google Shape;27;p6"/>
-          <p:cNvSpPr txBox="1"/>
+          <p:cNvSpPr txBox="1">
+            <a:spLocks noGrp="1"/>
+          </p:cNvSpPr>
           <p:nvPr>
-            <p:ph idx="12" type="sldNum"/>
+            <p:ph type="sldNum" idx="12"/>
           </p:nvPr>
         </p:nvSpPr>
         <p:spPr>
@@ -4438,7 +4594,7 @@
           </a:prstGeom>
         </p:spPr>
         <p:txBody>
-          <a:bodyPr anchorCtr="0" anchor="ctr" bIns="91425" lIns="91425" spcFirstLastPara="1" rIns="91425" wrap="square" tIns="91425">
+          <a:bodyPr spcFirstLastPara="1" wrap="square" lIns="91425" tIns="91425" rIns="91425" bIns="91425" anchor="ctr" anchorCtr="0">
             <a:normAutofit/>
           </a:bodyPr>
           <a:lstStyle>
@@ -4480,7 +4636,7 @@
             </a:lvl9pPr>
           </a:lstStyle>
           <a:p>
-            <a:pPr indent="0" lvl="0" marL="0" rtl="0" algn="r">
+            <a:pPr marL="0" lvl="0" indent="0" algn="r" rtl="0">
               <a:spcBef>
                 <a:spcPts val="0"/>
               </a:spcBef>
@@ -4506,11 +4662,11 @@
 </file>
 
 <file path=ppt/slideLayouts/slideLayout6.xml><?xml version="1.0" encoding="utf-8"?>
-<p:sldLayout xmlns:a="http://schemas.openxmlformats.org/drawingml/2006/main" xmlns:r="http://schemas.openxmlformats.org/officeDocument/2006/relationships" xmlns:mc="http://schemas.openxmlformats.org/markup-compatibility/2006" xmlns:mv="urn:schemas-microsoft-com:mac:vml" xmlns:p="http://schemas.openxmlformats.org/presentationml/2006/main" xmlns:c="http://schemas.openxmlformats.org/drawingml/2006/chart" xmlns:dgm="http://schemas.openxmlformats.org/drawingml/2006/diagram" xmlns:o="urn:schemas-microsoft-com:office:office" xmlns:v="urn:schemas-microsoft-com:vml" xmlns:pvml="urn:schemas-microsoft-com:office:powerpoint" xmlns:com="http://schemas.openxmlformats.org/drawingml/2006/compatibility" xmlns:p14="http://schemas.microsoft.com/office/powerpoint/2010/main" xmlns:p15="http://schemas.microsoft.com/office/powerpoint/2012/main" xmlns:ahyp="http://schemas.microsoft.com/office/drawing/2018/hyperlinkcolor" matchingName="One column text">
+<p:sldLayout xmlns:a="http://schemas.openxmlformats.org/drawingml/2006/main" xmlns:r="http://schemas.openxmlformats.org/officeDocument/2006/relationships" xmlns:p="http://schemas.openxmlformats.org/presentationml/2006/main" matchingName="One column text">
   <p:cSld name="ONE_COLUMN_TEXT">
     <p:spTree>
       <p:nvGrpSpPr>
-        <p:cNvPr id="28" name="Shape 28"/>
+        <p:cNvPr id="1" name="Shape 28"/>
         <p:cNvGrpSpPr/>
         <p:nvPr/>
       </p:nvGrpSpPr>
@@ -4525,7 +4681,9 @@
       <p:sp>
         <p:nvSpPr>
           <p:cNvPr id="29" name="Google Shape;29;p7"/>
-          <p:cNvSpPr txBox="1"/>
+          <p:cNvSpPr txBox="1">
+            <a:spLocks noGrp="1"/>
+          </p:cNvSpPr>
           <p:nvPr>
             <p:ph type="title"/>
           </p:nvPr>
@@ -4540,7 +4698,7 @@
           </a:prstGeom>
         </p:spPr>
         <p:txBody>
-          <a:bodyPr anchorCtr="0" anchor="b" bIns="91425" lIns="91425" spcFirstLastPara="1" rIns="91425" wrap="square" tIns="91425">
+          <a:bodyPr spcFirstLastPara="1" wrap="square" lIns="91425" tIns="91425" rIns="91425" bIns="91425" anchor="b" anchorCtr="0">
             <a:normAutofit/>
           </a:bodyPr>
           <a:lstStyle>
@@ -4644,15 +4802,19 @@
               <a:defRPr sz="2400"/>
             </a:lvl9pPr>
           </a:lstStyle>
-          <a:p/>
+          <a:p>
+            <a:endParaRPr/>
+          </a:p>
         </p:txBody>
       </p:sp>
       <p:sp>
         <p:nvSpPr>
           <p:cNvPr id="30" name="Google Shape;30;p7"/>
-          <p:cNvSpPr txBox="1"/>
+          <p:cNvSpPr txBox="1">
+            <a:spLocks noGrp="1"/>
+          </p:cNvSpPr>
           <p:nvPr>
-            <p:ph idx="1" type="body"/>
+            <p:ph type="body" idx="1"/>
           </p:nvPr>
         </p:nvSpPr>
         <p:spPr>
@@ -4665,11 +4827,11 @@
           </a:prstGeom>
         </p:spPr>
         <p:txBody>
-          <a:bodyPr anchorCtr="0" anchor="t" bIns="91425" lIns="91425" spcFirstLastPara="1" rIns="91425" wrap="square" tIns="91425">
+          <a:bodyPr spcFirstLastPara="1" wrap="square" lIns="91425" tIns="91425" rIns="91425" bIns="91425" anchor="t" anchorCtr="0">
             <a:normAutofit/>
           </a:bodyPr>
           <a:lstStyle>
-            <a:lvl1pPr indent="-304800" lvl="0" marL="457200">
+            <a:lvl1pPr marL="457200" lvl="0" indent="-304800">
               <a:spcBef>
                 <a:spcPts val="0"/>
               </a:spcBef>
@@ -4680,7 +4842,7 @@
               <a:buChar char="●"/>
               <a:defRPr sz="1200"/>
             </a:lvl1pPr>
-            <a:lvl2pPr indent="-304800" lvl="1" marL="914400">
+            <a:lvl2pPr marL="914400" lvl="1" indent="-304800">
               <a:spcBef>
                 <a:spcPts val="0"/>
               </a:spcBef>
@@ -4691,7 +4853,7 @@
               <a:buChar char="○"/>
               <a:defRPr sz="1200"/>
             </a:lvl2pPr>
-            <a:lvl3pPr indent="-304800" lvl="2" marL="1371600">
+            <a:lvl3pPr marL="1371600" lvl="2" indent="-304800">
               <a:spcBef>
                 <a:spcPts val="0"/>
               </a:spcBef>
@@ -4702,7 +4864,7 @@
               <a:buChar char="■"/>
               <a:defRPr sz="1200"/>
             </a:lvl3pPr>
-            <a:lvl4pPr indent="-304800" lvl="3" marL="1828800">
+            <a:lvl4pPr marL="1828800" lvl="3" indent="-304800">
               <a:spcBef>
                 <a:spcPts val="0"/>
               </a:spcBef>
@@ -4713,7 +4875,7 @@
               <a:buChar char="●"/>
               <a:defRPr sz="1200"/>
             </a:lvl4pPr>
-            <a:lvl5pPr indent="-304800" lvl="4" marL="2286000">
+            <a:lvl5pPr marL="2286000" lvl="4" indent="-304800">
               <a:spcBef>
                 <a:spcPts val="0"/>
               </a:spcBef>
@@ -4724,7 +4886,7 @@
               <a:buChar char="○"/>
               <a:defRPr sz="1200"/>
             </a:lvl5pPr>
-            <a:lvl6pPr indent="-304800" lvl="5" marL="2743200">
+            <a:lvl6pPr marL="2743200" lvl="5" indent="-304800">
               <a:spcBef>
                 <a:spcPts val="0"/>
               </a:spcBef>
@@ -4735,7 +4897,7 @@
               <a:buChar char="■"/>
               <a:defRPr sz="1200"/>
             </a:lvl6pPr>
-            <a:lvl7pPr indent="-304800" lvl="6" marL="3200400">
+            <a:lvl7pPr marL="3200400" lvl="6" indent="-304800">
               <a:spcBef>
                 <a:spcPts val="0"/>
               </a:spcBef>
@@ -4746,7 +4908,7 @@
               <a:buChar char="●"/>
               <a:defRPr sz="1200"/>
             </a:lvl7pPr>
-            <a:lvl8pPr indent="-304800" lvl="7" marL="3657600">
+            <a:lvl8pPr marL="3657600" lvl="7" indent="-304800">
               <a:spcBef>
                 <a:spcPts val="0"/>
               </a:spcBef>
@@ -4757,7 +4919,7 @@
               <a:buChar char="○"/>
               <a:defRPr sz="1200"/>
             </a:lvl8pPr>
-            <a:lvl9pPr indent="-304800" lvl="8" marL="4114800">
+            <a:lvl9pPr marL="4114800" lvl="8" indent="-304800">
               <a:spcBef>
                 <a:spcPts val="0"/>
               </a:spcBef>
@@ -4769,15 +4931,19 @@
               <a:defRPr sz="1200"/>
             </a:lvl9pPr>
           </a:lstStyle>
-          <a:p/>
+          <a:p>
+            <a:endParaRPr/>
+          </a:p>
         </p:txBody>
       </p:sp>
       <p:sp>
         <p:nvSpPr>
           <p:cNvPr id="31" name="Google Shape;31;p7"/>
-          <p:cNvSpPr txBox="1"/>
+          <p:cNvSpPr txBox="1">
+            <a:spLocks noGrp="1"/>
+          </p:cNvSpPr>
           <p:nvPr>
-            <p:ph idx="12" type="sldNum"/>
+            <p:ph type="sldNum" idx="12"/>
           </p:nvPr>
         </p:nvSpPr>
         <p:spPr>
@@ -4790,7 +4956,7 @@
           </a:prstGeom>
         </p:spPr>
         <p:txBody>
-          <a:bodyPr anchorCtr="0" anchor="ctr" bIns="91425" lIns="91425" spcFirstLastPara="1" rIns="91425" wrap="square" tIns="91425">
+          <a:bodyPr spcFirstLastPara="1" wrap="square" lIns="91425" tIns="91425" rIns="91425" bIns="91425" anchor="ctr" anchorCtr="0">
             <a:normAutofit/>
           </a:bodyPr>
           <a:lstStyle>
@@ -4832,7 +4998,7 @@
             </a:lvl9pPr>
           </a:lstStyle>
           <a:p>
-            <a:pPr indent="0" lvl="0" marL="0" rtl="0" algn="r">
+            <a:pPr marL="0" lvl="0" indent="0" algn="r" rtl="0">
               <a:spcBef>
                 <a:spcPts val="0"/>
               </a:spcBef>
@@ -4858,11 +5024,11 @@
 </file>
 
 <file path=ppt/slideLayouts/slideLayout7.xml><?xml version="1.0" encoding="utf-8"?>
-<p:sldLayout xmlns:a="http://schemas.openxmlformats.org/drawingml/2006/main" xmlns:r="http://schemas.openxmlformats.org/officeDocument/2006/relationships" xmlns:mc="http://schemas.openxmlformats.org/markup-compatibility/2006" xmlns:mv="urn:schemas-microsoft-com:mac:vml" xmlns:p="http://schemas.openxmlformats.org/presentationml/2006/main" xmlns:c="http://schemas.openxmlformats.org/drawingml/2006/chart" xmlns:dgm="http://schemas.openxmlformats.org/drawingml/2006/diagram" xmlns:o="urn:schemas-microsoft-com:office:office" xmlns:v="urn:schemas-microsoft-com:vml" xmlns:pvml="urn:schemas-microsoft-com:office:powerpoint" xmlns:com="http://schemas.openxmlformats.org/drawingml/2006/compatibility" xmlns:p14="http://schemas.microsoft.com/office/powerpoint/2010/main" xmlns:p15="http://schemas.microsoft.com/office/powerpoint/2012/main" xmlns:ahyp="http://schemas.microsoft.com/office/drawing/2018/hyperlinkcolor" matchingName="Main point">
+<p:sldLayout xmlns:a="http://schemas.openxmlformats.org/drawingml/2006/main" xmlns:r="http://schemas.openxmlformats.org/officeDocument/2006/relationships" xmlns:p="http://schemas.openxmlformats.org/presentationml/2006/main" matchingName="Main point">
   <p:cSld name="MAIN_POINT">
     <p:spTree>
       <p:nvGrpSpPr>
-        <p:cNvPr id="32" name="Shape 32"/>
+        <p:cNvPr id="1" name="Shape 32"/>
         <p:cNvGrpSpPr/>
         <p:nvPr/>
       </p:nvGrpSpPr>
@@ -4877,7 +5043,9 @@
       <p:sp>
         <p:nvSpPr>
           <p:cNvPr id="33" name="Google Shape;33;p8"/>
-          <p:cNvSpPr txBox="1"/>
+          <p:cNvSpPr txBox="1">
+            <a:spLocks noGrp="1"/>
+          </p:cNvSpPr>
           <p:nvPr>
             <p:ph type="title"/>
           </p:nvPr>
@@ -4892,7 +5060,7 @@
           </a:prstGeom>
         </p:spPr>
         <p:txBody>
-          <a:bodyPr anchorCtr="0" anchor="ctr" bIns="91425" lIns="91425" spcFirstLastPara="1" rIns="91425" wrap="square" tIns="91425">
+          <a:bodyPr spcFirstLastPara="1" wrap="square" lIns="91425" tIns="91425" rIns="91425" bIns="91425" anchor="ctr" anchorCtr="0">
             <a:normAutofit/>
           </a:bodyPr>
           <a:lstStyle>
@@ -4996,15 +5164,19 @@
               <a:defRPr sz="4800"/>
             </a:lvl9pPr>
           </a:lstStyle>
-          <a:p/>
+          <a:p>
+            <a:endParaRPr/>
+          </a:p>
         </p:txBody>
       </p:sp>
       <p:sp>
         <p:nvSpPr>
           <p:cNvPr id="34" name="Google Shape;34;p8"/>
-          <p:cNvSpPr txBox="1"/>
+          <p:cNvSpPr txBox="1">
+            <a:spLocks noGrp="1"/>
+          </p:cNvSpPr>
           <p:nvPr>
-            <p:ph idx="12" type="sldNum"/>
+            <p:ph type="sldNum" idx="12"/>
           </p:nvPr>
         </p:nvSpPr>
         <p:spPr>
@@ -5017,7 +5189,7 @@
           </a:prstGeom>
         </p:spPr>
         <p:txBody>
-          <a:bodyPr anchorCtr="0" anchor="ctr" bIns="91425" lIns="91425" spcFirstLastPara="1" rIns="91425" wrap="square" tIns="91425">
+          <a:bodyPr spcFirstLastPara="1" wrap="square" lIns="91425" tIns="91425" rIns="91425" bIns="91425" anchor="ctr" anchorCtr="0">
             <a:normAutofit/>
           </a:bodyPr>
           <a:lstStyle>
@@ -5059,7 +5231,7 @@
             </a:lvl9pPr>
           </a:lstStyle>
           <a:p>
-            <a:pPr indent="0" lvl="0" marL="0" rtl="0" algn="r">
+            <a:pPr marL="0" lvl="0" indent="0" algn="r" rtl="0">
               <a:spcBef>
                 <a:spcPts val="0"/>
               </a:spcBef>
@@ -5085,11 +5257,11 @@
 </file>
 
 <file path=ppt/slideLayouts/slideLayout8.xml><?xml version="1.0" encoding="utf-8"?>
-<p:sldLayout xmlns:a="http://schemas.openxmlformats.org/drawingml/2006/main" xmlns:r="http://schemas.openxmlformats.org/officeDocument/2006/relationships" xmlns:mc="http://schemas.openxmlformats.org/markup-compatibility/2006" xmlns:mv="urn:schemas-microsoft-com:mac:vml" xmlns:p="http://schemas.openxmlformats.org/presentationml/2006/main" xmlns:c="http://schemas.openxmlformats.org/drawingml/2006/chart" xmlns:dgm="http://schemas.openxmlformats.org/drawingml/2006/diagram" xmlns:o="urn:schemas-microsoft-com:office:office" xmlns:v="urn:schemas-microsoft-com:vml" xmlns:pvml="urn:schemas-microsoft-com:office:powerpoint" xmlns:com="http://schemas.openxmlformats.org/drawingml/2006/compatibility" xmlns:p14="http://schemas.microsoft.com/office/powerpoint/2010/main" xmlns:p15="http://schemas.microsoft.com/office/powerpoint/2012/main" xmlns:ahyp="http://schemas.microsoft.com/office/drawing/2018/hyperlinkcolor" matchingName="Section title and description">
+<p:sldLayout xmlns:a="http://schemas.openxmlformats.org/drawingml/2006/main" xmlns:r="http://schemas.openxmlformats.org/officeDocument/2006/relationships" xmlns:p="http://schemas.openxmlformats.org/presentationml/2006/main" matchingName="Section title and description">
   <p:cSld name="SECTION_TITLE_AND_DESCRIPTION">
     <p:spTree>
       <p:nvGrpSpPr>
-        <p:cNvPr id="35" name="Shape 35"/>
+        <p:cNvPr id="1" name="Shape 35"/>
         <p:cNvGrpSpPr/>
         <p:nvPr/>
       </p:nvGrpSpPr>
@@ -5123,23 +5295,20 @@
           </a:ln>
         </p:spPr>
         <p:txBody>
-          <a:bodyPr anchorCtr="0" anchor="ctr" bIns="91425" lIns="91425" spcFirstLastPara="1" rIns="91425" wrap="square" tIns="91425">
+          <a:bodyPr spcFirstLastPara="1" wrap="square" lIns="91425" tIns="91425" rIns="91425" bIns="91425" anchor="ctr" anchorCtr="0">
             <a:noAutofit/>
           </a:bodyPr>
           <a:lstStyle/>
           <a:p>
-            <a:pPr indent="0" lvl="0" marL="0" rtl="0" algn="l">
-              <a:spcBef>
-                <a:spcPts val="0"/>
-              </a:spcBef>
-              <a:spcAft>
-                <a:spcPts val="0"/>
-              </a:spcAft>
-              <a:buNone/>
-            </a:pPr>
-            <a:r>
-              <a:t/>
-            </a:r>
+            <a:pPr marL="0" lvl="0" indent="0" algn="l" rtl="0">
+              <a:spcBef>
+                <a:spcPts val="0"/>
+              </a:spcBef>
+              <a:spcAft>
+                <a:spcPts val="0"/>
+              </a:spcAft>
+              <a:buNone/>
+            </a:pPr>
             <a:endParaRPr/>
           </a:p>
         </p:txBody>
@@ -5147,7 +5316,9 @@
       <p:sp>
         <p:nvSpPr>
           <p:cNvPr id="37" name="Google Shape;37;p9"/>
-          <p:cNvSpPr txBox="1"/>
+          <p:cNvSpPr txBox="1">
+            <a:spLocks noGrp="1"/>
+          </p:cNvSpPr>
           <p:nvPr>
             <p:ph type="title"/>
           </p:nvPr>
@@ -5162,7 +5333,7 @@
           </a:prstGeom>
         </p:spPr>
         <p:txBody>
-          <a:bodyPr anchorCtr="0" anchor="b" bIns="91425" lIns="91425" spcFirstLastPara="1" rIns="91425" wrap="square" tIns="91425">
+          <a:bodyPr spcFirstLastPara="1" wrap="square" lIns="91425" tIns="91425" rIns="91425" bIns="91425" anchor="b" anchorCtr="0">
             <a:normAutofit/>
           </a:bodyPr>
           <a:lstStyle>
@@ -5266,15 +5437,19 @@
               <a:defRPr sz="4200"/>
             </a:lvl9pPr>
           </a:lstStyle>
-          <a:p/>
+          <a:p>
+            <a:endParaRPr/>
+          </a:p>
         </p:txBody>
       </p:sp>
       <p:sp>
         <p:nvSpPr>
           <p:cNvPr id="38" name="Google Shape;38;p9"/>
-          <p:cNvSpPr txBox="1"/>
+          <p:cNvSpPr txBox="1">
+            <a:spLocks noGrp="1"/>
+          </p:cNvSpPr>
           <p:nvPr>
-            <p:ph idx="1" type="subTitle"/>
+            <p:ph type="subTitle" idx="1"/>
           </p:nvPr>
         </p:nvSpPr>
         <p:spPr>
@@ -5287,7 +5462,7 @@
           </a:prstGeom>
         </p:spPr>
         <p:txBody>
-          <a:bodyPr anchorCtr="0" anchor="t" bIns="91425" lIns="91425" spcFirstLastPara="1" rIns="91425" wrap="square" tIns="91425">
+          <a:bodyPr spcFirstLastPara="1" wrap="square" lIns="91425" tIns="91425" rIns="91425" bIns="91425" anchor="t" anchorCtr="0">
             <a:normAutofit/>
           </a:bodyPr>
           <a:lstStyle>
@@ -5418,15 +5593,19 @@
               <a:defRPr sz="2100"/>
             </a:lvl9pPr>
           </a:lstStyle>
-          <a:p/>
+          <a:p>
+            <a:endParaRPr/>
+          </a:p>
         </p:txBody>
       </p:sp>
       <p:sp>
         <p:nvSpPr>
           <p:cNvPr id="39" name="Google Shape;39;p9"/>
-          <p:cNvSpPr txBox="1"/>
+          <p:cNvSpPr txBox="1">
+            <a:spLocks noGrp="1"/>
+          </p:cNvSpPr>
           <p:nvPr>
-            <p:ph idx="2" type="body"/>
+            <p:ph type="body" idx="2"/>
           </p:nvPr>
         </p:nvSpPr>
         <p:spPr>
@@ -5439,11 +5618,11 @@
           </a:prstGeom>
         </p:spPr>
         <p:txBody>
-          <a:bodyPr anchorCtr="0" anchor="ctr" bIns="91425" lIns="91425" spcFirstLastPara="1" rIns="91425" wrap="square" tIns="91425">
+          <a:bodyPr spcFirstLastPara="1" wrap="square" lIns="91425" tIns="91425" rIns="91425" bIns="91425" anchor="ctr" anchorCtr="0">
             <a:normAutofit/>
           </a:bodyPr>
           <a:lstStyle>
-            <a:lvl1pPr indent="-342900" lvl="0" marL="457200">
+            <a:lvl1pPr marL="457200" lvl="0" indent="-342900">
               <a:spcBef>
                 <a:spcPts val="0"/>
               </a:spcBef>
@@ -5454,7 +5633,7 @@
               <a:buChar char="●"/>
               <a:defRPr/>
             </a:lvl1pPr>
-            <a:lvl2pPr indent="-317500" lvl="1" marL="914400">
+            <a:lvl2pPr marL="914400" lvl="1" indent="-317500">
               <a:spcBef>
                 <a:spcPts val="0"/>
               </a:spcBef>
@@ -5465,7 +5644,7 @@
               <a:buChar char="○"/>
               <a:defRPr/>
             </a:lvl2pPr>
-            <a:lvl3pPr indent="-317500" lvl="2" marL="1371600">
+            <a:lvl3pPr marL="1371600" lvl="2" indent="-317500">
               <a:spcBef>
                 <a:spcPts val="0"/>
               </a:spcBef>
@@ -5476,7 +5655,7 @@
               <a:buChar char="■"/>
               <a:defRPr/>
             </a:lvl3pPr>
-            <a:lvl4pPr indent="-317500" lvl="3" marL="1828800">
+            <a:lvl4pPr marL="1828800" lvl="3" indent="-317500">
               <a:spcBef>
                 <a:spcPts val="0"/>
               </a:spcBef>
@@ -5487,7 +5666,7 @@
               <a:buChar char="●"/>
               <a:defRPr/>
             </a:lvl4pPr>
-            <a:lvl5pPr indent="-317500" lvl="4" marL="2286000">
+            <a:lvl5pPr marL="2286000" lvl="4" indent="-317500">
               <a:spcBef>
                 <a:spcPts val="0"/>
               </a:spcBef>
@@ -5498,7 +5677,7 @@
               <a:buChar char="○"/>
               <a:defRPr/>
             </a:lvl5pPr>
-            <a:lvl6pPr indent="-317500" lvl="5" marL="2743200">
+            <a:lvl6pPr marL="2743200" lvl="5" indent="-317500">
               <a:spcBef>
                 <a:spcPts val="0"/>
               </a:spcBef>
@@ -5509,7 +5688,7 @@
               <a:buChar char="■"/>
               <a:defRPr/>
             </a:lvl6pPr>
-            <a:lvl7pPr indent="-317500" lvl="6" marL="3200400">
+            <a:lvl7pPr marL="3200400" lvl="6" indent="-317500">
               <a:spcBef>
                 <a:spcPts val="0"/>
               </a:spcBef>
@@ -5520,7 +5699,7 @@
               <a:buChar char="●"/>
               <a:defRPr/>
             </a:lvl7pPr>
-            <a:lvl8pPr indent="-317500" lvl="7" marL="3657600">
+            <a:lvl8pPr marL="3657600" lvl="7" indent="-317500">
               <a:spcBef>
                 <a:spcPts val="0"/>
               </a:spcBef>
@@ -5531,7 +5710,7 @@
               <a:buChar char="○"/>
               <a:defRPr/>
             </a:lvl8pPr>
-            <a:lvl9pPr indent="-317500" lvl="8" marL="4114800">
+            <a:lvl9pPr marL="4114800" lvl="8" indent="-317500">
               <a:spcBef>
                 <a:spcPts val="0"/>
               </a:spcBef>
@@ -5543,15 +5722,19 @@
               <a:defRPr/>
             </a:lvl9pPr>
           </a:lstStyle>
-          <a:p/>
+          <a:p>
+            <a:endParaRPr/>
+          </a:p>
         </p:txBody>
       </p:sp>
       <p:sp>
         <p:nvSpPr>
           <p:cNvPr id="40" name="Google Shape;40;p9"/>
-          <p:cNvSpPr txBox="1"/>
+          <p:cNvSpPr txBox="1">
+            <a:spLocks noGrp="1"/>
+          </p:cNvSpPr>
           <p:nvPr>
-            <p:ph idx="12" type="sldNum"/>
+            <p:ph type="sldNum" idx="12"/>
           </p:nvPr>
         </p:nvSpPr>
         <p:spPr>
@@ -5564,7 +5747,7 @@
           </a:prstGeom>
         </p:spPr>
         <p:txBody>
-          <a:bodyPr anchorCtr="0" anchor="ctr" bIns="91425" lIns="91425" spcFirstLastPara="1" rIns="91425" wrap="square" tIns="91425">
+          <a:bodyPr spcFirstLastPara="1" wrap="square" lIns="91425" tIns="91425" rIns="91425" bIns="91425" anchor="ctr" anchorCtr="0">
             <a:normAutofit/>
           </a:bodyPr>
           <a:lstStyle>
@@ -5606,7 +5789,7 @@
             </a:lvl9pPr>
           </a:lstStyle>
           <a:p>
-            <a:pPr indent="0" lvl="0" marL="0" rtl="0" algn="r">
+            <a:pPr marL="0" lvl="0" indent="0" algn="r" rtl="0">
               <a:spcBef>
                 <a:spcPts val="0"/>
               </a:spcBef>
@@ -5632,11 +5815,11 @@
 </file>
 
 <file path=ppt/slideLayouts/slideLayout9.xml><?xml version="1.0" encoding="utf-8"?>
-<p:sldLayout xmlns:a="http://schemas.openxmlformats.org/drawingml/2006/main" xmlns:r="http://schemas.openxmlformats.org/officeDocument/2006/relationships" xmlns:mc="http://schemas.openxmlformats.org/markup-compatibility/2006" xmlns:mv="urn:schemas-microsoft-com:mac:vml" xmlns:p="http://schemas.openxmlformats.org/presentationml/2006/main" xmlns:c="http://schemas.openxmlformats.org/drawingml/2006/chart" xmlns:dgm="http://schemas.openxmlformats.org/drawingml/2006/diagram" xmlns:o="urn:schemas-microsoft-com:office:office" xmlns:v="urn:schemas-microsoft-com:vml" xmlns:pvml="urn:schemas-microsoft-com:office:powerpoint" xmlns:com="http://schemas.openxmlformats.org/drawingml/2006/compatibility" xmlns:p14="http://schemas.microsoft.com/office/powerpoint/2010/main" xmlns:p15="http://schemas.microsoft.com/office/powerpoint/2012/main" xmlns:ahyp="http://schemas.microsoft.com/office/drawing/2018/hyperlinkcolor" matchingName="Caption">
+<p:sldLayout xmlns:a="http://schemas.openxmlformats.org/drawingml/2006/main" xmlns:r="http://schemas.openxmlformats.org/officeDocument/2006/relationships" xmlns:p="http://schemas.openxmlformats.org/presentationml/2006/main" matchingName="Caption">
   <p:cSld name="CAPTION_ONLY">
     <p:spTree>
       <p:nvGrpSpPr>
-        <p:cNvPr id="41" name="Shape 41"/>
+        <p:cNvPr id="1" name="Shape 41"/>
         <p:cNvGrpSpPr/>
         <p:nvPr/>
       </p:nvGrpSpPr>
@@ -5651,9 +5834,11 @@
       <p:sp>
         <p:nvSpPr>
           <p:cNvPr id="42" name="Google Shape;42;p10"/>
-          <p:cNvSpPr txBox="1"/>
+          <p:cNvSpPr txBox="1">
+            <a:spLocks noGrp="1"/>
+          </p:cNvSpPr>
           <p:nvPr>
-            <p:ph idx="1" type="body"/>
+            <p:ph type="body" idx="1"/>
           </p:nvPr>
         </p:nvSpPr>
         <p:spPr>
@@ -5666,11 +5851,11 @@
           </a:prstGeom>
         </p:spPr>
         <p:txBody>
-          <a:bodyPr anchorCtr="0" anchor="ctr" bIns="91425" lIns="91425" spcFirstLastPara="1" rIns="91425" wrap="square" tIns="91425">
+          <a:bodyPr spcFirstLastPara="1" wrap="square" lIns="91425" tIns="91425" rIns="91425" bIns="91425" anchor="ctr" anchorCtr="0">
             <a:normAutofit/>
           </a:bodyPr>
           <a:lstStyle>
-            <a:lvl1pPr indent="-228600" lvl="0" marL="457200">
+            <a:lvl1pPr marL="457200" lvl="0" indent="-228600">
               <a:lnSpc>
                 <a:spcPct val="100000"/>
               </a:lnSpc>
@@ -5685,15 +5870,19 @@
               <a:defRPr/>
             </a:lvl1pPr>
           </a:lstStyle>
-          <a:p/>
+          <a:p>
+            <a:endParaRPr/>
+          </a:p>
         </p:txBody>
       </p:sp>
       <p:sp>
         <p:nvSpPr>
           <p:cNvPr id="43" name="Google Shape;43;p10"/>
-          <p:cNvSpPr txBox="1"/>
+          <p:cNvSpPr txBox="1">
+            <a:spLocks noGrp="1"/>
+          </p:cNvSpPr>
           <p:nvPr>
-            <p:ph idx="12" type="sldNum"/>
+            <p:ph type="sldNum" idx="12"/>
           </p:nvPr>
         </p:nvSpPr>
         <p:spPr>
@@ -5706,7 +5895,7 @@
           </a:prstGeom>
         </p:spPr>
         <p:txBody>
-          <a:bodyPr anchorCtr="0" anchor="ctr" bIns="91425" lIns="91425" spcFirstLastPara="1" rIns="91425" wrap="square" tIns="91425">
+          <a:bodyPr spcFirstLastPara="1" wrap="square" lIns="91425" tIns="91425" rIns="91425" bIns="91425" anchor="ctr" anchorCtr="0">
             <a:normAutofit/>
           </a:bodyPr>
           <a:lstStyle>
@@ -5748,7 +5937,7 @@
             </a:lvl9pPr>
           </a:lstStyle>
           <a:p>
-            <a:pPr indent="0" lvl="0" marL="0" rtl="0" algn="r">
+            <a:pPr marL="0" lvl="0" indent="0" algn="r" rtl="0">
               <a:spcBef>
                 <a:spcPts val="0"/>
               </a:spcBef>
@@ -5774,18 +5963,19 @@
 </file>
 
 <file path=ppt/slideMasters/slideMaster1.xml><?xml version="1.0" encoding="utf-8"?>
-<p:sldMaster xmlns:a="http://schemas.openxmlformats.org/drawingml/2006/main" xmlns:r="http://schemas.openxmlformats.org/officeDocument/2006/relationships" xmlns:mc="http://schemas.openxmlformats.org/markup-compatibility/2006" xmlns:mv="urn:schemas-microsoft-com:mac:vml" xmlns:p="http://schemas.openxmlformats.org/presentationml/2006/main" xmlns:c="http://schemas.openxmlformats.org/drawingml/2006/chart" xmlns:dgm="http://schemas.openxmlformats.org/drawingml/2006/diagram" xmlns:o="urn:schemas-microsoft-com:office:office" xmlns:v="urn:schemas-microsoft-com:vml" xmlns:pvml="urn:schemas-microsoft-com:office:powerpoint" xmlns:com="http://schemas.openxmlformats.org/drawingml/2006/compatibility" xmlns:p14="http://schemas.microsoft.com/office/powerpoint/2010/main" xmlns:p15="http://schemas.microsoft.com/office/powerpoint/2012/main" xmlns:ahyp="http://schemas.microsoft.com/office/drawing/2018/hyperlinkcolor">
+<p:sldMaster xmlns:a="http://schemas.openxmlformats.org/drawingml/2006/main" xmlns:r="http://schemas.openxmlformats.org/officeDocument/2006/relationships" xmlns:p="http://schemas.openxmlformats.org/presentationml/2006/main">
   <p:cSld name="simple-light-2">
     <p:bg>
       <p:bgPr>
         <a:solidFill>
           <a:schemeClr val="lt1"/>
         </a:solidFill>
+        <a:effectLst/>
       </p:bgPr>
     </p:bg>
     <p:spTree>
       <p:nvGrpSpPr>
-        <p:cNvPr id="5" name="Shape 5"/>
+        <p:cNvPr id="1" name="Shape 5"/>
         <p:cNvGrpSpPr/>
         <p:nvPr/>
       </p:nvGrpSpPr>
@@ -5800,7 +5990,9 @@
       <p:sp>
         <p:nvSpPr>
           <p:cNvPr id="6" name="Google Shape;6;p1"/>
-          <p:cNvSpPr txBox="1"/>
+          <p:cNvSpPr txBox="1">
+            <a:spLocks noGrp="1"/>
+          </p:cNvSpPr>
           <p:nvPr>
             <p:ph type="title"/>
           </p:nvPr>
@@ -5819,7 +6011,7 @@
           </a:ln>
         </p:spPr>
         <p:txBody>
-          <a:bodyPr anchorCtr="0" anchor="t" bIns="91425" lIns="91425" spcFirstLastPara="1" rIns="91425" wrap="square" tIns="91425">
+          <a:bodyPr spcFirstLastPara="1" wrap="square" lIns="91425" tIns="91425" rIns="91425" bIns="91425" anchor="t" anchorCtr="0">
             <a:normAutofit/>
           </a:bodyPr>
           <a:lstStyle>
@@ -5986,15 +6178,19 @@
               </a:defRPr>
             </a:lvl9pPr>
           </a:lstStyle>
-          <a:p/>
+          <a:p>
+            <a:endParaRPr/>
+          </a:p>
         </p:txBody>
       </p:sp>
       <p:sp>
         <p:nvSpPr>
           <p:cNvPr id="7" name="Google Shape;7;p1"/>
-          <p:cNvSpPr txBox="1"/>
+          <p:cNvSpPr txBox="1">
+            <a:spLocks noGrp="1"/>
+          </p:cNvSpPr>
           <p:nvPr>
-            <p:ph idx="1" type="body"/>
+            <p:ph type="body" idx="1"/>
           </p:nvPr>
         </p:nvSpPr>
         <p:spPr>
@@ -6011,11 +6207,11 @@
           </a:ln>
         </p:spPr>
         <p:txBody>
-          <a:bodyPr anchorCtr="0" anchor="t" bIns="91425" lIns="91425" spcFirstLastPara="1" rIns="91425" wrap="square" tIns="91425">
+          <a:bodyPr spcFirstLastPara="1" wrap="square" lIns="91425" tIns="91425" rIns="91425" bIns="91425" anchor="t" anchorCtr="0">
             <a:normAutofit/>
           </a:bodyPr>
           <a:lstStyle>
-            <a:lvl1pPr indent="-342900" lvl="0" marL="457200">
+            <a:lvl1pPr marL="457200" lvl="0" indent="-342900">
               <a:lnSpc>
                 <a:spcPct val="115000"/>
               </a:lnSpc>
@@ -6036,7 +6232,7 @@
                 </a:solidFill>
               </a:defRPr>
             </a:lvl1pPr>
-            <a:lvl2pPr indent="-317500" lvl="1" marL="914400">
+            <a:lvl2pPr marL="914400" lvl="1" indent="-317500">
               <a:lnSpc>
                 <a:spcPct val="115000"/>
               </a:lnSpc>
@@ -6057,7 +6253,7 @@
                 </a:solidFill>
               </a:defRPr>
             </a:lvl2pPr>
-            <a:lvl3pPr indent="-317500" lvl="2" marL="1371600">
+            <a:lvl3pPr marL="1371600" lvl="2" indent="-317500">
               <a:lnSpc>
                 <a:spcPct val="115000"/>
               </a:lnSpc>
@@ -6078,7 +6274,7 @@
                 </a:solidFill>
               </a:defRPr>
             </a:lvl3pPr>
-            <a:lvl4pPr indent="-317500" lvl="3" marL="1828800">
+            <a:lvl4pPr marL="1828800" lvl="3" indent="-317500">
               <a:lnSpc>
                 <a:spcPct val="115000"/>
               </a:lnSpc>
@@ -6099,7 +6295,7 @@
                 </a:solidFill>
               </a:defRPr>
             </a:lvl4pPr>
-            <a:lvl5pPr indent="-317500" lvl="4" marL="2286000">
+            <a:lvl5pPr marL="2286000" lvl="4" indent="-317500">
               <a:lnSpc>
                 <a:spcPct val="115000"/>
               </a:lnSpc>
@@ -6120,7 +6316,7 @@
                 </a:solidFill>
               </a:defRPr>
             </a:lvl5pPr>
-            <a:lvl6pPr indent="-317500" lvl="5" marL="2743200">
+            <a:lvl6pPr marL="2743200" lvl="5" indent="-317500">
               <a:lnSpc>
                 <a:spcPct val="115000"/>
               </a:lnSpc>
@@ -6141,7 +6337,7 @@
                 </a:solidFill>
               </a:defRPr>
             </a:lvl6pPr>
-            <a:lvl7pPr indent="-317500" lvl="6" marL="3200400">
+            <a:lvl7pPr marL="3200400" lvl="6" indent="-317500">
               <a:lnSpc>
                 <a:spcPct val="115000"/>
               </a:lnSpc>
@@ -6162,7 +6358,7 @@
                 </a:solidFill>
               </a:defRPr>
             </a:lvl7pPr>
-            <a:lvl8pPr indent="-317500" lvl="7" marL="3657600">
+            <a:lvl8pPr marL="3657600" lvl="7" indent="-317500">
               <a:lnSpc>
                 <a:spcPct val="115000"/>
               </a:lnSpc>
@@ -6183,7 +6379,7 @@
                 </a:solidFill>
               </a:defRPr>
             </a:lvl8pPr>
-            <a:lvl9pPr indent="-317500" lvl="8" marL="4114800">
+            <a:lvl9pPr marL="4114800" lvl="8" indent="-317500">
               <a:lnSpc>
                 <a:spcPct val="115000"/>
               </a:lnSpc>
@@ -6205,15 +6401,19 @@
               </a:defRPr>
             </a:lvl9pPr>
           </a:lstStyle>
-          <a:p/>
+          <a:p>
+            <a:endParaRPr/>
+          </a:p>
         </p:txBody>
       </p:sp>
       <p:sp>
         <p:nvSpPr>
           <p:cNvPr id="8" name="Google Shape;8;p1"/>
-          <p:cNvSpPr txBox="1"/>
+          <p:cNvSpPr txBox="1">
+            <a:spLocks noGrp="1"/>
+          </p:cNvSpPr>
           <p:nvPr>
-            <p:ph idx="12" type="sldNum"/>
+            <p:ph type="sldNum" idx="12"/>
           </p:nvPr>
         </p:nvSpPr>
         <p:spPr>
@@ -6230,7 +6430,7 @@
           </a:ln>
         </p:spPr>
         <p:txBody>
-          <a:bodyPr anchorCtr="0" anchor="ctr" bIns="91425" lIns="91425" spcFirstLastPara="1" rIns="91425" wrap="square" tIns="91425">
+          <a:bodyPr spcFirstLastPara="1" wrap="square" lIns="91425" tIns="91425" rIns="91425" bIns="91425" anchor="ctr" anchorCtr="0">
             <a:normAutofit/>
           </a:bodyPr>
           <a:lstStyle>
@@ -6308,7 +6508,7 @@
             </a:lvl9pPr>
           </a:lstStyle>
           <a:p>
-            <a:pPr indent="0" lvl="0" marL="0" rtl="0" algn="r">
+            <a:pPr marL="0" lvl="0" indent="0" algn="r" rtl="0">
               <a:spcBef>
                 <a:spcPts val="0"/>
               </a:spcBef>
@@ -6327,7 +6527,7 @@
       </p:sp>
     </p:spTree>
   </p:cSld>
-  <p:clrMap accent1="accent1" accent2="accent2" accent3="accent3" accent4="accent4" accent5="accent5" accent6="accent6" bg1="lt1" bg2="dk2" tx1="dk1" tx2="lt2" folHlink="folHlink" hlink="hlink"/>
+  <p:clrMap bg1="lt1" tx1="dk1" bg2="dk2" tx2="lt2" accent1="accent1" accent2="accent2" accent3="accent3" accent4="accent4" accent5="accent5" accent6="accent6" hlink="hlink" folHlink="folHlink"/>
   <p:sldLayoutIdLst>
     <p:sldLayoutId id="2147483648" r:id="rId1"/>
     <p:sldLayoutId id="2147483649" r:id="rId2"/>
@@ -6341,10 +6541,10 @@
     <p:sldLayoutId id="2147483657" r:id="rId10"/>
     <p:sldLayoutId id="2147483658" r:id="rId11"/>
   </p:sldLayoutIdLst>
-  <p:hf dt="0" ftr="0" hdr="0" sldNum="0"/>
+  <p:hf sldNum="0" hdr="0" ftr="0" dt="0"/>
   <p:txStyles>
     <p:titleStyle>
-      <a:defPPr lvl="0" marR="0" rtl="0" algn="l">
+      <a:defPPr marR="0" lvl="0" algn="l" rtl="0">
         <a:lnSpc>
           <a:spcPct val="100000"/>
         </a:lnSpc>
@@ -6355,7 +6555,7 @@
           <a:spcPts val="0"/>
         </a:spcAft>
       </a:defPPr>
-      <a:lvl1pPr lvl="0" marR="0" rtl="0" algn="l">
+      <a:lvl1pPr marR="0" lvl="0" algn="l" rtl="0">
         <a:lnSpc>
           <a:spcPct val="100000"/>
         </a:lnSpc>
@@ -6369,7 +6569,7 @@
           <a:srgbClr val="000000"/>
         </a:buClr>
         <a:buFont typeface="Arial"/>
-        <a:defRPr b="0" i="0" sz="1400" u="none" cap="none" strike="noStrike">
+        <a:defRPr sz="1400" b="0" i="0" u="none" strike="noStrike" cap="none">
           <a:solidFill>
             <a:srgbClr val="000000"/>
           </a:solidFill>
@@ -6379,7 +6579,7 @@
           <a:sym typeface="Arial"/>
         </a:defRPr>
       </a:lvl1pPr>
-      <a:lvl2pPr lvl="1" marR="0" rtl="0" algn="l">
+      <a:lvl2pPr marR="0" lvl="1" algn="l" rtl="0">
         <a:lnSpc>
           <a:spcPct val="100000"/>
         </a:lnSpc>
@@ -6393,7 +6593,7 @@
           <a:srgbClr val="000000"/>
         </a:buClr>
         <a:buFont typeface="Arial"/>
-        <a:defRPr b="0" i="0" sz="1400" u="none" cap="none" strike="noStrike">
+        <a:defRPr sz="1400" b="0" i="0" u="none" strike="noStrike" cap="none">
           <a:solidFill>
             <a:srgbClr val="000000"/>
           </a:solidFill>
@@ -6403,7 +6603,7 @@
           <a:sym typeface="Arial"/>
         </a:defRPr>
       </a:lvl2pPr>
-      <a:lvl3pPr lvl="2" marR="0" rtl="0" algn="l">
+      <a:lvl3pPr marR="0" lvl="2" algn="l" rtl="0">
         <a:lnSpc>
           <a:spcPct val="100000"/>
         </a:lnSpc>
@@ -6417,7 +6617,7 @@
           <a:srgbClr val="000000"/>
         </a:buClr>
         <a:buFont typeface="Arial"/>
-        <a:defRPr b="0" i="0" sz="1400" u="none" cap="none" strike="noStrike">
+        <a:defRPr sz="1400" b="0" i="0" u="none" strike="noStrike" cap="none">
           <a:solidFill>
             <a:srgbClr val="000000"/>
           </a:solidFill>
@@ -6427,7 +6627,7 @@
           <a:sym typeface="Arial"/>
         </a:defRPr>
       </a:lvl3pPr>
-      <a:lvl4pPr lvl="3" marR="0" rtl="0" algn="l">
+      <a:lvl4pPr marR="0" lvl="3" algn="l" rtl="0">
         <a:lnSpc>
           <a:spcPct val="100000"/>
         </a:lnSpc>
@@ -6441,7 +6641,7 @@
           <a:srgbClr val="000000"/>
         </a:buClr>
         <a:buFont typeface="Arial"/>
-        <a:defRPr b="0" i="0" sz="1400" u="none" cap="none" strike="noStrike">
+        <a:defRPr sz="1400" b="0" i="0" u="none" strike="noStrike" cap="none">
           <a:solidFill>
             <a:srgbClr val="000000"/>
           </a:solidFill>
@@ -6451,7 +6651,7 @@
           <a:sym typeface="Arial"/>
         </a:defRPr>
       </a:lvl4pPr>
-      <a:lvl5pPr lvl="4" marR="0" rtl="0" algn="l">
+      <a:lvl5pPr marR="0" lvl="4" algn="l" rtl="0">
         <a:lnSpc>
           <a:spcPct val="100000"/>
         </a:lnSpc>
@@ -6465,7 +6665,7 @@
           <a:srgbClr val="000000"/>
         </a:buClr>
         <a:buFont typeface="Arial"/>
-        <a:defRPr b="0" i="0" sz="1400" u="none" cap="none" strike="noStrike">
+        <a:defRPr sz="1400" b="0" i="0" u="none" strike="noStrike" cap="none">
           <a:solidFill>
             <a:srgbClr val="000000"/>
           </a:solidFill>
@@ -6475,7 +6675,7 @@
           <a:sym typeface="Arial"/>
         </a:defRPr>
       </a:lvl5pPr>
-      <a:lvl6pPr lvl="5" marR="0" rtl="0" algn="l">
+      <a:lvl6pPr marR="0" lvl="5" algn="l" rtl="0">
         <a:lnSpc>
           <a:spcPct val="100000"/>
         </a:lnSpc>
@@ -6489,7 +6689,7 @@
           <a:srgbClr val="000000"/>
         </a:buClr>
         <a:buFont typeface="Arial"/>
-        <a:defRPr b="0" i="0" sz="1400" u="none" cap="none" strike="noStrike">
+        <a:defRPr sz="1400" b="0" i="0" u="none" strike="noStrike" cap="none">
           <a:solidFill>
             <a:srgbClr val="000000"/>
           </a:solidFill>
@@ -6499,7 +6699,7 @@
           <a:sym typeface="Arial"/>
         </a:defRPr>
       </a:lvl6pPr>
-      <a:lvl7pPr lvl="6" marR="0" rtl="0" algn="l">
+      <a:lvl7pPr marR="0" lvl="6" algn="l" rtl="0">
         <a:lnSpc>
           <a:spcPct val="100000"/>
         </a:lnSpc>
@@ -6513,7 +6713,7 @@
           <a:srgbClr val="000000"/>
         </a:buClr>
         <a:buFont typeface="Arial"/>
-        <a:defRPr b="0" i="0" sz="1400" u="none" cap="none" strike="noStrike">
+        <a:defRPr sz="1400" b="0" i="0" u="none" strike="noStrike" cap="none">
           <a:solidFill>
             <a:srgbClr val="000000"/>
           </a:solidFill>
@@ -6523,7 +6723,7 @@
           <a:sym typeface="Arial"/>
         </a:defRPr>
       </a:lvl7pPr>
-      <a:lvl8pPr lvl="7" marR="0" rtl="0" algn="l">
+      <a:lvl8pPr marR="0" lvl="7" algn="l" rtl="0">
         <a:lnSpc>
           <a:spcPct val="100000"/>
         </a:lnSpc>
@@ -6537,7 +6737,7 @@
           <a:srgbClr val="000000"/>
         </a:buClr>
         <a:buFont typeface="Arial"/>
-        <a:defRPr b="0" i="0" sz="1400" u="none" cap="none" strike="noStrike">
+        <a:defRPr sz="1400" b="0" i="0" u="none" strike="noStrike" cap="none">
           <a:solidFill>
             <a:srgbClr val="000000"/>
           </a:solidFill>
@@ -6547,7 +6747,7 @@
           <a:sym typeface="Arial"/>
         </a:defRPr>
       </a:lvl8pPr>
-      <a:lvl9pPr lvl="8" marR="0" rtl="0" algn="l">
+      <a:lvl9pPr marR="0" lvl="8" algn="l" rtl="0">
         <a:lnSpc>
           <a:spcPct val="100000"/>
         </a:lnSpc>
@@ -6561,7 +6761,7 @@
           <a:srgbClr val="000000"/>
         </a:buClr>
         <a:buFont typeface="Arial"/>
-        <a:defRPr b="0" i="0" sz="1400" u="none" cap="none" strike="noStrike">
+        <a:defRPr sz="1400" b="0" i="0" u="none" strike="noStrike" cap="none">
           <a:solidFill>
             <a:srgbClr val="000000"/>
           </a:solidFill>
@@ -6573,7 +6773,7 @@
       </a:lvl9pPr>
     </p:titleStyle>
     <p:bodyStyle>
-      <a:defPPr lvl="0" marR="0" rtl="0" algn="l">
+      <a:defPPr marR="0" lvl="0" algn="l" rtl="0">
         <a:lnSpc>
           <a:spcPct val="100000"/>
         </a:lnSpc>
@@ -6584,7 +6784,7 @@
           <a:spcPts val="0"/>
         </a:spcAft>
       </a:defPPr>
-      <a:lvl1pPr lvl="0" marR="0" rtl="0" algn="l">
+      <a:lvl1pPr marR="0" lvl="0" algn="l" rtl="0">
         <a:lnSpc>
           <a:spcPct val="100000"/>
         </a:lnSpc>
@@ -6598,7 +6798,7 @@
           <a:srgbClr val="000000"/>
         </a:buClr>
         <a:buFont typeface="Arial"/>
-        <a:defRPr b="0" i="0" sz="1400" u="none" cap="none" strike="noStrike">
+        <a:defRPr sz="1400" b="0" i="0" u="none" strike="noStrike" cap="none">
           <a:solidFill>
             <a:srgbClr val="000000"/>
           </a:solidFill>
@@ -6608,7 +6808,7 @@
           <a:sym typeface="Arial"/>
         </a:defRPr>
       </a:lvl1pPr>
-      <a:lvl2pPr lvl="1" marR="0" rtl="0" algn="l">
+      <a:lvl2pPr marR="0" lvl="1" algn="l" rtl="0">
         <a:lnSpc>
           <a:spcPct val="100000"/>
         </a:lnSpc>
@@ -6622,7 +6822,7 @@
           <a:srgbClr val="000000"/>
         </a:buClr>
         <a:buFont typeface="Arial"/>
-        <a:defRPr b="0" i="0" sz="1400" u="none" cap="none" strike="noStrike">
+        <a:defRPr sz="1400" b="0" i="0" u="none" strike="noStrike" cap="none">
           <a:solidFill>
             <a:srgbClr val="000000"/>
           </a:solidFill>
@@ -6632,7 +6832,7 @@
           <a:sym typeface="Arial"/>
         </a:defRPr>
       </a:lvl2pPr>
-      <a:lvl3pPr lvl="2" marR="0" rtl="0" algn="l">
+      <a:lvl3pPr marR="0" lvl="2" algn="l" rtl="0">
         <a:lnSpc>
           <a:spcPct val="100000"/>
         </a:lnSpc>
@@ -6646,7 +6846,7 @@
           <a:srgbClr val="000000"/>
         </a:buClr>
         <a:buFont typeface="Arial"/>
-        <a:defRPr b="0" i="0" sz="1400" u="none" cap="none" strike="noStrike">
+        <a:defRPr sz="1400" b="0" i="0" u="none" strike="noStrike" cap="none">
           <a:solidFill>
             <a:srgbClr val="000000"/>
           </a:solidFill>
@@ -6656,7 +6856,7 @@
           <a:sym typeface="Arial"/>
         </a:defRPr>
       </a:lvl3pPr>
-      <a:lvl4pPr lvl="3" marR="0" rtl="0" algn="l">
+      <a:lvl4pPr marR="0" lvl="3" algn="l" rtl="0">
         <a:lnSpc>
           <a:spcPct val="100000"/>
         </a:lnSpc>
@@ -6670,7 +6870,7 @@
           <a:srgbClr val="000000"/>
         </a:buClr>
         <a:buFont typeface="Arial"/>
-        <a:defRPr b="0" i="0" sz="1400" u="none" cap="none" strike="noStrike">
+        <a:defRPr sz="1400" b="0" i="0" u="none" strike="noStrike" cap="none">
           <a:solidFill>
             <a:srgbClr val="000000"/>
           </a:solidFill>
@@ -6680,7 +6880,7 @@
           <a:sym typeface="Arial"/>
         </a:defRPr>
       </a:lvl4pPr>
-      <a:lvl5pPr lvl="4" marR="0" rtl="0" algn="l">
+      <a:lvl5pPr marR="0" lvl="4" algn="l" rtl="0">
         <a:lnSpc>
           <a:spcPct val="100000"/>
         </a:lnSpc>
@@ -6694,7 +6894,7 @@
           <a:srgbClr val="000000"/>
         </a:buClr>
         <a:buFont typeface="Arial"/>
-        <a:defRPr b="0" i="0" sz="1400" u="none" cap="none" strike="noStrike">
+        <a:defRPr sz="1400" b="0" i="0" u="none" strike="noStrike" cap="none">
           <a:solidFill>
             <a:srgbClr val="000000"/>
           </a:solidFill>
@@ -6704,7 +6904,7 @@
           <a:sym typeface="Arial"/>
         </a:defRPr>
       </a:lvl5pPr>
-      <a:lvl6pPr lvl="5" marR="0" rtl="0" algn="l">
+      <a:lvl6pPr marR="0" lvl="5" algn="l" rtl="0">
         <a:lnSpc>
           <a:spcPct val="100000"/>
         </a:lnSpc>
@@ -6718,7 +6918,7 @@
           <a:srgbClr val="000000"/>
         </a:buClr>
         <a:buFont typeface="Arial"/>
-        <a:defRPr b="0" i="0" sz="1400" u="none" cap="none" strike="noStrike">
+        <a:defRPr sz="1400" b="0" i="0" u="none" strike="noStrike" cap="none">
           <a:solidFill>
             <a:srgbClr val="000000"/>
           </a:solidFill>
@@ -6728,7 +6928,7 @@
           <a:sym typeface="Arial"/>
         </a:defRPr>
       </a:lvl6pPr>
-      <a:lvl7pPr lvl="6" marR="0" rtl="0" algn="l">
+      <a:lvl7pPr marR="0" lvl="6" algn="l" rtl="0">
         <a:lnSpc>
           <a:spcPct val="100000"/>
         </a:lnSpc>
@@ -6742,7 +6942,7 @@
           <a:srgbClr val="000000"/>
         </a:buClr>
         <a:buFont typeface="Arial"/>
-        <a:defRPr b="0" i="0" sz="1400" u="none" cap="none" strike="noStrike">
+        <a:defRPr sz="1400" b="0" i="0" u="none" strike="noStrike" cap="none">
           <a:solidFill>
             <a:srgbClr val="000000"/>
           </a:solidFill>
@@ -6752,7 +6952,7 @@
           <a:sym typeface="Arial"/>
         </a:defRPr>
       </a:lvl7pPr>
-      <a:lvl8pPr lvl="7" marR="0" rtl="0" algn="l">
+      <a:lvl8pPr marR="0" lvl="7" algn="l" rtl="0">
         <a:lnSpc>
           <a:spcPct val="100000"/>
         </a:lnSpc>
@@ -6766,7 +6966,7 @@
           <a:srgbClr val="000000"/>
         </a:buClr>
         <a:buFont typeface="Arial"/>
-        <a:defRPr b="0" i="0" sz="1400" u="none" cap="none" strike="noStrike">
+        <a:defRPr sz="1400" b="0" i="0" u="none" strike="noStrike" cap="none">
           <a:solidFill>
             <a:srgbClr val="000000"/>
           </a:solidFill>
@@ -6776,7 +6976,7 @@
           <a:sym typeface="Arial"/>
         </a:defRPr>
       </a:lvl8pPr>
-      <a:lvl9pPr lvl="8" marR="0" rtl="0" algn="l">
+      <a:lvl9pPr marR="0" lvl="8" algn="l" rtl="0">
         <a:lnSpc>
           <a:spcPct val="100000"/>
         </a:lnSpc>
@@ -6790,7 +6990,7 @@
           <a:srgbClr val="000000"/>
         </a:buClr>
         <a:buFont typeface="Arial"/>
-        <a:defRPr b="0" i="0" sz="1400" u="none" cap="none" strike="noStrike">
+        <a:defRPr sz="1400" b="0" i="0" u="none" strike="noStrike" cap="none">
           <a:solidFill>
             <a:srgbClr val="000000"/>
           </a:solidFill>
@@ -6802,7 +7002,7 @@
       </a:lvl9pPr>
     </p:bodyStyle>
     <p:otherStyle>
-      <a:defPPr lvl="0" marR="0" rtl="0" algn="l">
+      <a:defPPr marR="0" lvl="0" algn="l" rtl="0">
         <a:lnSpc>
           <a:spcPct val="100000"/>
         </a:lnSpc>
@@ -6813,7 +7013,7 @@
           <a:spcPts val="0"/>
         </a:spcAft>
       </a:defPPr>
-      <a:lvl1pPr lvl="0" marR="0" rtl="0" algn="l">
+      <a:lvl1pPr marR="0" lvl="0" algn="l" rtl="0">
         <a:lnSpc>
           <a:spcPct val="100000"/>
         </a:lnSpc>
@@ -6827,7 +7027,7 @@
           <a:srgbClr val="000000"/>
         </a:buClr>
         <a:buFont typeface="Arial"/>
-        <a:defRPr b="0" i="0" sz="1400" u="none" cap="none" strike="noStrike">
+        <a:defRPr sz="1400" b="0" i="0" u="none" strike="noStrike" cap="none">
           <a:solidFill>
             <a:srgbClr val="000000"/>
           </a:solidFill>
@@ -6837,7 +7037,7 @@
           <a:sym typeface="Arial"/>
         </a:defRPr>
       </a:lvl1pPr>
-      <a:lvl2pPr lvl="1" marR="0" rtl="0" algn="l">
+      <a:lvl2pPr marR="0" lvl="1" algn="l" rtl="0">
         <a:lnSpc>
           <a:spcPct val="100000"/>
         </a:lnSpc>
@@ -6851,7 +7051,7 @@
           <a:srgbClr val="000000"/>
         </a:buClr>
         <a:buFont typeface="Arial"/>
-        <a:defRPr b="0" i="0" sz="1400" u="none" cap="none" strike="noStrike">
+        <a:defRPr sz="1400" b="0" i="0" u="none" strike="noStrike" cap="none">
           <a:solidFill>
             <a:srgbClr val="000000"/>
           </a:solidFill>
@@ -6861,7 +7061,7 @@
           <a:sym typeface="Arial"/>
         </a:defRPr>
       </a:lvl2pPr>
-      <a:lvl3pPr lvl="2" marR="0" rtl="0" algn="l">
+      <a:lvl3pPr marR="0" lvl="2" algn="l" rtl="0">
         <a:lnSpc>
           <a:spcPct val="100000"/>
         </a:lnSpc>
@@ -6875,7 +7075,7 @@
           <a:srgbClr val="000000"/>
         </a:buClr>
         <a:buFont typeface="Arial"/>
-        <a:defRPr b="0" i="0" sz="1400" u="none" cap="none" strike="noStrike">
+        <a:defRPr sz="1400" b="0" i="0" u="none" strike="noStrike" cap="none">
           <a:solidFill>
             <a:srgbClr val="000000"/>
           </a:solidFill>
@@ -6885,7 +7085,7 @@
           <a:sym typeface="Arial"/>
         </a:defRPr>
       </a:lvl3pPr>
-      <a:lvl4pPr lvl="3" marR="0" rtl="0" algn="l">
+      <a:lvl4pPr marR="0" lvl="3" algn="l" rtl="0">
         <a:lnSpc>
           <a:spcPct val="100000"/>
         </a:lnSpc>
@@ -6899,7 +7099,7 @@
           <a:srgbClr val="000000"/>
         </a:buClr>
         <a:buFont typeface="Arial"/>
-        <a:defRPr b="0" i="0" sz="1400" u="none" cap="none" strike="noStrike">
+        <a:defRPr sz="1400" b="0" i="0" u="none" strike="noStrike" cap="none">
           <a:solidFill>
             <a:srgbClr val="000000"/>
           </a:solidFill>
@@ -6909,7 +7109,7 @@
           <a:sym typeface="Arial"/>
         </a:defRPr>
       </a:lvl4pPr>
-      <a:lvl5pPr lvl="4" marR="0" rtl="0" algn="l">
+      <a:lvl5pPr marR="0" lvl="4" algn="l" rtl="0">
         <a:lnSpc>
           <a:spcPct val="100000"/>
         </a:lnSpc>
@@ -6923,7 +7123,7 @@
           <a:srgbClr val="000000"/>
         </a:buClr>
         <a:buFont typeface="Arial"/>
-        <a:defRPr b="0" i="0" sz="1400" u="none" cap="none" strike="noStrike">
+        <a:defRPr sz="1400" b="0" i="0" u="none" strike="noStrike" cap="none">
           <a:solidFill>
             <a:srgbClr val="000000"/>
           </a:solidFill>
@@ -6933,7 +7133,7 @@
           <a:sym typeface="Arial"/>
         </a:defRPr>
       </a:lvl5pPr>
-      <a:lvl6pPr lvl="5" marR="0" rtl="0" algn="l">
+      <a:lvl6pPr marR="0" lvl="5" algn="l" rtl="0">
         <a:lnSpc>
           <a:spcPct val="100000"/>
         </a:lnSpc>
@@ -6947,7 +7147,7 @@
           <a:srgbClr val="000000"/>
         </a:buClr>
         <a:buFont typeface="Arial"/>
-        <a:defRPr b="0" i="0" sz="1400" u="none" cap="none" strike="noStrike">
+        <a:defRPr sz="1400" b="0" i="0" u="none" strike="noStrike" cap="none">
           <a:solidFill>
             <a:srgbClr val="000000"/>
           </a:solidFill>
@@ -6957,7 +7157,7 @@
           <a:sym typeface="Arial"/>
         </a:defRPr>
       </a:lvl6pPr>
-      <a:lvl7pPr lvl="6" marR="0" rtl="0" algn="l">
+      <a:lvl7pPr marR="0" lvl="6" algn="l" rtl="0">
         <a:lnSpc>
           <a:spcPct val="100000"/>
         </a:lnSpc>
@@ -6971,7 +7171,7 @@
           <a:srgbClr val="000000"/>
         </a:buClr>
         <a:buFont typeface="Arial"/>
-        <a:defRPr b="0" i="0" sz="1400" u="none" cap="none" strike="noStrike">
+        <a:defRPr sz="1400" b="0" i="0" u="none" strike="noStrike" cap="none">
           <a:solidFill>
             <a:srgbClr val="000000"/>
           </a:solidFill>
@@ -6981,7 +7181,7 @@
           <a:sym typeface="Arial"/>
         </a:defRPr>
       </a:lvl7pPr>
-      <a:lvl8pPr lvl="7" marR="0" rtl="0" algn="l">
+      <a:lvl8pPr marR="0" lvl="7" algn="l" rtl="0">
         <a:lnSpc>
           <a:spcPct val="100000"/>
         </a:lnSpc>
@@ -6995,7 +7195,7 @@
           <a:srgbClr val="000000"/>
         </a:buClr>
         <a:buFont typeface="Arial"/>
-        <a:defRPr b="0" i="0" sz="1400" u="none" cap="none" strike="noStrike">
+        <a:defRPr sz="1400" b="0" i="0" u="none" strike="noStrike" cap="none">
           <a:solidFill>
             <a:srgbClr val="000000"/>
           </a:solidFill>
@@ -7005,7 +7205,7 @@
           <a:sym typeface="Arial"/>
         </a:defRPr>
       </a:lvl8pPr>
-      <a:lvl9pPr lvl="8" marR="0" rtl="0" algn="l">
+      <a:lvl9pPr marR="0" lvl="8" algn="l" rtl="0">
         <a:lnSpc>
           <a:spcPct val="100000"/>
         </a:lnSpc>
@@ -7019,7 +7219,7 @@
           <a:srgbClr val="000000"/>
         </a:buClr>
         <a:buFont typeface="Arial"/>
-        <a:defRPr b="0" i="0" sz="1400" u="none" cap="none" strike="noStrike">
+        <a:defRPr sz="1400" b="0" i="0" u="none" strike="noStrike" cap="none">
           <a:solidFill>
             <a:srgbClr val="000000"/>
           </a:solidFill>
@@ -7035,11 +7235,11 @@
 </file>
 
 <file path=ppt/slides/slide1.xml><?xml version="1.0" encoding="utf-8"?>
-<p:sld xmlns:a="http://schemas.openxmlformats.org/drawingml/2006/main" xmlns:r="http://schemas.openxmlformats.org/officeDocument/2006/relationships" xmlns:mc="http://schemas.openxmlformats.org/markup-compatibility/2006" xmlns:mv="urn:schemas-microsoft-com:mac:vml" xmlns:p="http://schemas.openxmlformats.org/presentationml/2006/main" xmlns:c="http://schemas.openxmlformats.org/drawingml/2006/chart" xmlns:dgm="http://schemas.openxmlformats.org/drawingml/2006/diagram" xmlns:o="urn:schemas-microsoft-com:office:office" xmlns:v="urn:schemas-microsoft-com:vml" xmlns:pvml="urn:schemas-microsoft-com:office:powerpoint" xmlns:com="http://schemas.openxmlformats.org/drawingml/2006/compatibility" xmlns:p14="http://schemas.microsoft.com/office/powerpoint/2010/main" xmlns:p15="http://schemas.microsoft.com/office/powerpoint/2012/main" xmlns:ahyp="http://schemas.microsoft.com/office/drawing/2018/hyperlinkcolor">
+<p:sld xmlns:a="http://schemas.openxmlformats.org/drawingml/2006/main" xmlns:r="http://schemas.openxmlformats.org/officeDocument/2006/relationships" xmlns:p="http://schemas.openxmlformats.org/presentationml/2006/main">
   <p:cSld>
     <p:spTree>
       <p:nvGrpSpPr>
-        <p:cNvPr id="53" name="Shape 53"/>
+        <p:cNvPr id="1" name="Shape 53"/>
         <p:cNvGrpSpPr/>
         <p:nvPr/>
       </p:nvGrpSpPr>
@@ -7054,7 +7254,9 @@
       <p:sp>
         <p:nvSpPr>
           <p:cNvPr id="54" name="Google Shape;54;p13"/>
-          <p:cNvSpPr txBox="1"/>
+          <p:cNvSpPr txBox="1">
+            <a:spLocks noGrp="1"/>
+          </p:cNvSpPr>
           <p:nvPr>
             <p:ph type="ctrTitle"/>
           </p:nvPr>
@@ -7069,12 +7271,12 @@
           </a:prstGeom>
         </p:spPr>
         <p:txBody>
-          <a:bodyPr anchorCtr="0" anchor="b" bIns="91425" lIns="91425" spcFirstLastPara="1" rIns="91425" wrap="square" tIns="91425">
+          <a:bodyPr spcFirstLastPara="1" wrap="square" lIns="91425" tIns="91425" rIns="91425" bIns="91425" anchor="b" anchorCtr="0">
             <a:normAutofit/>
           </a:bodyPr>
           <a:lstStyle/>
           <a:p>
-            <a:pPr indent="0" lvl="0" marL="0" rtl="0" algn="ctr">
+            <a:pPr marL="0" lvl="0" indent="0" algn="ctr" rtl="0">
               <a:spcBef>
                 <a:spcPts val="0"/>
               </a:spcBef>
@@ -7094,9 +7296,11 @@
       <p:sp>
         <p:nvSpPr>
           <p:cNvPr id="55" name="Google Shape;55;p13"/>
-          <p:cNvSpPr txBox="1"/>
+          <p:cNvSpPr txBox="1">
+            <a:spLocks noGrp="1"/>
+          </p:cNvSpPr>
           <p:nvPr>
-            <p:ph idx="1" type="subTitle"/>
+            <p:ph type="subTitle" idx="1"/>
           </p:nvPr>
         </p:nvSpPr>
         <p:spPr>
@@ -7109,25 +7313,41 @@
           </a:prstGeom>
         </p:spPr>
         <p:txBody>
-          <a:bodyPr anchorCtr="0" anchor="t" bIns="91425" lIns="91425" spcFirstLastPara="1" rIns="91425" wrap="square" tIns="91425">
+          <a:bodyPr spcFirstLastPara="1" wrap="square" lIns="91425" tIns="91425" rIns="91425" bIns="91425" anchor="t" anchorCtr="0">
             <a:normAutofit/>
           </a:bodyPr>
           <a:lstStyle/>
           <a:p>
-            <a:pPr indent="0" lvl="0" marL="0" rtl="0" algn="ctr">
-              <a:spcBef>
-                <a:spcPts val="0"/>
-              </a:spcBef>
-              <a:spcAft>
-                <a:spcPts val="0"/>
-              </a:spcAft>
-              <a:buNone/>
-            </a:pPr>
-            <a:r>
-              <a:rPr lang="en"/>
-              <a:t>Anudev Gill, Rohit Shetty, Andrew Chun, Rana Al-Khulaidi</a:t>
-            </a:r>
-            <a:endParaRPr/>
+            <a:pPr marL="0" lvl="0" indent="0" algn="ctr" rtl="0">
+              <a:spcBef>
+                <a:spcPts val="0"/>
+              </a:spcBef>
+              <a:spcAft>
+                <a:spcPts val="0"/>
+              </a:spcAft>
+              <a:buNone/>
+            </a:pPr>
+            <a:r>
+              <a:rPr lang="en" dirty="0"/>
+              <a:t>Anudev Gill, Rohit Shetty, Andrew Chun, Rana Al-</a:t>
+            </a:r>
+            <a:r>
+              <a:rPr lang="en" dirty="0" err="1"/>
+              <a:t>Khulaidi</a:t>
+            </a:r>
+            <a:r>
+              <a:rPr lang="en" dirty="0"/>
+              <a:t>, </a:t>
+            </a:r>
+            <a:r>
+              <a:rPr lang="en" dirty="0" err="1"/>
+              <a:t>Eren</a:t>
+            </a:r>
+            <a:r>
+              <a:rPr lang="en" dirty="0"/>
+              <a:t> Aydin, Felix Zhang</a:t>
+            </a:r>
+            <a:endParaRPr dirty="0"/>
           </a:p>
         </p:txBody>
       </p:sp>
@@ -7140,18 +7360,19 @@
 </file>
 
 <file path=ppt/slides/slide10.xml><?xml version="1.0" encoding="utf-8"?>
-<p:sld xmlns:a="http://schemas.openxmlformats.org/drawingml/2006/main" xmlns:r="http://schemas.openxmlformats.org/officeDocument/2006/relationships" xmlns:mc="http://schemas.openxmlformats.org/markup-compatibility/2006" xmlns:mv="urn:schemas-microsoft-com:mac:vml" xmlns:p="http://schemas.openxmlformats.org/presentationml/2006/main" xmlns:c="http://schemas.openxmlformats.org/drawingml/2006/chart" xmlns:dgm="http://schemas.openxmlformats.org/drawingml/2006/diagram" xmlns:o="urn:schemas-microsoft-com:office:office" xmlns:v="urn:schemas-microsoft-com:vml" xmlns:pvml="urn:schemas-microsoft-com:office:powerpoint" xmlns:com="http://schemas.openxmlformats.org/drawingml/2006/compatibility" xmlns:p14="http://schemas.microsoft.com/office/powerpoint/2010/main" xmlns:p15="http://schemas.microsoft.com/office/powerpoint/2012/main" xmlns:ahyp="http://schemas.microsoft.com/office/drawing/2018/hyperlinkcolor">
+<p:sld xmlns:a="http://schemas.openxmlformats.org/drawingml/2006/main" xmlns:r="http://schemas.openxmlformats.org/officeDocument/2006/relationships" xmlns:p="http://schemas.openxmlformats.org/presentationml/2006/main">
   <p:cSld>
     <p:bg>
       <p:bgPr>
         <a:solidFill>
           <a:srgbClr val="EEFFFF"/>
         </a:solidFill>
+        <a:effectLst/>
       </p:bgPr>
     </p:bg>
     <p:spTree>
       <p:nvGrpSpPr>
-        <p:cNvPr id="124" name="Shape 124"/>
+        <p:cNvPr id="1" name="Shape 124"/>
         <p:cNvGrpSpPr/>
         <p:nvPr/>
       </p:nvGrpSpPr>
@@ -7166,7 +7387,9 @@
       <p:sp>
         <p:nvSpPr>
           <p:cNvPr id="125" name="Google Shape;125;p22"/>
-          <p:cNvSpPr txBox="1"/>
+          <p:cNvSpPr txBox="1">
+            <a:spLocks noGrp="1"/>
+          </p:cNvSpPr>
           <p:nvPr>
             <p:ph type="title"/>
           </p:nvPr>
@@ -7181,12 +7404,12 @@
           </a:prstGeom>
         </p:spPr>
         <p:txBody>
-          <a:bodyPr anchorCtr="0" anchor="t" bIns="91425" lIns="91425" spcFirstLastPara="1" rIns="91425" wrap="square" tIns="91425">
+          <a:bodyPr spcFirstLastPara="1" wrap="square" lIns="91425" tIns="91425" rIns="91425" bIns="91425" anchor="t" anchorCtr="0">
             <a:normAutofit fontScale="90000"/>
           </a:bodyPr>
           <a:lstStyle/>
           <a:p>
-            <a:pPr indent="0" lvl="0" marL="0" rtl="0" algn="ctr">
+            <a:pPr marL="0" lvl="0" indent="0" algn="ctr" rtl="0">
               <a:spcBef>
                 <a:spcPts val="0"/>
               </a:spcBef>
@@ -7206,9 +7429,11 @@
       <p:sp>
         <p:nvSpPr>
           <p:cNvPr id="126" name="Google Shape;126;p22"/>
-          <p:cNvSpPr txBox="1"/>
+          <p:cNvSpPr txBox="1">
+            <a:spLocks noGrp="1"/>
+          </p:cNvSpPr>
           <p:nvPr>
-            <p:ph idx="1" type="body"/>
+            <p:ph type="body" idx="1"/>
           </p:nvPr>
         </p:nvSpPr>
         <p:spPr>
@@ -7221,12 +7446,12 @@
           </a:prstGeom>
         </p:spPr>
         <p:txBody>
-          <a:bodyPr anchorCtr="0" anchor="t" bIns="91425" lIns="91425" spcFirstLastPara="1" rIns="91425" wrap="square" tIns="91425">
+          <a:bodyPr spcFirstLastPara="1" wrap="square" lIns="91425" tIns="91425" rIns="91425" bIns="91425" anchor="t" anchorCtr="0">
             <a:normAutofit/>
           </a:bodyPr>
           <a:lstStyle/>
           <a:p>
-            <a:pPr indent="0" lvl="0" marL="0" rtl="0" algn="l">
+            <a:pPr marL="0" lvl="0" indent="0" algn="l" rtl="0">
               <a:spcBef>
                 <a:spcPts val="0"/>
               </a:spcBef>
@@ -7242,7 +7467,7 @@
             <a:endParaRPr/>
           </a:p>
           <a:p>
-            <a:pPr indent="-317500" lvl="0" marL="457200" rtl="0" algn="l">
+            <a:pPr marL="457200" lvl="0" indent="-317500" algn="l" rtl="0">
               <a:spcBef>
                 <a:spcPts val="1200"/>
               </a:spcBef>
@@ -7259,7 +7484,7 @@
             <a:endParaRPr/>
           </a:p>
           <a:p>
-            <a:pPr indent="0" lvl="0" marL="0" rtl="0" algn="l">
+            <a:pPr marL="0" lvl="0" indent="0" algn="l" rtl="0">
               <a:spcBef>
                 <a:spcPts val="1200"/>
               </a:spcBef>
@@ -7275,7 +7500,7 @@
             <a:endParaRPr/>
           </a:p>
           <a:p>
-            <a:pPr indent="-317500" lvl="0" marL="457200" rtl="0" algn="l">
+            <a:pPr marL="457200" lvl="0" indent="-317500" algn="l" rtl="0">
               <a:spcBef>
                 <a:spcPts val="1200"/>
               </a:spcBef>
@@ -7292,7 +7517,7 @@
             <a:endParaRPr/>
           </a:p>
           <a:p>
-            <a:pPr indent="0" lvl="0" marL="0" rtl="0" algn="l">
+            <a:pPr marL="0" lvl="0" indent="0" algn="l" rtl="0">
               <a:spcBef>
                 <a:spcPts val="1200"/>
               </a:spcBef>
@@ -7308,7 +7533,7 @@
             <a:endParaRPr/>
           </a:p>
           <a:p>
-            <a:pPr indent="-317500" lvl="0" marL="457200" rtl="0" algn="l">
+            <a:pPr marL="457200" lvl="0" indent="-317500" algn="l" rtl="0">
               <a:spcBef>
                 <a:spcPts val="1200"/>
               </a:spcBef>
@@ -7325,7 +7550,7 @@
             <a:endParaRPr/>
           </a:p>
           <a:p>
-            <a:pPr indent="0" lvl="0" marL="0" rtl="0" algn="l">
+            <a:pPr marL="0" lvl="0" indent="0" algn="l" rtl="0">
               <a:spcBef>
                 <a:spcPts val="1200"/>
               </a:spcBef>
@@ -7341,7 +7566,7 @@
             <a:endParaRPr/>
           </a:p>
           <a:p>
-            <a:pPr indent="-317500" lvl="0" marL="457200" rtl="0" algn="l">
+            <a:pPr marL="457200" lvl="0" indent="-317500" algn="l" rtl="0">
               <a:spcBef>
                 <a:spcPts val="1200"/>
               </a:spcBef>
@@ -7362,9 +7587,11 @@
       <p:sp>
         <p:nvSpPr>
           <p:cNvPr id="127" name="Google Shape;127;p22"/>
-          <p:cNvSpPr txBox="1"/>
+          <p:cNvSpPr txBox="1">
+            <a:spLocks noGrp="1"/>
+          </p:cNvSpPr>
           <p:nvPr>
-            <p:ph idx="2" type="body"/>
+            <p:ph type="body" idx="2"/>
           </p:nvPr>
         </p:nvSpPr>
         <p:spPr>
@@ -7377,12 +7604,12 @@
           </a:prstGeom>
         </p:spPr>
         <p:txBody>
-          <a:bodyPr anchorCtr="0" anchor="t" bIns="91425" lIns="91425" spcFirstLastPara="1" rIns="91425" wrap="square" tIns="91425">
+          <a:bodyPr spcFirstLastPara="1" wrap="square" lIns="91425" tIns="91425" rIns="91425" bIns="91425" anchor="t" anchorCtr="0">
             <a:normAutofit/>
           </a:bodyPr>
           <a:lstStyle/>
           <a:p>
-            <a:pPr indent="0" lvl="0" marL="0" rtl="0" algn="l">
+            <a:pPr marL="0" lvl="0" indent="0" algn="l" rtl="0">
               <a:spcBef>
                 <a:spcPts val="0"/>
               </a:spcBef>
@@ -7398,7 +7625,7 @@
             <a:endParaRPr/>
           </a:p>
           <a:p>
-            <a:pPr indent="0" lvl="0" marL="0" rtl="0" algn="l">
+            <a:pPr marL="0" lvl="0" indent="0" algn="l" rtl="0">
               <a:spcBef>
                 <a:spcPts val="1200"/>
               </a:spcBef>
@@ -7414,7 +7641,7 @@
             <a:endParaRPr/>
           </a:p>
           <a:p>
-            <a:pPr indent="0" lvl="0" marL="0" rtl="0" algn="l">
+            <a:pPr marL="0" lvl="0" indent="0" algn="l" rtl="0">
               <a:spcBef>
                 <a:spcPts val="1200"/>
               </a:spcBef>
@@ -7446,14 +7673,14 @@
             <a:avLst/>
           </a:prstGeom>
           <a:noFill/>
-          <a:ln cap="flat" cmpd="sng" w="9525">
+          <a:ln w="9525" cap="flat" cmpd="sng">
             <a:solidFill>
               <a:schemeClr val="dk2"/>
             </a:solidFill>
             <a:prstDash val="solid"/>
             <a:round/>
-            <a:headEnd len="med" w="med" type="none"/>
-            <a:tailEnd len="med" w="med" type="none"/>
+            <a:headEnd type="none" w="med" len="med"/>
+            <a:tailEnd type="none" w="med" len="med"/>
           </a:ln>
         </p:spPr>
       </p:cxnSp>
@@ -7466,18 +7693,19 @@
 </file>
 
 <file path=ppt/slides/slide11.xml><?xml version="1.0" encoding="utf-8"?>
-<p:sld xmlns:a="http://schemas.openxmlformats.org/drawingml/2006/main" xmlns:r="http://schemas.openxmlformats.org/officeDocument/2006/relationships" xmlns:mc="http://schemas.openxmlformats.org/markup-compatibility/2006" xmlns:mv="urn:schemas-microsoft-com:mac:vml" xmlns:p="http://schemas.openxmlformats.org/presentationml/2006/main" xmlns:c="http://schemas.openxmlformats.org/drawingml/2006/chart" xmlns:dgm="http://schemas.openxmlformats.org/drawingml/2006/diagram" xmlns:o="urn:schemas-microsoft-com:office:office" xmlns:v="urn:schemas-microsoft-com:vml" xmlns:pvml="urn:schemas-microsoft-com:office:powerpoint" xmlns:com="http://schemas.openxmlformats.org/drawingml/2006/compatibility" xmlns:p14="http://schemas.microsoft.com/office/powerpoint/2010/main" xmlns:p15="http://schemas.microsoft.com/office/powerpoint/2012/main" xmlns:ahyp="http://schemas.microsoft.com/office/drawing/2018/hyperlinkcolor">
+<p:sld xmlns:a="http://schemas.openxmlformats.org/drawingml/2006/main" xmlns:r="http://schemas.openxmlformats.org/officeDocument/2006/relationships" xmlns:p="http://schemas.openxmlformats.org/presentationml/2006/main">
   <p:cSld>
     <p:bg>
       <p:bgPr>
         <a:solidFill>
           <a:srgbClr val="EEFFFF"/>
         </a:solidFill>
+        <a:effectLst/>
       </p:bgPr>
     </p:bg>
     <p:spTree>
       <p:nvGrpSpPr>
-        <p:cNvPr id="132" name="Shape 132"/>
+        <p:cNvPr id="1" name="Shape 132"/>
         <p:cNvGrpSpPr/>
         <p:nvPr/>
       </p:nvGrpSpPr>
@@ -7492,7 +7720,9 @@
       <p:sp>
         <p:nvSpPr>
           <p:cNvPr id="133" name="Google Shape;133;p23"/>
-          <p:cNvSpPr txBox="1"/>
+          <p:cNvSpPr txBox="1">
+            <a:spLocks noGrp="1"/>
+          </p:cNvSpPr>
           <p:nvPr>
             <p:ph type="title"/>
           </p:nvPr>
@@ -7507,12 +7737,12 @@
           </a:prstGeom>
         </p:spPr>
         <p:txBody>
-          <a:bodyPr anchorCtr="0" anchor="t" bIns="91425" lIns="91425" spcFirstLastPara="1" rIns="91425" wrap="square" tIns="91425">
+          <a:bodyPr spcFirstLastPara="1" wrap="square" lIns="91425" tIns="91425" rIns="91425" bIns="91425" anchor="t" anchorCtr="0">
             <a:normAutofit fontScale="90000"/>
           </a:bodyPr>
           <a:lstStyle/>
           <a:p>
-            <a:pPr indent="0" lvl="0" marL="0" rtl="0" algn="ctr">
+            <a:pPr marL="0" lvl="0" indent="0" algn="ctr" rtl="0">
               <a:spcBef>
                 <a:spcPts val="0"/>
               </a:spcBef>
@@ -7532,9 +7762,11 @@
       <p:sp>
         <p:nvSpPr>
           <p:cNvPr id="134" name="Google Shape;134;p23"/>
-          <p:cNvSpPr txBox="1"/>
+          <p:cNvSpPr txBox="1">
+            <a:spLocks noGrp="1"/>
+          </p:cNvSpPr>
           <p:nvPr>
-            <p:ph idx="1" type="body"/>
+            <p:ph type="body" idx="1"/>
           </p:nvPr>
         </p:nvSpPr>
         <p:spPr>
@@ -7547,32 +7779,28 @@
           </a:prstGeom>
         </p:spPr>
         <p:txBody>
-          <a:bodyPr anchorCtr="0" anchor="t" bIns="91425" lIns="91425" spcFirstLastPara="1" rIns="91425" wrap="square" tIns="91425">
+          <a:bodyPr spcFirstLastPara="1" wrap="square" lIns="91425" tIns="91425" rIns="91425" bIns="91425" anchor="t" anchorCtr="0">
             <a:normAutofit fontScale="92500"/>
           </a:bodyPr>
           <a:lstStyle/>
           <a:p>
-            <a:pPr indent="0" lvl="0" marL="0" rtl="0" algn="l">
-              <a:spcBef>
-                <a:spcPts val="0"/>
-              </a:spcBef>
-              <a:spcAft>
-                <a:spcPts val="0"/>
-              </a:spcAft>
-              <a:buNone/>
-            </a:pPr>
-            <a:r>
-              <a:rPr lang="en"/>
-              <a:t>Stores an instance of </a:t>
-            </a:r>
-            <a:r>
-              <a:rPr lang="en"/>
-              <a:t>UserContainer</a:t>
-            </a:r>
-            <a:endParaRPr/>
-          </a:p>
-          <a:p>
-            <a:pPr indent="0" lvl="0" marL="0" rtl="0" algn="l">
+            <a:pPr marL="0" lvl="0" indent="0" algn="l" rtl="0">
+              <a:spcBef>
+                <a:spcPts val="0"/>
+              </a:spcBef>
+              <a:spcAft>
+                <a:spcPts val="0"/>
+              </a:spcAft>
+              <a:buNone/>
+            </a:pPr>
+            <a:r>
+              <a:rPr lang="en"/>
+              <a:t>Stores an instance of UserContainer</a:t>
+            </a:r>
+            <a:endParaRPr/>
+          </a:p>
+          <a:p>
+            <a:pPr marL="0" lvl="0" indent="0" algn="l" rtl="0">
               <a:spcBef>
                 <a:spcPts val="1200"/>
               </a:spcBef>
@@ -7588,27 +7816,23 @@
             <a:endParaRPr/>
           </a:p>
           <a:p>
-            <a:pPr indent="0" lvl="0" marL="0" rtl="0" algn="l">
-              <a:spcBef>
-                <a:spcPts val="1200"/>
-              </a:spcBef>
-              <a:spcAft>
-                <a:spcPts val="0"/>
-              </a:spcAft>
-              <a:buNone/>
-            </a:pPr>
-            <a:r>
-              <a:rPr lang="en"/>
-              <a:t>-</a:t>
-            </a:r>
-            <a:r>
-              <a:rPr lang="en"/>
-              <a:t>createAdminUser()</a:t>
-            </a:r>
-            <a:endParaRPr/>
-          </a:p>
-          <a:p>
-            <a:pPr indent="0" lvl="0" marL="0" rtl="0" algn="l">
+            <a:pPr marL="0" lvl="0" indent="0" algn="l" rtl="0">
+              <a:spcBef>
+                <a:spcPts val="1200"/>
+              </a:spcBef>
+              <a:spcAft>
+                <a:spcPts val="0"/>
+              </a:spcAft>
+              <a:buNone/>
+            </a:pPr>
+            <a:r>
+              <a:rPr lang="en"/>
+              <a:t>-createAdminUser()</a:t>
+            </a:r>
+            <a:endParaRPr/>
+          </a:p>
+          <a:p>
+            <a:pPr marL="0" lvl="0" indent="0" algn="l" rtl="0">
               <a:spcBef>
                 <a:spcPts val="1200"/>
               </a:spcBef>
@@ -7624,16 +7848,12 @@
             </a:pPr>
             <a:r>
               <a:rPr lang="en"/>
-              <a:t>C</a:t>
-            </a:r>
-            <a:r>
-              <a:rPr lang="en"/>
-              <a:t>reates a new NonAdmin user with given username and password, and adds the user to HashMap.</a:t>
-            </a:r>
-            <a:endParaRPr/>
-          </a:p>
-          <a:p>
-            <a:pPr indent="0" lvl="0" marL="0" rtl="0" algn="l">
+              <a:t>Creates a new NonAdmin user with given username and password, and adds the user to HashMap.</a:t>
+            </a:r>
+            <a:endParaRPr/>
+          </a:p>
+          <a:p>
+            <a:pPr marL="0" lvl="0" indent="0" algn="l" rtl="0">
               <a:spcBef>
                 <a:spcPts val="1200"/>
               </a:spcBef>
@@ -7654,7 +7874,7 @@
             <a:endParaRPr/>
           </a:p>
           <a:p>
-            <a:pPr indent="0" lvl="0" marL="0" rtl="0" algn="l">
+            <a:pPr marL="0" lvl="0" indent="0" algn="l" rtl="0">
               <a:spcBef>
                 <a:spcPts val="1200"/>
               </a:spcBef>
@@ -7675,7 +7895,7 @@
             <a:endParaRPr/>
           </a:p>
           <a:p>
-            <a:pPr indent="0" lvl="0" marL="0" rtl="0" algn="l">
+            <a:pPr marL="0" lvl="0" indent="0" algn="l" rtl="0">
               <a:spcBef>
                 <a:spcPts val="1200"/>
               </a:spcBef>
@@ -7700,9 +7920,11 @@
       <p:sp>
         <p:nvSpPr>
           <p:cNvPr id="135" name="Google Shape;135;p23"/>
-          <p:cNvSpPr txBox="1"/>
+          <p:cNvSpPr txBox="1">
+            <a:spLocks noGrp="1"/>
+          </p:cNvSpPr>
           <p:nvPr>
-            <p:ph idx="2" type="body"/>
+            <p:ph type="body" idx="2"/>
           </p:nvPr>
         </p:nvSpPr>
         <p:spPr>
@@ -7715,12 +7937,12 @@
           </a:prstGeom>
         </p:spPr>
         <p:txBody>
-          <a:bodyPr anchorCtr="0" anchor="t" bIns="91425" lIns="91425" spcFirstLastPara="1" rIns="91425" wrap="square" tIns="91425">
+          <a:bodyPr spcFirstLastPara="1" wrap="square" lIns="91425" tIns="91425" rIns="91425" bIns="91425" anchor="t" anchorCtr="0">
             <a:normAutofit/>
           </a:bodyPr>
           <a:lstStyle/>
           <a:p>
-            <a:pPr indent="0" lvl="0" marL="0" rtl="0" algn="l">
+            <a:pPr marL="0" lvl="0" indent="0" algn="l" rtl="0">
               <a:spcBef>
                 <a:spcPts val="0"/>
               </a:spcBef>
@@ -7741,7 +7963,7 @@
             <a:endParaRPr/>
           </a:p>
           <a:p>
-            <a:pPr indent="0" lvl="0" marL="0" rtl="0" algn="l">
+            <a:pPr marL="0" lvl="0" indent="0" algn="l" rtl="0">
               <a:spcBef>
                 <a:spcPts val="1200"/>
               </a:spcBef>
@@ -7773,14 +7995,14 @@
             <a:avLst/>
           </a:prstGeom>
           <a:noFill/>
-          <a:ln cap="flat" cmpd="sng" w="9525">
+          <a:ln w="9525" cap="flat" cmpd="sng">
             <a:solidFill>
               <a:schemeClr val="dk2"/>
             </a:solidFill>
             <a:prstDash val="solid"/>
             <a:round/>
-            <a:headEnd len="med" w="med" type="none"/>
-            <a:tailEnd len="med" w="med" type="none"/>
+            <a:headEnd type="none" w="med" len="med"/>
+            <a:tailEnd type="none" w="med" len="med"/>
           </a:ln>
         </p:spPr>
       </p:cxnSp>
@@ -7793,18 +8015,19 @@
 </file>
 
 <file path=ppt/slides/slide12.xml><?xml version="1.0" encoding="utf-8"?>
-<p:sld xmlns:a="http://schemas.openxmlformats.org/drawingml/2006/main" xmlns:r="http://schemas.openxmlformats.org/officeDocument/2006/relationships" xmlns:mc="http://schemas.openxmlformats.org/markup-compatibility/2006" xmlns:mv="urn:schemas-microsoft-com:mac:vml" xmlns:p="http://schemas.openxmlformats.org/presentationml/2006/main" xmlns:c="http://schemas.openxmlformats.org/drawingml/2006/chart" xmlns:dgm="http://schemas.openxmlformats.org/drawingml/2006/diagram" xmlns:o="urn:schemas-microsoft-com:office:office" xmlns:v="urn:schemas-microsoft-com:vml" xmlns:pvml="urn:schemas-microsoft-com:office:powerpoint" xmlns:com="http://schemas.openxmlformats.org/drawingml/2006/compatibility" xmlns:p14="http://schemas.microsoft.com/office/powerpoint/2010/main" xmlns:p15="http://schemas.microsoft.com/office/powerpoint/2012/main" xmlns:ahyp="http://schemas.microsoft.com/office/drawing/2018/hyperlinkcolor">
+<p:sld xmlns:a="http://schemas.openxmlformats.org/drawingml/2006/main" xmlns:r="http://schemas.openxmlformats.org/officeDocument/2006/relationships" xmlns:p="http://schemas.openxmlformats.org/presentationml/2006/main">
   <p:cSld>
     <p:bg>
       <p:bgPr>
         <a:solidFill>
           <a:srgbClr val="EEFFFF"/>
         </a:solidFill>
+        <a:effectLst/>
       </p:bgPr>
     </p:bg>
     <p:spTree>
       <p:nvGrpSpPr>
-        <p:cNvPr id="140" name="Shape 140"/>
+        <p:cNvPr id="1" name="Shape 140"/>
         <p:cNvGrpSpPr/>
         <p:nvPr/>
       </p:nvGrpSpPr>
@@ -7819,7 +8042,9 @@
       <p:sp>
         <p:nvSpPr>
           <p:cNvPr id="141" name="Google Shape;141;p24"/>
-          <p:cNvSpPr txBox="1"/>
+          <p:cNvSpPr txBox="1">
+            <a:spLocks noGrp="1"/>
+          </p:cNvSpPr>
           <p:nvPr>
             <p:ph type="title"/>
           </p:nvPr>
@@ -7834,12 +8059,12 @@
           </a:prstGeom>
         </p:spPr>
         <p:txBody>
-          <a:bodyPr anchorCtr="0" anchor="t" bIns="91425" lIns="91425" spcFirstLastPara="1" rIns="91425" wrap="square" tIns="91425">
+          <a:bodyPr spcFirstLastPara="1" wrap="square" lIns="91425" tIns="91425" rIns="91425" bIns="91425" anchor="t" anchorCtr="0">
             <a:normAutofit fontScale="90000"/>
           </a:bodyPr>
           <a:lstStyle/>
           <a:p>
-            <a:pPr indent="0" lvl="0" marL="0" rtl="0" algn="ctr">
+            <a:pPr marL="0" lvl="0" indent="0" algn="ctr" rtl="0">
               <a:spcBef>
                 <a:spcPts val="0"/>
               </a:spcBef>
@@ -7859,9 +8084,11 @@
       <p:sp>
         <p:nvSpPr>
           <p:cNvPr id="142" name="Google Shape;142;p24"/>
-          <p:cNvSpPr txBox="1"/>
+          <p:cNvSpPr txBox="1">
+            <a:spLocks noGrp="1"/>
+          </p:cNvSpPr>
           <p:nvPr>
-            <p:ph idx="1" type="body"/>
+            <p:ph type="body" idx="1"/>
           </p:nvPr>
         </p:nvSpPr>
         <p:spPr>
@@ -7874,12 +8101,12 @@
           </a:prstGeom>
         </p:spPr>
         <p:txBody>
-          <a:bodyPr anchorCtr="0" anchor="t" bIns="91425" lIns="91425" spcFirstLastPara="1" rIns="91425" wrap="square" tIns="91425">
+          <a:bodyPr spcFirstLastPara="1" wrap="square" lIns="91425" tIns="91425" rIns="91425" bIns="91425" anchor="t" anchorCtr="0">
             <a:normAutofit lnSpcReduction="10000"/>
           </a:bodyPr>
           <a:lstStyle/>
           <a:p>
-            <a:pPr indent="0" lvl="0" marL="0" rtl="0" algn="l">
+            <a:pPr marL="0" lvl="0" indent="0" algn="l" rtl="0">
               <a:spcBef>
                 <a:spcPts val="0"/>
               </a:spcBef>
@@ -7895,27 +8122,23 @@
             <a:endParaRPr/>
           </a:p>
           <a:p>
-            <a:pPr indent="0" lvl="0" marL="0" rtl="0" algn="l">
-              <a:spcBef>
-                <a:spcPts val="1200"/>
-              </a:spcBef>
-              <a:spcAft>
-                <a:spcPts val="0"/>
-              </a:spcAft>
-              <a:buNone/>
-            </a:pPr>
-            <a:r>
-              <a:rPr lang="en"/>
-              <a:t>Read a user’s </a:t>
-            </a:r>
-            <a:r>
-              <a:rPr lang="en"/>
-              <a:t>history from UserHistory.csv and return an Arraylist of timestamps.</a:t>
-            </a:r>
-            <a:endParaRPr/>
-          </a:p>
-          <a:p>
-            <a:pPr indent="-317500" lvl="0" marL="457200" rtl="0" algn="l">
+            <a:pPr marL="0" lvl="0" indent="0" algn="l" rtl="0">
+              <a:spcBef>
+                <a:spcPts val="1200"/>
+              </a:spcBef>
+              <a:spcAft>
+                <a:spcPts val="0"/>
+              </a:spcAft>
+              <a:buNone/>
+            </a:pPr>
+            <a:r>
+              <a:rPr lang="en"/>
+              <a:t>Read a user’s history from UserHistory.csv and return an Arraylist of timestamps.</a:t>
+            </a:r>
+            <a:endParaRPr/>
+          </a:p>
+          <a:p>
+            <a:pPr marL="457200" lvl="0" indent="-317500" algn="l" rtl="0">
               <a:spcBef>
                 <a:spcPts val="1200"/>
               </a:spcBef>
@@ -7932,7 +8155,7 @@
             <a:endParaRPr/>
           </a:p>
           <a:p>
-            <a:pPr indent="0" lvl="0" marL="0" rtl="0" algn="l">
+            <a:pPr marL="0" lvl="0" indent="0" algn="l" rtl="0">
               <a:spcBef>
                 <a:spcPts val="1200"/>
               </a:spcBef>
@@ -7948,7 +8171,7 @@
             <a:endParaRPr/>
           </a:p>
           <a:p>
-            <a:pPr indent="-317500" lvl="0" marL="457200" rtl="0" algn="l">
+            <a:pPr marL="457200" lvl="0" indent="-317500" algn="l" rtl="0">
               <a:spcBef>
                 <a:spcPts val="1200"/>
               </a:spcBef>
@@ -7965,7 +8188,7 @@
             <a:endParaRPr/>
           </a:p>
           <a:p>
-            <a:pPr indent="0" lvl="0" marL="0" rtl="0" algn="l">
+            <a:pPr marL="0" lvl="0" indent="0" algn="l" rtl="0">
               <a:spcBef>
                 <a:spcPts val="1200"/>
               </a:spcBef>
@@ -7981,7 +8204,7 @@
             <a:endParaRPr/>
           </a:p>
           <a:p>
-            <a:pPr indent="-317500" lvl="0" marL="457200" rtl="0" algn="l">
+            <a:pPr marL="457200" lvl="0" indent="-317500" algn="l" rtl="0">
               <a:spcBef>
                 <a:spcPts val="1200"/>
               </a:spcBef>
@@ -7998,7 +8221,7 @@
             <a:endParaRPr/>
           </a:p>
           <a:p>
-            <a:pPr indent="0" lvl="0" marL="0" rtl="0" algn="l">
+            <a:pPr marL="0" lvl="0" indent="0" algn="l" rtl="0">
               <a:spcBef>
                 <a:spcPts val="1200"/>
               </a:spcBef>
@@ -8014,7 +8237,7 @@
             <a:endParaRPr/>
           </a:p>
           <a:p>
-            <a:pPr indent="-317500" lvl="0" marL="457200" rtl="0" algn="l">
+            <a:pPr marL="457200" lvl="0" indent="-317500" algn="l" rtl="0">
               <a:spcBef>
                 <a:spcPts val="1200"/>
               </a:spcBef>
@@ -8035,9 +8258,11 @@
       <p:sp>
         <p:nvSpPr>
           <p:cNvPr id="143" name="Google Shape;143;p24"/>
-          <p:cNvSpPr txBox="1"/>
+          <p:cNvSpPr txBox="1">
+            <a:spLocks noGrp="1"/>
+          </p:cNvSpPr>
           <p:nvPr>
-            <p:ph idx="2" type="body"/>
+            <p:ph type="body" idx="2"/>
           </p:nvPr>
         </p:nvSpPr>
         <p:spPr>
@@ -8050,12 +8275,12 @@
           </a:prstGeom>
         </p:spPr>
         <p:txBody>
-          <a:bodyPr anchorCtr="0" anchor="t" bIns="91425" lIns="91425" spcFirstLastPara="1" rIns="91425" wrap="square" tIns="91425">
+          <a:bodyPr spcFirstLastPara="1" wrap="square" lIns="91425" tIns="91425" rIns="91425" bIns="91425" anchor="t" anchorCtr="0">
             <a:normAutofit/>
           </a:bodyPr>
           <a:lstStyle/>
           <a:p>
-            <a:pPr indent="0" lvl="0" marL="0" rtl="0" algn="l">
+            <a:pPr marL="0" lvl="0" indent="0" algn="l" rtl="0">
               <a:spcBef>
                 <a:spcPts val="0"/>
               </a:spcBef>
@@ -8071,7 +8296,7 @@
             <a:endParaRPr/>
           </a:p>
           <a:p>
-            <a:pPr indent="0" lvl="0" marL="0" rtl="0" algn="l">
+            <a:pPr marL="0" lvl="0" indent="0" algn="l" rtl="0">
               <a:spcBef>
                 <a:spcPts val="1200"/>
               </a:spcBef>
@@ -8087,18 +8312,15 @@
             <a:endParaRPr/>
           </a:p>
           <a:p>
-            <a:pPr indent="0" lvl="0" marL="0" rtl="0" algn="l">
-              <a:spcBef>
-                <a:spcPts val="1200"/>
-              </a:spcBef>
-              <a:spcAft>
-                <a:spcPts val="1200"/>
-              </a:spcAft>
-              <a:buNone/>
-            </a:pPr>
-            <a:r>
-              <a:t/>
-            </a:r>
+            <a:pPr marL="0" lvl="0" indent="0" algn="l" rtl="0">
+              <a:spcBef>
+                <a:spcPts val="1200"/>
+              </a:spcBef>
+              <a:spcAft>
+                <a:spcPts val="1200"/>
+              </a:spcAft>
+              <a:buNone/>
+            </a:pPr>
             <a:endParaRPr/>
           </a:p>
         </p:txBody>
@@ -8118,14 +8340,14 @@
             <a:avLst/>
           </a:prstGeom>
           <a:noFill/>
-          <a:ln cap="flat" cmpd="sng" w="9525">
+          <a:ln w="9525" cap="flat" cmpd="sng">
             <a:solidFill>
               <a:schemeClr val="dk2"/>
             </a:solidFill>
             <a:prstDash val="solid"/>
             <a:round/>
-            <a:headEnd len="med" w="med" type="none"/>
-            <a:tailEnd len="med" w="med" type="none"/>
+            <a:headEnd type="none" w="med" len="med"/>
+            <a:tailEnd type="none" w="med" len="med"/>
           </a:ln>
         </p:spPr>
       </p:cxnSp>
@@ -8138,18 +8360,19 @@
 </file>
 
 <file path=ppt/slides/slide13.xml><?xml version="1.0" encoding="utf-8"?>
-<p:sld xmlns:a="http://schemas.openxmlformats.org/drawingml/2006/main" xmlns:r="http://schemas.openxmlformats.org/officeDocument/2006/relationships" xmlns:mc="http://schemas.openxmlformats.org/markup-compatibility/2006" xmlns:mv="urn:schemas-microsoft-com:mac:vml" xmlns:p="http://schemas.openxmlformats.org/presentationml/2006/main" xmlns:c="http://schemas.openxmlformats.org/drawingml/2006/chart" xmlns:dgm="http://schemas.openxmlformats.org/drawingml/2006/diagram" xmlns:o="urn:schemas-microsoft-com:office:office" xmlns:v="urn:schemas-microsoft-com:vml" xmlns:pvml="urn:schemas-microsoft-com:office:powerpoint" xmlns:com="http://schemas.openxmlformats.org/drawingml/2006/compatibility" xmlns:p14="http://schemas.microsoft.com/office/powerpoint/2010/main" xmlns:p15="http://schemas.microsoft.com/office/powerpoint/2012/main" xmlns:ahyp="http://schemas.microsoft.com/office/drawing/2018/hyperlinkcolor">
+<p:sld xmlns:a="http://schemas.openxmlformats.org/drawingml/2006/main" xmlns:r="http://schemas.openxmlformats.org/officeDocument/2006/relationships" xmlns:p="http://schemas.openxmlformats.org/presentationml/2006/main">
   <p:cSld>
     <p:bg>
       <p:bgPr>
         <a:solidFill>
           <a:schemeClr val="lt2"/>
         </a:solidFill>
+        <a:effectLst/>
       </p:bgPr>
     </p:bg>
     <p:spTree>
       <p:nvGrpSpPr>
-        <p:cNvPr id="148" name="Shape 148"/>
+        <p:cNvPr id="1" name="Shape 148"/>
         <p:cNvGrpSpPr/>
         <p:nvPr/>
       </p:nvGrpSpPr>
@@ -8164,7 +8387,9 @@
       <p:sp>
         <p:nvSpPr>
           <p:cNvPr id="149" name="Google Shape;149;p25"/>
-          <p:cNvSpPr txBox="1"/>
+          <p:cNvSpPr txBox="1">
+            <a:spLocks noGrp="1"/>
+          </p:cNvSpPr>
           <p:nvPr>
             <p:ph type="title"/>
           </p:nvPr>
@@ -8179,12 +8404,12 @@
           </a:prstGeom>
         </p:spPr>
         <p:txBody>
-          <a:bodyPr anchorCtr="0" anchor="t" bIns="91425" lIns="91425" spcFirstLastPara="1" rIns="91425" wrap="square" tIns="91425">
+          <a:bodyPr spcFirstLastPara="1" wrap="square" lIns="91425" tIns="91425" rIns="91425" bIns="91425" anchor="t" anchorCtr="0">
             <a:normAutofit fontScale="90000"/>
           </a:bodyPr>
           <a:lstStyle/>
           <a:p>
-            <a:pPr indent="0" lvl="0" marL="0" rtl="0" algn="ctr">
+            <a:pPr marL="0" lvl="0" indent="0" algn="ctr" rtl="0">
               <a:spcBef>
                 <a:spcPts val="0"/>
               </a:spcBef>
@@ -8204,9 +8429,11 @@
       <p:sp>
         <p:nvSpPr>
           <p:cNvPr id="150" name="Google Shape;150;p25"/>
-          <p:cNvSpPr txBox="1"/>
+          <p:cNvSpPr txBox="1">
+            <a:spLocks noGrp="1"/>
+          </p:cNvSpPr>
           <p:nvPr>
-            <p:ph idx="1" type="body"/>
+            <p:ph type="body" idx="1"/>
           </p:nvPr>
         </p:nvSpPr>
         <p:spPr>
@@ -8219,12 +8446,12 @@
           </a:prstGeom>
         </p:spPr>
         <p:txBody>
-          <a:bodyPr anchorCtr="0" anchor="t" bIns="91425" lIns="91425" spcFirstLastPara="1" rIns="91425" wrap="square" tIns="91425">
+          <a:bodyPr spcFirstLastPara="1" wrap="square" lIns="91425" tIns="91425" rIns="91425" bIns="91425" anchor="t" anchorCtr="0">
             <a:normAutofit/>
           </a:bodyPr>
           <a:lstStyle/>
           <a:p>
-            <a:pPr indent="0" lvl="0" marL="0" rtl="0" algn="l">
+            <a:pPr marL="0" lvl="0" indent="0" algn="l" rtl="0">
               <a:spcBef>
                 <a:spcPts val="0"/>
               </a:spcBef>
@@ -8240,31 +8467,23 @@
             <a:endParaRPr/>
           </a:p>
           <a:p>
-            <a:pPr indent="0" lvl="0" marL="0" rtl="0" algn="l">
-              <a:spcBef>
-                <a:spcPts val="1200"/>
-              </a:spcBef>
-              <a:spcAft>
-                <a:spcPts val="0"/>
-              </a:spcAft>
-              <a:buNone/>
-            </a:pPr>
-            <a:r>
-              <a:rPr lang="en"/>
-              <a:t>Getter for the user </a:t>
-            </a:r>
-            <a:r>
-              <a:rPr lang="en"/>
-              <a:t>associated</a:t>
-            </a:r>
-            <a:r>
-              <a:rPr lang="en"/>
-              <a:t> with a username</a:t>
-            </a:r>
-            <a:endParaRPr/>
-          </a:p>
-          <a:p>
-            <a:pPr indent="-317500" lvl="0" marL="457200" rtl="0" algn="l">
+            <a:pPr marL="0" lvl="0" indent="0" algn="l" rtl="0">
+              <a:spcBef>
+                <a:spcPts val="1200"/>
+              </a:spcBef>
+              <a:spcAft>
+                <a:spcPts val="0"/>
+              </a:spcAft>
+              <a:buNone/>
+            </a:pPr>
+            <a:r>
+              <a:rPr lang="en"/>
+              <a:t>Getter for the user associated with a username</a:t>
+            </a:r>
+            <a:endParaRPr/>
+          </a:p>
+          <a:p>
+            <a:pPr marL="457200" lvl="0" indent="-317500" algn="l" rtl="0">
               <a:spcBef>
                 <a:spcPts val="1200"/>
               </a:spcBef>
@@ -8285,9 +8504,11 @@
       <p:sp>
         <p:nvSpPr>
           <p:cNvPr id="151" name="Google Shape;151;p25"/>
-          <p:cNvSpPr txBox="1"/>
+          <p:cNvSpPr txBox="1">
+            <a:spLocks noGrp="1"/>
+          </p:cNvSpPr>
           <p:nvPr>
-            <p:ph idx="2" type="body"/>
+            <p:ph type="body" idx="2"/>
           </p:nvPr>
         </p:nvSpPr>
         <p:spPr>
@@ -8300,12 +8521,12 @@
           </a:prstGeom>
         </p:spPr>
         <p:txBody>
-          <a:bodyPr anchorCtr="0" anchor="t" bIns="91425" lIns="91425" spcFirstLastPara="1" rIns="91425" wrap="square" tIns="91425">
+          <a:bodyPr spcFirstLastPara="1" wrap="square" lIns="91425" tIns="91425" rIns="91425" bIns="91425" anchor="t" anchorCtr="0">
             <a:normAutofit/>
           </a:bodyPr>
           <a:lstStyle/>
           <a:p>
-            <a:pPr indent="0" lvl="0" marL="0" rtl="0" algn="l">
+            <a:pPr marL="0" lvl="0" indent="0" algn="l" rtl="0">
               <a:spcBef>
                 <a:spcPts val="0"/>
               </a:spcBef>
@@ -8325,9 +8546,11 @@
       <p:sp>
         <p:nvSpPr>
           <p:cNvPr id="152" name="Google Shape;152;p25"/>
-          <p:cNvSpPr txBox="1"/>
+          <p:cNvSpPr txBox="1">
+            <a:spLocks noGrp="1"/>
+          </p:cNvSpPr>
           <p:nvPr>
-            <p:ph idx="2" type="body"/>
+            <p:ph type="body" idx="2"/>
           </p:nvPr>
         </p:nvSpPr>
         <p:spPr>
@@ -8340,12 +8563,12 @@
           </a:prstGeom>
         </p:spPr>
         <p:txBody>
-          <a:bodyPr anchorCtr="0" anchor="t" bIns="91425" lIns="91425" spcFirstLastPara="1" rIns="91425" wrap="square" tIns="91425">
+          <a:bodyPr spcFirstLastPara="1" wrap="square" lIns="91425" tIns="91425" rIns="91425" bIns="91425" anchor="t" anchorCtr="0">
             <a:normAutofit/>
           </a:bodyPr>
           <a:lstStyle/>
           <a:p>
-            <a:pPr indent="0" lvl="0" marL="0" rtl="0" algn="l">
+            <a:pPr marL="0" lvl="0" indent="0" algn="l" rtl="0">
               <a:spcBef>
                 <a:spcPts val="0"/>
               </a:spcBef>
@@ -8377,14 +8600,14 @@
             <a:avLst/>
           </a:prstGeom>
           <a:noFill/>
-          <a:ln cap="flat" cmpd="sng" w="9525">
+          <a:ln w="9525" cap="flat" cmpd="sng">
             <a:solidFill>
               <a:schemeClr val="dk2"/>
             </a:solidFill>
             <a:prstDash val="solid"/>
             <a:round/>
-            <a:headEnd len="med" w="med" type="none"/>
-            <a:tailEnd len="med" w="med" type="none"/>
+            <a:headEnd type="none" w="med" len="med"/>
+            <a:tailEnd type="none" w="med" len="med"/>
           </a:ln>
         </p:spPr>
       </p:cxnSp>
@@ -8397,18 +8620,19 @@
 </file>
 
 <file path=ppt/slides/slide14.xml><?xml version="1.0" encoding="utf-8"?>
-<p:sld xmlns:a="http://schemas.openxmlformats.org/drawingml/2006/main" xmlns:r="http://schemas.openxmlformats.org/officeDocument/2006/relationships" xmlns:mc="http://schemas.openxmlformats.org/markup-compatibility/2006" xmlns:mv="urn:schemas-microsoft-com:mac:vml" xmlns:p="http://schemas.openxmlformats.org/presentationml/2006/main" xmlns:c="http://schemas.openxmlformats.org/drawingml/2006/chart" xmlns:dgm="http://schemas.openxmlformats.org/drawingml/2006/diagram" xmlns:o="urn:schemas-microsoft-com:office:office" xmlns:v="urn:schemas-microsoft-com:vml" xmlns:pvml="urn:schemas-microsoft-com:office:powerpoint" xmlns:com="http://schemas.openxmlformats.org/drawingml/2006/compatibility" xmlns:p14="http://schemas.microsoft.com/office/powerpoint/2010/main" xmlns:p15="http://schemas.microsoft.com/office/powerpoint/2012/main" xmlns:ahyp="http://schemas.microsoft.com/office/drawing/2018/hyperlinkcolor">
+<p:sld xmlns:a="http://schemas.openxmlformats.org/drawingml/2006/main" xmlns:r="http://schemas.openxmlformats.org/officeDocument/2006/relationships" xmlns:p="http://schemas.openxmlformats.org/presentationml/2006/main">
   <p:cSld>
     <p:bg>
       <p:bgPr>
         <a:solidFill>
           <a:schemeClr val="lt2"/>
         </a:solidFill>
+        <a:effectLst/>
       </p:bgPr>
     </p:bg>
     <p:spTree>
       <p:nvGrpSpPr>
-        <p:cNvPr id="157" name="Shape 157"/>
+        <p:cNvPr id="1" name="Shape 157"/>
         <p:cNvGrpSpPr/>
         <p:nvPr/>
       </p:nvGrpSpPr>
@@ -8423,7 +8647,9 @@
       <p:sp>
         <p:nvSpPr>
           <p:cNvPr id="158" name="Google Shape;158;p26"/>
-          <p:cNvSpPr txBox="1"/>
+          <p:cNvSpPr txBox="1">
+            <a:spLocks noGrp="1"/>
+          </p:cNvSpPr>
           <p:nvPr>
             <p:ph type="title"/>
           </p:nvPr>
@@ -8438,12 +8664,12 @@
           </a:prstGeom>
         </p:spPr>
         <p:txBody>
-          <a:bodyPr anchorCtr="0" anchor="t" bIns="91425" lIns="91425" spcFirstLastPara="1" rIns="91425" wrap="square" tIns="91425">
+          <a:bodyPr spcFirstLastPara="1" wrap="square" lIns="91425" tIns="91425" rIns="91425" bIns="91425" anchor="t" anchorCtr="0">
             <a:normAutofit fontScale="90000"/>
           </a:bodyPr>
           <a:lstStyle/>
           <a:p>
-            <a:pPr indent="0" lvl="0" marL="0" rtl="0" algn="ctr">
+            <a:pPr marL="0" lvl="0" indent="0" algn="ctr" rtl="0">
               <a:spcBef>
                 <a:spcPts val="0"/>
               </a:spcBef>
@@ -8463,9 +8689,11 @@
       <p:sp>
         <p:nvSpPr>
           <p:cNvPr id="159" name="Google Shape;159;p26"/>
-          <p:cNvSpPr txBox="1"/>
+          <p:cNvSpPr txBox="1">
+            <a:spLocks noGrp="1"/>
+          </p:cNvSpPr>
           <p:nvPr>
-            <p:ph idx="1" type="body"/>
+            <p:ph type="body" idx="1"/>
           </p:nvPr>
         </p:nvSpPr>
         <p:spPr>
@@ -8478,12 +8706,12 @@
           </a:prstGeom>
         </p:spPr>
         <p:txBody>
-          <a:bodyPr anchorCtr="0" anchor="t" bIns="91425" lIns="91425" spcFirstLastPara="1" rIns="91425" wrap="square" tIns="91425">
+          <a:bodyPr spcFirstLastPara="1" wrap="square" lIns="91425" tIns="91425" rIns="91425" bIns="91425" anchor="t" anchorCtr="0">
             <a:normAutofit fontScale="62500" lnSpcReduction="20000"/>
           </a:bodyPr>
           <a:lstStyle/>
           <a:p>
-            <a:pPr indent="0" lvl="0" marL="0" rtl="0" algn="l">
+            <a:pPr marL="0" lvl="0" indent="0" algn="l" rtl="0">
               <a:spcBef>
                 <a:spcPts val="0"/>
               </a:spcBef>
@@ -8499,7 +8727,7 @@
             <a:endParaRPr/>
           </a:p>
           <a:p>
-            <a:pPr indent="0" lvl="0" marL="0" rtl="0" algn="l">
+            <a:pPr marL="0" lvl="0" indent="0" algn="l" rtl="0">
               <a:spcBef>
                 <a:spcPts val="1200"/>
               </a:spcBef>
@@ -8515,7 +8743,7 @@
             <a:endParaRPr/>
           </a:p>
           <a:p>
-            <a:pPr indent="0" lvl="0" marL="0" rtl="0" algn="l">
+            <a:pPr marL="0" lvl="0" indent="0" algn="l" rtl="0">
               <a:spcBef>
                 <a:spcPts val="1200"/>
               </a:spcBef>
@@ -8531,7 +8759,7 @@
             <a:endParaRPr/>
           </a:p>
           <a:p>
-            <a:pPr indent="0" lvl="0" marL="0" rtl="0" algn="l">
+            <a:pPr marL="0" lvl="0" indent="0" algn="l" rtl="0">
               <a:spcBef>
                 <a:spcPts val="1200"/>
               </a:spcBef>
@@ -8552,7 +8780,7 @@
             <a:endParaRPr/>
           </a:p>
           <a:p>
-            <a:pPr indent="0" lvl="0" marL="0" rtl="0" algn="l">
+            <a:pPr marL="0" lvl="0" indent="0" algn="l" rtl="0">
               <a:spcBef>
                 <a:spcPts val="1200"/>
               </a:spcBef>
@@ -8568,7 +8796,7 @@
             <a:endParaRPr/>
           </a:p>
           <a:p>
-            <a:pPr indent="-284162" lvl="0" marL="457200" rtl="0" algn="l">
+            <a:pPr marL="457200" lvl="0" indent="-284162" algn="l" rtl="0">
               <a:spcBef>
                 <a:spcPts val="1200"/>
               </a:spcBef>
@@ -8585,7 +8813,7 @@
             <a:endParaRPr/>
           </a:p>
           <a:p>
-            <a:pPr indent="0" lvl="0" marL="0" rtl="0" algn="l">
+            <a:pPr marL="0" lvl="0" indent="0" algn="l" rtl="0">
               <a:spcBef>
                 <a:spcPts val="1200"/>
               </a:spcBef>
@@ -8601,7 +8829,7 @@
             <a:endParaRPr/>
           </a:p>
           <a:p>
-            <a:pPr indent="-284162" lvl="0" marL="457200" rtl="0" algn="l">
+            <a:pPr marL="457200" lvl="0" indent="-284162" algn="l" rtl="0">
               <a:spcBef>
                 <a:spcPts val="1200"/>
               </a:spcBef>
@@ -8618,7 +8846,7 @@
             <a:endParaRPr/>
           </a:p>
           <a:p>
-            <a:pPr indent="0" lvl="0" marL="0" rtl="0" algn="l">
+            <a:pPr marL="0" lvl="0" indent="0" algn="l" rtl="0">
               <a:spcBef>
                 <a:spcPts val="1200"/>
               </a:spcBef>
@@ -8634,7 +8862,7 @@
             <a:endParaRPr/>
           </a:p>
           <a:p>
-            <a:pPr indent="-284162" lvl="0" marL="457200" rtl="0" algn="l">
+            <a:pPr marL="457200" lvl="0" indent="-284162" algn="l" rtl="0">
               <a:spcBef>
                 <a:spcPts val="1200"/>
               </a:spcBef>
@@ -8651,7 +8879,7 @@
             <a:endParaRPr/>
           </a:p>
           <a:p>
-            <a:pPr indent="0" lvl="0" marL="0" rtl="0" algn="l">
+            <a:pPr marL="0" lvl="0" indent="0" algn="l" rtl="0">
               <a:spcBef>
                 <a:spcPts val="1200"/>
               </a:spcBef>
@@ -8667,7 +8895,7 @@
             <a:endParaRPr/>
           </a:p>
           <a:p>
-            <a:pPr indent="-284162" lvl="0" marL="457200" rtl="0" algn="l">
+            <a:pPr marL="457200" lvl="0" indent="-284162" algn="l" rtl="0">
               <a:spcBef>
                 <a:spcPts val="1200"/>
               </a:spcBef>
@@ -8688,9 +8916,11 @@
       <p:sp>
         <p:nvSpPr>
           <p:cNvPr id="160" name="Google Shape;160;p26"/>
-          <p:cNvSpPr txBox="1"/>
+          <p:cNvSpPr txBox="1">
+            <a:spLocks noGrp="1"/>
+          </p:cNvSpPr>
           <p:nvPr>
-            <p:ph idx="2" type="body"/>
+            <p:ph type="body" idx="2"/>
           </p:nvPr>
         </p:nvSpPr>
         <p:spPr>
@@ -8703,12 +8933,12 @@
           </a:prstGeom>
         </p:spPr>
         <p:txBody>
-          <a:bodyPr anchorCtr="0" anchor="t" bIns="91425" lIns="91425" spcFirstLastPara="1" rIns="91425" wrap="square" tIns="91425">
+          <a:bodyPr spcFirstLastPara="1" wrap="square" lIns="91425" tIns="91425" rIns="91425" bIns="91425" anchor="t" anchorCtr="0">
             <a:normAutofit fontScale="92500"/>
           </a:bodyPr>
           <a:lstStyle/>
           <a:p>
-            <a:pPr indent="0" lvl="0" marL="0" rtl="0" algn="l">
+            <a:pPr marL="0" lvl="0" indent="0" algn="l" rtl="0">
               <a:spcBef>
                 <a:spcPts val="0"/>
               </a:spcBef>
@@ -8740,14 +8970,14 @@
             <a:avLst/>
           </a:prstGeom>
           <a:noFill/>
-          <a:ln cap="flat" cmpd="sng" w="9525">
+          <a:ln w="9525" cap="flat" cmpd="sng">
             <a:solidFill>
               <a:schemeClr val="dk2"/>
             </a:solidFill>
             <a:prstDash val="solid"/>
             <a:round/>
-            <a:headEnd len="med" w="med" type="none"/>
-            <a:tailEnd len="med" w="med" type="none"/>
+            <a:headEnd type="none" w="med" len="med"/>
+            <a:tailEnd type="none" w="med" len="med"/>
           </a:ln>
         </p:spPr>
       </p:cxnSp>
@@ -8760,18 +8990,19 @@
 </file>
 
 <file path=ppt/slides/slide15.xml><?xml version="1.0" encoding="utf-8"?>
-<p:sld xmlns:a="http://schemas.openxmlformats.org/drawingml/2006/main" xmlns:r="http://schemas.openxmlformats.org/officeDocument/2006/relationships" xmlns:mc="http://schemas.openxmlformats.org/markup-compatibility/2006" xmlns:mv="urn:schemas-microsoft-com:mac:vml" xmlns:p="http://schemas.openxmlformats.org/presentationml/2006/main" xmlns:c="http://schemas.openxmlformats.org/drawingml/2006/chart" xmlns:dgm="http://schemas.openxmlformats.org/drawingml/2006/diagram" xmlns:o="urn:schemas-microsoft-com:office:office" xmlns:v="urn:schemas-microsoft-com:vml" xmlns:pvml="urn:schemas-microsoft-com:office:powerpoint" xmlns:com="http://schemas.openxmlformats.org/drawingml/2006/compatibility" xmlns:p14="http://schemas.microsoft.com/office/powerpoint/2010/main" xmlns:p15="http://schemas.microsoft.com/office/powerpoint/2012/main" xmlns:ahyp="http://schemas.microsoft.com/office/drawing/2018/hyperlinkcolor">
+<p:sld xmlns:a="http://schemas.openxmlformats.org/drawingml/2006/main" xmlns:r="http://schemas.openxmlformats.org/officeDocument/2006/relationships" xmlns:p="http://schemas.openxmlformats.org/presentationml/2006/main">
   <p:cSld>
     <p:bg>
       <p:bgPr>
         <a:solidFill>
           <a:schemeClr val="lt2"/>
         </a:solidFill>
+        <a:effectLst/>
       </p:bgPr>
     </p:bg>
     <p:spTree>
       <p:nvGrpSpPr>
-        <p:cNvPr id="165" name="Shape 165"/>
+        <p:cNvPr id="1" name="Shape 165"/>
         <p:cNvGrpSpPr/>
         <p:nvPr/>
       </p:nvGrpSpPr>
@@ -8786,7 +9017,9 @@
       <p:sp>
         <p:nvSpPr>
           <p:cNvPr id="166" name="Google Shape;166;p27"/>
-          <p:cNvSpPr txBox="1"/>
+          <p:cNvSpPr txBox="1">
+            <a:spLocks noGrp="1"/>
+          </p:cNvSpPr>
           <p:nvPr>
             <p:ph type="title"/>
           </p:nvPr>
@@ -8801,12 +9034,12 @@
           </a:prstGeom>
         </p:spPr>
         <p:txBody>
-          <a:bodyPr anchorCtr="0" anchor="t" bIns="91425" lIns="91425" spcFirstLastPara="1" rIns="91425" wrap="square" tIns="91425">
+          <a:bodyPr spcFirstLastPara="1" wrap="square" lIns="91425" tIns="91425" rIns="91425" bIns="91425" anchor="t" anchorCtr="0">
             <a:normAutofit fontScale="90000"/>
           </a:bodyPr>
           <a:lstStyle/>
           <a:p>
-            <a:pPr indent="0" lvl="0" marL="0" rtl="0" algn="ctr">
+            <a:pPr marL="0" lvl="0" indent="0" algn="ctr" rtl="0">
               <a:spcBef>
                 <a:spcPts val="0"/>
               </a:spcBef>
@@ -8826,9 +9059,11 @@
       <p:sp>
         <p:nvSpPr>
           <p:cNvPr id="167" name="Google Shape;167;p27"/>
-          <p:cNvSpPr txBox="1"/>
+          <p:cNvSpPr txBox="1">
+            <a:spLocks noGrp="1"/>
+          </p:cNvSpPr>
           <p:nvPr>
-            <p:ph idx="1" type="body"/>
+            <p:ph type="body" idx="1"/>
           </p:nvPr>
         </p:nvSpPr>
         <p:spPr>
@@ -8841,12 +9076,12 @@
           </a:prstGeom>
         </p:spPr>
         <p:txBody>
-          <a:bodyPr anchorCtr="0" anchor="t" bIns="91425" lIns="91425" spcFirstLastPara="1" rIns="91425" wrap="square" tIns="91425">
+          <a:bodyPr spcFirstLastPara="1" wrap="square" lIns="91425" tIns="91425" rIns="91425" bIns="91425" anchor="t" anchorCtr="0">
             <a:normAutofit/>
           </a:bodyPr>
           <a:lstStyle/>
           <a:p>
-            <a:pPr indent="0" lvl="0" marL="0" rtl="0" algn="l">
+            <a:pPr marL="0" lvl="0" indent="0" algn="l" rtl="0">
               <a:spcBef>
                 <a:spcPts val="0"/>
               </a:spcBef>
@@ -8862,7 +9097,7 @@
             <a:endParaRPr/>
           </a:p>
           <a:p>
-            <a:pPr indent="-317500" lvl="0" marL="457200" rtl="0" algn="l">
+            <a:pPr marL="457200" lvl="0" indent="-317500" algn="l" rtl="0">
               <a:spcBef>
                 <a:spcPts val="1200"/>
               </a:spcBef>
@@ -8879,22 +9114,19 @@
             <a:endParaRPr/>
           </a:p>
           <a:p>
-            <a:pPr indent="0" lvl="0" marL="0" rtl="0" algn="l">
-              <a:spcBef>
-                <a:spcPts val="1200"/>
-              </a:spcBef>
-              <a:spcAft>
-                <a:spcPts val="0"/>
-              </a:spcAft>
-              <a:buNone/>
-            </a:pPr>
-            <a:r>
-              <a:t/>
-            </a:r>
-            <a:endParaRPr/>
-          </a:p>
-          <a:p>
-            <a:pPr indent="-317500" lvl="0" marL="457200" rtl="0" algn="l">
+            <a:pPr marL="0" lvl="0" indent="0" algn="l" rtl="0">
+              <a:spcBef>
+                <a:spcPts val="1200"/>
+              </a:spcBef>
+              <a:spcAft>
+                <a:spcPts val="0"/>
+              </a:spcAft>
+              <a:buNone/>
+            </a:pPr>
+            <a:endParaRPr/>
+          </a:p>
+          <a:p>
+            <a:pPr marL="457200" lvl="0" indent="-317500" algn="l" rtl="0">
               <a:spcBef>
                 <a:spcPts val="1200"/>
               </a:spcBef>
@@ -8915,9 +9147,11 @@
       <p:sp>
         <p:nvSpPr>
           <p:cNvPr id="168" name="Google Shape;168;p27"/>
-          <p:cNvSpPr txBox="1"/>
+          <p:cNvSpPr txBox="1">
+            <a:spLocks noGrp="1"/>
+          </p:cNvSpPr>
           <p:nvPr>
-            <p:ph idx="2" type="body"/>
+            <p:ph type="body" idx="2"/>
           </p:nvPr>
         </p:nvSpPr>
         <p:spPr>
@@ -8930,23 +9164,20 @@
           </a:prstGeom>
         </p:spPr>
         <p:txBody>
-          <a:bodyPr anchorCtr="0" anchor="t" bIns="91425" lIns="91425" spcFirstLastPara="1" rIns="91425" wrap="square" tIns="91425">
+          <a:bodyPr spcFirstLastPara="1" wrap="square" lIns="91425" tIns="91425" rIns="91425" bIns="91425" anchor="t" anchorCtr="0">
             <a:normAutofit/>
           </a:bodyPr>
           <a:lstStyle/>
           <a:p>
-            <a:pPr indent="0" lvl="0" marL="0" rtl="0" algn="l">
-              <a:spcBef>
-                <a:spcPts val="0"/>
-              </a:spcBef>
-              <a:spcAft>
-                <a:spcPts val="1200"/>
-              </a:spcAft>
-              <a:buNone/>
-            </a:pPr>
-            <a:r>
-              <a:t/>
-            </a:r>
+            <a:pPr marL="0" lvl="0" indent="0" algn="l" rtl="0">
+              <a:spcBef>
+                <a:spcPts val="0"/>
+              </a:spcBef>
+              <a:spcAft>
+                <a:spcPts val="1200"/>
+              </a:spcAft>
+              <a:buNone/>
+            </a:pPr>
             <a:endParaRPr/>
           </a:p>
         </p:txBody>
@@ -8954,9 +9185,11 @@
       <p:sp>
         <p:nvSpPr>
           <p:cNvPr id="169" name="Google Shape;169;p27"/>
-          <p:cNvSpPr txBox="1"/>
+          <p:cNvSpPr txBox="1">
+            <a:spLocks noGrp="1"/>
+          </p:cNvSpPr>
           <p:nvPr>
-            <p:ph idx="2" type="body"/>
+            <p:ph type="body" idx="2"/>
           </p:nvPr>
         </p:nvSpPr>
         <p:spPr>
@@ -8969,12 +9202,12 @@
           </a:prstGeom>
         </p:spPr>
         <p:txBody>
-          <a:bodyPr anchorCtr="0" anchor="t" bIns="91425" lIns="91425" spcFirstLastPara="1" rIns="91425" wrap="square" tIns="91425">
+          <a:bodyPr spcFirstLastPara="1" wrap="square" lIns="91425" tIns="91425" rIns="91425" bIns="91425" anchor="t" anchorCtr="0">
             <a:normAutofit fontScale="92500"/>
           </a:bodyPr>
           <a:lstStyle/>
           <a:p>
-            <a:pPr indent="0" lvl="0" marL="0" rtl="0" algn="l">
+            <a:pPr marL="0" lvl="0" indent="0" algn="l" rtl="0">
               <a:spcBef>
                 <a:spcPts val="0"/>
               </a:spcBef>
@@ -9006,14 +9239,14 @@
             <a:avLst/>
           </a:prstGeom>
           <a:noFill/>
-          <a:ln cap="flat" cmpd="sng" w="9525">
+          <a:ln w="9525" cap="flat" cmpd="sng">
             <a:solidFill>
               <a:schemeClr val="dk2"/>
             </a:solidFill>
             <a:prstDash val="solid"/>
             <a:round/>
-            <a:headEnd len="med" w="med" type="none"/>
-            <a:tailEnd len="med" w="med" type="none"/>
+            <a:headEnd type="none" w="med" len="med"/>
+            <a:tailEnd type="none" w="med" len="med"/>
           </a:ln>
         </p:spPr>
       </p:cxnSp>
@@ -9026,18 +9259,19 @@
 </file>
 
 <file path=ppt/slides/slide16.xml><?xml version="1.0" encoding="utf-8"?>
-<p:sld xmlns:a="http://schemas.openxmlformats.org/drawingml/2006/main" xmlns:r="http://schemas.openxmlformats.org/officeDocument/2006/relationships" xmlns:mc="http://schemas.openxmlformats.org/markup-compatibility/2006" xmlns:mv="urn:schemas-microsoft-com:mac:vml" xmlns:p="http://schemas.openxmlformats.org/presentationml/2006/main" xmlns:c="http://schemas.openxmlformats.org/drawingml/2006/chart" xmlns:dgm="http://schemas.openxmlformats.org/drawingml/2006/diagram" xmlns:o="urn:schemas-microsoft-com:office:office" xmlns:v="urn:schemas-microsoft-com:vml" xmlns:pvml="urn:schemas-microsoft-com:office:powerpoint" xmlns:com="http://schemas.openxmlformats.org/drawingml/2006/compatibility" xmlns:p14="http://schemas.microsoft.com/office/powerpoint/2010/main" xmlns:p15="http://schemas.microsoft.com/office/powerpoint/2012/main" xmlns:ahyp="http://schemas.microsoft.com/office/drawing/2018/hyperlinkcolor">
+<p:sld xmlns:a="http://schemas.openxmlformats.org/drawingml/2006/main" xmlns:r="http://schemas.openxmlformats.org/officeDocument/2006/relationships" xmlns:p="http://schemas.openxmlformats.org/presentationml/2006/main">
   <p:cSld>
     <p:bg>
       <p:bgPr>
         <a:solidFill>
           <a:schemeClr val="lt2"/>
         </a:solidFill>
+        <a:effectLst/>
       </p:bgPr>
     </p:bg>
     <p:spTree>
       <p:nvGrpSpPr>
-        <p:cNvPr id="174" name="Shape 174"/>
+        <p:cNvPr id="1" name="Shape 174"/>
         <p:cNvGrpSpPr/>
         <p:nvPr/>
       </p:nvGrpSpPr>
@@ -9052,7 +9286,9 @@
       <p:sp>
         <p:nvSpPr>
           <p:cNvPr id="175" name="Google Shape;175;p28"/>
-          <p:cNvSpPr txBox="1"/>
+          <p:cNvSpPr txBox="1">
+            <a:spLocks noGrp="1"/>
+          </p:cNvSpPr>
           <p:nvPr>
             <p:ph type="title"/>
           </p:nvPr>
@@ -9067,12 +9303,12 @@
           </a:prstGeom>
         </p:spPr>
         <p:txBody>
-          <a:bodyPr anchorCtr="0" anchor="t" bIns="91425" lIns="91425" spcFirstLastPara="1" rIns="91425" wrap="square" tIns="91425">
+          <a:bodyPr spcFirstLastPara="1" wrap="square" lIns="91425" tIns="91425" rIns="91425" bIns="91425" anchor="t" anchorCtr="0">
             <a:normAutofit fontScale="90000"/>
           </a:bodyPr>
           <a:lstStyle/>
           <a:p>
-            <a:pPr indent="0" lvl="0" marL="0" rtl="0" algn="ctr">
+            <a:pPr marL="0" lvl="0" indent="0" algn="ctr" rtl="0">
               <a:spcBef>
                 <a:spcPts val="0"/>
               </a:spcBef>
@@ -9092,9 +9328,11 @@
       <p:sp>
         <p:nvSpPr>
           <p:cNvPr id="176" name="Google Shape;176;p28"/>
-          <p:cNvSpPr txBox="1"/>
+          <p:cNvSpPr txBox="1">
+            <a:spLocks noGrp="1"/>
+          </p:cNvSpPr>
           <p:nvPr>
-            <p:ph idx="1" type="body"/>
+            <p:ph type="body" idx="1"/>
           </p:nvPr>
         </p:nvSpPr>
         <p:spPr>
@@ -9107,12 +9345,12 @@
           </a:prstGeom>
         </p:spPr>
         <p:txBody>
-          <a:bodyPr anchorCtr="0" anchor="t" bIns="91425" lIns="91425" spcFirstLastPara="1" rIns="91425" wrap="square" tIns="91425">
+          <a:bodyPr spcFirstLastPara="1" wrap="square" lIns="91425" tIns="91425" rIns="91425" bIns="91425" anchor="t" anchorCtr="0">
             <a:normAutofit/>
           </a:bodyPr>
           <a:lstStyle/>
           <a:p>
-            <a:pPr indent="0" lvl="0" marL="0" rtl="0" algn="l">
+            <a:pPr marL="0" lvl="0" indent="0" algn="l" rtl="0">
               <a:spcBef>
                 <a:spcPts val="0"/>
               </a:spcBef>
@@ -9128,7 +9366,7 @@
             <a:endParaRPr/>
           </a:p>
           <a:p>
-            <a:pPr indent="0" lvl="0" marL="0" rtl="0" algn="l">
+            <a:pPr marL="0" lvl="0" indent="0" algn="l" rtl="0">
               <a:spcBef>
                 <a:spcPts val="1200"/>
               </a:spcBef>
@@ -9144,7 +9382,7 @@
             <a:endParaRPr/>
           </a:p>
           <a:p>
-            <a:pPr indent="-317500" lvl="0" marL="457200" rtl="0" algn="l">
+            <a:pPr marL="457200" lvl="0" indent="-317500" algn="l" rtl="0">
               <a:spcBef>
                 <a:spcPts val="1200"/>
               </a:spcBef>
@@ -9161,7 +9399,7 @@
             <a:endParaRPr/>
           </a:p>
           <a:p>
-            <a:pPr indent="0" lvl="0" marL="0" rtl="0" algn="l">
+            <a:pPr marL="0" lvl="0" indent="0" algn="l" rtl="0">
               <a:spcBef>
                 <a:spcPts val="1200"/>
               </a:spcBef>
@@ -9177,7 +9415,7 @@
             <a:endParaRPr/>
           </a:p>
           <a:p>
-            <a:pPr indent="-317500" lvl="0" marL="457200" rtl="0" algn="l">
+            <a:pPr marL="457200" lvl="0" indent="-317500" algn="l" rtl="0">
               <a:spcBef>
                 <a:spcPts val="1200"/>
               </a:spcBef>
@@ -9198,9 +9436,11 @@
       <p:sp>
         <p:nvSpPr>
           <p:cNvPr id="177" name="Google Shape;177;p28"/>
-          <p:cNvSpPr txBox="1"/>
+          <p:cNvSpPr txBox="1">
+            <a:spLocks noGrp="1"/>
+          </p:cNvSpPr>
           <p:nvPr>
-            <p:ph idx="2" type="body"/>
+            <p:ph type="body" idx="2"/>
           </p:nvPr>
         </p:nvSpPr>
         <p:spPr>
@@ -9213,12 +9453,12 @@
           </a:prstGeom>
         </p:spPr>
         <p:txBody>
-          <a:bodyPr anchorCtr="0" anchor="t" bIns="91425" lIns="91425" spcFirstLastPara="1" rIns="91425" wrap="square" tIns="91425">
+          <a:bodyPr spcFirstLastPara="1" wrap="square" lIns="91425" tIns="91425" rIns="91425" bIns="91425" anchor="t" anchorCtr="0">
             <a:normAutofit/>
           </a:bodyPr>
           <a:lstStyle/>
           <a:p>
-            <a:pPr indent="0" lvl="0" marL="0" rtl="0" algn="l">
+            <a:pPr marL="0" lvl="0" indent="0" algn="l" rtl="0">
               <a:spcBef>
                 <a:spcPts val="0"/>
               </a:spcBef>
@@ -9238,9 +9478,11 @@
       <p:sp>
         <p:nvSpPr>
           <p:cNvPr id="178" name="Google Shape;178;p28"/>
-          <p:cNvSpPr txBox="1"/>
+          <p:cNvSpPr txBox="1">
+            <a:spLocks noGrp="1"/>
+          </p:cNvSpPr>
           <p:nvPr>
-            <p:ph idx="2" type="body"/>
+            <p:ph type="body" idx="2"/>
           </p:nvPr>
         </p:nvSpPr>
         <p:spPr>
@@ -9253,12 +9495,12 @@
           </a:prstGeom>
         </p:spPr>
         <p:txBody>
-          <a:bodyPr anchorCtr="0" anchor="t" bIns="91425" lIns="91425" spcFirstLastPara="1" rIns="91425" wrap="square" tIns="91425">
+          <a:bodyPr spcFirstLastPara="1" wrap="square" lIns="91425" tIns="91425" rIns="91425" bIns="91425" anchor="t" anchorCtr="0">
             <a:normAutofit/>
           </a:bodyPr>
           <a:lstStyle/>
           <a:p>
-            <a:pPr indent="0" lvl="0" marL="0" rtl="0" algn="l">
+            <a:pPr marL="0" lvl="0" indent="0" algn="l" rtl="0">
               <a:spcBef>
                 <a:spcPts val="0"/>
               </a:spcBef>
@@ -9290,14 +9532,14 @@
             <a:avLst/>
           </a:prstGeom>
           <a:noFill/>
-          <a:ln cap="flat" cmpd="sng" w="9525">
+          <a:ln w="9525" cap="flat" cmpd="sng">
             <a:solidFill>
               <a:schemeClr val="dk2"/>
             </a:solidFill>
             <a:prstDash val="solid"/>
             <a:round/>
-            <a:headEnd len="med" w="med" type="none"/>
-            <a:tailEnd len="med" w="med" type="none"/>
+            <a:headEnd type="none" w="med" len="med"/>
+            <a:tailEnd type="none" w="med" len="med"/>
           </a:ln>
         </p:spPr>
       </p:cxnSp>
@@ -9310,18 +9552,19 @@
 </file>
 
 <file path=ppt/slides/slide17.xml><?xml version="1.0" encoding="utf-8"?>
-<p:sld xmlns:a="http://schemas.openxmlformats.org/drawingml/2006/main" xmlns:r="http://schemas.openxmlformats.org/officeDocument/2006/relationships" xmlns:mc="http://schemas.openxmlformats.org/markup-compatibility/2006" xmlns:mv="urn:schemas-microsoft-com:mac:vml" xmlns:p="http://schemas.openxmlformats.org/presentationml/2006/main" xmlns:c="http://schemas.openxmlformats.org/drawingml/2006/chart" xmlns:dgm="http://schemas.openxmlformats.org/drawingml/2006/diagram" xmlns:o="urn:schemas-microsoft-com:office:office" xmlns:v="urn:schemas-microsoft-com:vml" xmlns:pvml="urn:schemas-microsoft-com:office:powerpoint" xmlns:com="http://schemas.openxmlformats.org/drawingml/2006/compatibility" xmlns:p14="http://schemas.microsoft.com/office/powerpoint/2010/main" xmlns:p15="http://schemas.microsoft.com/office/powerpoint/2012/main" xmlns:ahyp="http://schemas.microsoft.com/office/drawing/2018/hyperlinkcolor">
+<p:sld xmlns:a="http://schemas.openxmlformats.org/drawingml/2006/main" xmlns:r="http://schemas.openxmlformats.org/officeDocument/2006/relationships" xmlns:p="http://schemas.openxmlformats.org/presentationml/2006/main">
   <p:cSld>
     <p:bg>
       <p:bgPr>
         <a:solidFill>
           <a:schemeClr val="lt2"/>
         </a:solidFill>
+        <a:effectLst/>
       </p:bgPr>
     </p:bg>
     <p:spTree>
       <p:nvGrpSpPr>
-        <p:cNvPr id="183" name="Shape 183"/>
+        <p:cNvPr id="1" name="Shape 183"/>
         <p:cNvGrpSpPr/>
         <p:nvPr/>
       </p:nvGrpSpPr>
@@ -9336,7 +9579,9 @@
       <p:sp>
         <p:nvSpPr>
           <p:cNvPr id="184" name="Google Shape;184;p29"/>
-          <p:cNvSpPr txBox="1"/>
+          <p:cNvSpPr txBox="1">
+            <a:spLocks noGrp="1"/>
+          </p:cNvSpPr>
           <p:nvPr>
             <p:ph type="title"/>
           </p:nvPr>
@@ -9351,27 +9596,23 @@
           </a:prstGeom>
         </p:spPr>
         <p:txBody>
-          <a:bodyPr anchorCtr="0" anchor="t" bIns="91425" lIns="91425" spcFirstLastPara="1" rIns="91425" wrap="square" tIns="91425">
+          <a:bodyPr spcFirstLastPara="1" wrap="square" lIns="91425" tIns="91425" rIns="91425" bIns="91425" anchor="t" anchorCtr="0">
             <a:normAutofit fontScale="90000"/>
           </a:bodyPr>
           <a:lstStyle/>
           <a:p>
-            <a:pPr indent="0" lvl="0" marL="0" rtl="0" algn="ctr">
-              <a:spcBef>
-                <a:spcPts val="0"/>
-              </a:spcBef>
-              <a:spcAft>
-                <a:spcPts val="0"/>
-              </a:spcAft>
-              <a:buNone/>
-            </a:pPr>
-            <a:r>
-              <a:rPr lang="en"/>
-              <a:t>Non</a:t>
-            </a:r>
-            <a:r>
-              <a:rPr lang="en"/>
-              <a:t>Admin</a:t>
+            <a:pPr marL="0" lvl="0" indent="0" algn="ctr" rtl="0">
+              <a:spcBef>
+                <a:spcPts val="0"/>
+              </a:spcBef>
+              <a:spcAft>
+                <a:spcPts val="0"/>
+              </a:spcAft>
+              <a:buNone/>
+            </a:pPr>
+            <a:r>
+              <a:rPr lang="en"/>
+              <a:t>NonAdmin</a:t>
             </a:r>
             <a:endParaRPr/>
           </a:p>
@@ -9380,9 +9621,11 @@
       <p:sp>
         <p:nvSpPr>
           <p:cNvPr id="185" name="Google Shape;185;p29"/>
-          <p:cNvSpPr txBox="1"/>
+          <p:cNvSpPr txBox="1">
+            <a:spLocks noGrp="1"/>
+          </p:cNvSpPr>
           <p:nvPr>
-            <p:ph idx="1" type="body"/>
+            <p:ph type="body" idx="1"/>
           </p:nvPr>
         </p:nvSpPr>
         <p:spPr>
@@ -9395,36 +9638,28 @@
           </a:prstGeom>
         </p:spPr>
         <p:txBody>
-          <a:bodyPr anchorCtr="0" anchor="t" bIns="91425" lIns="91425" spcFirstLastPara="1" rIns="91425" wrap="square" tIns="91425">
+          <a:bodyPr spcFirstLastPara="1" wrap="square" lIns="91425" tIns="91425" rIns="91425" bIns="91425" anchor="t" anchorCtr="0">
             <a:normAutofit/>
           </a:bodyPr>
           <a:lstStyle/>
           <a:p>
-            <a:pPr indent="0" lvl="0" marL="0" rtl="0" algn="l">
-              <a:spcBef>
-                <a:spcPts val="0"/>
-              </a:spcBef>
-              <a:spcAft>
-                <a:spcPts val="0"/>
-              </a:spcAft>
-              <a:buNone/>
-            </a:pPr>
-            <a:r>
-              <a:rPr lang="en"/>
-              <a:t>getter for </a:t>
-            </a:r>
-            <a:r>
-              <a:rPr lang="en"/>
-              <a:t>admin</a:t>
-            </a:r>
-            <a:r>
-              <a:rPr lang="en"/>
-              <a:t> status</a:t>
-            </a:r>
-            <a:endParaRPr/>
-          </a:p>
-          <a:p>
-            <a:pPr indent="-317500" lvl="0" marL="457200" rtl="0" algn="l">
+            <a:pPr marL="0" lvl="0" indent="0" algn="l" rtl="0">
+              <a:spcBef>
+                <a:spcPts val="0"/>
+              </a:spcBef>
+              <a:spcAft>
+                <a:spcPts val="0"/>
+              </a:spcAft>
+              <a:buNone/>
+            </a:pPr>
+            <a:r>
+              <a:rPr lang="en"/>
+              <a:t>getter for admin status</a:t>
+            </a:r>
+            <a:endParaRPr/>
+          </a:p>
+          <a:p>
+            <a:pPr marL="457200" lvl="0" indent="-317500" algn="l" rtl="0">
               <a:spcBef>
                 <a:spcPts val="1200"/>
               </a:spcBef>
@@ -9441,27 +9676,23 @@
             <a:endParaRPr/>
           </a:p>
           <a:p>
-            <a:pPr indent="0" lvl="0" marL="0" rtl="0" algn="l">
-              <a:spcBef>
-                <a:spcPts val="1200"/>
-              </a:spcBef>
-              <a:spcAft>
-                <a:spcPts val="0"/>
-              </a:spcAft>
-              <a:buNone/>
-            </a:pPr>
-            <a:r>
-              <a:rPr lang="en"/>
-              <a:t>getter and setter for ban </a:t>
-            </a:r>
-            <a:r>
-              <a:rPr lang="en"/>
-              <a:t>status</a:t>
-            </a:r>
-            <a:endParaRPr/>
-          </a:p>
-          <a:p>
-            <a:pPr indent="-317500" lvl="0" marL="457200" rtl="0" algn="l">
+            <a:pPr marL="0" lvl="0" indent="0" algn="l" rtl="0">
+              <a:spcBef>
+                <a:spcPts val="1200"/>
+              </a:spcBef>
+              <a:spcAft>
+                <a:spcPts val="0"/>
+              </a:spcAft>
+              <a:buNone/>
+            </a:pPr>
+            <a:r>
+              <a:rPr lang="en"/>
+              <a:t>getter and setter for ban status</a:t>
+            </a:r>
+            <a:endParaRPr/>
+          </a:p>
+          <a:p>
+            <a:pPr marL="457200" lvl="0" indent="-317500" algn="l" rtl="0">
               <a:spcBef>
                 <a:spcPts val="1200"/>
               </a:spcBef>
@@ -9478,22 +9709,19 @@
             <a:endParaRPr/>
           </a:p>
           <a:p>
-            <a:pPr indent="0" lvl="0" marL="0" rtl="0" algn="l">
-              <a:spcBef>
-                <a:spcPts val="1200"/>
-              </a:spcBef>
-              <a:spcAft>
-                <a:spcPts val="0"/>
-              </a:spcAft>
-              <a:buNone/>
-            </a:pPr>
-            <a:r>
-              <a:t/>
-            </a:r>
-            <a:endParaRPr/>
-          </a:p>
-          <a:p>
-            <a:pPr indent="-317500" lvl="0" marL="457200" rtl="0" algn="l">
+            <a:pPr marL="0" lvl="0" indent="0" algn="l" rtl="0">
+              <a:spcBef>
+                <a:spcPts val="1200"/>
+              </a:spcBef>
+              <a:spcAft>
+                <a:spcPts val="0"/>
+              </a:spcAft>
+              <a:buNone/>
+            </a:pPr>
+            <a:endParaRPr/>
+          </a:p>
+          <a:p>
+            <a:pPr marL="457200" lvl="0" indent="-317500" algn="l" rtl="0">
               <a:spcBef>
                 <a:spcPts val="1200"/>
               </a:spcBef>
@@ -9514,9 +9742,11 @@
       <p:sp>
         <p:nvSpPr>
           <p:cNvPr id="186" name="Google Shape;186;p29"/>
-          <p:cNvSpPr txBox="1"/>
+          <p:cNvSpPr txBox="1">
+            <a:spLocks noGrp="1"/>
+          </p:cNvSpPr>
           <p:nvPr>
-            <p:ph idx="2" type="body"/>
+            <p:ph type="body" idx="2"/>
           </p:nvPr>
         </p:nvSpPr>
         <p:spPr>
@@ -9529,23 +9759,20 @@
           </a:prstGeom>
         </p:spPr>
         <p:txBody>
-          <a:bodyPr anchorCtr="0" anchor="t" bIns="91425" lIns="91425" spcFirstLastPara="1" rIns="91425" wrap="square" tIns="91425">
+          <a:bodyPr spcFirstLastPara="1" wrap="square" lIns="91425" tIns="91425" rIns="91425" bIns="91425" anchor="t" anchorCtr="0">
             <a:normAutofit/>
           </a:bodyPr>
           <a:lstStyle/>
           <a:p>
-            <a:pPr indent="0" lvl="0" marL="0" rtl="0" algn="l">
-              <a:spcBef>
-                <a:spcPts val="0"/>
-              </a:spcBef>
-              <a:spcAft>
-                <a:spcPts val="1200"/>
-              </a:spcAft>
-              <a:buNone/>
-            </a:pPr>
-            <a:r>
-              <a:t/>
-            </a:r>
+            <a:pPr marL="0" lvl="0" indent="0" algn="l" rtl="0">
+              <a:spcBef>
+                <a:spcPts val="0"/>
+              </a:spcBef>
+              <a:spcAft>
+                <a:spcPts val="1200"/>
+              </a:spcAft>
+              <a:buNone/>
+            </a:pPr>
             <a:endParaRPr/>
           </a:p>
         </p:txBody>
@@ -9553,9 +9780,11 @@
       <p:sp>
         <p:nvSpPr>
           <p:cNvPr id="187" name="Google Shape;187;p29"/>
-          <p:cNvSpPr txBox="1"/>
+          <p:cNvSpPr txBox="1">
+            <a:spLocks noGrp="1"/>
+          </p:cNvSpPr>
           <p:nvPr>
-            <p:ph idx="2" type="body"/>
+            <p:ph type="body" idx="2"/>
           </p:nvPr>
         </p:nvSpPr>
         <p:spPr>
@@ -9568,12 +9797,12 @@
           </a:prstGeom>
         </p:spPr>
         <p:txBody>
-          <a:bodyPr anchorCtr="0" anchor="t" bIns="91425" lIns="91425" spcFirstLastPara="1" rIns="91425" wrap="square" tIns="91425">
+          <a:bodyPr spcFirstLastPara="1" wrap="square" lIns="91425" tIns="91425" rIns="91425" bIns="91425" anchor="t" anchorCtr="0">
             <a:normAutofit fontScale="92500"/>
           </a:bodyPr>
           <a:lstStyle/>
           <a:p>
-            <a:pPr indent="0" lvl="0" marL="0" rtl="0" algn="l">
+            <a:pPr marL="0" lvl="0" indent="0" algn="l" rtl="0">
               <a:spcBef>
                 <a:spcPts val="0"/>
               </a:spcBef>
@@ -9593,9 +9822,11 @@
       <p:sp>
         <p:nvSpPr>
           <p:cNvPr id="188" name="Google Shape;188;p29"/>
-          <p:cNvSpPr txBox="1"/>
+          <p:cNvSpPr txBox="1">
+            <a:spLocks noGrp="1"/>
+          </p:cNvSpPr>
           <p:nvPr>
-            <p:ph idx="2" type="body"/>
+            <p:ph type="body" idx="2"/>
           </p:nvPr>
         </p:nvSpPr>
         <p:spPr>
@@ -9608,12 +9839,12 @@
           </a:prstGeom>
         </p:spPr>
         <p:txBody>
-          <a:bodyPr anchorCtr="0" anchor="t" bIns="91425" lIns="91425" spcFirstLastPara="1" rIns="91425" wrap="square" tIns="91425">
+          <a:bodyPr spcFirstLastPara="1" wrap="square" lIns="91425" tIns="91425" rIns="91425" bIns="91425" anchor="t" anchorCtr="0">
             <a:normAutofit/>
           </a:bodyPr>
           <a:lstStyle/>
           <a:p>
-            <a:pPr indent="0" lvl="0" marL="0" rtl="0" algn="l">
+            <a:pPr marL="0" lvl="0" indent="0" algn="l" rtl="0">
               <a:spcBef>
                 <a:spcPts val="0"/>
               </a:spcBef>
@@ -9645,14 +9876,14 @@
             <a:avLst/>
           </a:prstGeom>
           <a:noFill/>
-          <a:ln cap="flat" cmpd="sng" w="9525">
+          <a:ln w="9525" cap="flat" cmpd="sng">
             <a:solidFill>
               <a:schemeClr val="dk2"/>
             </a:solidFill>
             <a:prstDash val="solid"/>
             <a:round/>
-            <a:headEnd len="med" w="med" type="none"/>
-            <a:tailEnd len="med" w="med" type="none"/>
+            <a:headEnd type="none" w="med" len="med"/>
+            <a:tailEnd type="none" w="med" len="med"/>
           </a:ln>
         </p:spPr>
       </p:cxnSp>
@@ -9665,18 +9896,19 @@
 </file>
 
 <file path=ppt/slides/slide2.xml><?xml version="1.0" encoding="utf-8"?>
-<p:sld xmlns:a="http://schemas.openxmlformats.org/drawingml/2006/main" xmlns:r="http://schemas.openxmlformats.org/officeDocument/2006/relationships" xmlns:mc="http://schemas.openxmlformats.org/markup-compatibility/2006" xmlns:mv="urn:schemas-microsoft-com:mac:vml" xmlns:p="http://schemas.openxmlformats.org/presentationml/2006/main" xmlns:c="http://schemas.openxmlformats.org/drawingml/2006/chart" xmlns:dgm="http://schemas.openxmlformats.org/drawingml/2006/diagram" xmlns:o="urn:schemas-microsoft-com:office:office" xmlns:v="urn:schemas-microsoft-com:vml" xmlns:pvml="urn:schemas-microsoft-com:office:powerpoint" xmlns:com="http://schemas.openxmlformats.org/drawingml/2006/compatibility" xmlns:p14="http://schemas.microsoft.com/office/powerpoint/2010/main" xmlns:p15="http://schemas.microsoft.com/office/powerpoint/2012/main" xmlns:ahyp="http://schemas.microsoft.com/office/drawing/2018/hyperlinkcolor">
+<p:sld xmlns:a="http://schemas.openxmlformats.org/drawingml/2006/main" xmlns:r="http://schemas.openxmlformats.org/officeDocument/2006/relationships" xmlns:p="http://schemas.openxmlformats.org/presentationml/2006/main">
   <p:cSld>
     <p:bg>
       <p:bgPr>
         <a:solidFill>
           <a:srgbClr val="EAD1DC"/>
         </a:solidFill>
+        <a:effectLst/>
       </p:bgPr>
     </p:bg>
     <p:spTree>
       <p:nvGrpSpPr>
-        <p:cNvPr id="59" name="Shape 59"/>
+        <p:cNvPr id="1" name="Shape 59"/>
         <p:cNvGrpSpPr/>
         <p:nvPr/>
       </p:nvGrpSpPr>
@@ -9691,7 +9923,9 @@
       <p:sp>
         <p:nvSpPr>
           <p:cNvPr id="60" name="Google Shape;60;p14"/>
-          <p:cNvSpPr txBox="1"/>
+          <p:cNvSpPr txBox="1">
+            <a:spLocks noGrp="1"/>
+          </p:cNvSpPr>
           <p:nvPr>
             <p:ph type="title"/>
           </p:nvPr>
@@ -9706,12 +9940,12 @@
           </a:prstGeom>
         </p:spPr>
         <p:txBody>
-          <a:bodyPr anchorCtr="0" anchor="t" bIns="91425" lIns="91425" spcFirstLastPara="1" rIns="91425" wrap="square" tIns="91425">
+          <a:bodyPr spcFirstLastPara="1" wrap="square" lIns="91425" tIns="91425" rIns="91425" bIns="91425" anchor="t" anchorCtr="0">
             <a:normAutofit fontScale="90000"/>
           </a:bodyPr>
           <a:lstStyle/>
           <a:p>
-            <a:pPr indent="0" lvl="0" marL="0" rtl="0" algn="ctr">
+            <a:pPr marL="0" lvl="0" indent="0" algn="ctr" rtl="0">
               <a:spcBef>
                 <a:spcPts val="0"/>
               </a:spcBef>
@@ -9731,9 +9965,11 @@
       <p:sp>
         <p:nvSpPr>
           <p:cNvPr id="61" name="Google Shape;61;p14"/>
-          <p:cNvSpPr txBox="1"/>
+          <p:cNvSpPr txBox="1">
+            <a:spLocks noGrp="1"/>
+          </p:cNvSpPr>
           <p:nvPr>
-            <p:ph idx="1" type="body"/>
+            <p:ph type="body" idx="1"/>
           </p:nvPr>
         </p:nvSpPr>
         <p:spPr>
@@ -9746,12 +9982,12 @@
           </a:prstGeom>
         </p:spPr>
         <p:txBody>
-          <a:bodyPr anchorCtr="0" anchor="t" bIns="91425" lIns="91425" spcFirstLastPara="1" rIns="91425" wrap="square" tIns="91425">
+          <a:bodyPr spcFirstLastPara="1" wrap="square" lIns="91425" tIns="91425" rIns="91425" bIns="91425" anchor="t" anchorCtr="0">
             <a:normAutofit lnSpcReduction="20000"/>
           </a:bodyPr>
           <a:lstStyle/>
           <a:p>
-            <a:pPr indent="0" lvl="0" marL="0" rtl="0" algn="l">
+            <a:pPr marL="0" lvl="0" indent="0" algn="l" rtl="0">
               <a:spcBef>
                 <a:spcPts val="0"/>
               </a:spcBef>
@@ -9767,7 +10003,7 @@
             <a:endParaRPr/>
           </a:p>
           <a:p>
-            <a:pPr indent="0" lvl="0" marL="0" rtl="0" algn="l">
+            <a:pPr marL="0" lvl="0" indent="0" algn="l" rtl="0">
               <a:spcBef>
                 <a:spcPts val="1200"/>
               </a:spcBef>
@@ -9783,7 +10019,7 @@
             <a:endParaRPr/>
           </a:p>
           <a:p>
-            <a:pPr indent="0" lvl="0" marL="0" rtl="0" algn="l">
+            <a:pPr marL="0" lvl="0" indent="0" algn="l" rtl="0">
               <a:spcBef>
                 <a:spcPts val="1200"/>
               </a:spcBef>
@@ -9799,7 +10035,7 @@
             <a:endParaRPr/>
           </a:p>
           <a:p>
-            <a:pPr indent="0" lvl="0" marL="0" rtl="0" algn="l">
+            <a:pPr marL="0" lvl="0" indent="0" algn="l" rtl="0">
               <a:spcBef>
                 <a:spcPts val="1200"/>
               </a:spcBef>
@@ -9815,7 +10051,7 @@
             <a:endParaRPr/>
           </a:p>
           <a:p>
-            <a:pPr indent="-317500" lvl="0" marL="457200" rtl="0" algn="l">
+            <a:pPr marL="457200" lvl="0" indent="-317500" algn="l" rtl="0">
               <a:spcBef>
                 <a:spcPts val="1200"/>
               </a:spcBef>
@@ -9832,7 +10068,7 @@
             <a:endParaRPr/>
           </a:p>
           <a:p>
-            <a:pPr indent="0" lvl="0" marL="0" rtl="0" algn="l">
+            <a:pPr marL="0" lvl="0" indent="0" algn="l" rtl="0">
               <a:spcBef>
                 <a:spcPts val="1200"/>
               </a:spcBef>
@@ -9848,7 +10084,7 @@
             <a:endParaRPr/>
           </a:p>
           <a:p>
-            <a:pPr indent="-317500" lvl="0" marL="457200" rtl="0" algn="l">
+            <a:pPr marL="457200" lvl="0" indent="-317500" algn="l" rtl="0">
               <a:spcBef>
                 <a:spcPts val="1200"/>
               </a:spcBef>
@@ -9869,9 +10105,11 @@
       <p:sp>
         <p:nvSpPr>
           <p:cNvPr id="62" name="Google Shape;62;p14"/>
-          <p:cNvSpPr txBox="1"/>
+          <p:cNvSpPr txBox="1">
+            <a:spLocks noGrp="1"/>
+          </p:cNvSpPr>
           <p:nvPr>
-            <p:ph idx="2" type="body"/>
+            <p:ph type="body" idx="2"/>
           </p:nvPr>
         </p:nvSpPr>
         <p:spPr>
@@ -9884,12 +10122,12 @@
           </a:prstGeom>
         </p:spPr>
         <p:txBody>
-          <a:bodyPr anchorCtr="0" anchor="t" bIns="91425" lIns="91425" spcFirstLastPara="1" rIns="91425" wrap="square" tIns="91425">
+          <a:bodyPr spcFirstLastPara="1" wrap="square" lIns="91425" tIns="91425" rIns="91425" bIns="91425" anchor="t" anchorCtr="0">
             <a:normAutofit/>
           </a:bodyPr>
           <a:lstStyle/>
           <a:p>
-            <a:pPr indent="0" lvl="0" marL="0" rtl="0" algn="l">
+            <a:pPr marL="0" lvl="0" indent="0" algn="l" rtl="0">
               <a:spcBef>
                 <a:spcPts val="0"/>
               </a:spcBef>
@@ -9905,7 +10143,7 @@
             <a:endParaRPr/>
           </a:p>
           <a:p>
-            <a:pPr indent="0" lvl="0" marL="0" rtl="0" algn="l">
+            <a:pPr marL="0" lvl="0" indent="0" algn="l" rtl="0">
               <a:spcBef>
                 <a:spcPts val="1200"/>
               </a:spcBef>
@@ -9921,7 +10159,7 @@
             <a:endParaRPr/>
           </a:p>
           <a:p>
-            <a:pPr indent="0" lvl="0" marL="0" rtl="0" algn="l">
+            <a:pPr marL="0" lvl="0" indent="0" algn="l" rtl="0">
               <a:spcBef>
                 <a:spcPts val="1200"/>
               </a:spcBef>
@@ -9937,7 +10175,7 @@
             <a:endParaRPr/>
           </a:p>
           <a:p>
-            <a:pPr indent="0" lvl="0" marL="0" rtl="0" algn="l">
+            <a:pPr marL="0" lvl="0" indent="0" algn="l" rtl="0">
               <a:spcBef>
                 <a:spcPts val="1200"/>
               </a:spcBef>
@@ -9953,7 +10191,7 @@
             <a:endParaRPr/>
           </a:p>
           <a:p>
-            <a:pPr indent="0" lvl="0" marL="0" rtl="0" algn="l">
+            <a:pPr marL="0" lvl="0" indent="0" algn="l" rtl="0">
               <a:spcBef>
                 <a:spcPts val="1200"/>
               </a:spcBef>
@@ -9985,14 +10223,14 @@
             <a:avLst/>
           </a:prstGeom>
           <a:noFill/>
-          <a:ln cap="flat" cmpd="sng" w="9525">
+          <a:ln w="9525" cap="flat" cmpd="sng">
             <a:solidFill>
               <a:schemeClr val="dk2"/>
             </a:solidFill>
             <a:prstDash val="solid"/>
             <a:round/>
-            <a:headEnd len="med" w="med" type="none"/>
-            <a:tailEnd len="med" w="med" type="none"/>
+            <a:headEnd type="none" w="med" len="med"/>
+            <a:tailEnd type="none" w="med" len="med"/>
           </a:ln>
         </p:spPr>
       </p:cxnSp>
@@ -10005,18 +10243,19 @@
 </file>
 
 <file path=ppt/slides/slide3.xml><?xml version="1.0" encoding="utf-8"?>
-<p:sld xmlns:a="http://schemas.openxmlformats.org/drawingml/2006/main" xmlns:r="http://schemas.openxmlformats.org/officeDocument/2006/relationships" xmlns:mc="http://schemas.openxmlformats.org/markup-compatibility/2006" xmlns:mv="urn:schemas-microsoft-com:mac:vml" xmlns:p="http://schemas.openxmlformats.org/presentationml/2006/main" xmlns:c="http://schemas.openxmlformats.org/drawingml/2006/chart" xmlns:dgm="http://schemas.openxmlformats.org/drawingml/2006/diagram" xmlns:o="urn:schemas-microsoft-com:office:office" xmlns:v="urn:schemas-microsoft-com:vml" xmlns:pvml="urn:schemas-microsoft-com:office:powerpoint" xmlns:com="http://schemas.openxmlformats.org/drawingml/2006/compatibility" xmlns:p14="http://schemas.microsoft.com/office/powerpoint/2010/main" xmlns:p15="http://schemas.microsoft.com/office/powerpoint/2012/main" xmlns:ahyp="http://schemas.microsoft.com/office/drawing/2018/hyperlinkcolor">
+<p:sld xmlns:a="http://schemas.openxmlformats.org/drawingml/2006/main" xmlns:r="http://schemas.openxmlformats.org/officeDocument/2006/relationships" xmlns:p="http://schemas.openxmlformats.org/presentationml/2006/main">
   <p:cSld>
     <p:bg>
       <p:bgPr>
         <a:solidFill>
           <a:srgbClr val="EAD1DC"/>
         </a:solidFill>
+        <a:effectLst/>
       </p:bgPr>
     </p:bg>
     <p:spTree>
       <p:nvGrpSpPr>
-        <p:cNvPr id="67" name="Shape 67"/>
+        <p:cNvPr id="1" name="Shape 67"/>
         <p:cNvGrpSpPr/>
         <p:nvPr/>
       </p:nvGrpSpPr>
@@ -10031,7 +10270,9 @@
       <p:sp>
         <p:nvSpPr>
           <p:cNvPr id="68" name="Google Shape;68;p15"/>
-          <p:cNvSpPr txBox="1"/>
+          <p:cNvSpPr txBox="1">
+            <a:spLocks noGrp="1"/>
+          </p:cNvSpPr>
           <p:nvPr>
             <p:ph type="title"/>
           </p:nvPr>
@@ -10046,27 +10287,23 @@
           </a:prstGeom>
         </p:spPr>
         <p:txBody>
-          <a:bodyPr anchorCtr="0" anchor="t" bIns="91425" lIns="91425" spcFirstLastPara="1" rIns="91425" wrap="square" tIns="91425">
+          <a:bodyPr spcFirstLastPara="1" wrap="square" lIns="91425" tIns="91425" rIns="91425" bIns="91425" anchor="t" anchorCtr="0">
             <a:normAutofit fontScale="90000"/>
           </a:bodyPr>
           <a:lstStyle/>
           <a:p>
-            <a:pPr indent="0" lvl="0" marL="0" rtl="0" algn="ctr">
-              <a:spcBef>
-                <a:spcPts val="0"/>
-              </a:spcBef>
-              <a:spcAft>
-                <a:spcPts val="0"/>
-              </a:spcAft>
-              <a:buNone/>
-            </a:pPr>
-            <a:r>
-              <a:rPr lang="en"/>
-              <a:t>LoggedIn</a:t>
-            </a:r>
-            <a:r>
-              <a:rPr lang="en"/>
-              <a:t>Manager</a:t>
+            <a:pPr marL="0" lvl="0" indent="0" algn="ctr" rtl="0">
+              <a:spcBef>
+                <a:spcPts val="0"/>
+              </a:spcBef>
+              <a:spcAft>
+                <a:spcPts val="0"/>
+              </a:spcAft>
+              <a:buNone/>
+            </a:pPr>
+            <a:r>
+              <a:rPr lang="en"/>
+              <a:t>LoggedInManager</a:t>
             </a:r>
             <a:endParaRPr/>
           </a:p>
@@ -10075,9 +10312,11 @@
       <p:sp>
         <p:nvSpPr>
           <p:cNvPr id="69" name="Google Shape;69;p15"/>
-          <p:cNvSpPr txBox="1"/>
+          <p:cNvSpPr txBox="1">
+            <a:spLocks noGrp="1"/>
+          </p:cNvSpPr>
           <p:nvPr>
-            <p:ph idx="1" type="body"/>
+            <p:ph type="body" idx="1"/>
           </p:nvPr>
         </p:nvSpPr>
         <p:spPr>
@@ -10090,12 +10329,12 @@
           </a:prstGeom>
         </p:spPr>
         <p:txBody>
-          <a:bodyPr anchorCtr="0" anchor="t" bIns="91425" lIns="91425" spcFirstLastPara="1" rIns="91425" wrap="square" tIns="91425">
+          <a:bodyPr spcFirstLastPara="1" wrap="square" lIns="91425" tIns="91425" rIns="91425" bIns="91425" anchor="t" anchorCtr="0">
             <a:normAutofit fontScale="77500" lnSpcReduction="20000"/>
           </a:bodyPr>
           <a:lstStyle/>
           <a:p>
-            <a:pPr indent="0" lvl="0" marL="0" rtl="0" algn="l">
+            <a:pPr marL="0" lvl="0" indent="0" algn="l" rtl="0">
               <a:spcBef>
                 <a:spcPts val="0"/>
               </a:spcBef>
@@ -10111,7 +10350,7 @@
             <a:endParaRPr/>
           </a:p>
           <a:p>
-            <a:pPr indent="0" lvl="0" marL="0" rtl="0" algn="l">
+            <a:pPr marL="0" lvl="0" indent="0" algn="l" rtl="0">
               <a:spcBef>
                 <a:spcPts val="1200"/>
               </a:spcBef>
@@ -10127,7 +10366,7 @@
             <a:endParaRPr/>
           </a:p>
           <a:p>
-            <a:pPr indent="0" lvl="0" marL="0" rtl="0" algn="l">
+            <a:pPr marL="0" lvl="0" indent="0" algn="l" rtl="0">
               <a:spcBef>
                 <a:spcPts val="1200"/>
               </a:spcBef>
@@ -10143,7 +10382,7 @@
             <a:endParaRPr/>
           </a:p>
           <a:p>
-            <a:pPr indent="-297497" lvl="0" marL="457200" rtl="0" algn="l">
+            <a:pPr marL="457200" lvl="0" indent="-297497" algn="l" rtl="0">
               <a:spcBef>
                 <a:spcPts val="1200"/>
               </a:spcBef>
@@ -10160,7 +10399,7 @@
             <a:endParaRPr/>
           </a:p>
           <a:p>
-            <a:pPr indent="0" lvl="0" marL="0" rtl="0" algn="l">
+            <a:pPr marL="0" lvl="0" indent="0" algn="l" rtl="0">
               <a:spcBef>
                 <a:spcPts val="1200"/>
               </a:spcBef>
@@ -10176,7 +10415,7 @@
             <a:endParaRPr/>
           </a:p>
           <a:p>
-            <a:pPr indent="-297497" lvl="0" marL="457200" rtl="0" algn="l">
+            <a:pPr marL="457200" lvl="0" indent="-297497" algn="l" rtl="0">
               <a:spcBef>
                 <a:spcPts val="1200"/>
               </a:spcBef>
@@ -10193,7 +10432,7 @@
             <a:endParaRPr/>
           </a:p>
           <a:p>
-            <a:pPr indent="0" lvl="0" marL="0" rtl="0" algn="l">
+            <a:pPr marL="0" lvl="0" indent="0" algn="l" rtl="0">
               <a:spcBef>
                 <a:spcPts val="1200"/>
               </a:spcBef>
@@ -10209,7 +10448,7 @@
             <a:endParaRPr/>
           </a:p>
           <a:p>
-            <a:pPr indent="-297497" lvl="0" marL="457200" rtl="0" algn="l">
+            <a:pPr marL="457200" lvl="0" indent="-297497" algn="l" rtl="0">
               <a:spcBef>
                 <a:spcPts val="1200"/>
               </a:spcBef>
@@ -10226,7 +10465,7 @@
             <a:endParaRPr/>
           </a:p>
           <a:p>
-            <a:pPr indent="0" lvl="0" marL="0" rtl="0" algn="l">
+            <a:pPr marL="0" lvl="0" indent="0" algn="l" rtl="0">
               <a:spcBef>
                 <a:spcPts val="1200"/>
               </a:spcBef>
@@ -10246,9 +10485,11 @@
       <p:sp>
         <p:nvSpPr>
           <p:cNvPr id="70" name="Google Shape;70;p15"/>
-          <p:cNvSpPr txBox="1"/>
+          <p:cNvSpPr txBox="1">
+            <a:spLocks noGrp="1"/>
+          </p:cNvSpPr>
           <p:nvPr>
-            <p:ph idx="2" type="body"/>
+            <p:ph type="body" idx="2"/>
           </p:nvPr>
         </p:nvSpPr>
         <p:spPr>
@@ -10261,12 +10502,12 @@
           </a:prstGeom>
         </p:spPr>
         <p:txBody>
-          <a:bodyPr anchorCtr="0" anchor="t" bIns="91425" lIns="91425" spcFirstLastPara="1" rIns="91425" wrap="square" tIns="91425">
+          <a:bodyPr spcFirstLastPara="1" wrap="square" lIns="91425" tIns="91425" rIns="91425" bIns="91425" anchor="t" anchorCtr="0">
             <a:normAutofit/>
           </a:bodyPr>
           <a:lstStyle/>
           <a:p>
-            <a:pPr indent="0" lvl="0" marL="0" rtl="0" algn="l">
+            <a:pPr marL="0" lvl="0" indent="0" algn="l" rtl="0">
               <a:spcBef>
                 <a:spcPts val="0"/>
               </a:spcBef>
@@ -10282,7 +10523,7 @@
             <a:endParaRPr/>
           </a:p>
           <a:p>
-            <a:pPr indent="0" lvl="0" marL="0" rtl="0" algn="l">
+            <a:pPr marL="0" lvl="0" indent="0" algn="l" rtl="0">
               <a:spcBef>
                 <a:spcPts val="1200"/>
               </a:spcBef>
@@ -10298,7 +10539,7 @@
             <a:endParaRPr/>
           </a:p>
           <a:p>
-            <a:pPr indent="0" lvl="0" marL="0" rtl="0" algn="l">
+            <a:pPr marL="0" lvl="0" indent="0" algn="l" rtl="0">
               <a:spcBef>
                 <a:spcPts val="1200"/>
               </a:spcBef>
@@ -10314,7 +10555,7 @@
             <a:endParaRPr/>
           </a:p>
           <a:p>
-            <a:pPr indent="0" lvl="0" marL="0" rtl="0" algn="l">
+            <a:pPr marL="0" lvl="0" indent="0" algn="l" rtl="0">
               <a:spcBef>
                 <a:spcPts val="1200"/>
               </a:spcBef>
@@ -10330,7 +10571,7 @@
             <a:endParaRPr/>
           </a:p>
           <a:p>
-            <a:pPr indent="0" lvl="0" marL="0" rtl="0" algn="l">
+            <a:pPr marL="0" lvl="0" indent="0" algn="l" rtl="0">
               <a:spcBef>
                 <a:spcPts val="1200"/>
               </a:spcBef>
@@ -10346,7 +10587,7 @@
             <a:endParaRPr/>
           </a:p>
           <a:p>
-            <a:pPr indent="0" lvl="0" marL="0" rtl="0" algn="l">
+            <a:pPr marL="0" lvl="0" indent="0" algn="l" rtl="0">
               <a:spcBef>
                 <a:spcPts val="1200"/>
               </a:spcBef>
@@ -10362,7 +10603,7 @@
             <a:endParaRPr/>
           </a:p>
           <a:p>
-            <a:pPr indent="0" lvl="0" marL="0" rtl="0" algn="l">
+            <a:pPr marL="0" lvl="0" indent="0" algn="l" rtl="0">
               <a:spcBef>
                 <a:spcPts val="1200"/>
               </a:spcBef>
@@ -10394,14 +10635,14 @@
             <a:avLst/>
           </a:prstGeom>
           <a:noFill/>
-          <a:ln cap="flat" cmpd="sng" w="9525">
+          <a:ln w="9525" cap="flat" cmpd="sng">
             <a:solidFill>
               <a:schemeClr val="dk2"/>
             </a:solidFill>
             <a:prstDash val="solid"/>
             <a:round/>
-            <a:headEnd len="med" w="med" type="none"/>
-            <a:tailEnd len="med" w="med" type="none"/>
+            <a:headEnd type="none" w="med" len="med"/>
+            <a:tailEnd type="none" w="med" len="med"/>
           </a:ln>
         </p:spPr>
       </p:cxnSp>
@@ -10414,18 +10655,19 @@
 </file>
 
 <file path=ppt/slides/slide4.xml><?xml version="1.0" encoding="utf-8"?>
-<p:sld xmlns:a="http://schemas.openxmlformats.org/drawingml/2006/main" xmlns:r="http://schemas.openxmlformats.org/officeDocument/2006/relationships" xmlns:mc="http://schemas.openxmlformats.org/markup-compatibility/2006" xmlns:mv="urn:schemas-microsoft-com:mac:vml" xmlns:p="http://schemas.openxmlformats.org/presentationml/2006/main" xmlns:c="http://schemas.openxmlformats.org/drawingml/2006/chart" xmlns:dgm="http://schemas.openxmlformats.org/drawingml/2006/diagram" xmlns:o="urn:schemas-microsoft-com:office:office" xmlns:v="urn:schemas-microsoft-com:vml" xmlns:pvml="urn:schemas-microsoft-com:office:powerpoint" xmlns:com="http://schemas.openxmlformats.org/drawingml/2006/compatibility" xmlns:p14="http://schemas.microsoft.com/office/powerpoint/2010/main" xmlns:p15="http://schemas.microsoft.com/office/powerpoint/2012/main" xmlns:ahyp="http://schemas.microsoft.com/office/drawing/2018/hyperlinkcolor">
+<p:sld xmlns:a="http://schemas.openxmlformats.org/drawingml/2006/main" xmlns:r="http://schemas.openxmlformats.org/officeDocument/2006/relationships" xmlns:p="http://schemas.openxmlformats.org/presentationml/2006/main">
   <p:cSld>
     <p:bg>
       <p:bgPr>
         <a:solidFill>
           <a:srgbClr val="EAD1DC"/>
         </a:solidFill>
+        <a:effectLst/>
       </p:bgPr>
     </p:bg>
     <p:spTree>
       <p:nvGrpSpPr>
-        <p:cNvPr id="75" name="Shape 75"/>
+        <p:cNvPr id="1" name="Shape 75"/>
         <p:cNvGrpSpPr/>
         <p:nvPr/>
       </p:nvGrpSpPr>
@@ -10440,7 +10682,9 @@
       <p:sp>
         <p:nvSpPr>
           <p:cNvPr id="76" name="Google Shape;76;p16"/>
-          <p:cNvSpPr txBox="1"/>
+          <p:cNvSpPr txBox="1">
+            <a:spLocks noGrp="1"/>
+          </p:cNvSpPr>
           <p:nvPr>
             <p:ph type="title"/>
           </p:nvPr>
@@ -10455,27 +10699,23 @@
           </a:prstGeom>
         </p:spPr>
         <p:txBody>
-          <a:bodyPr anchorCtr="0" anchor="t" bIns="91425" lIns="91425" spcFirstLastPara="1" rIns="91425" wrap="square" tIns="91425">
+          <a:bodyPr spcFirstLastPara="1" wrap="square" lIns="91425" tIns="91425" rIns="91425" bIns="91425" anchor="t" anchorCtr="0">
             <a:normAutofit fontScale="90000"/>
           </a:bodyPr>
           <a:lstStyle/>
           <a:p>
-            <a:pPr indent="0" lvl="0" marL="0" rtl="0" algn="ctr">
-              <a:spcBef>
-                <a:spcPts val="0"/>
-              </a:spcBef>
-              <a:spcAft>
-                <a:spcPts val="0"/>
-              </a:spcAft>
-              <a:buNone/>
-            </a:pPr>
-            <a:r>
-              <a:rPr lang="en"/>
-              <a:t>User</a:t>
-            </a:r>
-            <a:r>
-              <a:rPr lang="en"/>
-              <a:t>Manager</a:t>
+            <a:pPr marL="0" lvl="0" indent="0" algn="ctr" rtl="0">
+              <a:spcBef>
+                <a:spcPts val="0"/>
+              </a:spcBef>
+              <a:spcAft>
+                <a:spcPts val="0"/>
+              </a:spcAft>
+              <a:buNone/>
+            </a:pPr>
+            <a:r>
+              <a:rPr lang="en"/>
+              <a:t>UserManager</a:t>
             </a:r>
             <a:endParaRPr/>
           </a:p>
@@ -10484,9 +10724,11 @@
       <p:sp>
         <p:nvSpPr>
           <p:cNvPr id="77" name="Google Shape;77;p16"/>
-          <p:cNvSpPr txBox="1"/>
+          <p:cNvSpPr txBox="1">
+            <a:spLocks noGrp="1"/>
+          </p:cNvSpPr>
           <p:nvPr>
-            <p:ph idx="1" type="body"/>
+            <p:ph type="body" idx="1"/>
           </p:nvPr>
         </p:nvSpPr>
         <p:spPr>
@@ -10499,12 +10741,12 @@
           </a:prstGeom>
         </p:spPr>
         <p:txBody>
-          <a:bodyPr anchorCtr="0" anchor="t" bIns="91425" lIns="91425" spcFirstLastPara="1" rIns="91425" wrap="square" tIns="91425">
+          <a:bodyPr spcFirstLastPara="1" wrap="square" lIns="91425" tIns="91425" rIns="91425" bIns="91425" anchor="t" anchorCtr="0">
             <a:normAutofit fontScale="92500"/>
           </a:bodyPr>
           <a:lstStyle/>
           <a:p>
-            <a:pPr indent="0" lvl="0" marL="0" rtl="0" algn="l">
+            <a:pPr marL="0" lvl="0" indent="0" algn="l" rtl="0">
               <a:spcBef>
                 <a:spcPts val="0"/>
               </a:spcBef>
@@ -10520,7 +10762,7 @@
             <a:endParaRPr/>
           </a:p>
           <a:p>
-            <a:pPr indent="0" lvl="0" marL="0" rtl="0" algn="l">
+            <a:pPr marL="0" lvl="0" indent="0" algn="l" rtl="0">
               <a:spcBef>
                 <a:spcPts val="1200"/>
               </a:spcBef>
@@ -10536,7 +10778,7 @@
             <a:endParaRPr/>
           </a:p>
           <a:p>
-            <a:pPr indent="0" lvl="0" marL="0" rtl="0" algn="l">
+            <a:pPr marL="0" lvl="0" indent="0" algn="l" rtl="0">
               <a:spcBef>
                 <a:spcPts val="1200"/>
               </a:spcBef>
@@ -10552,7 +10794,7 @@
             <a:endParaRPr/>
           </a:p>
           <a:p>
-            <a:pPr indent="-310832" lvl="0" marL="457200" rtl="0" algn="l">
+            <a:pPr marL="457200" lvl="0" indent="-310832" algn="l" rtl="0">
               <a:spcBef>
                 <a:spcPts val="1200"/>
               </a:spcBef>
@@ -10569,7 +10811,7 @@
             <a:endParaRPr/>
           </a:p>
           <a:p>
-            <a:pPr indent="0" lvl="0" marL="0" rtl="0" algn="l">
+            <a:pPr marL="0" lvl="0" indent="0" algn="l" rtl="0">
               <a:spcBef>
                 <a:spcPts val="1200"/>
               </a:spcBef>
@@ -10585,7 +10827,7 @@
             <a:endParaRPr/>
           </a:p>
           <a:p>
-            <a:pPr indent="-310832" lvl="0" marL="457200" rtl="0" algn="l">
+            <a:pPr marL="457200" lvl="0" indent="-310832" algn="l" rtl="0">
               <a:spcBef>
                 <a:spcPts val="1200"/>
               </a:spcBef>
@@ -10602,7 +10844,7 @@
             <a:endParaRPr/>
           </a:p>
           <a:p>
-            <a:pPr indent="0" lvl="0" marL="0" rtl="0" algn="l">
+            <a:pPr marL="0" lvl="0" indent="0" algn="l" rtl="0">
               <a:spcBef>
                 <a:spcPts val="1200"/>
               </a:spcBef>
@@ -10618,7 +10860,7 @@
             <a:endParaRPr/>
           </a:p>
           <a:p>
-            <a:pPr indent="-310832" lvl="0" marL="457200" rtl="0" algn="l">
+            <a:pPr marL="457200" lvl="0" indent="-310832" algn="l" rtl="0">
               <a:spcBef>
                 <a:spcPts val="1200"/>
               </a:spcBef>
@@ -10639,9 +10881,11 @@
       <p:sp>
         <p:nvSpPr>
           <p:cNvPr id="78" name="Google Shape;78;p16"/>
-          <p:cNvSpPr txBox="1"/>
+          <p:cNvSpPr txBox="1">
+            <a:spLocks noGrp="1"/>
+          </p:cNvSpPr>
           <p:nvPr>
-            <p:ph idx="2" type="body"/>
+            <p:ph type="body" idx="2"/>
           </p:nvPr>
         </p:nvSpPr>
         <p:spPr>
@@ -10654,12 +10898,12 @@
           </a:prstGeom>
         </p:spPr>
         <p:txBody>
-          <a:bodyPr anchorCtr="0" anchor="t" bIns="91425" lIns="91425" spcFirstLastPara="1" rIns="91425" wrap="square" tIns="91425">
+          <a:bodyPr spcFirstLastPara="1" wrap="square" lIns="91425" tIns="91425" rIns="91425" bIns="91425" anchor="t" anchorCtr="0">
             <a:normAutofit/>
           </a:bodyPr>
           <a:lstStyle/>
           <a:p>
-            <a:pPr indent="0" lvl="0" marL="0" rtl="0" algn="l">
+            <a:pPr marL="0" lvl="0" indent="0" algn="l" rtl="0">
               <a:spcBef>
                 <a:spcPts val="0"/>
               </a:spcBef>
@@ -10675,7 +10919,7 @@
             <a:endParaRPr/>
           </a:p>
           <a:p>
-            <a:pPr indent="0" lvl="0" marL="0" rtl="0" algn="l">
+            <a:pPr marL="0" lvl="0" indent="0" algn="l" rtl="0">
               <a:spcBef>
                 <a:spcPts val="1200"/>
               </a:spcBef>
@@ -10691,7 +10935,7 @@
             <a:endParaRPr/>
           </a:p>
           <a:p>
-            <a:pPr indent="0" lvl="0" marL="0" rtl="0" algn="l">
+            <a:pPr marL="0" lvl="0" indent="0" algn="l" rtl="0">
               <a:spcBef>
                 <a:spcPts val="1200"/>
               </a:spcBef>
@@ -10707,7 +10951,7 @@
             <a:endParaRPr/>
           </a:p>
           <a:p>
-            <a:pPr indent="0" lvl="0" marL="0" rtl="0" algn="l">
+            <a:pPr marL="0" lvl="0" indent="0" algn="l" rtl="0">
               <a:spcBef>
                 <a:spcPts val="1200"/>
               </a:spcBef>
@@ -10723,7 +10967,7 @@
             <a:endParaRPr/>
           </a:p>
           <a:p>
-            <a:pPr indent="0" lvl="0" marL="0" rtl="0" algn="l">
+            <a:pPr marL="0" lvl="0" indent="0" algn="l" rtl="0">
               <a:spcBef>
                 <a:spcPts val="1200"/>
               </a:spcBef>
@@ -10755,14 +10999,14 @@
             <a:avLst/>
           </a:prstGeom>
           <a:noFill/>
-          <a:ln cap="flat" cmpd="sng" w="9525">
+          <a:ln w="9525" cap="flat" cmpd="sng">
             <a:solidFill>
               <a:schemeClr val="dk2"/>
             </a:solidFill>
             <a:prstDash val="solid"/>
             <a:round/>
-            <a:headEnd len="med" w="med" type="none"/>
-            <a:tailEnd len="med" w="med" type="none"/>
+            <a:headEnd type="none" w="med" len="med"/>
+            <a:tailEnd type="none" w="med" len="med"/>
           </a:ln>
         </p:spPr>
       </p:cxnSp>
@@ -10775,18 +11019,19 @@
 </file>
 
 <file path=ppt/slides/slide5.xml><?xml version="1.0" encoding="utf-8"?>
-<p:sld xmlns:a="http://schemas.openxmlformats.org/drawingml/2006/main" xmlns:r="http://schemas.openxmlformats.org/officeDocument/2006/relationships" xmlns:mc="http://schemas.openxmlformats.org/markup-compatibility/2006" xmlns:mv="urn:schemas-microsoft-com:mac:vml" xmlns:p="http://schemas.openxmlformats.org/presentationml/2006/main" xmlns:c="http://schemas.openxmlformats.org/drawingml/2006/chart" xmlns:dgm="http://schemas.openxmlformats.org/drawingml/2006/diagram" xmlns:o="urn:schemas-microsoft-com:office:office" xmlns:v="urn:schemas-microsoft-com:vml" xmlns:pvml="urn:schemas-microsoft-com:office:powerpoint" xmlns:com="http://schemas.openxmlformats.org/drawingml/2006/compatibility" xmlns:p14="http://schemas.microsoft.com/office/powerpoint/2010/main" xmlns:p15="http://schemas.microsoft.com/office/powerpoint/2012/main" xmlns:ahyp="http://schemas.microsoft.com/office/drawing/2018/hyperlinkcolor">
+<p:sld xmlns:a="http://schemas.openxmlformats.org/drawingml/2006/main" xmlns:r="http://schemas.openxmlformats.org/officeDocument/2006/relationships" xmlns:p="http://schemas.openxmlformats.org/presentationml/2006/main">
   <p:cSld>
     <p:bg>
       <p:bgPr>
         <a:solidFill>
           <a:srgbClr val="EAD1DC"/>
         </a:solidFill>
+        <a:effectLst/>
       </p:bgPr>
     </p:bg>
     <p:spTree>
       <p:nvGrpSpPr>
-        <p:cNvPr id="83" name="Shape 83"/>
+        <p:cNvPr id="1" name="Shape 83"/>
         <p:cNvGrpSpPr/>
         <p:nvPr/>
       </p:nvGrpSpPr>
@@ -10801,7 +11046,9 @@
       <p:sp>
         <p:nvSpPr>
           <p:cNvPr id="84" name="Google Shape;84;p17"/>
-          <p:cNvSpPr txBox="1"/>
+          <p:cNvSpPr txBox="1">
+            <a:spLocks noGrp="1"/>
+          </p:cNvSpPr>
           <p:nvPr>
             <p:ph type="title"/>
           </p:nvPr>
@@ -10816,12 +11063,12 @@
           </a:prstGeom>
         </p:spPr>
         <p:txBody>
-          <a:bodyPr anchorCtr="0" anchor="t" bIns="91425" lIns="91425" spcFirstLastPara="1" rIns="91425" wrap="square" tIns="91425">
+          <a:bodyPr spcFirstLastPara="1" wrap="square" lIns="91425" tIns="91425" rIns="91425" bIns="91425" anchor="t" anchorCtr="0">
             <a:normAutofit fontScale="90000"/>
           </a:bodyPr>
           <a:lstStyle/>
           <a:p>
-            <a:pPr indent="0" lvl="0" marL="0" rtl="0" algn="ctr">
+            <a:pPr marL="0" lvl="0" indent="0" algn="ctr" rtl="0">
               <a:spcBef>
                 <a:spcPts val="0"/>
               </a:spcBef>
@@ -10841,9 +11088,11 @@
       <p:sp>
         <p:nvSpPr>
           <p:cNvPr id="85" name="Google Shape;85;p17"/>
-          <p:cNvSpPr txBox="1"/>
+          <p:cNvSpPr txBox="1">
+            <a:spLocks noGrp="1"/>
+          </p:cNvSpPr>
           <p:nvPr>
-            <p:ph idx="1" type="body"/>
+            <p:ph type="body" idx="1"/>
           </p:nvPr>
         </p:nvSpPr>
         <p:spPr>
@@ -10856,12 +11105,12 @@
           </a:prstGeom>
         </p:spPr>
         <p:txBody>
-          <a:bodyPr anchorCtr="0" anchor="t" bIns="91425" lIns="91425" spcFirstLastPara="1" rIns="91425" wrap="square" tIns="91425">
+          <a:bodyPr spcFirstLastPara="1" wrap="square" lIns="91425" tIns="91425" rIns="91425" bIns="91425" anchor="t" anchorCtr="0">
             <a:normAutofit/>
           </a:bodyPr>
           <a:lstStyle/>
           <a:p>
-            <a:pPr indent="0" lvl="0" marL="0" rtl="0" algn="l">
+            <a:pPr marL="0" lvl="0" indent="0" algn="l" rtl="0">
               <a:spcBef>
                 <a:spcPts val="0"/>
               </a:spcBef>
@@ -10877,7 +11126,7 @@
             <a:endParaRPr/>
           </a:p>
           <a:p>
-            <a:pPr indent="-317500" lvl="0" marL="457200" rtl="0" algn="l">
+            <a:pPr marL="457200" lvl="0" indent="-317500" algn="l" rtl="0">
               <a:spcBef>
                 <a:spcPts val="1200"/>
               </a:spcBef>
@@ -10894,7 +11143,7 @@
             <a:endParaRPr/>
           </a:p>
           <a:p>
-            <a:pPr indent="0" lvl="0" marL="0" rtl="0" algn="l">
+            <a:pPr marL="0" lvl="0" indent="0" algn="l" rtl="0">
               <a:spcBef>
                 <a:spcPts val="1200"/>
               </a:spcBef>
@@ -10910,7 +11159,7 @@
             <a:endParaRPr/>
           </a:p>
           <a:p>
-            <a:pPr indent="-317500" lvl="0" marL="457200" rtl="0" algn="l">
+            <a:pPr marL="457200" lvl="0" indent="-317500" algn="l" rtl="0">
               <a:spcBef>
                 <a:spcPts val="1200"/>
               </a:spcBef>
@@ -10931,9 +11180,11 @@
       <p:sp>
         <p:nvSpPr>
           <p:cNvPr id="86" name="Google Shape;86;p17"/>
-          <p:cNvSpPr txBox="1"/>
+          <p:cNvSpPr txBox="1">
+            <a:spLocks noGrp="1"/>
+          </p:cNvSpPr>
           <p:nvPr>
-            <p:ph idx="2" type="body"/>
+            <p:ph type="body" idx="2"/>
           </p:nvPr>
         </p:nvSpPr>
         <p:spPr>
@@ -10946,12 +11197,12 @@
           </a:prstGeom>
         </p:spPr>
         <p:txBody>
-          <a:bodyPr anchorCtr="0" anchor="t" bIns="91425" lIns="91425" spcFirstLastPara="1" rIns="91425" wrap="square" tIns="91425">
+          <a:bodyPr spcFirstLastPara="1" wrap="square" lIns="91425" tIns="91425" rIns="91425" bIns="91425" anchor="t" anchorCtr="0">
             <a:normAutofit/>
           </a:bodyPr>
           <a:lstStyle/>
           <a:p>
-            <a:pPr indent="0" lvl="0" marL="0" rtl="0" algn="l">
+            <a:pPr marL="0" lvl="0" indent="0" algn="l" rtl="0">
               <a:spcBef>
                 <a:spcPts val="0"/>
               </a:spcBef>
@@ -10967,18 +11218,15 @@
             <a:endParaRPr/>
           </a:p>
           <a:p>
-            <a:pPr indent="0" lvl="0" marL="0" rtl="0" algn="l">
-              <a:spcBef>
-                <a:spcPts val="1200"/>
-              </a:spcBef>
-              <a:spcAft>
-                <a:spcPts val="1200"/>
-              </a:spcAft>
-              <a:buNone/>
-            </a:pPr>
-            <a:r>
-              <a:t/>
-            </a:r>
+            <a:pPr marL="0" lvl="0" indent="0" algn="l" rtl="0">
+              <a:spcBef>
+                <a:spcPts val="1200"/>
+              </a:spcBef>
+              <a:spcAft>
+                <a:spcPts val="1200"/>
+              </a:spcAft>
+              <a:buNone/>
+            </a:pPr>
             <a:endParaRPr/>
           </a:p>
         </p:txBody>
@@ -10998,14 +11246,14 @@
             <a:avLst/>
           </a:prstGeom>
           <a:noFill/>
-          <a:ln cap="flat" cmpd="sng" w="9525">
+          <a:ln w="9525" cap="flat" cmpd="sng">
             <a:solidFill>
               <a:schemeClr val="dk2"/>
             </a:solidFill>
             <a:prstDash val="solid"/>
             <a:round/>
-            <a:headEnd len="med" w="med" type="none"/>
-            <a:tailEnd len="med" w="med" type="none"/>
+            <a:headEnd type="none" w="med" len="med"/>
+            <a:tailEnd type="none" w="med" len="med"/>
           </a:ln>
         </p:spPr>
       </p:cxnSp>
@@ -11018,18 +11266,19 @@
 </file>
 
 <file path=ppt/slides/slide6.xml><?xml version="1.0" encoding="utf-8"?>
-<p:sld xmlns:a="http://schemas.openxmlformats.org/drawingml/2006/main" xmlns:r="http://schemas.openxmlformats.org/officeDocument/2006/relationships" xmlns:mc="http://schemas.openxmlformats.org/markup-compatibility/2006" xmlns:mv="urn:schemas-microsoft-com:mac:vml" xmlns:p="http://schemas.openxmlformats.org/presentationml/2006/main" xmlns:c="http://schemas.openxmlformats.org/drawingml/2006/chart" xmlns:dgm="http://schemas.openxmlformats.org/drawingml/2006/diagram" xmlns:o="urn:schemas-microsoft-com:office:office" xmlns:v="urn:schemas-microsoft-com:vml" xmlns:pvml="urn:schemas-microsoft-com:office:powerpoint" xmlns:com="http://schemas.openxmlformats.org/drawingml/2006/compatibility" xmlns:p14="http://schemas.microsoft.com/office/powerpoint/2010/main" xmlns:p15="http://schemas.microsoft.com/office/powerpoint/2012/main" xmlns:ahyp="http://schemas.microsoft.com/office/drawing/2018/hyperlinkcolor">
+<p:sld xmlns:a="http://schemas.openxmlformats.org/drawingml/2006/main" xmlns:r="http://schemas.openxmlformats.org/officeDocument/2006/relationships" xmlns:p="http://schemas.openxmlformats.org/presentationml/2006/main">
   <p:cSld>
     <p:bg>
       <p:bgPr>
         <a:solidFill>
           <a:srgbClr val="EAD1DC"/>
         </a:solidFill>
+        <a:effectLst/>
       </p:bgPr>
     </p:bg>
     <p:spTree>
       <p:nvGrpSpPr>
-        <p:cNvPr id="91" name="Shape 91"/>
+        <p:cNvPr id="1" name="Shape 91"/>
         <p:cNvGrpSpPr/>
         <p:nvPr/>
       </p:nvGrpSpPr>
@@ -11044,9 +11293,11 @@
       <p:sp>
         <p:nvSpPr>
           <p:cNvPr id="92" name="Google Shape;92;p18"/>
-          <p:cNvSpPr txBox="1"/>
+          <p:cNvSpPr txBox="1">
+            <a:spLocks noGrp="1"/>
+          </p:cNvSpPr>
           <p:nvPr>
-            <p:ph idx="1" type="body"/>
+            <p:ph type="body" idx="1"/>
           </p:nvPr>
         </p:nvSpPr>
         <p:spPr>
@@ -11059,12 +11310,12 @@
           </a:prstGeom>
         </p:spPr>
         <p:txBody>
-          <a:bodyPr anchorCtr="0" anchor="t" bIns="91425" lIns="91425" spcFirstLastPara="1" rIns="91425" wrap="square" tIns="91425">
+          <a:bodyPr spcFirstLastPara="1" wrap="square" lIns="91425" tIns="91425" rIns="91425" bIns="91425" anchor="t" anchorCtr="0">
             <a:normAutofit fontScale="55000" lnSpcReduction="20000"/>
           </a:bodyPr>
           <a:lstStyle/>
           <a:p>
-            <a:pPr indent="0" lvl="0" marL="0" rtl="0" algn="l">
+            <a:pPr marL="0" lvl="0" indent="0" algn="l" rtl="0">
               <a:spcBef>
                 <a:spcPts val="0"/>
               </a:spcBef>
@@ -11080,7 +11331,7 @@
             <a:endParaRPr/>
           </a:p>
           <a:p>
-            <a:pPr indent="-277495" lvl="0" marL="457200" rtl="0" algn="l">
+            <a:pPr marL="457200" lvl="0" indent="-277495" algn="l" rtl="0">
               <a:spcBef>
                 <a:spcPts val="1200"/>
               </a:spcBef>
@@ -11097,7 +11348,7 @@
             <a:endParaRPr/>
           </a:p>
           <a:p>
-            <a:pPr indent="0" lvl="0" marL="0" rtl="0" algn="l">
+            <a:pPr marL="0" lvl="0" indent="0" algn="l" rtl="0">
               <a:spcBef>
                 <a:spcPts val="1200"/>
               </a:spcBef>
@@ -11113,7 +11364,7 @@
             <a:endParaRPr/>
           </a:p>
           <a:p>
-            <a:pPr indent="-277495" lvl="0" marL="457200" rtl="0" algn="l">
+            <a:pPr marL="457200" lvl="0" indent="-277495" algn="l" rtl="0">
               <a:spcBef>
                 <a:spcPts val="1200"/>
               </a:spcBef>
@@ -11130,7 +11381,7 @@
             <a:endParaRPr/>
           </a:p>
           <a:p>
-            <a:pPr indent="0" lvl="0" marL="0" rtl="0" algn="l">
+            <a:pPr marL="0" lvl="0" indent="0" algn="l" rtl="0">
               <a:spcBef>
                 <a:spcPts val="1200"/>
               </a:spcBef>
@@ -11146,7 +11397,7 @@
             <a:endParaRPr/>
           </a:p>
           <a:p>
-            <a:pPr indent="-277495" lvl="0" marL="457200" rtl="0" algn="l">
+            <a:pPr marL="457200" lvl="0" indent="-277495" algn="l" rtl="0">
               <a:spcBef>
                 <a:spcPts val="1200"/>
               </a:spcBef>
@@ -11163,7 +11414,7 @@
             <a:endParaRPr/>
           </a:p>
           <a:p>
-            <a:pPr indent="0" lvl="0" marL="0" rtl="0" algn="l">
+            <a:pPr marL="0" lvl="0" indent="0" algn="l" rtl="0">
               <a:spcBef>
                 <a:spcPts val="1200"/>
               </a:spcBef>
@@ -11179,7 +11430,7 @@
             <a:endParaRPr/>
           </a:p>
           <a:p>
-            <a:pPr indent="-277495" lvl="0" marL="457200" rtl="0" algn="l">
+            <a:pPr marL="457200" lvl="0" indent="-277495" algn="l" rtl="0">
               <a:spcBef>
                 <a:spcPts val="1200"/>
               </a:spcBef>
@@ -11196,7 +11447,7 @@
             <a:endParaRPr/>
           </a:p>
           <a:p>
-            <a:pPr indent="0" lvl="0" marL="0" rtl="0" algn="l">
+            <a:pPr marL="0" lvl="0" indent="0" algn="l" rtl="0">
               <a:spcBef>
                 <a:spcPts val="1200"/>
               </a:spcBef>
@@ -11212,7 +11463,7 @@
             <a:endParaRPr/>
           </a:p>
           <a:p>
-            <a:pPr indent="-277495" lvl="0" marL="457200" rtl="0" algn="l">
+            <a:pPr marL="457200" lvl="0" indent="-277495" algn="l" rtl="0">
               <a:spcBef>
                 <a:spcPts val="1200"/>
               </a:spcBef>
@@ -11229,31 +11480,23 @@
             <a:endParaRPr/>
           </a:p>
           <a:p>
-            <a:pPr indent="0" lvl="0" marL="0" rtl="0" algn="l">
-              <a:spcBef>
-                <a:spcPts val="1200"/>
-              </a:spcBef>
-              <a:spcAft>
-                <a:spcPts val="0"/>
-              </a:spcAft>
-              <a:buNone/>
-            </a:pPr>
-            <a:r>
-              <a:rPr lang="en"/>
-              <a:t>Prints </a:t>
-            </a:r>
-            <a:r>
-              <a:rPr lang="en"/>
-              <a:t>success</a:t>
-            </a:r>
-            <a:r>
-              <a:rPr lang="en"/>
-              <a:t> and failure messages</a:t>
-            </a:r>
-            <a:endParaRPr/>
-          </a:p>
-          <a:p>
-            <a:pPr indent="-277495" lvl="0" marL="457200" rtl="0" algn="l">
+            <a:pPr marL="0" lvl="0" indent="0" algn="l" rtl="0">
+              <a:spcBef>
+                <a:spcPts val="1200"/>
+              </a:spcBef>
+              <a:spcAft>
+                <a:spcPts val="0"/>
+              </a:spcAft>
+              <a:buNone/>
+            </a:pPr>
+            <a:r>
+              <a:rPr lang="en"/>
+              <a:t>Prints success and failure messages</a:t>
+            </a:r>
+            <a:endParaRPr/>
+          </a:p>
+          <a:p>
+            <a:pPr marL="457200" lvl="0" indent="-277495" algn="l" rtl="0">
               <a:spcBef>
                 <a:spcPts val="1200"/>
               </a:spcBef>
@@ -11274,7 +11517,9 @@
       <p:sp>
         <p:nvSpPr>
           <p:cNvPr id="93" name="Google Shape;93;p18"/>
-          <p:cNvSpPr txBox="1"/>
+          <p:cNvSpPr txBox="1">
+            <a:spLocks noGrp="1"/>
+          </p:cNvSpPr>
           <p:nvPr>
             <p:ph type="title"/>
           </p:nvPr>
@@ -11289,12 +11534,12 @@
           </a:prstGeom>
         </p:spPr>
         <p:txBody>
-          <a:bodyPr anchorCtr="0" anchor="t" bIns="91425" lIns="91425" spcFirstLastPara="1" rIns="91425" wrap="square" tIns="91425">
+          <a:bodyPr spcFirstLastPara="1" wrap="square" lIns="91425" tIns="91425" rIns="91425" bIns="91425" anchor="t" anchorCtr="0">
             <a:normAutofit fontScale="90000"/>
           </a:bodyPr>
           <a:lstStyle/>
           <a:p>
-            <a:pPr indent="0" lvl="0" marL="0" rtl="0" algn="ctr">
+            <a:pPr marL="0" lvl="0" indent="0" algn="ctr" rtl="0">
               <a:spcBef>
                 <a:spcPts val="0"/>
               </a:spcBef>
@@ -11314,9 +11559,11 @@
       <p:sp>
         <p:nvSpPr>
           <p:cNvPr id="94" name="Google Shape;94;p18"/>
-          <p:cNvSpPr txBox="1"/>
+          <p:cNvSpPr txBox="1">
+            <a:spLocks noGrp="1"/>
+          </p:cNvSpPr>
           <p:nvPr>
-            <p:ph idx="2" type="body"/>
+            <p:ph type="body" idx="2"/>
           </p:nvPr>
         </p:nvSpPr>
         <p:spPr>
@@ -11329,23 +11576,20 @@
           </a:prstGeom>
         </p:spPr>
         <p:txBody>
-          <a:bodyPr anchorCtr="0" anchor="t" bIns="91425" lIns="91425" spcFirstLastPara="1" rIns="91425" wrap="square" tIns="91425">
+          <a:bodyPr spcFirstLastPara="1" wrap="square" lIns="91425" tIns="91425" rIns="91425" bIns="91425" anchor="t" anchorCtr="0">
             <a:normAutofit/>
           </a:bodyPr>
           <a:lstStyle/>
           <a:p>
-            <a:pPr indent="0" lvl="0" marL="0" rtl="0" algn="l">
-              <a:spcBef>
-                <a:spcPts val="0"/>
-              </a:spcBef>
-              <a:spcAft>
-                <a:spcPts val="1200"/>
-              </a:spcAft>
-              <a:buNone/>
-            </a:pPr>
-            <a:r>
-              <a:t/>
-            </a:r>
+            <a:pPr marL="0" lvl="0" indent="0" algn="l" rtl="0">
+              <a:spcBef>
+                <a:spcPts val="0"/>
+              </a:spcBef>
+              <a:spcAft>
+                <a:spcPts val="1200"/>
+              </a:spcAft>
+              <a:buNone/>
+            </a:pPr>
             <a:endParaRPr/>
           </a:p>
         </p:txBody>
@@ -11365,14 +11609,14 @@
             <a:avLst/>
           </a:prstGeom>
           <a:noFill/>
-          <a:ln cap="flat" cmpd="sng" w="9525">
+          <a:ln w="9525" cap="flat" cmpd="sng">
             <a:solidFill>
               <a:schemeClr val="dk2"/>
             </a:solidFill>
             <a:prstDash val="solid"/>
             <a:round/>
-            <a:headEnd len="med" w="med" type="none"/>
-            <a:tailEnd len="med" w="med" type="none"/>
+            <a:headEnd type="none" w="med" len="med"/>
+            <a:tailEnd type="none" w="med" len="med"/>
           </a:ln>
         </p:spPr>
       </p:cxnSp>
@@ -11385,18 +11629,19 @@
 </file>
 
 <file path=ppt/slides/slide7.xml><?xml version="1.0" encoding="utf-8"?>
-<p:sld xmlns:a="http://schemas.openxmlformats.org/drawingml/2006/main" xmlns:r="http://schemas.openxmlformats.org/officeDocument/2006/relationships" xmlns:mc="http://schemas.openxmlformats.org/markup-compatibility/2006" xmlns:mv="urn:schemas-microsoft-com:mac:vml" xmlns:p="http://schemas.openxmlformats.org/presentationml/2006/main" xmlns:c="http://schemas.openxmlformats.org/drawingml/2006/chart" xmlns:dgm="http://schemas.openxmlformats.org/drawingml/2006/diagram" xmlns:o="urn:schemas-microsoft-com:office:office" xmlns:v="urn:schemas-microsoft-com:vml" xmlns:pvml="urn:schemas-microsoft-com:office:powerpoint" xmlns:com="http://schemas.openxmlformats.org/drawingml/2006/compatibility" xmlns:p14="http://schemas.microsoft.com/office/powerpoint/2010/main" xmlns:p15="http://schemas.microsoft.com/office/powerpoint/2012/main" xmlns:ahyp="http://schemas.microsoft.com/office/drawing/2018/hyperlinkcolor">
+<p:sld xmlns:a="http://schemas.openxmlformats.org/drawingml/2006/main" xmlns:r="http://schemas.openxmlformats.org/officeDocument/2006/relationships" xmlns:p="http://schemas.openxmlformats.org/presentationml/2006/main">
   <p:cSld>
     <p:bg>
       <p:bgPr>
         <a:solidFill>
           <a:srgbClr val="EEFFFF"/>
         </a:solidFill>
+        <a:effectLst/>
       </p:bgPr>
     </p:bg>
     <p:spTree>
       <p:nvGrpSpPr>
-        <p:cNvPr id="99" name="Shape 99"/>
+        <p:cNvPr id="1" name="Shape 99"/>
         <p:cNvGrpSpPr/>
         <p:nvPr/>
       </p:nvGrpSpPr>
@@ -11411,7 +11656,9 @@
       <p:sp>
         <p:nvSpPr>
           <p:cNvPr id="100" name="Google Shape;100;p19"/>
-          <p:cNvSpPr txBox="1"/>
+          <p:cNvSpPr txBox="1">
+            <a:spLocks noGrp="1"/>
+          </p:cNvSpPr>
           <p:nvPr>
             <p:ph type="title"/>
           </p:nvPr>
@@ -11426,12 +11673,12 @@
           </a:prstGeom>
         </p:spPr>
         <p:txBody>
-          <a:bodyPr anchorCtr="0" anchor="t" bIns="91425" lIns="91425" spcFirstLastPara="1" rIns="91425" wrap="square" tIns="91425">
+          <a:bodyPr spcFirstLastPara="1" wrap="square" lIns="91425" tIns="91425" rIns="91425" bIns="91425" anchor="t" anchorCtr="0">
             <a:normAutofit fontScale="90000"/>
           </a:bodyPr>
           <a:lstStyle/>
           <a:p>
-            <a:pPr indent="0" lvl="0" marL="0" rtl="0" algn="ctr">
+            <a:pPr marL="0" lvl="0" indent="0" algn="ctr" rtl="0">
               <a:spcBef>
                 <a:spcPts val="0"/>
               </a:spcBef>
@@ -11451,9 +11698,11 @@
       <p:sp>
         <p:nvSpPr>
           <p:cNvPr id="101" name="Google Shape;101;p19"/>
-          <p:cNvSpPr txBox="1"/>
+          <p:cNvSpPr txBox="1">
+            <a:spLocks noGrp="1"/>
+          </p:cNvSpPr>
           <p:nvPr>
-            <p:ph idx="1" type="body"/>
+            <p:ph type="body" idx="1"/>
           </p:nvPr>
         </p:nvSpPr>
         <p:spPr>
@@ -11466,12 +11715,12 @@
           </a:prstGeom>
         </p:spPr>
         <p:txBody>
-          <a:bodyPr anchorCtr="0" anchor="t" bIns="91425" lIns="91425" spcFirstLastPara="1" rIns="91425" wrap="square" tIns="91425">
+          <a:bodyPr spcFirstLastPara="1" wrap="square" lIns="91425" tIns="91425" rIns="91425" bIns="91425" anchor="t" anchorCtr="0">
             <a:normAutofit/>
           </a:bodyPr>
           <a:lstStyle/>
           <a:p>
-            <a:pPr indent="0" lvl="0" marL="0" rtl="0" algn="l">
+            <a:pPr marL="0" lvl="0" indent="0" algn="l" rtl="0">
               <a:spcBef>
                 <a:spcPts val="0"/>
               </a:spcBef>
@@ -11487,7 +11736,7 @@
             <a:endParaRPr/>
           </a:p>
           <a:p>
-            <a:pPr indent="-317500" lvl="0" marL="457200" rtl="0" algn="l">
+            <a:pPr marL="457200" lvl="0" indent="-317500" algn="l" rtl="0">
               <a:spcBef>
                 <a:spcPts val="1200"/>
               </a:spcBef>
@@ -11504,7 +11753,7 @@
             <a:endParaRPr/>
           </a:p>
           <a:p>
-            <a:pPr indent="0" lvl="0" marL="0" rtl="0" algn="l">
+            <a:pPr marL="0" lvl="0" indent="0" algn="l" rtl="0">
               <a:spcBef>
                 <a:spcPts val="1200"/>
               </a:spcBef>
@@ -11520,7 +11769,7 @@
             <a:endParaRPr/>
           </a:p>
           <a:p>
-            <a:pPr indent="-317500" lvl="0" marL="457200" rtl="0" algn="l">
+            <a:pPr marL="457200" lvl="0" indent="-317500" algn="l" rtl="0">
               <a:spcBef>
                 <a:spcPts val="1200"/>
               </a:spcBef>
@@ -11537,48 +11786,39 @@
             <a:endParaRPr/>
           </a:p>
           <a:p>
-            <a:pPr indent="0" lvl="0" marL="0" rtl="0" algn="l">
-              <a:spcBef>
-                <a:spcPts val="1200"/>
-              </a:spcBef>
-              <a:spcAft>
-                <a:spcPts val="0"/>
-              </a:spcAft>
-              <a:buNone/>
-            </a:pPr>
-            <a:r>
-              <a:t/>
-            </a:r>
-            <a:endParaRPr/>
-          </a:p>
-          <a:p>
-            <a:pPr indent="0" lvl="0" marL="0" rtl="0" algn="l">
-              <a:spcBef>
-                <a:spcPts val="1200"/>
-              </a:spcBef>
-              <a:spcAft>
-                <a:spcPts val="0"/>
-              </a:spcAft>
-              <a:buNone/>
-            </a:pPr>
-            <a:r>
-              <a:t/>
-            </a:r>
-            <a:endParaRPr/>
-          </a:p>
-          <a:p>
-            <a:pPr indent="0" lvl="0" marL="0" rtl="0" algn="l">
-              <a:spcBef>
-                <a:spcPts val="1200"/>
-              </a:spcBef>
-              <a:spcAft>
-                <a:spcPts val="1200"/>
-              </a:spcAft>
-              <a:buNone/>
-            </a:pPr>
-            <a:r>
-              <a:t/>
-            </a:r>
+            <a:pPr marL="0" lvl="0" indent="0" algn="l" rtl="0">
+              <a:spcBef>
+                <a:spcPts val="1200"/>
+              </a:spcBef>
+              <a:spcAft>
+                <a:spcPts val="0"/>
+              </a:spcAft>
+              <a:buNone/>
+            </a:pPr>
+            <a:endParaRPr/>
+          </a:p>
+          <a:p>
+            <a:pPr marL="0" lvl="0" indent="0" algn="l" rtl="0">
+              <a:spcBef>
+                <a:spcPts val="1200"/>
+              </a:spcBef>
+              <a:spcAft>
+                <a:spcPts val="0"/>
+              </a:spcAft>
+              <a:buNone/>
+            </a:pPr>
+            <a:endParaRPr/>
+          </a:p>
+          <a:p>
+            <a:pPr marL="0" lvl="0" indent="0" algn="l" rtl="0">
+              <a:spcBef>
+                <a:spcPts val="1200"/>
+              </a:spcBef>
+              <a:spcAft>
+                <a:spcPts val="1200"/>
+              </a:spcAft>
+              <a:buNone/>
+            </a:pPr>
             <a:endParaRPr/>
           </a:p>
         </p:txBody>
@@ -11586,9 +11826,11 @@
       <p:sp>
         <p:nvSpPr>
           <p:cNvPr id="102" name="Google Shape;102;p19"/>
-          <p:cNvSpPr txBox="1"/>
+          <p:cNvSpPr txBox="1">
+            <a:spLocks noGrp="1"/>
+          </p:cNvSpPr>
           <p:nvPr>
-            <p:ph idx="2" type="body"/>
+            <p:ph type="body" idx="2"/>
           </p:nvPr>
         </p:nvSpPr>
         <p:spPr>
@@ -11601,12 +11843,12 @@
           </a:prstGeom>
         </p:spPr>
         <p:txBody>
-          <a:bodyPr anchorCtr="0" anchor="t" bIns="91425" lIns="91425" spcFirstLastPara="1" rIns="91425" wrap="square" tIns="91425">
+          <a:bodyPr spcFirstLastPara="1" wrap="square" lIns="91425" tIns="91425" rIns="91425" bIns="91425" anchor="t" anchorCtr="0">
             <a:normAutofit/>
           </a:bodyPr>
           <a:lstStyle/>
           <a:p>
-            <a:pPr indent="0" lvl="0" marL="0" rtl="0" algn="l">
+            <a:pPr marL="0" lvl="0" indent="0" algn="l" rtl="0">
               <a:spcBef>
                 <a:spcPts val="0"/>
               </a:spcBef>
@@ -11638,14 +11880,14 @@
             <a:avLst/>
           </a:prstGeom>
           <a:noFill/>
-          <a:ln cap="flat" cmpd="sng" w="9525">
+          <a:ln w="9525" cap="flat" cmpd="sng">
             <a:solidFill>
               <a:schemeClr val="dk2"/>
             </a:solidFill>
             <a:prstDash val="solid"/>
             <a:round/>
-            <a:headEnd len="med" w="med" type="none"/>
-            <a:tailEnd len="med" w="med" type="none"/>
+            <a:headEnd type="none" w="med" len="med"/>
+            <a:tailEnd type="none" w="med" len="med"/>
           </a:ln>
         </p:spPr>
       </p:cxnSp>
@@ -11658,18 +11900,19 @@
 </file>
 
 <file path=ppt/slides/slide8.xml><?xml version="1.0" encoding="utf-8"?>
-<p:sld xmlns:a="http://schemas.openxmlformats.org/drawingml/2006/main" xmlns:r="http://schemas.openxmlformats.org/officeDocument/2006/relationships" xmlns:mc="http://schemas.openxmlformats.org/markup-compatibility/2006" xmlns:mv="urn:schemas-microsoft-com:mac:vml" xmlns:p="http://schemas.openxmlformats.org/presentationml/2006/main" xmlns:c="http://schemas.openxmlformats.org/drawingml/2006/chart" xmlns:dgm="http://schemas.openxmlformats.org/drawingml/2006/diagram" xmlns:o="urn:schemas-microsoft-com:office:office" xmlns:v="urn:schemas-microsoft-com:vml" xmlns:pvml="urn:schemas-microsoft-com:office:powerpoint" xmlns:com="http://schemas.openxmlformats.org/drawingml/2006/compatibility" xmlns:p14="http://schemas.microsoft.com/office/powerpoint/2010/main" xmlns:p15="http://schemas.microsoft.com/office/powerpoint/2012/main" xmlns:ahyp="http://schemas.microsoft.com/office/drawing/2018/hyperlinkcolor">
+<p:sld xmlns:a="http://schemas.openxmlformats.org/drawingml/2006/main" xmlns:r="http://schemas.openxmlformats.org/officeDocument/2006/relationships" xmlns:p="http://schemas.openxmlformats.org/presentationml/2006/main">
   <p:cSld>
     <p:bg>
       <p:bgPr>
         <a:solidFill>
           <a:srgbClr val="EEFFFF"/>
         </a:solidFill>
+        <a:effectLst/>
       </p:bgPr>
     </p:bg>
     <p:spTree>
       <p:nvGrpSpPr>
-        <p:cNvPr id="107" name="Shape 107"/>
+        <p:cNvPr id="1" name="Shape 107"/>
         <p:cNvGrpSpPr/>
         <p:nvPr/>
       </p:nvGrpSpPr>
@@ -11684,7 +11927,9 @@
       <p:sp>
         <p:nvSpPr>
           <p:cNvPr id="108" name="Google Shape;108;p20"/>
-          <p:cNvSpPr txBox="1"/>
+          <p:cNvSpPr txBox="1">
+            <a:spLocks noGrp="1"/>
+          </p:cNvSpPr>
           <p:nvPr>
             <p:ph type="title"/>
           </p:nvPr>
@@ -11699,12 +11944,12 @@
           </a:prstGeom>
         </p:spPr>
         <p:txBody>
-          <a:bodyPr anchorCtr="0" anchor="t" bIns="91425" lIns="91425" spcFirstLastPara="1" rIns="91425" wrap="square" tIns="91425">
+          <a:bodyPr spcFirstLastPara="1" wrap="square" lIns="91425" tIns="91425" rIns="91425" bIns="91425" anchor="t" anchorCtr="0">
             <a:normAutofit fontScale="90000"/>
           </a:bodyPr>
           <a:lstStyle/>
           <a:p>
-            <a:pPr indent="0" lvl="0" marL="0" rtl="0" algn="ctr">
+            <a:pPr marL="0" lvl="0" indent="0" algn="ctr" rtl="0">
               <a:spcBef>
                 <a:spcPts val="0"/>
               </a:spcBef>
@@ -11724,9 +11969,11 @@
       <p:sp>
         <p:nvSpPr>
           <p:cNvPr id="109" name="Google Shape;109;p20"/>
-          <p:cNvSpPr txBox="1"/>
+          <p:cNvSpPr txBox="1">
+            <a:spLocks noGrp="1"/>
+          </p:cNvSpPr>
           <p:nvPr>
-            <p:ph idx="1" type="body"/>
+            <p:ph type="body" idx="1"/>
           </p:nvPr>
         </p:nvSpPr>
         <p:spPr>
@@ -11739,32 +11986,28 @@
           </a:prstGeom>
         </p:spPr>
         <p:txBody>
-          <a:bodyPr anchorCtr="0" anchor="t" bIns="91425" lIns="91425" spcFirstLastPara="1" rIns="91425" wrap="square" tIns="91425">
+          <a:bodyPr spcFirstLastPara="1" wrap="square" lIns="91425" tIns="91425" rIns="91425" bIns="91425" anchor="t" anchorCtr="0">
             <a:normAutofit/>
           </a:bodyPr>
           <a:lstStyle/>
           <a:p>
-            <a:pPr indent="0" lvl="0" marL="0" rtl="0" algn="l">
-              <a:spcBef>
-                <a:spcPts val="0"/>
-              </a:spcBef>
-              <a:spcAft>
-                <a:spcPts val="0"/>
-              </a:spcAft>
-              <a:buNone/>
-            </a:pPr>
-            <a:r>
-              <a:rPr lang="en"/>
-              <a:t>Create a </a:t>
-            </a:r>
-            <a:r>
-              <a:rPr lang="en"/>
-              <a:t>UsernamePassword.csv from a UserContainer class</a:t>
-            </a:r>
-            <a:endParaRPr/>
-          </a:p>
-          <a:p>
-            <a:pPr indent="-317500" lvl="0" marL="457200" rtl="0" algn="l">
+            <a:pPr marL="0" lvl="0" indent="0" algn="l" rtl="0">
+              <a:spcBef>
+                <a:spcPts val="0"/>
+              </a:spcBef>
+              <a:spcAft>
+                <a:spcPts val="0"/>
+              </a:spcAft>
+              <a:buNone/>
+            </a:pPr>
+            <a:r>
+              <a:rPr lang="en"/>
+              <a:t>Create a UsernamePassword.csv from a UserContainer class</a:t>
+            </a:r>
+            <a:endParaRPr/>
+          </a:p>
+          <a:p>
+            <a:pPr marL="457200" lvl="0" indent="-317500" algn="l" rtl="0">
               <a:spcBef>
                 <a:spcPts val="1200"/>
               </a:spcBef>
@@ -11781,31 +12024,23 @@
             <a:endParaRPr/>
           </a:p>
           <a:p>
-            <a:pPr indent="0" lvl="0" marL="0" rtl="0" algn="l">
-              <a:spcBef>
-                <a:spcPts val="1200"/>
-              </a:spcBef>
-              <a:spcAft>
-                <a:spcPts val="0"/>
-              </a:spcAft>
-              <a:buNone/>
-            </a:pPr>
-            <a:r>
-              <a:rPr lang="en"/>
-              <a:t>Append Username,Password, and the admin status of a User to the </a:t>
-            </a:r>
-            <a:r>
-              <a:rPr lang="en"/>
-              <a:t>UsernamePassword</a:t>
-            </a:r>
-            <a:r>
-              <a:rPr lang="en"/>
-              <a:t>.csv file</a:t>
-            </a:r>
-            <a:endParaRPr/>
-          </a:p>
-          <a:p>
-            <a:pPr indent="-317500" lvl="0" marL="457200" rtl="0" algn="l">
+            <a:pPr marL="0" lvl="0" indent="0" algn="l" rtl="0">
+              <a:spcBef>
+                <a:spcPts val="1200"/>
+              </a:spcBef>
+              <a:spcAft>
+                <a:spcPts val="0"/>
+              </a:spcAft>
+              <a:buNone/>
+            </a:pPr>
+            <a:r>
+              <a:rPr lang="en"/>
+              <a:t>Append Username,Password, and the admin status of a User to the UsernamePassword.csv file</a:t>
+            </a:r>
+            <a:endParaRPr/>
+          </a:p>
+          <a:p>
+            <a:pPr marL="457200" lvl="0" indent="-317500" algn="l" rtl="0">
               <a:spcBef>
                 <a:spcPts val="1200"/>
               </a:spcBef>
@@ -11822,33 +12057,27 @@
             <a:endParaRPr/>
           </a:p>
           <a:p>
-            <a:pPr indent="0" lvl="0" marL="0" rtl="0" algn="l">
-              <a:spcBef>
-                <a:spcPts val="1200"/>
-              </a:spcBef>
-              <a:spcAft>
-                <a:spcPts val="0"/>
-              </a:spcAft>
-              <a:buNone/>
-            </a:pPr>
-            <a:r>
-              <a:t/>
-            </a:r>
-            <a:endParaRPr/>
-          </a:p>
-          <a:p>
-            <a:pPr indent="0" lvl="0" marL="0" rtl="0" algn="l">
-              <a:spcBef>
-                <a:spcPts val="1200"/>
-              </a:spcBef>
-              <a:spcAft>
-                <a:spcPts val="1200"/>
-              </a:spcAft>
-              <a:buNone/>
-            </a:pPr>
-            <a:r>
-              <a:t/>
-            </a:r>
+            <a:pPr marL="0" lvl="0" indent="0" algn="l" rtl="0">
+              <a:spcBef>
+                <a:spcPts val="1200"/>
+              </a:spcBef>
+              <a:spcAft>
+                <a:spcPts val="0"/>
+              </a:spcAft>
+              <a:buNone/>
+            </a:pPr>
+            <a:endParaRPr/>
+          </a:p>
+          <a:p>
+            <a:pPr marL="0" lvl="0" indent="0" algn="l" rtl="0">
+              <a:spcBef>
+                <a:spcPts val="1200"/>
+              </a:spcBef>
+              <a:spcAft>
+                <a:spcPts val="1200"/>
+              </a:spcAft>
+              <a:buNone/>
+            </a:pPr>
             <a:endParaRPr/>
           </a:p>
         </p:txBody>
@@ -11856,9 +12085,11 @@
       <p:sp>
         <p:nvSpPr>
           <p:cNvPr id="110" name="Google Shape;110;p20"/>
-          <p:cNvSpPr txBox="1"/>
+          <p:cNvSpPr txBox="1">
+            <a:spLocks noGrp="1"/>
+          </p:cNvSpPr>
           <p:nvPr>
-            <p:ph idx="2" type="body"/>
+            <p:ph type="body" idx="2"/>
           </p:nvPr>
         </p:nvSpPr>
         <p:spPr>
@@ -11871,12 +12102,12 @@
           </a:prstGeom>
         </p:spPr>
         <p:txBody>
-          <a:bodyPr anchorCtr="0" anchor="t" bIns="91425" lIns="91425" spcFirstLastPara="1" rIns="91425" wrap="square" tIns="91425">
+          <a:bodyPr spcFirstLastPara="1" wrap="square" lIns="91425" tIns="91425" rIns="91425" bIns="91425" anchor="t" anchorCtr="0">
             <a:normAutofit/>
           </a:bodyPr>
           <a:lstStyle/>
           <a:p>
-            <a:pPr indent="0" lvl="0" marL="0" rtl="0" algn="l">
+            <a:pPr marL="0" lvl="0" indent="0" algn="l" rtl="0">
               <a:spcBef>
                 <a:spcPts val="0"/>
               </a:spcBef>
@@ -11892,7 +12123,7 @@
             <a:endParaRPr/>
           </a:p>
           <a:p>
-            <a:pPr indent="0" lvl="0" marL="0" rtl="0" algn="l">
+            <a:pPr marL="0" lvl="0" indent="0" algn="l" rtl="0">
               <a:spcBef>
                 <a:spcPts val="1200"/>
               </a:spcBef>
@@ -11908,7 +12139,7 @@
             <a:endParaRPr/>
           </a:p>
           <a:p>
-            <a:pPr indent="0" lvl="0" marL="0" rtl="0" algn="l">
+            <a:pPr marL="0" lvl="0" indent="0" algn="l" rtl="0">
               <a:spcBef>
                 <a:spcPts val="1200"/>
               </a:spcBef>
@@ -11933,9 +12164,11 @@
       <p:sp>
         <p:nvSpPr>
           <p:cNvPr id="111" name="Google Shape;111;p20"/>
-          <p:cNvSpPr txBox="1"/>
+          <p:cNvSpPr txBox="1">
+            <a:spLocks noGrp="1"/>
+          </p:cNvSpPr>
           <p:nvPr>
-            <p:ph idx="2" type="body"/>
+            <p:ph type="body" idx="2"/>
           </p:nvPr>
         </p:nvSpPr>
         <p:spPr>
@@ -11948,12 +12181,12 @@
           </a:prstGeom>
         </p:spPr>
         <p:txBody>
-          <a:bodyPr anchorCtr="0" anchor="t" bIns="91425" lIns="91425" spcFirstLastPara="1" rIns="91425" wrap="square" tIns="91425">
+          <a:bodyPr spcFirstLastPara="1" wrap="square" lIns="91425" tIns="91425" rIns="91425" bIns="91425" anchor="t" anchorCtr="0">
             <a:normAutofit fontScale="47500"/>
           </a:bodyPr>
           <a:lstStyle/>
           <a:p>
-            <a:pPr indent="0" lvl="0" marL="0" rtl="0" algn="l">
+            <a:pPr marL="0" lvl="0" indent="0" algn="l" rtl="0">
               <a:spcBef>
                 <a:spcPts val="0"/>
               </a:spcBef>
@@ -11994,14 +12227,14 @@
             <a:avLst/>
           </a:prstGeom>
           <a:noFill/>
-          <a:ln cap="flat" cmpd="sng" w="9525">
+          <a:ln w="9525" cap="flat" cmpd="sng">
             <a:solidFill>
               <a:schemeClr val="dk2"/>
             </a:solidFill>
             <a:prstDash val="solid"/>
             <a:round/>
-            <a:headEnd len="med" w="med" type="none"/>
-            <a:tailEnd len="med" w="med" type="none"/>
+            <a:headEnd type="none" w="med" len="med"/>
+            <a:tailEnd type="none" w="med" len="med"/>
           </a:ln>
         </p:spPr>
       </p:cxnSp>
@@ -12014,18 +12247,19 @@
 </file>
 
 <file path=ppt/slides/slide9.xml><?xml version="1.0" encoding="utf-8"?>
-<p:sld xmlns:a="http://schemas.openxmlformats.org/drawingml/2006/main" xmlns:r="http://schemas.openxmlformats.org/officeDocument/2006/relationships" xmlns:mc="http://schemas.openxmlformats.org/markup-compatibility/2006" xmlns:mv="urn:schemas-microsoft-com:mac:vml" xmlns:p="http://schemas.openxmlformats.org/presentationml/2006/main" xmlns:c="http://schemas.openxmlformats.org/drawingml/2006/chart" xmlns:dgm="http://schemas.openxmlformats.org/drawingml/2006/diagram" xmlns:o="urn:schemas-microsoft-com:office:office" xmlns:v="urn:schemas-microsoft-com:vml" xmlns:pvml="urn:schemas-microsoft-com:office:powerpoint" xmlns:com="http://schemas.openxmlformats.org/drawingml/2006/compatibility" xmlns:p14="http://schemas.microsoft.com/office/powerpoint/2010/main" xmlns:p15="http://schemas.microsoft.com/office/powerpoint/2012/main" xmlns:ahyp="http://schemas.microsoft.com/office/drawing/2018/hyperlinkcolor">
+<p:sld xmlns:a="http://schemas.openxmlformats.org/drawingml/2006/main" xmlns:r="http://schemas.openxmlformats.org/officeDocument/2006/relationships" xmlns:p="http://schemas.openxmlformats.org/presentationml/2006/main">
   <p:cSld>
     <p:bg>
       <p:bgPr>
         <a:solidFill>
           <a:srgbClr val="EEFFFF"/>
         </a:solidFill>
+        <a:effectLst/>
       </p:bgPr>
     </p:bg>
     <p:spTree>
       <p:nvGrpSpPr>
-        <p:cNvPr id="116" name="Shape 116"/>
+        <p:cNvPr id="1" name="Shape 116"/>
         <p:cNvGrpSpPr/>
         <p:nvPr/>
       </p:nvGrpSpPr>
@@ -12040,7 +12274,9 @@
       <p:sp>
         <p:nvSpPr>
           <p:cNvPr id="117" name="Google Shape;117;p21"/>
-          <p:cNvSpPr txBox="1"/>
+          <p:cNvSpPr txBox="1">
+            <a:spLocks noGrp="1"/>
+          </p:cNvSpPr>
           <p:nvPr>
             <p:ph type="title"/>
           </p:nvPr>
@@ -12055,12 +12291,12 @@
           </a:prstGeom>
         </p:spPr>
         <p:txBody>
-          <a:bodyPr anchorCtr="0" anchor="t" bIns="91425" lIns="91425" spcFirstLastPara="1" rIns="91425" wrap="square" tIns="91425">
+          <a:bodyPr spcFirstLastPara="1" wrap="square" lIns="91425" tIns="91425" rIns="91425" bIns="91425" anchor="t" anchorCtr="0">
             <a:normAutofit fontScale="90000"/>
           </a:bodyPr>
           <a:lstStyle/>
           <a:p>
-            <a:pPr indent="0" lvl="0" marL="0" rtl="0" algn="ctr">
+            <a:pPr marL="0" lvl="0" indent="0" algn="ctr" rtl="0">
               <a:spcBef>
                 <a:spcPts val="0"/>
               </a:spcBef>
@@ -12080,9 +12316,11 @@
       <p:sp>
         <p:nvSpPr>
           <p:cNvPr id="118" name="Google Shape;118;p21"/>
-          <p:cNvSpPr txBox="1"/>
+          <p:cNvSpPr txBox="1">
+            <a:spLocks noGrp="1"/>
+          </p:cNvSpPr>
           <p:nvPr>
-            <p:ph idx="1" type="body"/>
+            <p:ph type="body" idx="1"/>
           </p:nvPr>
         </p:nvSpPr>
         <p:spPr>
@@ -12095,28 +12333,28 @@
           </a:prstGeom>
         </p:spPr>
         <p:txBody>
-          <a:bodyPr anchorCtr="0" anchor="t" bIns="91425" lIns="91425" spcFirstLastPara="1" rIns="91425" wrap="square" tIns="91425">
+          <a:bodyPr spcFirstLastPara="1" wrap="square" lIns="91425" tIns="91425" rIns="91425" bIns="91425" anchor="t" anchorCtr="0">
             <a:normAutofit/>
           </a:bodyPr>
           <a:lstStyle/>
           <a:p>
-            <a:pPr indent="0" lvl="0" marL="0" rtl="0" algn="l">
-              <a:spcBef>
-                <a:spcPts val="0"/>
-              </a:spcBef>
-              <a:spcAft>
-                <a:spcPts val="0"/>
-              </a:spcAft>
-              <a:buNone/>
-            </a:pPr>
-            <a:r>
-              <a:rPr lang="en"/>
+            <a:pPr marL="0" lvl="0" indent="0" algn="l" rtl="0">
+              <a:spcBef>
+                <a:spcPts val="0"/>
+              </a:spcBef>
+              <a:spcAft>
+                <a:spcPts val="0"/>
+              </a:spcAft>
+              <a:buNone/>
+            </a:pPr>
+            <a:r>
+              <a:rPr lang="en" dirty="0"/>
               <a:t>Logs a user in</a:t>
             </a:r>
-            <a:endParaRPr/>
-          </a:p>
-          <a:p>
-            <a:pPr indent="-317500" lvl="0" marL="457200" rtl="0" algn="l">
+            <a:endParaRPr dirty="0"/>
+          </a:p>
+          <a:p>
+            <a:pPr marL="457200" lvl="0" indent="-317500" algn="l" rtl="0">
               <a:spcBef>
                 <a:spcPts val="1200"/>
               </a:spcBef>
@@ -12127,29 +12365,33 @@
               <a:buChar char="-"/>
             </a:pPr>
             <a:r>
-              <a:rPr lang="en"/>
-              <a:t>loginUser()</a:t>
-            </a:r>
-            <a:endParaRPr/>
-          </a:p>
-          <a:p>
-            <a:pPr indent="0" lvl="0" marL="0" rtl="0" algn="l">
-              <a:spcBef>
-                <a:spcPts val="1200"/>
-              </a:spcBef>
-              <a:spcAft>
-                <a:spcPts val="0"/>
-              </a:spcAft>
-              <a:buNone/>
-            </a:pPr>
-            <a:r>
-              <a:rPr lang="en"/>
+              <a:rPr lang="en" dirty="0" err="1"/>
+              <a:t>loginUser</a:t>
+            </a:r>
+            <a:r>
+              <a:rPr lang="en" dirty="0"/>
+              <a:t>()</a:t>
+            </a:r>
+            <a:endParaRPr dirty="0"/>
+          </a:p>
+          <a:p>
+            <a:pPr marL="0" lvl="0" indent="0" algn="l" rtl="0">
+              <a:spcBef>
+                <a:spcPts val="1200"/>
+              </a:spcBef>
+              <a:spcAft>
+                <a:spcPts val="0"/>
+              </a:spcAft>
+              <a:buNone/>
+            </a:pPr>
+            <a:r>
+              <a:rPr lang="en" dirty="0"/>
               <a:t>Logs a user out</a:t>
             </a:r>
-            <a:endParaRPr/>
-          </a:p>
-          <a:p>
-            <a:pPr indent="-317500" lvl="0" marL="457200" rtl="0" algn="l">
+            <a:endParaRPr dirty="0"/>
+          </a:p>
+          <a:p>
+            <a:pPr marL="457200" lvl="0" indent="-317500" algn="l" rtl="0">
               <a:spcBef>
                 <a:spcPts val="1200"/>
               </a:spcBef>
@@ -12160,33 +12402,37 @@
               <a:buChar char="-"/>
             </a:pPr>
             <a:r>
-              <a:rPr lang="en"/>
-              <a:t>logout</a:t>
-            </a:r>
-            <a:r>
-              <a:rPr lang="en"/>
-              <a:t>User()</a:t>
-            </a:r>
-            <a:endParaRPr/>
-          </a:p>
-          <a:p>
-            <a:pPr indent="0" lvl="0" marL="0" rtl="0" algn="l">
-              <a:spcBef>
-                <a:spcPts val="1200"/>
-              </a:spcBef>
-              <a:spcAft>
-                <a:spcPts val="0"/>
-              </a:spcAft>
-              <a:buNone/>
-            </a:pPr>
-            <a:r>
-              <a:rPr lang="en"/>
-              <a:t>Checks if a username exists</a:t>
-            </a:r>
-            <a:endParaRPr/>
-          </a:p>
-          <a:p>
-            <a:pPr indent="-317500" lvl="0" marL="457200" rtl="0" algn="l">
+              <a:rPr lang="en" dirty="0" err="1"/>
+              <a:t>logoutUser</a:t>
+            </a:r>
+            <a:r>
+              <a:rPr lang="en" dirty="0"/>
+              <a:t>()</a:t>
+            </a:r>
+            <a:endParaRPr dirty="0"/>
+          </a:p>
+          <a:p>
+            <a:pPr marL="0" lvl="0" indent="0" algn="l" rtl="0">
+              <a:spcBef>
+                <a:spcPts val="1200"/>
+              </a:spcBef>
+              <a:spcAft>
+                <a:spcPts val="0"/>
+              </a:spcAft>
+              <a:buNone/>
+            </a:pPr>
+            <a:r>
+              <a:rPr lang="en"/>
+              <a:t>Checks </a:t>
+            </a:r>
+            <a:r>
+              <a:rPr lang="en" dirty="0"/>
+              <a:t>if a User is an admin</a:t>
+            </a:r>
+            <a:endParaRPr dirty="0"/>
+          </a:p>
+          <a:p>
+            <a:pPr marL="457200" lvl="0" indent="-317500" algn="l" rtl="0">
               <a:spcBef>
                 <a:spcPts val="1200"/>
               </a:spcBef>
@@ -12197,52 +12443,25 @@
               <a:buChar char="-"/>
             </a:pPr>
             <a:r>
-              <a:rPr lang="en"/>
-              <a:t>checkUsernameExists()</a:t>
-            </a:r>
-            <a:endParaRPr/>
-          </a:p>
-          <a:p>
-            <a:pPr indent="0" lvl="0" marL="0" rtl="0" algn="l">
-              <a:spcBef>
-                <a:spcPts val="1200"/>
-              </a:spcBef>
-              <a:spcAft>
-                <a:spcPts val="0"/>
-              </a:spcAft>
-              <a:buNone/>
-            </a:pPr>
-            <a:r>
-              <a:rPr lang="en"/>
-              <a:t>Checks if a User is an admin</a:t>
-            </a:r>
-            <a:endParaRPr/>
-          </a:p>
-          <a:p>
-            <a:pPr indent="-317500" lvl="0" marL="457200" rtl="0" algn="l">
-              <a:spcBef>
-                <a:spcPts val="1200"/>
-              </a:spcBef>
-              <a:spcAft>
-                <a:spcPts val="0"/>
-              </a:spcAft>
-              <a:buSzPts val="1400"/>
-              <a:buChar char="-"/>
-            </a:pPr>
-            <a:r>
-              <a:rPr lang="en"/>
-              <a:t>checkUserAdmin()</a:t>
-            </a:r>
-            <a:endParaRPr/>
+              <a:rPr lang="en" dirty="0" err="1"/>
+              <a:t>checkUserAdmin</a:t>
+            </a:r>
+            <a:r>
+              <a:rPr lang="en" dirty="0"/>
+              <a:t>()</a:t>
+            </a:r>
+            <a:endParaRPr dirty="0"/>
           </a:p>
         </p:txBody>
       </p:sp>
       <p:sp>
         <p:nvSpPr>
           <p:cNvPr id="119" name="Google Shape;119;p21"/>
-          <p:cNvSpPr txBox="1"/>
+          <p:cNvSpPr txBox="1">
+            <a:spLocks noGrp="1"/>
+          </p:cNvSpPr>
           <p:nvPr>
-            <p:ph idx="2" type="body"/>
+            <p:ph type="body" idx="2"/>
           </p:nvPr>
         </p:nvSpPr>
         <p:spPr>
@@ -12255,12 +12474,12 @@
           </a:prstGeom>
         </p:spPr>
         <p:txBody>
-          <a:bodyPr anchorCtr="0" anchor="t" bIns="91425" lIns="91425" spcFirstLastPara="1" rIns="91425" wrap="square" tIns="91425">
+          <a:bodyPr spcFirstLastPara="1" wrap="square" lIns="91425" tIns="91425" rIns="91425" bIns="91425" anchor="t" anchorCtr="0">
             <a:normAutofit/>
           </a:bodyPr>
           <a:lstStyle/>
           <a:p>
-            <a:pPr indent="0" lvl="0" marL="0" rtl="0" algn="l">
+            <a:pPr marL="0" lvl="0" indent="0" algn="l" rtl="0">
               <a:spcBef>
                 <a:spcPts val="0"/>
               </a:spcBef>
@@ -12276,7 +12495,7 @@
             <a:endParaRPr/>
           </a:p>
           <a:p>
-            <a:pPr indent="0" lvl="0" marL="0" rtl="0" algn="l">
+            <a:pPr marL="0" lvl="0" indent="0" algn="l" rtl="0">
               <a:spcBef>
                 <a:spcPts val="1200"/>
               </a:spcBef>
@@ -12308,14 +12527,14 @@
             <a:avLst/>
           </a:prstGeom>
           <a:noFill/>
-          <a:ln cap="flat" cmpd="sng" w="9525">
+          <a:ln w="9525" cap="flat" cmpd="sng">
             <a:solidFill>
               <a:schemeClr val="dk2"/>
             </a:solidFill>
             <a:prstDash val="solid"/>
             <a:round/>
-            <a:headEnd len="med" w="med" type="none"/>
-            <a:tailEnd len="med" w="med" type="none"/>
+            <a:headEnd type="none" w="med" len="med"/>
+            <a:tailEnd type="none" w="med" len="med"/>
           </a:ln>
         </p:spPr>
       </p:cxnSp>
@@ -12328,7 +12547,288 @@
 </file>
 
 <file path=ppt/theme/theme1.xml><?xml version="1.0" encoding="utf-8"?>
-<a:theme xmlns:a="http://schemas.openxmlformats.org/drawingml/2006/main" xmlns:r="http://schemas.openxmlformats.org/officeDocument/2006/relationships">
+<a:theme xmlns:a="http://schemas.openxmlformats.org/drawingml/2006/main" name="Simple Light">
+  <a:themeElements>
+    <a:clrScheme name="Simple Light">
+      <a:dk1>
+        <a:srgbClr val="000000"/>
+      </a:dk1>
+      <a:lt1>
+        <a:srgbClr val="FFFFFF"/>
+      </a:lt1>
+      <a:dk2>
+        <a:srgbClr val="595959"/>
+      </a:dk2>
+      <a:lt2>
+        <a:srgbClr val="EEEEEE"/>
+      </a:lt2>
+      <a:accent1>
+        <a:srgbClr val="4285F4"/>
+      </a:accent1>
+      <a:accent2>
+        <a:srgbClr val="212121"/>
+      </a:accent2>
+      <a:accent3>
+        <a:srgbClr val="78909C"/>
+      </a:accent3>
+      <a:accent4>
+        <a:srgbClr val="FFAB40"/>
+      </a:accent4>
+      <a:accent5>
+        <a:srgbClr val="0097A7"/>
+      </a:accent5>
+      <a:accent6>
+        <a:srgbClr val="EEFF41"/>
+      </a:accent6>
+      <a:hlink>
+        <a:srgbClr val="0097A7"/>
+      </a:hlink>
+      <a:folHlink>
+        <a:srgbClr val="0097A7"/>
+      </a:folHlink>
+    </a:clrScheme>
+    <a:fontScheme name="Office">
+      <a:majorFont>
+        <a:latin typeface="Arial"/>
+        <a:ea typeface=""/>
+        <a:cs typeface=""/>
+        <a:font script="Jpan" typeface="ＭＳ Ｐゴシック"/>
+        <a:font script="Hang" typeface="맑은 고딕"/>
+        <a:font script="Hans" typeface="宋体"/>
+        <a:font script="Hant" typeface="新細明體"/>
+        <a:font script="Arab" typeface="Times New Roman"/>
+        <a:font script="Hebr" typeface="Times New Roman"/>
+        <a:font script="Thai" typeface="Angsana New"/>
+        <a:font script="Ethi" typeface="Nyala"/>
+        <a:font script="Beng" typeface="Vrinda"/>
+        <a:font script="Gujr" typeface="Shruti"/>
+        <a:font script="Khmr" typeface="MoolBoran"/>
+        <a:font script="Knda" typeface="Tunga"/>
+        <a:font script="Guru" typeface="Raavi"/>
+        <a:font script="Cans" typeface="Euphemia"/>
+        <a:font script="Cher" typeface="Plantagenet Cherokee"/>
+        <a:font script="Yiii" typeface="Microsoft Yi Baiti"/>
+        <a:font script="Tibt" typeface="Microsoft Himalaya"/>
+        <a:font script="Thaa" typeface="MV Boli"/>
+        <a:font script="Deva" typeface="Mangal"/>
+        <a:font script="Telu" typeface="Gautami"/>
+        <a:font script="Taml" typeface="Latha"/>
+        <a:font script="Syrc" typeface="Estrangelo Edessa"/>
+        <a:font script="Orya" typeface="Kalinga"/>
+        <a:font script="Mlym" typeface="Kartika"/>
+        <a:font script="Laoo" typeface="DokChampa"/>
+        <a:font script="Sinh" typeface="Iskoola Pota"/>
+        <a:font script="Mong" typeface="Mongolian Baiti"/>
+        <a:font script="Viet" typeface="Times New Roman"/>
+        <a:font script="Uigh" typeface="Microsoft Uighur"/>
+        <a:font script="Geor" typeface="Sylfaen"/>
+      </a:majorFont>
+      <a:minorFont>
+        <a:latin typeface="Arial"/>
+        <a:ea typeface=""/>
+        <a:cs typeface=""/>
+        <a:font script="Jpan" typeface="ＭＳ Ｐゴシック"/>
+        <a:font script="Hang" typeface="맑은 고딕"/>
+        <a:font script="Hans" typeface="宋体"/>
+        <a:font script="Hant" typeface="新細明體"/>
+        <a:font script="Arab" typeface="Arial"/>
+        <a:font script="Hebr" typeface="Arial"/>
+        <a:font script="Thai" typeface="Cordia New"/>
+        <a:font script="Ethi" typeface="Nyala"/>
+        <a:font script="Beng" typeface="Vrinda"/>
+        <a:font script="Gujr" typeface="Shruti"/>
+        <a:font script="Khmr" typeface="DaunPenh"/>
+        <a:font script="Knda" typeface="Tunga"/>
+        <a:font script="Guru" typeface="Raavi"/>
+        <a:font script="Cans" typeface="Euphemia"/>
+        <a:font script="Cher" typeface="Plantagenet Cherokee"/>
+        <a:font script="Yiii" typeface="Microsoft Yi Baiti"/>
+        <a:font script="Tibt" typeface="Microsoft Himalaya"/>
+        <a:font script="Thaa" typeface="MV Boli"/>
+        <a:font script="Deva" typeface="Mangal"/>
+        <a:font script="Telu" typeface="Gautami"/>
+        <a:font script="Taml" typeface="Latha"/>
+        <a:font script="Syrc" typeface="Estrangelo Edessa"/>
+        <a:font script="Orya" typeface="Kalinga"/>
+        <a:font script="Mlym" typeface="Kartika"/>
+        <a:font script="Laoo" typeface="DokChampa"/>
+        <a:font script="Sinh" typeface="Iskoola Pota"/>
+        <a:font script="Mong" typeface="Mongolian Baiti"/>
+        <a:font script="Viet" typeface="Arial"/>
+        <a:font script="Uigh" typeface="Microsoft Uighur"/>
+        <a:font script="Geor" typeface="Sylfaen"/>
+      </a:minorFont>
+    </a:fontScheme>
+    <a:fmtScheme name="Office">
+      <a:fillStyleLst>
+        <a:solidFill>
+          <a:schemeClr val="phClr"/>
+        </a:solidFill>
+        <a:gradFill rotWithShape="1">
+          <a:gsLst>
+            <a:gs pos="0">
+              <a:schemeClr val="phClr">
+                <a:tint val="50000"/>
+                <a:satMod val="300000"/>
+              </a:schemeClr>
+            </a:gs>
+            <a:gs pos="35000">
+              <a:schemeClr val="phClr">
+                <a:tint val="37000"/>
+                <a:satMod val="300000"/>
+              </a:schemeClr>
+            </a:gs>
+            <a:gs pos="100000">
+              <a:schemeClr val="phClr">
+                <a:tint val="15000"/>
+                <a:satMod val="350000"/>
+              </a:schemeClr>
+            </a:gs>
+          </a:gsLst>
+          <a:lin ang="16200000" scaled="1"/>
+        </a:gradFill>
+        <a:gradFill rotWithShape="1">
+          <a:gsLst>
+            <a:gs pos="0">
+              <a:schemeClr val="phClr">
+                <a:tint val="100000"/>
+                <a:shade val="100000"/>
+                <a:satMod val="130000"/>
+              </a:schemeClr>
+            </a:gs>
+            <a:gs pos="100000">
+              <a:schemeClr val="phClr">
+                <a:tint val="50000"/>
+                <a:shade val="100000"/>
+                <a:satMod val="350000"/>
+              </a:schemeClr>
+            </a:gs>
+          </a:gsLst>
+          <a:lin ang="16200000" scaled="0"/>
+        </a:gradFill>
+      </a:fillStyleLst>
+      <a:lnStyleLst>
+        <a:ln w="9525" cap="flat" cmpd="sng" algn="ctr">
+          <a:solidFill>
+            <a:schemeClr val="phClr">
+              <a:shade val="95000"/>
+              <a:satMod val="105000"/>
+            </a:schemeClr>
+          </a:solidFill>
+          <a:prstDash val="solid"/>
+        </a:ln>
+        <a:ln w="25400" cap="flat" cmpd="sng" algn="ctr">
+          <a:solidFill>
+            <a:schemeClr val="phClr"/>
+          </a:solidFill>
+          <a:prstDash val="solid"/>
+        </a:ln>
+        <a:ln w="38100" cap="flat" cmpd="sng" algn="ctr">
+          <a:solidFill>
+            <a:schemeClr val="phClr"/>
+          </a:solidFill>
+          <a:prstDash val="solid"/>
+        </a:ln>
+      </a:lnStyleLst>
+      <a:effectStyleLst>
+        <a:effectStyle>
+          <a:effectLst>
+            <a:outerShdw blurRad="40000" dist="20000" dir="5400000" rotWithShape="0">
+              <a:srgbClr val="000000">
+                <a:alpha val="38000"/>
+              </a:srgbClr>
+            </a:outerShdw>
+          </a:effectLst>
+        </a:effectStyle>
+        <a:effectStyle>
+          <a:effectLst>
+            <a:outerShdw blurRad="40000" dist="23000" dir="5400000" rotWithShape="0">
+              <a:srgbClr val="000000">
+                <a:alpha val="35000"/>
+              </a:srgbClr>
+            </a:outerShdw>
+          </a:effectLst>
+        </a:effectStyle>
+        <a:effectStyle>
+          <a:effectLst>
+            <a:outerShdw blurRad="40000" dist="23000" dir="5400000" rotWithShape="0">
+              <a:srgbClr val="000000">
+                <a:alpha val="35000"/>
+              </a:srgbClr>
+            </a:outerShdw>
+          </a:effectLst>
+          <a:scene3d>
+            <a:camera prst="orthographicFront">
+              <a:rot lat="0" lon="0" rev="0"/>
+            </a:camera>
+            <a:lightRig rig="threePt" dir="t">
+              <a:rot lat="0" lon="0" rev="1200000"/>
+            </a:lightRig>
+          </a:scene3d>
+          <a:sp3d>
+            <a:bevelT w="63500" h="25400"/>
+          </a:sp3d>
+        </a:effectStyle>
+      </a:effectStyleLst>
+      <a:bgFillStyleLst>
+        <a:solidFill>
+          <a:schemeClr val="phClr"/>
+        </a:solidFill>
+        <a:gradFill rotWithShape="1">
+          <a:gsLst>
+            <a:gs pos="0">
+              <a:schemeClr val="phClr">
+                <a:tint val="40000"/>
+                <a:satMod val="350000"/>
+              </a:schemeClr>
+            </a:gs>
+            <a:gs pos="40000">
+              <a:schemeClr val="phClr">
+                <a:tint val="45000"/>
+                <a:shade val="99000"/>
+                <a:satMod val="350000"/>
+              </a:schemeClr>
+            </a:gs>
+            <a:gs pos="100000">
+              <a:schemeClr val="phClr">
+                <a:shade val="20000"/>
+                <a:satMod val="255000"/>
+              </a:schemeClr>
+            </a:gs>
+          </a:gsLst>
+          <a:path path="circle">
+            <a:fillToRect l="50000" t="-80000" r="50000" b="180000"/>
+          </a:path>
+        </a:gradFill>
+        <a:gradFill rotWithShape="1">
+          <a:gsLst>
+            <a:gs pos="0">
+              <a:schemeClr val="phClr">
+                <a:tint val="80000"/>
+                <a:satMod val="300000"/>
+              </a:schemeClr>
+            </a:gs>
+            <a:gs pos="100000">
+              <a:schemeClr val="phClr">
+                <a:shade val="30000"/>
+                <a:satMod val="200000"/>
+              </a:schemeClr>
+            </a:gs>
+          </a:gsLst>
+          <a:path path="circle">
+            <a:fillToRect l="50000" t="50000" r="50000" b="50000"/>
+          </a:path>
+        </a:gradFill>
+      </a:bgFillStyleLst>
+    </a:fmtScheme>
+  </a:themeElements>
+  <a:objectDefaults/>
+  <a:extraClrSchemeLst/>
+</a:theme>
+</file>
+
+<file path=ppt/theme/theme2.xml><?xml version="1.0" encoding="utf-8"?>
+<a:theme xmlns:a="http://schemas.openxmlformats.org/drawingml/2006/main">
   <a:themeElements>
     <a:clrScheme name="Default">
       <a:dk1>
@@ -12603,284 +13103,7 @@
       </a:bgFillStyleLst>
     </a:fmtScheme>
   </a:themeElements>
-</a:theme>
-</file>
-
-<file path=ppt/theme/theme2.xml><?xml version="1.0" encoding="utf-8"?>
-<a:theme xmlns:a="http://schemas.openxmlformats.org/drawingml/2006/main" xmlns:r="http://schemas.openxmlformats.org/officeDocument/2006/relationships" name="Simple Light">
-  <a:themeElements>
-    <a:clrScheme name="Simple Light">
-      <a:dk1>
-        <a:srgbClr val="000000"/>
-      </a:dk1>
-      <a:lt1>
-        <a:srgbClr val="FFFFFF"/>
-      </a:lt1>
-      <a:dk2>
-        <a:srgbClr val="595959"/>
-      </a:dk2>
-      <a:lt2>
-        <a:srgbClr val="EEEEEE"/>
-      </a:lt2>
-      <a:accent1>
-        <a:srgbClr val="4285F4"/>
-      </a:accent1>
-      <a:accent2>
-        <a:srgbClr val="212121"/>
-      </a:accent2>
-      <a:accent3>
-        <a:srgbClr val="78909C"/>
-      </a:accent3>
-      <a:accent4>
-        <a:srgbClr val="FFAB40"/>
-      </a:accent4>
-      <a:accent5>
-        <a:srgbClr val="0097A7"/>
-      </a:accent5>
-      <a:accent6>
-        <a:srgbClr val="EEFF41"/>
-      </a:accent6>
-      <a:hlink>
-        <a:srgbClr val="0097A7"/>
-      </a:hlink>
-      <a:folHlink>
-        <a:srgbClr val="0097A7"/>
-      </a:folHlink>
-    </a:clrScheme>
-    <a:fontScheme name="Office">
-      <a:majorFont>
-        <a:latin typeface="Arial"/>
-        <a:ea typeface=""/>
-        <a:cs typeface=""/>
-        <a:font script="Jpan" typeface="ＭＳ Ｐゴシック"/>
-        <a:font script="Hang" typeface="맑은 고딕"/>
-        <a:font script="Hans" typeface="宋体"/>
-        <a:font script="Hant" typeface="新細明體"/>
-        <a:font script="Arab" typeface="Times New Roman"/>
-        <a:font script="Hebr" typeface="Times New Roman"/>
-        <a:font script="Thai" typeface="Angsana New"/>
-        <a:font script="Ethi" typeface="Nyala"/>
-        <a:font script="Beng" typeface="Vrinda"/>
-        <a:font script="Gujr" typeface="Shruti"/>
-        <a:font script="Khmr" typeface="MoolBoran"/>
-        <a:font script="Knda" typeface="Tunga"/>
-        <a:font script="Guru" typeface="Raavi"/>
-        <a:font script="Cans" typeface="Euphemia"/>
-        <a:font script="Cher" typeface="Plantagenet Cherokee"/>
-        <a:font script="Yiii" typeface="Microsoft Yi Baiti"/>
-        <a:font script="Tibt" typeface="Microsoft Himalaya"/>
-        <a:font script="Thaa" typeface="MV Boli"/>
-        <a:font script="Deva" typeface="Mangal"/>
-        <a:font script="Telu" typeface="Gautami"/>
-        <a:font script="Taml" typeface="Latha"/>
-        <a:font script="Syrc" typeface="Estrangelo Edessa"/>
-        <a:font script="Orya" typeface="Kalinga"/>
-        <a:font script="Mlym" typeface="Kartika"/>
-        <a:font script="Laoo" typeface="DokChampa"/>
-        <a:font script="Sinh" typeface="Iskoola Pota"/>
-        <a:font script="Mong" typeface="Mongolian Baiti"/>
-        <a:font script="Viet" typeface="Times New Roman"/>
-        <a:font script="Uigh" typeface="Microsoft Uighur"/>
-        <a:font script="Geor" typeface="Sylfaen"/>
-      </a:majorFont>
-      <a:minorFont>
-        <a:latin typeface="Arial"/>
-        <a:ea typeface=""/>
-        <a:cs typeface=""/>
-        <a:font script="Jpan" typeface="ＭＳ Ｐゴシック"/>
-        <a:font script="Hang" typeface="맑은 고딕"/>
-        <a:font script="Hans" typeface="宋体"/>
-        <a:font script="Hant" typeface="新細明體"/>
-        <a:font script="Arab" typeface="Arial"/>
-        <a:font script="Hebr" typeface="Arial"/>
-        <a:font script="Thai" typeface="Cordia New"/>
-        <a:font script="Ethi" typeface="Nyala"/>
-        <a:font script="Beng" typeface="Vrinda"/>
-        <a:font script="Gujr" typeface="Shruti"/>
-        <a:font script="Khmr" typeface="DaunPenh"/>
-        <a:font script="Knda" typeface="Tunga"/>
-        <a:font script="Guru" typeface="Raavi"/>
-        <a:font script="Cans" typeface="Euphemia"/>
-        <a:font script="Cher" typeface="Plantagenet Cherokee"/>
-        <a:font script="Yiii" typeface="Microsoft Yi Baiti"/>
-        <a:font script="Tibt" typeface="Microsoft Himalaya"/>
-        <a:font script="Thaa" typeface="MV Boli"/>
-        <a:font script="Deva" typeface="Mangal"/>
-        <a:font script="Telu" typeface="Gautami"/>
-        <a:font script="Taml" typeface="Latha"/>
-        <a:font script="Syrc" typeface="Estrangelo Edessa"/>
-        <a:font script="Orya" typeface="Kalinga"/>
-        <a:font script="Mlym" typeface="Kartika"/>
-        <a:font script="Laoo" typeface="DokChampa"/>
-        <a:font script="Sinh" typeface="Iskoola Pota"/>
-        <a:font script="Mong" typeface="Mongolian Baiti"/>
-        <a:font script="Viet" typeface="Arial"/>
-        <a:font script="Uigh" typeface="Microsoft Uighur"/>
-        <a:font script="Geor" typeface="Sylfaen"/>
-      </a:minorFont>
-    </a:fontScheme>
-    <a:fmtScheme name="Office">
-      <a:fillStyleLst>
-        <a:solidFill>
-          <a:schemeClr val="phClr"/>
-        </a:solidFill>
-        <a:gradFill rotWithShape="1">
-          <a:gsLst>
-            <a:gs pos="0">
-              <a:schemeClr val="phClr">
-                <a:tint val="50000"/>
-                <a:satMod val="300000"/>
-              </a:schemeClr>
-            </a:gs>
-            <a:gs pos="35000">
-              <a:schemeClr val="phClr">
-                <a:tint val="37000"/>
-                <a:satMod val="300000"/>
-              </a:schemeClr>
-            </a:gs>
-            <a:gs pos="100000">
-              <a:schemeClr val="phClr">
-                <a:tint val="15000"/>
-                <a:satMod val="350000"/>
-              </a:schemeClr>
-            </a:gs>
-          </a:gsLst>
-          <a:lin ang="16200000" scaled="1"/>
-        </a:gradFill>
-        <a:gradFill rotWithShape="1">
-          <a:gsLst>
-            <a:gs pos="0">
-              <a:schemeClr val="phClr">
-                <a:tint val="100000"/>
-                <a:shade val="100000"/>
-                <a:satMod val="130000"/>
-              </a:schemeClr>
-            </a:gs>
-            <a:gs pos="100000">
-              <a:schemeClr val="phClr">
-                <a:tint val="50000"/>
-                <a:shade val="100000"/>
-                <a:satMod val="350000"/>
-              </a:schemeClr>
-            </a:gs>
-          </a:gsLst>
-          <a:lin ang="16200000" scaled="0"/>
-        </a:gradFill>
-      </a:fillStyleLst>
-      <a:lnStyleLst>
-        <a:ln w="9525" cap="flat" cmpd="sng" algn="ctr">
-          <a:solidFill>
-            <a:schemeClr val="phClr">
-              <a:shade val="95000"/>
-              <a:satMod val="105000"/>
-            </a:schemeClr>
-          </a:solidFill>
-          <a:prstDash val="solid"/>
-        </a:ln>
-        <a:ln w="25400" cap="flat" cmpd="sng" algn="ctr">
-          <a:solidFill>
-            <a:schemeClr val="phClr"/>
-          </a:solidFill>
-          <a:prstDash val="solid"/>
-        </a:ln>
-        <a:ln w="38100" cap="flat" cmpd="sng" algn="ctr">
-          <a:solidFill>
-            <a:schemeClr val="phClr"/>
-          </a:solidFill>
-          <a:prstDash val="solid"/>
-        </a:ln>
-      </a:lnStyleLst>
-      <a:effectStyleLst>
-        <a:effectStyle>
-          <a:effectLst>
-            <a:outerShdw blurRad="40000" dist="20000" dir="5400000" rotWithShape="0">
-              <a:srgbClr val="000000">
-                <a:alpha val="38000"/>
-              </a:srgbClr>
-            </a:outerShdw>
-          </a:effectLst>
-        </a:effectStyle>
-        <a:effectStyle>
-          <a:effectLst>
-            <a:outerShdw blurRad="40000" dist="23000" dir="5400000" rotWithShape="0">
-              <a:srgbClr val="000000">
-                <a:alpha val="35000"/>
-              </a:srgbClr>
-            </a:outerShdw>
-          </a:effectLst>
-        </a:effectStyle>
-        <a:effectStyle>
-          <a:effectLst>
-            <a:outerShdw blurRad="40000" dist="23000" dir="5400000" rotWithShape="0">
-              <a:srgbClr val="000000">
-                <a:alpha val="35000"/>
-              </a:srgbClr>
-            </a:outerShdw>
-          </a:effectLst>
-          <a:scene3d>
-            <a:camera prst="orthographicFront">
-              <a:rot lat="0" lon="0" rev="0"/>
-            </a:camera>
-            <a:lightRig rig="threePt" dir="t">
-              <a:rot lat="0" lon="0" rev="1200000"/>
-            </a:lightRig>
-          </a:scene3d>
-          <a:sp3d>
-            <a:bevelT w="63500" h="25400"/>
-          </a:sp3d>
-        </a:effectStyle>
-      </a:effectStyleLst>
-      <a:bgFillStyleLst>
-        <a:solidFill>
-          <a:schemeClr val="phClr"/>
-        </a:solidFill>
-        <a:gradFill rotWithShape="1">
-          <a:gsLst>
-            <a:gs pos="0">
-              <a:schemeClr val="phClr">
-                <a:tint val="40000"/>
-                <a:satMod val="350000"/>
-              </a:schemeClr>
-            </a:gs>
-            <a:gs pos="40000">
-              <a:schemeClr val="phClr">
-                <a:tint val="45000"/>
-                <a:shade val="99000"/>
-                <a:satMod val="350000"/>
-              </a:schemeClr>
-            </a:gs>
-            <a:gs pos="100000">
-              <a:schemeClr val="phClr">
-                <a:shade val="20000"/>
-                <a:satMod val="255000"/>
-              </a:schemeClr>
-            </a:gs>
-          </a:gsLst>
-          <a:path path="circle">
-            <a:fillToRect l="50000" t="-80000" r="50000" b="180000"/>
-          </a:path>
-        </a:gradFill>
-        <a:gradFill rotWithShape="1">
-          <a:gsLst>
-            <a:gs pos="0">
-              <a:schemeClr val="phClr">
-                <a:tint val="80000"/>
-                <a:satMod val="300000"/>
-              </a:schemeClr>
-            </a:gs>
-            <a:gs pos="100000">
-              <a:schemeClr val="phClr">
-                <a:shade val="30000"/>
-                <a:satMod val="200000"/>
-              </a:schemeClr>
-            </a:gs>
-          </a:gsLst>
-          <a:path path="circle">
-            <a:fillToRect l="50000" t="50000" r="50000" b="50000"/>
-          </a:path>
-        </a:gradFill>
-      </a:bgFillStyleLst>
-    </a:fmtScheme>
-  </a:themeElements>
+  <a:objectDefaults/>
+  <a:extraClrSchemeLst/>
 </a:theme>
 </file>